--- a/Nawigacja w grach komputerowych.pptx
+++ b/Nawigacja w grach komputerowych.pptx
@@ -2,16 +2,16 @@
 <file path=ppt/presentation.xml><?xml version="1.0" encoding="utf-8"?>
 <p:presentation xmlns:a="http://schemas.openxmlformats.org/drawingml/2006/main" xmlns:r="http://schemas.openxmlformats.org/officeDocument/2006/relationships" xmlns:p="http://schemas.openxmlformats.org/presentationml/2006/main" saveSubsetFonts="1">
   <p:sldMasterIdLst>
-    <p:sldMasterId id="2147483648" r:id="rId1"/>
+    <p:sldMasterId id="2147483672" r:id="rId1"/>
   </p:sldMasterIdLst>
   <p:sldIdLst>
     <p:sldId id="256" r:id="rId2"/>
     <p:sldId id="257" r:id="rId3"/>
     <p:sldId id="260" r:id="rId4"/>
-    <p:sldId id="258" r:id="rId5"/>
-    <p:sldId id="259" r:id="rId6"/>
-    <p:sldId id="264" r:id="rId7"/>
-    <p:sldId id="265" r:id="rId8"/>
+    <p:sldId id="259" r:id="rId5"/>
+    <p:sldId id="264" r:id="rId6"/>
+    <p:sldId id="266" r:id="rId7"/>
+    <p:sldId id="267" r:id="rId8"/>
     <p:sldId id="261" r:id="rId9"/>
     <p:sldId id="262" r:id="rId10"/>
     <p:sldId id="263" r:id="rId11"/>
@@ -141,8 +141,13 @@
             </a:pPr>
             <a:r>
               <a:rPr lang="pl-PL"/>
-              <a:t>Środowisko 1</a:t>
-            </a:r>
+              <a:t>Środowisko</a:t>
+            </a:r>
+            <a:r>
+              <a:rPr lang="pl-PL" baseline="0"/>
+              <a:t> 3</a:t>
+            </a:r>
+            <a:endParaRPr lang="pl-PL"/>
           </a:p>
         </c:rich>
       </c:tx>
@@ -160,40 +165,40 @@
           <c:idx val="0"/>
           <c:order val="0"/>
           <c:tx>
-            <c:v>A*</c:v>
+            <c:v>50x50</c:v>
           </c:tx>
           <c:invertIfNegative val="0"/>
           <c:cat>
             <c:strRef>
-              <c:f>Arkusz1!$E$147:$G$147</c:f>
+              <c:f>(Arkusz4!$C$87,Arkusz4!$F$87,Arkusz4!$I$87)</c:f>
               <c:strCache>
                 <c:ptCount val="3"/>
                 <c:pt idx="0">
-                  <c:v>200x200</c:v>
+                  <c:v>Euclidean</c:v>
                 </c:pt>
                 <c:pt idx="1">
-                  <c:v>100x100</c:v>
+                  <c:v>Manhattan</c:v>
                 </c:pt>
                 <c:pt idx="2">
-                  <c:v>50x50</c:v>
+                  <c:v>Diagonal Manhattan</c:v>
                 </c:pt>
               </c:strCache>
             </c:strRef>
           </c:cat>
           <c:val>
             <c:numRef>
-              <c:f>Arkusz1!$B$143:$D$143</c:f>
+              <c:f>(Arkusz4!$C$99,Arkusz4!$F$99,Arkusz4!$I$99)</c:f>
               <c:numCache>
                 <c:formatCode>General</c:formatCode>
                 <c:ptCount val="3"/>
                 <c:pt idx="0">
-                  <c:v>44.892000000000003</c:v>
+                  <c:v>2.4990000000000001</c:v>
                 </c:pt>
                 <c:pt idx="1">
-                  <c:v>7.4729999999999999</c:v>
+                  <c:v>2.9029999999999996</c:v>
                 </c:pt>
                 <c:pt idx="2">
-                  <c:v>1.7</c:v>
+                  <c:v>2.0009999999999999</c:v>
                 </c:pt>
               </c:numCache>
             </c:numRef>
@@ -203,23 +208,49 @@
           <c:idx val="1"/>
           <c:order val="1"/>
           <c:tx>
-            <c:v>JPS</c:v>
+            <c:v>100x100</c:v>
           </c:tx>
           <c:invertIfNegative val="0"/>
           <c:val>
             <c:numRef>
-              <c:f>Arkusz1!$E$143:$G$143</c:f>
+              <c:f>(Arkusz4!$N$99,Arkusz4!$Q$99,Arkusz4!$T$99)</c:f>
               <c:numCache>
                 <c:formatCode>General</c:formatCode>
                 <c:ptCount val="3"/>
                 <c:pt idx="0">
-                  <c:v>25.574999999999999</c:v>
+                  <c:v>7.293000000000001</c:v>
                 </c:pt>
                 <c:pt idx="1">
-                  <c:v>6.8840000000000003</c:v>
+                  <c:v>11.501999999999999</c:v>
                 </c:pt>
                 <c:pt idx="2">
-                  <c:v>1.623</c:v>
+                  <c:v>7.2710000000000008</c:v>
+                </c:pt>
+              </c:numCache>
+            </c:numRef>
+          </c:val>
+        </c:ser>
+        <c:ser>
+          <c:idx val="2"/>
+          <c:order val="2"/>
+          <c:tx>
+            <c:v>200x200</c:v>
+          </c:tx>
+          <c:invertIfNegative val="0"/>
+          <c:val>
+            <c:numRef>
+              <c:f>(Arkusz4!$Y$99,Arkusz4!$AB$99,Arkusz4!$AE$99)</c:f>
+              <c:numCache>
+                <c:formatCode>General</c:formatCode>
+                <c:ptCount val="3"/>
+                <c:pt idx="0">
+                  <c:v>57.031999999999996</c:v>
+                </c:pt>
+                <c:pt idx="1">
+                  <c:v>78.484444444444435</c:v>
+                </c:pt>
+                <c:pt idx="2">
+                  <c:v>44.622999999999998</c:v>
                 </c:pt>
               </c:numCache>
             </c:numRef>
@@ -235,11 +266,11 @@
         </c:dLbls>
         <c:gapWidth val="75"/>
         <c:overlap val="-25"/>
-        <c:axId val="51531776"/>
-        <c:axId val="51533312"/>
+        <c:axId val="66665856"/>
+        <c:axId val="70763648"/>
       </c:barChart>
       <c:catAx>
-        <c:axId val="51531776"/>
+        <c:axId val="66665856"/>
         <c:scaling>
           <c:orientation val="minMax"/>
         </c:scaling>
@@ -248,7 +279,7 @@
         <c:majorTickMark val="none"/>
         <c:minorTickMark val="none"/>
         <c:tickLblPos val="nextTo"/>
-        <c:crossAx val="51533312"/>
+        <c:crossAx val="70763648"/>
         <c:crosses val="autoZero"/>
         <c:auto val="1"/>
         <c:lblAlgn val="ctr"/>
@@ -256,7 +287,7 @@
         <c:noMultiLvlLbl val="0"/>
       </c:catAx>
       <c:valAx>
-        <c:axId val="51533312"/>
+        <c:axId val="70763648"/>
         <c:scaling>
           <c:orientation val="minMax"/>
         </c:scaling>
@@ -273,10 +304,14 @@
                   <a:defRPr/>
                 </a:pPr>
                 <a:r>
-                  <a:rPr lang="pl-PL" dirty="0" smtClean="0"/>
-                  <a:t>Czas [ms]</a:t>
+                  <a:rPr lang="pl-PL"/>
+                  <a:t>Czas</a:t>
                 </a:r>
-                <a:endParaRPr lang="pl-PL" dirty="0"/>
+                <a:r>
+                  <a:rPr lang="pl-PL" baseline="0"/>
+                  <a:t> [ms]</a:t>
+                </a:r>
+                <a:endParaRPr lang="pl-PL"/>
               </a:p>
             </c:rich>
           </c:tx>
@@ -292,7 +327,7 @@
             <a:noFill/>
           </a:ln>
         </c:spPr>
-        <c:crossAx val="51531776"/>
+        <c:crossAx val="66665856"/>
         <c:crosses val="autoZero"/>
         <c:crossBetween val="between"/>
       </c:valAx>
@@ -337,6 +372,875 @@
             </a:pPr>
             <a:r>
               <a:rPr lang="pl-PL"/>
+              <a:t>Środowisko</a:t>
+            </a:r>
+            <a:r>
+              <a:rPr lang="pl-PL" baseline="0"/>
+              <a:t> 4</a:t>
+            </a:r>
+            <a:endParaRPr lang="pl-PL"/>
+          </a:p>
+        </c:rich>
+      </c:tx>
+      <c:layout/>
+      <c:overlay val="0"/>
+    </c:title>
+    <c:autoTitleDeleted val="0"/>
+    <c:plotArea>
+      <c:layout/>
+      <c:barChart>
+        <c:barDir val="col"/>
+        <c:grouping val="clustered"/>
+        <c:varyColors val="0"/>
+        <c:ser>
+          <c:idx val="0"/>
+          <c:order val="0"/>
+          <c:tx>
+            <c:v>50x50</c:v>
+          </c:tx>
+          <c:invertIfNegative val="0"/>
+          <c:cat>
+            <c:strRef>
+              <c:f>(Arkusz4!$C$125,Arkusz4!$F$125,Arkusz4!$I$125)</c:f>
+              <c:strCache>
+                <c:ptCount val="3"/>
+                <c:pt idx="0">
+                  <c:v>Euclidean</c:v>
+                </c:pt>
+                <c:pt idx="1">
+                  <c:v>Manhattan</c:v>
+                </c:pt>
+                <c:pt idx="2">
+                  <c:v>Diagonal Manhattan</c:v>
+                </c:pt>
+              </c:strCache>
+            </c:strRef>
+          </c:cat>
+          <c:val>
+            <c:numRef>
+              <c:f>(Arkusz4!$C$137,Arkusz4!$F$137,Arkusz4!$I$137)</c:f>
+              <c:numCache>
+                <c:formatCode>General</c:formatCode>
+                <c:ptCount val="3"/>
+                <c:pt idx="0">
+                  <c:v>3.8009999999999997</c:v>
+                </c:pt>
+                <c:pt idx="1">
+                  <c:v>5.4029999999999996</c:v>
+                </c:pt>
+                <c:pt idx="2">
+                  <c:v>4.0009999999999994</c:v>
+                </c:pt>
+              </c:numCache>
+            </c:numRef>
+          </c:val>
+        </c:ser>
+        <c:ser>
+          <c:idx val="1"/>
+          <c:order val="1"/>
+          <c:tx>
+            <c:v>100x100</c:v>
+          </c:tx>
+          <c:invertIfNegative val="0"/>
+          <c:val>
+            <c:numRef>
+              <c:f>(Arkusz4!$N$137,Arkusz4!$Q$137,Arkusz4!$T$137)</c:f>
+              <c:numCache>
+                <c:formatCode>General</c:formatCode>
+                <c:ptCount val="3"/>
+                <c:pt idx="0">
+                  <c:v>12.205000000000002</c:v>
+                </c:pt>
+                <c:pt idx="1">
+                  <c:v>35.075000000000003</c:v>
+                </c:pt>
+                <c:pt idx="2">
+                  <c:v>12.215</c:v>
+                </c:pt>
+              </c:numCache>
+            </c:numRef>
+          </c:val>
+        </c:ser>
+        <c:ser>
+          <c:idx val="2"/>
+          <c:order val="2"/>
+          <c:tx>
+            <c:v>200x200</c:v>
+          </c:tx>
+          <c:invertIfNegative val="0"/>
+          <c:val>
+            <c:numRef>
+              <c:f>(Arkusz4!$Y$137,Arkusz4!$AB$137,Arkusz4!$AE$137)</c:f>
+              <c:numCache>
+                <c:formatCode>General</c:formatCode>
+                <c:ptCount val="3"/>
+                <c:pt idx="0">
+                  <c:v>52.85</c:v>
+                </c:pt>
+                <c:pt idx="1">
+                  <c:v>126.523</c:v>
+                </c:pt>
+                <c:pt idx="2">
+                  <c:v>47.024999999999999</c:v>
+                </c:pt>
+              </c:numCache>
+            </c:numRef>
+          </c:val>
+        </c:ser>
+        <c:dLbls>
+          <c:showLegendKey val="0"/>
+          <c:showVal val="0"/>
+          <c:showCatName val="0"/>
+          <c:showSerName val="0"/>
+          <c:showPercent val="0"/>
+          <c:showBubbleSize val="0"/>
+        </c:dLbls>
+        <c:gapWidth val="75"/>
+        <c:overlap val="-25"/>
+        <c:axId val="36361728"/>
+        <c:axId val="36363264"/>
+      </c:barChart>
+      <c:catAx>
+        <c:axId val="36361728"/>
+        <c:scaling>
+          <c:orientation val="minMax"/>
+        </c:scaling>
+        <c:delete val="0"/>
+        <c:axPos val="b"/>
+        <c:majorTickMark val="none"/>
+        <c:minorTickMark val="none"/>
+        <c:tickLblPos val="nextTo"/>
+        <c:crossAx val="36363264"/>
+        <c:crosses val="autoZero"/>
+        <c:auto val="1"/>
+        <c:lblAlgn val="ctr"/>
+        <c:lblOffset val="100"/>
+        <c:noMultiLvlLbl val="0"/>
+      </c:catAx>
+      <c:valAx>
+        <c:axId val="36363264"/>
+        <c:scaling>
+          <c:orientation val="minMax"/>
+        </c:scaling>
+        <c:delete val="0"/>
+        <c:axPos val="l"/>
+        <c:majorGridlines/>
+        <c:title>
+          <c:tx>
+            <c:rich>
+              <a:bodyPr rot="-5400000" vert="horz"/>
+              <a:lstStyle/>
+              <a:p>
+                <a:pPr>
+                  <a:defRPr/>
+                </a:pPr>
+                <a:r>
+                  <a:rPr lang="pl-PL"/>
+                  <a:t>Czas [ms]</a:t>
+                </a:r>
+              </a:p>
+            </c:rich>
+          </c:tx>
+          <c:layout/>
+          <c:overlay val="0"/>
+        </c:title>
+        <c:numFmt formatCode="General" sourceLinked="1"/>
+        <c:majorTickMark val="none"/>
+        <c:minorTickMark val="none"/>
+        <c:tickLblPos val="nextTo"/>
+        <c:spPr>
+          <a:ln w="9525">
+            <a:noFill/>
+          </a:ln>
+        </c:spPr>
+        <c:crossAx val="36361728"/>
+        <c:crosses val="autoZero"/>
+        <c:crossBetween val="between"/>
+      </c:valAx>
+    </c:plotArea>
+    <c:legend>
+      <c:legendPos val="b"/>
+      <c:layout/>
+      <c:overlay val="0"/>
+    </c:legend>
+    <c:plotVisOnly val="1"/>
+    <c:dispBlanksAs val="gap"/>
+    <c:showDLblsOverMax val="0"/>
+  </c:chart>
+  <c:externalData r:id="rId1">
+    <c:autoUpdate val="0"/>
+  </c:externalData>
+</c:chartSpace>
+</file>
+
+<file path=ppt/charts/chart3.xml><?xml version="1.0" encoding="utf-8"?>
+<c:chartSpace xmlns:c="http://schemas.openxmlformats.org/drawingml/2006/chart" xmlns:a="http://schemas.openxmlformats.org/drawingml/2006/main" xmlns:r="http://schemas.openxmlformats.org/officeDocument/2006/relationships">
+  <c:date1904 val="0"/>
+  <c:lang val="pl-PL"/>
+  <c:roundedCorners val="0"/>
+  <mc:AlternateContent xmlns:mc="http://schemas.openxmlformats.org/markup-compatibility/2006">
+    <mc:Choice xmlns:c14="http://schemas.microsoft.com/office/drawing/2007/8/2/chart" Requires="c14">
+      <c14:style val="102"/>
+    </mc:Choice>
+    <mc:Fallback>
+      <c:style val="2"/>
+    </mc:Fallback>
+  </mc:AlternateContent>
+  <c:chart>
+    <c:title>
+      <c:tx>
+        <c:rich>
+          <a:bodyPr/>
+          <a:lstStyle/>
+          <a:p>
+            <a:pPr>
+              <a:defRPr/>
+            </a:pPr>
+            <a:r>
+              <a:rPr lang="pl-PL"/>
+              <a:t>Środowisko</a:t>
+            </a:r>
+            <a:r>
+              <a:rPr lang="pl-PL" baseline="0"/>
+              <a:t> 2</a:t>
+            </a:r>
+            <a:endParaRPr lang="pl-PL"/>
+          </a:p>
+        </c:rich>
+      </c:tx>
+      <c:layout/>
+      <c:overlay val="0"/>
+    </c:title>
+    <c:autoTitleDeleted val="0"/>
+    <c:plotArea>
+      <c:layout/>
+      <c:barChart>
+        <c:barDir val="col"/>
+        <c:grouping val="clustered"/>
+        <c:varyColors val="0"/>
+        <c:ser>
+          <c:idx val="0"/>
+          <c:order val="0"/>
+          <c:tx>
+            <c:v>50x50</c:v>
+          </c:tx>
+          <c:invertIfNegative val="0"/>
+          <c:cat>
+            <c:strRef>
+              <c:f>(Arkusz4!$C$48,Arkusz4!$F$48,Arkusz4!$I$48)</c:f>
+              <c:strCache>
+                <c:ptCount val="3"/>
+                <c:pt idx="0">
+                  <c:v>Euclidean</c:v>
+                </c:pt>
+                <c:pt idx="1">
+                  <c:v>Manhattan</c:v>
+                </c:pt>
+                <c:pt idx="2">
+                  <c:v>Diagonal Manhattan</c:v>
+                </c:pt>
+              </c:strCache>
+            </c:strRef>
+          </c:cat>
+          <c:val>
+            <c:numRef>
+              <c:f>(Arkusz4!$C$60,Arkusz4!$F$60,Arkusz4!$I$60)</c:f>
+              <c:numCache>
+                <c:formatCode>General</c:formatCode>
+                <c:ptCount val="3"/>
+                <c:pt idx="0">
+                  <c:v>1.8989999999999998</c:v>
+                </c:pt>
+                <c:pt idx="1">
+                  <c:v>2.4980000000000002</c:v>
+                </c:pt>
+                <c:pt idx="2">
+                  <c:v>1.7</c:v>
+                </c:pt>
+              </c:numCache>
+            </c:numRef>
+          </c:val>
+        </c:ser>
+        <c:ser>
+          <c:idx val="1"/>
+          <c:order val="1"/>
+          <c:tx>
+            <c:v>100x100</c:v>
+          </c:tx>
+          <c:invertIfNegative val="0"/>
+          <c:val>
+            <c:numRef>
+              <c:f>(Arkusz4!$N$60,Arkusz4!$Q$60,Arkusz4!$T$60)</c:f>
+              <c:numCache>
+                <c:formatCode>General</c:formatCode>
+                <c:ptCount val="3"/>
+                <c:pt idx="0">
+                  <c:v>8.1969999999999992</c:v>
+                </c:pt>
+                <c:pt idx="1">
+                  <c:v>10.190999999999999</c:v>
+                </c:pt>
+                <c:pt idx="2">
+                  <c:v>8.6740000000000013</c:v>
+                </c:pt>
+              </c:numCache>
+            </c:numRef>
+          </c:val>
+        </c:ser>
+        <c:ser>
+          <c:idx val="2"/>
+          <c:order val="2"/>
+          <c:tx>
+            <c:v>200x200</c:v>
+          </c:tx>
+          <c:invertIfNegative val="0"/>
+          <c:val>
+            <c:numRef>
+              <c:f>(Arkusz4!$Y$60,Arkusz4!$AB$60,Arkusz4!$AE$60)</c:f>
+              <c:numCache>
+                <c:formatCode>General</c:formatCode>
+                <c:ptCount val="3"/>
+                <c:pt idx="0">
+                  <c:v>34.149000000000001</c:v>
+                </c:pt>
+                <c:pt idx="1">
+                  <c:v>47.316000000000003</c:v>
+                </c:pt>
+                <c:pt idx="2">
+                  <c:v>33.353000000000002</c:v>
+                </c:pt>
+              </c:numCache>
+            </c:numRef>
+          </c:val>
+        </c:ser>
+        <c:dLbls>
+          <c:showLegendKey val="0"/>
+          <c:showVal val="0"/>
+          <c:showCatName val="0"/>
+          <c:showSerName val="0"/>
+          <c:showPercent val="0"/>
+          <c:showBubbleSize val="0"/>
+        </c:dLbls>
+        <c:gapWidth val="75"/>
+        <c:overlap val="-25"/>
+        <c:axId val="46710784"/>
+        <c:axId val="46712704"/>
+      </c:barChart>
+      <c:catAx>
+        <c:axId val="46710784"/>
+        <c:scaling>
+          <c:orientation val="minMax"/>
+        </c:scaling>
+        <c:delete val="0"/>
+        <c:axPos val="b"/>
+        <c:majorTickMark val="none"/>
+        <c:minorTickMark val="none"/>
+        <c:tickLblPos val="nextTo"/>
+        <c:crossAx val="46712704"/>
+        <c:crosses val="autoZero"/>
+        <c:auto val="1"/>
+        <c:lblAlgn val="ctr"/>
+        <c:lblOffset val="100"/>
+        <c:noMultiLvlLbl val="0"/>
+      </c:catAx>
+      <c:valAx>
+        <c:axId val="46712704"/>
+        <c:scaling>
+          <c:orientation val="minMax"/>
+        </c:scaling>
+        <c:delete val="0"/>
+        <c:axPos val="l"/>
+        <c:majorGridlines/>
+        <c:title>
+          <c:tx>
+            <c:rich>
+              <a:bodyPr rot="-5400000" vert="horz"/>
+              <a:lstStyle/>
+              <a:p>
+                <a:pPr>
+                  <a:defRPr/>
+                </a:pPr>
+                <a:r>
+                  <a:rPr lang="pl-PL"/>
+                  <a:t>Czas [ms]</a:t>
+                </a:r>
+              </a:p>
+            </c:rich>
+          </c:tx>
+          <c:layout/>
+          <c:overlay val="0"/>
+        </c:title>
+        <c:numFmt formatCode="General" sourceLinked="1"/>
+        <c:majorTickMark val="none"/>
+        <c:minorTickMark val="none"/>
+        <c:tickLblPos val="nextTo"/>
+        <c:spPr>
+          <a:ln w="9525">
+            <a:noFill/>
+          </a:ln>
+        </c:spPr>
+        <c:crossAx val="46710784"/>
+        <c:crosses val="autoZero"/>
+        <c:crossBetween val="between"/>
+      </c:valAx>
+    </c:plotArea>
+    <c:legend>
+      <c:legendPos val="b"/>
+      <c:layout/>
+      <c:overlay val="0"/>
+    </c:legend>
+    <c:plotVisOnly val="1"/>
+    <c:dispBlanksAs val="gap"/>
+    <c:showDLblsOverMax val="0"/>
+  </c:chart>
+  <c:externalData r:id="rId1">
+    <c:autoUpdate val="0"/>
+  </c:externalData>
+</c:chartSpace>
+</file>
+
+<file path=ppt/charts/chart4.xml><?xml version="1.0" encoding="utf-8"?>
+<c:chartSpace xmlns:c="http://schemas.openxmlformats.org/drawingml/2006/chart" xmlns:a="http://schemas.openxmlformats.org/drawingml/2006/main" xmlns:r="http://schemas.openxmlformats.org/officeDocument/2006/relationships">
+  <c:date1904 val="0"/>
+  <c:lang val="pl-PL"/>
+  <c:roundedCorners val="0"/>
+  <mc:AlternateContent xmlns:mc="http://schemas.openxmlformats.org/markup-compatibility/2006">
+    <mc:Choice xmlns:c14="http://schemas.microsoft.com/office/drawing/2007/8/2/chart" Requires="c14">
+      <c14:style val="102"/>
+    </mc:Choice>
+    <mc:Fallback>
+      <c:style val="2"/>
+    </mc:Fallback>
+  </mc:AlternateContent>
+  <c:chart>
+    <c:title>
+      <c:tx>
+        <c:rich>
+          <a:bodyPr/>
+          <a:lstStyle/>
+          <a:p>
+            <a:pPr>
+              <a:defRPr/>
+            </a:pPr>
+            <a:r>
+              <a:rPr lang="pl-PL"/>
+              <a:t>Środowisko 1</a:t>
+            </a:r>
+          </a:p>
+        </c:rich>
+      </c:tx>
+      <c:layout/>
+      <c:overlay val="0"/>
+    </c:title>
+    <c:autoTitleDeleted val="0"/>
+    <c:plotArea>
+      <c:layout/>
+      <c:barChart>
+        <c:barDir val="col"/>
+        <c:grouping val="clustered"/>
+        <c:varyColors val="0"/>
+        <c:ser>
+          <c:idx val="0"/>
+          <c:order val="0"/>
+          <c:tx>
+            <c:v>50x50</c:v>
+          </c:tx>
+          <c:invertIfNegative val="0"/>
+          <c:cat>
+            <c:strRef>
+              <c:f>(Arkusz4!$B$7,Arkusz4!$E$7,Arkusz4!$H$7)</c:f>
+              <c:strCache>
+                <c:ptCount val="3"/>
+                <c:pt idx="0">
+                  <c:v>Euclidean</c:v>
+                </c:pt>
+                <c:pt idx="1">
+                  <c:v>Manhattan</c:v>
+                </c:pt>
+                <c:pt idx="2">
+                  <c:v>Diagonal Manhattan</c:v>
+                </c:pt>
+              </c:strCache>
+            </c:strRef>
+          </c:cat>
+          <c:val>
+            <c:numRef>
+              <c:f>(Arkusz4!$B$19,Arkusz4!$E$19,Arkusz4!$H$19)</c:f>
+              <c:numCache>
+                <c:formatCode>General</c:formatCode>
+                <c:ptCount val="3"/>
+                <c:pt idx="0">
+                  <c:v>1.7</c:v>
+                </c:pt>
+                <c:pt idx="1">
+                  <c:v>2.4989999999999997</c:v>
+                </c:pt>
+                <c:pt idx="2">
+                  <c:v>1.9009999999999998</c:v>
+                </c:pt>
+              </c:numCache>
+            </c:numRef>
+          </c:val>
+        </c:ser>
+        <c:ser>
+          <c:idx val="1"/>
+          <c:order val="1"/>
+          <c:tx>
+            <c:v>100x100</c:v>
+          </c:tx>
+          <c:invertIfNegative val="0"/>
+          <c:val>
+            <c:numRef>
+              <c:f>(Arkusz4!$M$19,Arkusz4!$P$19,Arkusz4!$S$19)</c:f>
+              <c:numCache>
+                <c:formatCode>General</c:formatCode>
+                <c:ptCount val="3"/>
+                <c:pt idx="0">
+                  <c:v>6.5970000000000013</c:v>
+                </c:pt>
+                <c:pt idx="1">
+                  <c:v>9.9830000000000005</c:v>
+                </c:pt>
+                <c:pt idx="2">
+                  <c:v>11.403000000000002</c:v>
+                </c:pt>
+              </c:numCache>
+            </c:numRef>
+          </c:val>
+        </c:ser>
+        <c:ser>
+          <c:idx val="2"/>
+          <c:order val="2"/>
+          <c:tx>
+            <c:v>200x200</c:v>
+          </c:tx>
+          <c:invertIfNegative val="0"/>
+          <c:val>
+            <c:numRef>
+              <c:f>(Arkusz4!$X$19,Arkusz4!$AA$19,Arkusz4!$AD$19)</c:f>
+              <c:numCache>
+                <c:formatCode>General</c:formatCode>
+                <c:ptCount val="3"/>
+                <c:pt idx="0">
+                  <c:v>35.418999999999997</c:v>
+                </c:pt>
+                <c:pt idx="1">
+                  <c:v>54.819999999999993</c:v>
+                </c:pt>
+                <c:pt idx="2">
+                  <c:v>49.433000000000007</c:v>
+                </c:pt>
+              </c:numCache>
+            </c:numRef>
+          </c:val>
+        </c:ser>
+        <c:dLbls>
+          <c:showLegendKey val="0"/>
+          <c:showVal val="0"/>
+          <c:showCatName val="0"/>
+          <c:showSerName val="0"/>
+          <c:showPercent val="0"/>
+          <c:showBubbleSize val="0"/>
+        </c:dLbls>
+        <c:gapWidth val="75"/>
+        <c:overlap val="-25"/>
+        <c:axId val="75780864"/>
+        <c:axId val="75782400"/>
+      </c:barChart>
+      <c:catAx>
+        <c:axId val="75780864"/>
+        <c:scaling>
+          <c:orientation val="minMax"/>
+        </c:scaling>
+        <c:delete val="0"/>
+        <c:axPos val="b"/>
+        <c:majorTickMark val="none"/>
+        <c:minorTickMark val="none"/>
+        <c:tickLblPos val="nextTo"/>
+        <c:crossAx val="75782400"/>
+        <c:crosses val="autoZero"/>
+        <c:auto val="1"/>
+        <c:lblAlgn val="ctr"/>
+        <c:lblOffset val="100"/>
+        <c:noMultiLvlLbl val="0"/>
+      </c:catAx>
+      <c:valAx>
+        <c:axId val="75782400"/>
+        <c:scaling>
+          <c:orientation val="minMax"/>
+        </c:scaling>
+        <c:delete val="0"/>
+        <c:axPos val="l"/>
+        <c:majorGridlines/>
+        <c:title>
+          <c:tx>
+            <c:rich>
+              <a:bodyPr rot="-5400000" vert="horz"/>
+              <a:lstStyle/>
+              <a:p>
+                <a:pPr>
+                  <a:defRPr/>
+                </a:pPr>
+                <a:r>
+                  <a:rPr lang="pl-PL"/>
+                  <a:t>Czas [ms]</a:t>
+                </a:r>
+              </a:p>
+            </c:rich>
+          </c:tx>
+          <c:layout/>
+          <c:overlay val="0"/>
+        </c:title>
+        <c:numFmt formatCode="General" sourceLinked="1"/>
+        <c:majorTickMark val="none"/>
+        <c:minorTickMark val="none"/>
+        <c:tickLblPos val="nextTo"/>
+        <c:spPr>
+          <a:ln w="9525">
+            <a:noFill/>
+          </a:ln>
+        </c:spPr>
+        <c:crossAx val="75780864"/>
+        <c:crosses val="autoZero"/>
+        <c:crossBetween val="between"/>
+      </c:valAx>
+    </c:plotArea>
+    <c:legend>
+      <c:legendPos val="b"/>
+      <c:layout/>
+      <c:overlay val="0"/>
+    </c:legend>
+    <c:plotVisOnly val="1"/>
+    <c:dispBlanksAs val="gap"/>
+    <c:showDLblsOverMax val="0"/>
+  </c:chart>
+  <c:externalData r:id="rId1">
+    <c:autoUpdate val="0"/>
+  </c:externalData>
+</c:chartSpace>
+</file>
+
+<file path=ppt/charts/chart5.xml><?xml version="1.0" encoding="utf-8"?>
+<c:chartSpace xmlns:c="http://schemas.openxmlformats.org/drawingml/2006/chart" xmlns:a="http://schemas.openxmlformats.org/drawingml/2006/main" xmlns:r="http://schemas.openxmlformats.org/officeDocument/2006/relationships">
+  <c:date1904 val="0"/>
+  <c:lang val="pl-PL"/>
+  <c:roundedCorners val="0"/>
+  <mc:AlternateContent xmlns:mc="http://schemas.openxmlformats.org/markup-compatibility/2006">
+    <mc:Choice xmlns:c14="http://schemas.microsoft.com/office/drawing/2007/8/2/chart" Requires="c14">
+      <c14:style val="102"/>
+    </mc:Choice>
+    <mc:Fallback>
+      <c:style val="2"/>
+    </mc:Fallback>
+  </mc:AlternateContent>
+  <c:chart>
+    <c:title>
+      <c:tx>
+        <c:rich>
+          <a:bodyPr/>
+          <a:lstStyle/>
+          <a:p>
+            <a:pPr>
+              <a:defRPr/>
+            </a:pPr>
+            <a:r>
+              <a:rPr lang="pl-PL"/>
+              <a:t>Środowisko 1</a:t>
+            </a:r>
+          </a:p>
+        </c:rich>
+      </c:tx>
+      <c:layout/>
+      <c:overlay val="0"/>
+    </c:title>
+    <c:autoTitleDeleted val="0"/>
+    <c:plotArea>
+      <c:layout/>
+      <c:barChart>
+        <c:barDir val="col"/>
+        <c:grouping val="clustered"/>
+        <c:varyColors val="0"/>
+        <c:ser>
+          <c:idx val="0"/>
+          <c:order val="0"/>
+          <c:tx>
+            <c:v>A*</c:v>
+          </c:tx>
+          <c:invertIfNegative val="0"/>
+          <c:cat>
+            <c:strRef>
+              <c:f>Arkusz1!$E$147:$G$147</c:f>
+              <c:strCache>
+                <c:ptCount val="3"/>
+                <c:pt idx="0">
+                  <c:v>200x200</c:v>
+                </c:pt>
+                <c:pt idx="1">
+                  <c:v>100x100</c:v>
+                </c:pt>
+                <c:pt idx="2">
+                  <c:v>50x50</c:v>
+                </c:pt>
+              </c:strCache>
+            </c:strRef>
+          </c:cat>
+          <c:val>
+            <c:numRef>
+              <c:f>Arkusz1!$B$143:$D$143</c:f>
+              <c:numCache>
+                <c:formatCode>General</c:formatCode>
+                <c:ptCount val="3"/>
+                <c:pt idx="0">
+                  <c:v>44.892000000000003</c:v>
+                </c:pt>
+                <c:pt idx="1">
+                  <c:v>7.4729999999999999</c:v>
+                </c:pt>
+                <c:pt idx="2">
+                  <c:v>1.7</c:v>
+                </c:pt>
+              </c:numCache>
+            </c:numRef>
+          </c:val>
+        </c:ser>
+        <c:ser>
+          <c:idx val="1"/>
+          <c:order val="1"/>
+          <c:tx>
+            <c:v>JPS</c:v>
+          </c:tx>
+          <c:invertIfNegative val="0"/>
+          <c:val>
+            <c:numRef>
+              <c:f>Arkusz1!$E$143:$G$143</c:f>
+              <c:numCache>
+                <c:formatCode>General</c:formatCode>
+                <c:ptCount val="3"/>
+                <c:pt idx="0">
+                  <c:v>25.574999999999999</c:v>
+                </c:pt>
+                <c:pt idx="1">
+                  <c:v>6.8840000000000003</c:v>
+                </c:pt>
+                <c:pt idx="2">
+                  <c:v>1.623</c:v>
+                </c:pt>
+              </c:numCache>
+            </c:numRef>
+          </c:val>
+        </c:ser>
+        <c:dLbls>
+          <c:showLegendKey val="0"/>
+          <c:showVal val="0"/>
+          <c:showCatName val="0"/>
+          <c:showSerName val="0"/>
+          <c:showPercent val="0"/>
+          <c:showBubbleSize val="0"/>
+        </c:dLbls>
+        <c:gapWidth val="75"/>
+        <c:overlap val="-25"/>
+        <c:axId val="96744960"/>
+        <c:axId val="96746496"/>
+      </c:barChart>
+      <c:catAx>
+        <c:axId val="96744960"/>
+        <c:scaling>
+          <c:orientation val="minMax"/>
+        </c:scaling>
+        <c:delete val="0"/>
+        <c:axPos val="b"/>
+        <c:majorTickMark val="none"/>
+        <c:minorTickMark val="none"/>
+        <c:tickLblPos val="nextTo"/>
+        <c:crossAx val="96746496"/>
+        <c:crosses val="autoZero"/>
+        <c:auto val="1"/>
+        <c:lblAlgn val="ctr"/>
+        <c:lblOffset val="100"/>
+        <c:noMultiLvlLbl val="0"/>
+      </c:catAx>
+      <c:valAx>
+        <c:axId val="96746496"/>
+        <c:scaling>
+          <c:orientation val="minMax"/>
+        </c:scaling>
+        <c:delete val="0"/>
+        <c:axPos val="l"/>
+        <c:majorGridlines/>
+        <c:title>
+          <c:tx>
+            <c:rich>
+              <a:bodyPr rot="-5400000" vert="horz"/>
+              <a:lstStyle/>
+              <a:p>
+                <a:pPr>
+                  <a:defRPr/>
+                </a:pPr>
+                <a:r>
+                  <a:rPr lang="pl-PL" dirty="0" smtClean="0"/>
+                  <a:t>Czas [ms]</a:t>
+                </a:r>
+                <a:endParaRPr lang="pl-PL" dirty="0"/>
+              </a:p>
+            </c:rich>
+          </c:tx>
+          <c:layout/>
+          <c:overlay val="0"/>
+        </c:title>
+        <c:numFmt formatCode="General" sourceLinked="1"/>
+        <c:majorTickMark val="none"/>
+        <c:minorTickMark val="none"/>
+        <c:tickLblPos val="nextTo"/>
+        <c:spPr>
+          <a:ln w="9525">
+            <a:noFill/>
+          </a:ln>
+        </c:spPr>
+        <c:crossAx val="96744960"/>
+        <c:crosses val="autoZero"/>
+        <c:crossBetween val="between"/>
+      </c:valAx>
+    </c:plotArea>
+    <c:legend>
+      <c:legendPos val="b"/>
+      <c:layout/>
+      <c:overlay val="0"/>
+    </c:legend>
+    <c:plotVisOnly val="1"/>
+    <c:dispBlanksAs val="gap"/>
+    <c:showDLblsOverMax val="0"/>
+  </c:chart>
+  <c:externalData r:id="rId1">
+    <c:autoUpdate val="0"/>
+  </c:externalData>
+</c:chartSpace>
+</file>
+
+<file path=ppt/charts/chart6.xml><?xml version="1.0" encoding="utf-8"?>
+<c:chartSpace xmlns:c="http://schemas.openxmlformats.org/drawingml/2006/chart" xmlns:a="http://schemas.openxmlformats.org/drawingml/2006/main" xmlns:r="http://schemas.openxmlformats.org/officeDocument/2006/relationships">
+  <c:date1904 val="0"/>
+  <c:lang val="pl-PL"/>
+  <c:roundedCorners val="0"/>
+  <mc:AlternateContent xmlns:mc="http://schemas.openxmlformats.org/markup-compatibility/2006">
+    <mc:Choice xmlns:c14="http://schemas.microsoft.com/office/drawing/2007/8/2/chart" Requires="c14">
+      <c14:style val="102"/>
+    </mc:Choice>
+    <mc:Fallback>
+      <c:style val="2"/>
+    </mc:Fallback>
+  </mc:AlternateContent>
+  <c:chart>
+    <c:title>
+      <c:tx>
+        <c:rich>
+          <a:bodyPr/>
+          <a:lstStyle/>
+          <a:p>
+            <a:pPr>
+              <a:defRPr/>
+            </a:pPr>
+            <a:r>
+              <a:rPr lang="pl-PL"/>
               <a:t>Środowisko 2</a:t>
             </a:r>
           </a:p>
@@ -431,11 +1335,11 @@
         </c:dLbls>
         <c:gapWidth val="75"/>
         <c:overlap val="-25"/>
-        <c:axId val="46462080"/>
-        <c:axId val="46463616"/>
+        <c:axId val="39481728"/>
+        <c:axId val="39483264"/>
       </c:barChart>
       <c:catAx>
-        <c:axId val="46462080"/>
+        <c:axId val="39481728"/>
         <c:scaling>
           <c:orientation val="minMax"/>
         </c:scaling>
@@ -444,7 +1348,7 @@
         <c:majorTickMark val="none"/>
         <c:minorTickMark val="none"/>
         <c:tickLblPos val="nextTo"/>
-        <c:crossAx val="46463616"/>
+        <c:crossAx val="39483264"/>
         <c:crosses val="autoZero"/>
         <c:auto val="1"/>
         <c:lblAlgn val="ctr"/>
@@ -452,7 +1356,7 @@
         <c:noMultiLvlLbl val="0"/>
       </c:catAx>
       <c:valAx>
-        <c:axId val="46463616"/>
+        <c:axId val="39483264"/>
         <c:scaling>
           <c:orientation val="minMax"/>
         </c:scaling>
@@ -492,7 +1396,7 @@
             <a:noFill/>
           </a:ln>
         </c:spPr>
-        <c:crossAx val="46462080"/>
+        <c:crossAx val="39481728"/>
         <c:crosses val="autoZero"/>
         <c:crossBetween val="between"/>
       </c:valAx>
@@ -512,7 +1416,7 @@
 </c:chartSpace>
 </file>
 
-<file path=ppt/charts/chart3.xml><?xml version="1.0" encoding="utf-8"?>
+<file path=ppt/charts/chart7.xml><?xml version="1.0" encoding="utf-8"?>
 <c:chartSpace xmlns:c="http://schemas.openxmlformats.org/drawingml/2006/chart" xmlns:a="http://schemas.openxmlformats.org/drawingml/2006/main" xmlns:r="http://schemas.openxmlformats.org/officeDocument/2006/relationships">
   <c:date1904 val="0"/>
   <c:lang val="pl-PL"/>
@@ -631,11 +1535,11 @@
         </c:dLbls>
         <c:gapWidth val="75"/>
         <c:overlap val="-25"/>
-        <c:axId val="55339648"/>
-        <c:axId val="55882112"/>
+        <c:axId val="39500800"/>
+        <c:axId val="39518976"/>
       </c:barChart>
       <c:catAx>
-        <c:axId val="55339648"/>
+        <c:axId val="39500800"/>
         <c:scaling>
           <c:orientation val="minMax"/>
         </c:scaling>
@@ -644,7 +1548,7 @@
         <c:majorTickMark val="none"/>
         <c:minorTickMark val="none"/>
         <c:tickLblPos val="nextTo"/>
-        <c:crossAx val="55882112"/>
+        <c:crossAx val="39518976"/>
         <c:crosses val="autoZero"/>
         <c:auto val="1"/>
         <c:lblAlgn val="ctr"/>
@@ -652,7 +1556,7 @@
         <c:noMultiLvlLbl val="0"/>
       </c:catAx>
       <c:valAx>
-        <c:axId val="55882112"/>
+        <c:axId val="39518976"/>
         <c:scaling>
           <c:orientation val="minMax"/>
         </c:scaling>
@@ -692,7 +1596,7 @@
             <a:noFill/>
           </a:ln>
         </c:spPr>
-        <c:crossAx val="55339648"/>
+        <c:crossAx val="39500800"/>
         <c:crosses val="autoZero"/>
         <c:crossBetween val="between"/>
       </c:valAx>
@@ -712,7 +1616,7 @@
 </c:chartSpace>
 </file>
 
-<file path=ppt/charts/chart4.xml><?xml version="1.0" encoding="utf-8"?>
+<file path=ppt/charts/chart8.xml><?xml version="1.0" encoding="utf-8"?>
 <c:chartSpace xmlns:c="http://schemas.openxmlformats.org/drawingml/2006/chart" xmlns:a="http://schemas.openxmlformats.org/drawingml/2006/main" xmlns:r="http://schemas.openxmlformats.org/officeDocument/2006/relationships">
   <c:date1904 val="0"/>
   <c:lang val="pl-PL"/>
@@ -831,11 +1735,11 @@
         </c:dLbls>
         <c:gapWidth val="75"/>
         <c:overlap val="-25"/>
-        <c:axId val="83173760"/>
-        <c:axId val="83189760"/>
+        <c:axId val="39544704"/>
+        <c:axId val="39546240"/>
       </c:barChart>
       <c:catAx>
-        <c:axId val="83173760"/>
+        <c:axId val="39544704"/>
         <c:scaling>
           <c:orientation val="minMax"/>
         </c:scaling>
@@ -844,7 +1748,7 @@
         <c:majorTickMark val="none"/>
         <c:minorTickMark val="none"/>
         <c:tickLblPos val="nextTo"/>
-        <c:crossAx val="83189760"/>
+        <c:crossAx val="39546240"/>
         <c:crosses val="autoZero"/>
         <c:auto val="1"/>
         <c:lblAlgn val="ctr"/>
@@ -852,7 +1756,7 @@
         <c:noMultiLvlLbl val="0"/>
       </c:catAx>
       <c:valAx>
-        <c:axId val="83189760"/>
+        <c:axId val="39546240"/>
         <c:scaling>
           <c:orientation val="minMax"/>
         </c:scaling>
@@ -892,7 +1796,7 @@
             <a:noFill/>
           </a:ln>
         </c:spPr>
-        <c:crossAx val="83173760"/>
+        <c:crossAx val="39544704"/>
         <c:crosses val="autoZero"/>
         <c:crossBetween val="between"/>
       </c:valAx>
@@ -1144,7 +2048,7 @@
     </p:spTree>
     <p:extLst>
       <p:ext uri="{BB962C8B-B14F-4D97-AF65-F5344CB8AC3E}">
-        <p14:creationId xmlns:p14="http://schemas.microsoft.com/office/powerpoint/2010/main" val="3705412798"/>
+        <p14:creationId xmlns:p14="http://schemas.microsoft.com/office/powerpoint/2010/main" val="2415726016"/>
       </p:ext>
     </p:extLst>
   </p:cSld>
@@ -1314,7 +2218,7 @@
     </p:spTree>
     <p:extLst>
       <p:ext uri="{BB962C8B-B14F-4D97-AF65-F5344CB8AC3E}">
-        <p14:creationId xmlns:p14="http://schemas.microsoft.com/office/powerpoint/2010/main" val="2407978358"/>
+        <p14:creationId xmlns:p14="http://schemas.microsoft.com/office/powerpoint/2010/main" val="284088956"/>
       </p:ext>
     </p:extLst>
   </p:cSld>
@@ -1494,7 +2398,7 @@
     </p:spTree>
     <p:extLst>
       <p:ext uri="{BB962C8B-B14F-4D97-AF65-F5344CB8AC3E}">
-        <p14:creationId xmlns:p14="http://schemas.microsoft.com/office/powerpoint/2010/main" val="3346838926"/>
+        <p14:creationId xmlns:p14="http://schemas.microsoft.com/office/powerpoint/2010/main" val="4177799453"/>
       </p:ext>
     </p:extLst>
   </p:cSld>
@@ -1664,7 +2568,7 @@
     </p:spTree>
     <p:extLst>
       <p:ext uri="{BB962C8B-B14F-4D97-AF65-F5344CB8AC3E}">
-        <p14:creationId xmlns:p14="http://schemas.microsoft.com/office/powerpoint/2010/main" val="260909639"/>
+        <p14:creationId xmlns:p14="http://schemas.microsoft.com/office/powerpoint/2010/main" val="3369096890"/>
       </p:ext>
     </p:extLst>
   </p:cSld>
@@ -1910,7 +2814,7 @@
     </p:spTree>
     <p:extLst>
       <p:ext uri="{BB962C8B-B14F-4D97-AF65-F5344CB8AC3E}">
-        <p14:creationId xmlns:p14="http://schemas.microsoft.com/office/powerpoint/2010/main" val="989582456"/>
+        <p14:creationId xmlns:p14="http://schemas.microsoft.com/office/powerpoint/2010/main" val="3304355603"/>
       </p:ext>
     </p:extLst>
   </p:cSld>
@@ -2198,7 +3102,7 @@
     </p:spTree>
     <p:extLst>
       <p:ext uri="{BB962C8B-B14F-4D97-AF65-F5344CB8AC3E}">
-        <p14:creationId xmlns:p14="http://schemas.microsoft.com/office/powerpoint/2010/main" val="1952798502"/>
+        <p14:creationId xmlns:p14="http://schemas.microsoft.com/office/powerpoint/2010/main" val="1062524093"/>
       </p:ext>
     </p:extLst>
   </p:cSld>
@@ -2620,7 +3524,7 @@
     </p:spTree>
     <p:extLst>
       <p:ext uri="{BB962C8B-B14F-4D97-AF65-F5344CB8AC3E}">
-        <p14:creationId xmlns:p14="http://schemas.microsoft.com/office/powerpoint/2010/main" val="618189084"/>
+        <p14:creationId xmlns:p14="http://schemas.microsoft.com/office/powerpoint/2010/main" val="3321115159"/>
       </p:ext>
     </p:extLst>
   </p:cSld>
@@ -2738,7 +3642,7 @@
     </p:spTree>
     <p:extLst>
       <p:ext uri="{BB962C8B-B14F-4D97-AF65-F5344CB8AC3E}">
-        <p14:creationId xmlns:p14="http://schemas.microsoft.com/office/powerpoint/2010/main" val="4075426346"/>
+        <p14:creationId xmlns:p14="http://schemas.microsoft.com/office/powerpoint/2010/main" val="1690208256"/>
       </p:ext>
     </p:extLst>
   </p:cSld>
@@ -2833,7 +3737,7 @@
     </p:spTree>
     <p:extLst>
       <p:ext uri="{BB962C8B-B14F-4D97-AF65-F5344CB8AC3E}">
-        <p14:creationId xmlns:p14="http://schemas.microsoft.com/office/powerpoint/2010/main" val="3583995586"/>
+        <p14:creationId xmlns:p14="http://schemas.microsoft.com/office/powerpoint/2010/main" val="4039355028"/>
       </p:ext>
     </p:extLst>
   </p:cSld>
@@ -3110,7 +4014,7 @@
     </p:spTree>
     <p:extLst>
       <p:ext uri="{BB962C8B-B14F-4D97-AF65-F5344CB8AC3E}">
-        <p14:creationId xmlns:p14="http://schemas.microsoft.com/office/powerpoint/2010/main" val="3645320676"/>
+        <p14:creationId xmlns:p14="http://schemas.microsoft.com/office/powerpoint/2010/main" val="1485512038"/>
       </p:ext>
     </p:extLst>
   </p:cSld>
@@ -3363,7 +4267,7 @@
     </p:spTree>
     <p:extLst>
       <p:ext uri="{BB962C8B-B14F-4D97-AF65-F5344CB8AC3E}">
-        <p14:creationId xmlns:p14="http://schemas.microsoft.com/office/powerpoint/2010/main" val="3138775701"/>
+        <p14:creationId xmlns:p14="http://schemas.microsoft.com/office/powerpoint/2010/main" val="2358297333"/>
       </p:ext>
     </p:extLst>
   </p:cSld>
@@ -3612,23 +4516,23 @@
     </p:spTree>
     <p:extLst>
       <p:ext uri="{BB962C8B-B14F-4D97-AF65-F5344CB8AC3E}">
-        <p14:creationId xmlns:p14="http://schemas.microsoft.com/office/powerpoint/2010/main" val="2635020813"/>
+        <p14:creationId xmlns:p14="http://schemas.microsoft.com/office/powerpoint/2010/main" val="1369011786"/>
       </p:ext>
     </p:extLst>
   </p:cSld>
   <p:clrMap bg1="lt1" tx1="dk1" bg2="lt2" tx2="dk2" accent1="accent1" accent2="accent2" accent3="accent3" accent4="accent4" accent5="accent5" accent6="accent6" hlink="hlink" folHlink="folHlink"/>
   <p:sldLayoutIdLst>
-    <p:sldLayoutId id="2147483649" r:id="rId1"/>
-    <p:sldLayoutId id="2147483650" r:id="rId2"/>
-    <p:sldLayoutId id="2147483651" r:id="rId3"/>
-    <p:sldLayoutId id="2147483652" r:id="rId4"/>
-    <p:sldLayoutId id="2147483653" r:id="rId5"/>
-    <p:sldLayoutId id="2147483654" r:id="rId6"/>
-    <p:sldLayoutId id="2147483655" r:id="rId7"/>
-    <p:sldLayoutId id="2147483656" r:id="rId8"/>
-    <p:sldLayoutId id="2147483657" r:id="rId9"/>
-    <p:sldLayoutId id="2147483658" r:id="rId10"/>
-    <p:sldLayoutId id="2147483659" r:id="rId11"/>
+    <p:sldLayoutId id="2147483673" r:id="rId1"/>
+    <p:sldLayoutId id="2147483674" r:id="rId2"/>
+    <p:sldLayoutId id="2147483675" r:id="rId3"/>
+    <p:sldLayoutId id="2147483676" r:id="rId4"/>
+    <p:sldLayoutId id="2147483677" r:id="rId5"/>
+    <p:sldLayoutId id="2147483678" r:id="rId6"/>
+    <p:sldLayoutId id="2147483679" r:id="rId7"/>
+    <p:sldLayoutId id="2147483680" r:id="rId8"/>
+    <p:sldLayoutId id="2147483681" r:id="rId9"/>
+    <p:sldLayoutId id="2147483682" r:id="rId10"/>
+    <p:sldLayoutId id="2147483683" r:id="rId11"/>
   </p:sldLayoutIdLst>
   <p:txStyles>
     <p:titleStyle>
@@ -4002,8 +4906,8 @@
               <a:t>Dziękuje za </a:t>
             </a:r>
             <a:r>
-              <a:rPr lang="pl-PL" dirty="0" err="1" smtClean="0"/>
-              <a:t>uwage</a:t>
+              <a:rPr lang="pl-PL" dirty="0" smtClean="0"/>
+              <a:t>uwagę</a:t>
             </a:r>
             <a:endParaRPr lang="pl-PL" dirty="0"/>
           </a:p>
@@ -4104,14 +5008,28 @@
           <a:p>
             <a:r>
               <a:rPr lang="pl-PL" dirty="0" smtClean="0"/>
-              <a:t>Nawigacji</a:t>
+              <a:t>Algorytmy nawigacji</a:t>
             </a:r>
           </a:p>
           <a:p>
             <a:r>
               <a:rPr lang="pl-PL" dirty="0" smtClean="0"/>
-              <a:t>Algorytmy nawigacji</a:t>
-            </a:r>
+              <a:t>System nawigacji</a:t>
+            </a:r>
+          </a:p>
+          <a:p>
+            <a:r>
+              <a:rPr lang="pl-PL" dirty="0" smtClean="0"/>
+              <a:t>Wyniki badań</a:t>
+            </a:r>
+          </a:p>
+          <a:p>
+            <a:r>
+              <a:rPr lang="pl-PL" dirty="0" smtClean="0"/>
+              <a:t>Podsumowanie</a:t>
+            </a:r>
+          </a:p>
+          <a:p>
             <a:endParaRPr lang="pl-PL" dirty="0"/>
           </a:p>
         </p:txBody>
@@ -4163,11 +5081,7 @@
           <a:p>
             <a:r>
               <a:rPr lang="pl-PL" dirty="0" smtClean="0"/>
-              <a:t>Cele </a:t>
-            </a:r>
-            <a:r>
-              <a:rPr lang="pl-PL" dirty="0" smtClean="0"/>
-              <a:t>pracy</a:t>
+              <a:t>Cele pracy</a:t>
             </a:r>
             <a:endParaRPr lang="pl-PL" dirty="0"/>
           </a:p>
@@ -4219,7 +5133,11 @@
           <a:p>
             <a:r>
               <a:rPr lang="pl-PL" dirty="0" smtClean="0"/>
-              <a:t>Projekt aplikacji</a:t>
+              <a:t>Projekt </a:t>
+            </a:r>
+            <a:r>
+              <a:rPr lang="pl-PL" dirty="0" smtClean="0"/>
+              <a:t>aplikacji testowej</a:t>
             </a:r>
             <a:endParaRPr lang="pl-PL" dirty="0" smtClean="0"/>
           </a:p>
@@ -4275,7 +5193,7 @@
           <a:p>
             <a:r>
               <a:rPr lang="pl-PL" dirty="0" smtClean="0"/>
-              <a:t>Nawigacja – podstawowe pojęcia</a:t>
+              <a:t>Algorytmy nawigacji</a:t>
             </a:r>
             <a:endParaRPr lang="pl-PL" dirty="0"/>
           </a:p>
@@ -4295,59 +5213,67 @@
         <p:txBody>
           <a:bodyPr/>
           <a:lstStyle/>
+          <a:p>
+            <a:r>
+              <a:rPr lang="pl-PL" dirty="0" smtClean="0"/>
+              <a:t>A*</a:t>
+            </a:r>
+          </a:p>
+          <a:p>
+            <a:r>
+              <a:rPr lang="pl-PL" dirty="0" err="1" smtClean="0"/>
+              <a:t>Jump</a:t>
+            </a:r>
+            <a:r>
+              <a:rPr lang="pl-PL" dirty="0" smtClean="0"/>
+              <a:t> Point </a:t>
+            </a:r>
+            <a:r>
+              <a:rPr lang="pl-PL" dirty="0" err="1" smtClean="0"/>
+              <a:t>Search</a:t>
+            </a:r>
+            <a:endParaRPr lang="pl-PL" dirty="0" smtClean="0"/>
+          </a:p>
+          <a:p>
+            <a:endParaRPr lang="pl-PL" dirty="0"/>
+          </a:p>
           <a:p>
             <a:pPr marL="0" indent="0">
               <a:buNone/>
             </a:pPr>
+            <a:r>
+              <a:rPr lang="pl-PL" dirty="0" smtClean="0"/>
+              <a:t>Stosowane heurystyki:</a:t>
+            </a:r>
+          </a:p>
+          <a:p>
+            <a:pPr lvl="1"/>
+            <a:r>
+              <a:rPr lang="pl-PL" dirty="0" smtClean="0"/>
+              <a:t>Manhattan</a:t>
+            </a:r>
+          </a:p>
+          <a:p>
+            <a:pPr lvl="1"/>
+            <a:r>
+              <a:rPr lang="pl-PL" dirty="0" smtClean="0"/>
+              <a:t>Diagonalna Manhattan</a:t>
+            </a:r>
+          </a:p>
+          <a:p>
+            <a:pPr lvl="1"/>
+            <a:r>
+              <a:rPr lang="pl-PL" dirty="0" smtClean="0"/>
+              <a:t>Euklidesowa</a:t>
+            </a:r>
             <a:endParaRPr lang="pl-PL" dirty="0"/>
           </a:p>
         </p:txBody>
       </p:sp>
-      <p:pic>
-        <p:nvPicPr>
-          <p:cNvPr id="1026" name="Picture 2" descr="C:\Users\Radosław\Documents\0600_05.gif"/>
-          <p:cNvPicPr>
-            <a:picLocks noChangeAspect="1" noChangeArrowheads="1"/>
-          </p:cNvPicPr>
-          <p:nvPr/>
-        </p:nvPicPr>
-        <p:blipFill>
-          <a:blip r:embed="rId2">
-            <a:extLst>
-              <a:ext uri="{28A0092B-C50C-407E-A947-70E740481C1C}">
-                <a14:useLocalDpi xmlns:a14="http://schemas.microsoft.com/office/drawing/2010/main" val="0"/>
-              </a:ext>
-            </a:extLst>
-          </a:blip>
-          <a:srcRect/>
-          <a:stretch>
-            <a:fillRect/>
-          </a:stretch>
-        </p:blipFill>
-        <p:spPr bwMode="auto">
-          <a:xfrm>
-            <a:off x="2555776" y="2204864"/>
-            <a:ext cx="3960440" cy="3372562"/>
-          </a:xfrm>
-          <a:prstGeom prst="rect">
-            <a:avLst/>
-          </a:prstGeom>
-          <a:noFill/>
-          <a:extLst>
-            <a:ext uri="{909E8E84-426E-40DD-AFC4-6F175D3DCCD1}">
-              <a14:hiddenFill xmlns:a14="http://schemas.microsoft.com/office/drawing/2010/main">
-                <a:solidFill>
-                  <a:srgbClr val="FFFFFF"/>
-                </a:solidFill>
-              </a14:hiddenFill>
-            </a:ext>
-          </a:extLst>
-        </p:spPr>
-      </p:pic>
     </p:spTree>
     <p:extLst>
       <p:ext uri="{BB962C8B-B14F-4D97-AF65-F5344CB8AC3E}">
-        <p14:creationId xmlns:p14="http://schemas.microsoft.com/office/powerpoint/2010/main" val="3442560597"/>
+        <p14:creationId xmlns:p14="http://schemas.microsoft.com/office/powerpoint/2010/main" val="3684070532"/>
       </p:ext>
     </p:extLst>
   </p:cSld>
@@ -4391,7 +5317,7 @@
           <a:p>
             <a:r>
               <a:rPr lang="pl-PL" dirty="0" smtClean="0"/>
-              <a:t>Algorytmy nawigacji</a:t>
+              <a:t>System nawigacji</a:t>
             </a:r>
             <a:endParaRPr lang="pl-PL" dirty="0"/>
           </a:p>
@@ -4409,19 +5335,83 @@
         </p:nvSpPr>
         <p:spPr/>
         <p:txBody>
-          <a:bodyPr/>
+          <a:bodyPr>
+            <a:normAutofit lnSpcReduction="10000"/>
+          </a:bodyPr>
           <a:lstStyle/>
           <a:p>
             <a:r>
               <a:rPr lang="pl-PL" dirty="0" smtClean="0"/>
-              <a:t>A*</a:t>
-            </a:r>
-          </a:p>
-          <a:p>
+              <a:t>Założenia</a:t>
+            </a:r>
+          </a:p>
+          <a:p>
+            <a:pPr lvl="1"/>
             <a:r>
               <a:rPr lang="pl-PL" dirty="0" smtClean="0"/>
-              <a:t>JPS</a:t>
-            </a:r>
+              <a:t>Środowisko badawcze</a:t>
+            </a:r>
+          </a:p>
+          <a:p>
+            <a:pPr lvl="2"/>
+            <a:r>
+              <a:rPr lang="pl-PL" dirty="0" smtClean="0"/>
+              <a:t>Modele środowiska gry</a:t>
+            </a:r>
+          </a:p>
+          <a:p>
+            <a:pPr lvl="2"/>
+            <a:r>
+              <a:rPr lang="pl-PL" dirty="0" smtClean="0"/>
+              <a:t>Modele agenta komputerowego</a:t>
+            </a:r>
+          </a:p>
+          <a:p>
+            <a:pPr marL="457200" lvl="1" indent="0">
+              <a:buNone/>
+            </a:pPr>
+            <a:endParaRPr lang="pl-PL" dirty="0" smtClean="0"/>
+          </a:p>
+          <a:p>
+            <a:r>
+              <a:rPr lang="pl-PL" dirty="0" smtClean="0"/>
+              <a:t>Narzędzia</a:t>
+            </a:r>
+          </a:p>
+          <a:p>
+            <a:pPr lvl="1"/>
+            <a:r>
+              <a:rPr lang="pl-PL" dirty="0" err="1" smtClean="0"/>
+              <a:t>Blender</a:t>
+            </a:r>
+            <a:endParaRPr lang="pl-PL" dirty="0" smtClean="0"/>
+          </a:p>
+          <a:p>
+            <a:pPr lvl="1"/>
+            <a:r>
+              <a:rPr lang="pl-PL" dirty="0" smtClean="0"/>
+              <a:t>Unity3D</a:t>
+            </a:r>
+          </a:p>
+          <a:p>
+            <a:pPr lvl="1"/>
+            <a:r>
+              <a:rPr lang="pl-PL" dirty="0" smtClean="0"/>
+              <a:t>Biblioteka A* </a:t>
+            </a:r>
+            <a:r>
+              <a:rPr lang="pl-PL" dirty="0" err="1" smtClean="0"/>
+              <a:t>Pathfinding</a:t>
+            </a:r>
+            <a:r>
+              <a:rPr lang="pl-PL" dirty="0" smtClean="0"/>
+              <a:t> Project</a:t>
+            </a:r>
+          </a:p>
+          <a:p>
+            <a:pPr marL="0" indent="0">
+              <a:buNone/>
+            </a:pPr>
             <a:endParaRPr lang="pl-PL" dirty="0"/>
           </a:p>
         </p:txBody>
@@ -4429,7 +5419,7 @@
     </p:spTree>
     <p:extLst>
       <p:ext uri="{BB962C8B-B14F-4D97-AF65-F5344CB8AC3E}">
-        <p14:creationId xmlns:p14="http://schemas.microsoft.com/office/powerpoint/2010/main" val="3684070532"/>
+        <p14:creationId xmlns:p14="http://schemas.microsoft.com/office/powerpoint/2010/main" val="3545342813"/>
       </p:ext>
     </p:extLst>
   </p:cSld>
@@ -4468,89 +5458,551 @@
         </p:nvSpPr>
         <p:spPr/>
         <p:txBody>
-          <a:bodyPr/>
+          <a:bodyPr>
+            <a:normAutofit fontScale="90000"/>
+          </a:bodyPr>
           <a:lstStyle/>
           <a:p>
             <a:r>
               <a:rPr lang="pl-PL" dirty="0" smtClean="0"/>
-              <a:t>System nawigacji</a:t>
+              <a:t>System nawigacji – modele środowisk</a:t>
             </a:r>
             <a:endParaRPr lang="pl-PL" dirty="0"/>
           </a:p>
         </p:txBody>
       </p:sp>
-      <p:sp>
-        <p:nvSpPr>
-          <p:cNvPr id="3" name="Symbol zastępczy zawartości 2"/>
-          <p:cNvSpPr>
-            <a:spLocks noGrp="1"/>
-          </p:cNvSpPr>
-          <p:nvPr>
-            <p:ph idx="1"/>
-          </p:nvPr>
-        </p:nvSpPr>
-        <p:spPr/>
-        <p:txBody>
-          <a:bodyPr/>
-          <a:lstStyle/>
-          <a:p>
-            <a:r>
-              <a:rPr lang="pl-PL" dirty="0" smtClean="0"/>
-              <a:t>Założenia</a:t>
-            </a:r>
-          </a:p>
-          <a:p>
-            <a:pPr lvl="1"/>
-            <a:endParaRPr lang="pl-PL" dirty="0" smtClean="0"/>
-          </a:p>
-          <a:p>
-            <a:r>
-              <a:rPr lang="pl-PL" dirty="0" smtClean="0"/>
-              <a:t>Narzędzia</a:t>
-            </a:r>
-          </a:p>
-          <a:p>
-            <a:pPr lvl="1"/>
-            <a:r>
-              <a:rPr lang="pl-PL" dirty="0" err="1" smtClean="0"/>
-              <a:t>Blender</a:t>
-            </a:r>
-            <a:endParaRPr lang="pl-PL" dirty="0" smtClean="0"/>
-          </a:p>
-          <a:p>
-            <a:pPr lvl="1"/>
-            <a:r>
-              <a:rPr lang="pl-PL" dirty="0" smtClean="0"/>
-              <a:t>Unity3D</a:t>
-            </a:r>
-          </a:p>
-          <a:p>
-            <a:pPr lvl="1"/>
-            <a:r>
-              <a:rPr lang="pl-PL" dirty="0" smtClean="0"/>
-              <a:t>Biblioteka A* </a:t>
-            </a:r>
-            <a:r>
-              <a:rPr lang="pl-PL" dirty="0" err="1" smtClean="0"/>
-              <a:t>Pathfinding</a:t>
-            </a:r>
-            <a:r>
-              <a:rPr lang="pl-PL" dirty="0" smtClean="0"/>
-              <a:t> Project</a:t>
-            </a:r>
-          </a:p>
-          <a:p>
-            <a:pPr marL="0" indent="0">
-              <a:buNone/>
-            </a:pPr>
-            <a:endParaRPr lang="pl-PL" dirty="0"/>
+      <p:pic>
+        <p:nvPicPr>
+          <p:cNvPr id="4" name="Obraz 3"/>
+          <p:cNvPicPr/>
+          <p:nvPr/>
+        </p:nvPicPr>
+        <p:blipFill>
+          <a:blip r:embed="rId2" cstate="print"/>
+          <a:srcRect/>
+          <a:stretch>
+            <a:fillRect/>
+          </a:stretch>
+        </p:blipFill>
+        <p:spPr bwMode="auto">
+          <a:xfrm>
+            <a:off x="1743153" y="1627268"/>
+            <a:ext cx="2160000" cy="2160000"/>
+          </a:xfrm>
+          <a:prstGeom prst="rect">
+            <a:avLst/>
+          </a:prstGeom>
+          <a:noFill/>
+          <a:ln w="9525">
+            <a:noFill/>
+            <a:miter lim="800000"/>
+            <a:headEnd/>
+            <a:tailEnd/>
+          </a:ln>
+        </p:spPr>
+      </p:pic>
+      <p:pic>
+        <p:nvPicPr>
+          <p:cNvPr id="5" name="Obraz 4"/>
+          <p:cNvPicPr/>
+          <p:nvPr/>
+        </p:nvPicPr>
+        <p:blipFill>
+          <a:blip r:embed="rId3"/>
+          <a:stretch>
+            <a:fillRect/>
+          </a:stretch>
+        </p:blipFill>
+        <p:spPr>
+          <a:xfrm>
+            <a:off x="5034823" y="1627268"/>
+            <a:ext cx="2160000" cy="2160000"/>
+          </a:xfrm>
+          <a:prstGeom prst="rect">
+            <a:avLst/>
+          </a:prstGeom>
+        </p:spPr>
+      </p:pic>
+      <p:pic>
+        <p:nvPicPr>
+          <p:cNvPr id="6" name="Obraz 5"/>
+          <p:cNvPicPr/>
+          <p:nvPr/>
+        </p:nvPicPr>
+        <p:blipFill>
+          <a:blip r:embed="rId4" cstate="print">
+            <a:extLst>
+              <a:ext uri="{28A0092B-C50C-407E-A947-70E740481C1C}">
+                <a14:useLocalDpi xmlns:a14="http://schemas.microsoft.com/office/drawing/2010/main" val="0"/>
+              </a:ext>
+            </a:extLst>
+          </a:blip>
+          <a:srcRect/>
+          <a:stretch>
+            <a:fillRect/>
+          </a:stretch>
+        </p:blipFill>
+        <p:spPr bwMode="auto">
+          <a:xfrm>
+            <a:off x="1743153" y="3944532"/>
+            <a:ext cx="2160000" cy="2160000"/>
+          </a:xfrm>
+          <a:prstGeom prst="rect">
+            <a:avLst/>
+          </a:prstGeom>
+          <a:noFill/>
+          <a:ln w="9525">
+            <a:noFill/>
+            <a:miter lim="800000"/>
+            <a:headEnd/>
+            <a:tailEnd/>
+          </a:ln>
+        </p:spPr>
+      </p:pic>
+      <p:pic>
+        <p:nvPicPr>
+          <p:cNvPr id="7" name="Obraz 6"/>
+          <p:cNvPicPr/>
+          <p:nvPr/>
+        </p:nvPicPr>
+        <p:blipFill>
+          <a:blip r:embed="rId5">
+            <a:extLst>
+              <a:ext uri="{28A0092B-C50C-407E-A947-70E740481C1C}">
+                <a14:useLocalDpi xmlns:a14="http://schemas.microsoft.com/office/drawing/2010/main" val="0"/>
+              </a:ext>
+            </a:extLst>
+          </a:blip>
+          <a:stretch>
+            <a:fillRect/>
+          </a:stretch>
+        </p:blipFill>
+        <p:spPr>
+          <a:xfrm>
+            <a:off x="5034823" y="3933056"/>
+            <a:ext cx="2160000" cy="2160000"/>
+          </a:xfrm>
+          <a:prstGeom prst="rect">
+            <a:avLst/>
+          </a:prstGeom>
+        </p:spPr>
+      </p:pic>
+      <p:sp>
+        <p:nvSpPr>
+          <p:cNvPr id="8" name="Prostokąt 7"/>
+          <p:cNvSpPr/>
+          <p:nvPr/>
+        </p:nvSpPr>
+        <p:spPr>
+          <a:xfrm>
+            <a:off x="3367430" y="2829442"/>
+            <a:ext cx="535723" cy="923330"/>
+          </a:xfrm>
+          <a:prstGeom prst="rect">
+            <a:avLst/>
+          </a:prstGeom>
+          <a:noFill/>
+        </p:spPr>
+        <p:txBody>
+          <a:bodyPr wrap="none" lIns="91440" tIns="45720" rIns="91440" bIns="45720">
+            <a:spAutoFit/>
+          </a:bodyPr>
+          <a:lstStyle/>
+          <a:p>
+            <a:pPr algn="ctr"/>
+            <a:r>
+              <a:rPr lang="pl-PL" sz="5400" b="1" cap="none" spc="0" dirty="0" smtClean="0">
+                <a:ln w="31550" cmpd="sng">
+                  <a:gradFill>
+                    <a:gsLst>
+                      <a:gs pos="70000">
+                        <a:schemeClr val="accent6">
+                          <a:shade val="50000"/>
+                          <a:satMod val="190000"/>
+                        </a:schemeClr>
+                      </a:gs>
+                      <a:gs pos="0">
+                        <a:schemeClr val="accent6">
+                          <a:tint val="77000"/>
+                          <a:satMod val="180000"/>
+                        </a:schemeClr>
+                      </a:gs>
+                    </a:gsLst>
+                    <a:lin ang="5400000"/>
+                  </a:gradFill>
+                  <a:prstDash val="solid"/>
+                </a:ln>
+                <a:solidFill>
+                  <a:schemeClr val="accent6">
+                    <a:tint val="15000"/>
+                    <a:satMod val="200000"/>
+                  </a:schemeClr>
+                </a:solidFill>
+                <a:effectLst>
+                  <a:outerShdw blurRad="50800" dist="40000" dir="5400000" algn="tl" rotWithShape="0">
+                    <a:srgbClr val="000000">
+                      <a:shade val="5000"/>
+                      <a:satMod val="120000"/>
+                      <a:alpha val="33000"/>
+                    </a:srgbClr>
+                  </a:outerShdw>
+                </a:effectLst>
+              </a:rPr>
+              <a:t>1</a:t>
+            </a:r>
+            <a:endParaRPr lang="pl-PL" sz="5400" b="1" cap="none" spc="0" dirty="0">
+              <a:ln w="31550" cmpd="sng">
+                <a:gradFill>
+                  <a:gsLst>
+                    <a:gs pos="70000">
+                      <a:schemeClr val="accent6">
+                        <a:shade val="50000"/>
+                        <a:satMod val="190000"/>
+                      </a:schemeClr>
+                    </a:gs>
+                    <a:gs pos="0">
+                      <a:schemeClr val="accent6">
+                        <a:tint val="77000"/>
+                        <a:satMod val="180000"/>
+                      </a:schemeClr>
+                    </a:gs>
+                  </a:gsLst>
+                  <a:lin ang="5400000"/>
+                </a:gradFill>
+                <a:prstDash val="solid"/>
+              </a:ln>
+              <a:solidFill>
+                <a:schemeClr val="accent6">
+                  <a:tint val="15000"/>
+                  <a:satMod val="200000"/>
+                </a:schemeClr>
+              </a:solidFill>
+              <a:effectLst>
+                <a:outerShdw blurRad="50800" dist="40000" dir="5400000" algn="tl" rotWithShape="0">
+                  <a:srgbClr val="000000">
+                    <a:shade val="5000"/>
+                    <a:satMod val="120000"/>
+                    <a:alpha val="33000"/>
+                  </a:srgbClr>
+                </a:outerShdw>
+              </a:effectLst>
+            </a:endParaRPr>
+          </a:p>
+        </p:txBody>
+      </p:sp>
+      <p:sp>
+        <p:nvSpPr>
+          <p:cNvPr id="9" name="Prostokąt 8"/>
+          <p:cNvSpPr/>
+          <p:nvPr/>
+        </p:nvSpPr>
+        <p:spPr>
+          <a:xfrm>
+            <a:off x="6659099" y="2863938"/>
+            <a:ext cx="535724" cy="923330"/>
+          </a:xfrm>
+          <a:prstGeom prst="rect">
+            <a:avLst/>
+          </a:prstGeom>
+          <a:noFill/>
+        </p:spPr>
+        <p:txBody>
+          <a:bodyPr wrap="none" lIns="91440" tIns="45720" rIns="91440" bIns="45720">
+            <a:spAutoFit/>
+          </a:bodyPr>
+          <a:lstStyle/>
+          <a:p>
+            <a:pPr algn="ctr"/>
+            <a:r>
+              <a:rPr lang="pl-PL" sz="5400" b="1" dirty="0">
+                <a:ln w="31550" cmpd="sng">
+                  <a:gradFill>
+                    <a:gsLst>
+                      <a:gs pos="70000">
+                        <a:schemeClr val="accent6">
+                          <a:shade val="50000"/>
+                          <a:satMod val="190000"/>
+                        </a:schemeClr>
+                      </a:gs>
+                      <a:gs pos="0">
+                        <a:schemeClr val="accent6">
+                          <a:tint val="77000"/>
+                          <a:satMod val="180000"/>
+                        </a:schemeClr>
+                      </a:gs>
+                    </a:gsLst>
+                    <a:lin ang="5400000"/>
+                  </a:gradFill>
+                  <a:prstDash val="solid"/>
+                </a:ln>
+                <a:solidFill>
+                  <a:schemeClr val="accent6">
+                    <a:tint val="15000"/>
+                    <a:satMod val="200000"/>
+                  </a:schemeClr>
+                </a:solidFill>
+                <a:effectLst>
+                  <a:outerShdw blurRad="50800" dist="40000" dir="5400000" algn="tl" rotWithShape="0">
+                    <a:srgbClr val="000000">
+                      <a:shade val="5000"/>
+                      <a:satMod val="120000"/>
+                      <a:alpha val="33000"/>
+                    </a:srgbClr>
+                  </a:outerShdw>
+                </a:effectLst>
+              </a:rPr>
+              <a:t>2</a:t>
+            </a:r>
+            <a:endParaRPr lang="pl-PL" sz="5400" b="1" cap="none" spc="0" dirty="0">
+              <a:ln w="31550" cmpd="sng">
+                <a:gradFill>
+                  <a:gsLst>
+                    <a:gs pos="70000">
+                      <a:schemeClr val="accent6">
+                        <a:shade val="50000"/>
+                        <a:satMod val="190000"/>
+                      </a:schemeClr>
+                    </a:gs>
+                    <a:gs pos="0">
+                      <a:schemeClr val="accent6">
+                        <a:tint val="77000"/>
+                        <a:satMod val="180000"/>
+                      </a:schemeClr>
+                    </a:gs>
+                  </a:gsLst>
+                  <a:lin ang="5400000"/>
+                </a:gradFill>
+                <a:prstDash val="solid"/>
+              </a:ln>
+              <a:solidFill>
+                <a:schemeClr val="accent6">
+                  <a:tint val="15000"/>
+                  <a:satMod val="200000"/>
+                </a:schemeClr>
+              </a:solidFill>
+              <a:effectLst>
+                <a:outerShdw blurRad="50800" dist="40000" dir="5400000" algn="tl" rotWithShape="0">
+                  <a:srgbClr val="000000">
+                    <a:shade val="5000"/>
+                    <a:satMod val="120000"/>
+                    <a:alpha val="33000"/>
+                  </a:srgbClr>
+                </a:outerShdw>
+              </a:effectLst>
+            </a:endParaRPr>
+          </a:p>
+        </p:txBody>
+      </p:sp>
+      <p:sp>
+        <p:nvSpPr>
+          <p:cNvPr id="10" name="Prostokąt 9"/>
+          <p:cNvSpPr/>
+          <p:nvPr/>
+        </p:nvSpPr>
+        <p:spPr>
+          <a:xfrm>
+            <a:off x="3367429" y="5181202"/>
+            <a:ext cx="535724" cy="923330"/>
+          </a:xfrm>
+          <a:prstGeom prst="rect">
+            <a:avLst/>
+          </a:prstGeom>
+          <a:noFill/>
+        </p:spPr>
+        <p:txBody>
+          <a:bodyPr wrap="none" lIns="91440" tIns="45720" rIns="91440" bIns="45720">
+            <a:spAutoFit/>
+          </a:bodyPr>
+          <a:lstStyle/>
+          <a:p>
+            <a:pPr algn="ctr"/>
+            <a:r>
+              <a:rPr lang="pl-PL" sz="5400" b="1" dirty="0" smtClean="0">
+                <a:ln w="31550" cmpd="sng">
+                  <a:gradFill>
+                    <a:gsLst>
+                      <a:gs pos="70000">
+                        <a:schemeClr val="accent6">
+                          <a:shade val="50000"/>
+                          <a:satMod val="190000"/>
+                        </a:schemeClr>
+                      </a:gs>
+                      <a:gs pos="0">
+                        <a:schemeClr val="accent6">
+                          <a:tint val="77000"/>
+                          <a:satMod val="180000"/>
+                        </a:schemeClr>
+                      </a:gs>
+                    </a:gsLst>
+                    <a:lin ang="5400000"/>
+                  </a:gradFill>
+                  <a:prstDash val="solid"/>
+                </a:ln>
+                <a:solidFill>
+                  <a:schemeClr val="accent6">
+                    <a:tint val="15000"/>
+                    <a:satMod val="200000"/>
+                  </a:schemeClr>
+                </a:solidFill>
+                <a:effectLst>
+                  <a:outerShdw blurRad="50800" dist="40000" dir="5400000" algn="tl" rotWithShape="0">
+                    <a:srgbClr val="000000">
+                      <a:shade val="5000"/>
+                      <a:satMod val="120000"/>
+                      <a:alpha val="33000"/>
+                    </a:srgbClr>
+                  </a:outerShdw>
+                </a:effectLst>
+              </a:rPr>
+              <a:t>3</a:t>
+            </a:r>
+            <a:endParaRPr lang="pl-PL" sz="5400" b="1" cap="none" spc="0" dirty="0">
+              <a:ln w="31550" cmpd="sng">
+                <a:gradFill>
+                  <a:gsLst>
+                    <a:gs pos="70000">
+                      <a:schemeClr val="accent6">
+                        <a:shade val="50000"/>
+                        <a:satMod val="190000"/>
+                      </a:schemeClr>
+                    </a:gs>
+                    <a:gs pos="0">
+                      <a:schemeClr val="accent6">
+                        <a:tint val="77000"/>
+                        <a:satMod val="180000"/>
+                      </a:schemeClr>
+                    </a:gs>
+                  </a:gsLst>
+                  <a:lin ang="5400000"/>
+                </a:gradFill>
+                <a:prstDash val="solid"/>
+              </a:ln>
+              <a:solidFill>
+                <a:schemeClr val="accent6">
+                  <a:tint val="15000"/>
+                  <a:satMod val="200000"/>
+                </a:schemeClr>
+              </a:solidFill>
+              <a:effectLst>
+                <a:outerShdw blurRad="50800" dist="40000" dir="5400000" algn="tl" rotWithShape="0">
+                  <a:srgbClr val="000000">
+                    <a:shade val="5000"/>
+                    <a:satMod val="120000"/>
+                    <a:alpha val="33000"/>
+                  </a:srgbClr>
+                </a:outerShdw>
+              </a:effectLst>
+            </a:endParaRPr>
+          </a:p>
+        </p:txBody>
+      </p:sp>
+      <p:sp>
+        <p:nvSpPr>
+          <p:cNvPr id="11" name="Prostokąt 10"/>
+          <p:cNvSpPr/>
+          <p:nvPr/>
+        </p:nvSpPr>
+        <p:spPr>
+          <a:xfrm>
+            <a:off x="6648494" y="5181202"/>
+            <a:ext cx="535724" cy="923330"/>
+          </a:xfrm>
+          <a:prstGeom prst="rect">
+            <a:avLst/>
+          </a:prstGeom>
+          <a:noFill/>
+        </p:spPr>
+        <p:txBody>
+          <a:bodyPr wrap="none" lIns="91440" tIns="45720" rIns="91440" bIns="45720">
+            <a:spAutoFit/>
+          </a:bodyPr>
+          <a:lstStyle/>
+          <a:p>
+            <a:pPr algn="ctr"/>
+            <a:r>
+              <a:rPr lang="pl-PL" sz="5400" b="1" dirty="0" smtClean="0">
+                <a:ln w="31550" cmpd="sng">
+                  <a:gradFill>
+                    <a:gsLst>
+                      <a:gs pos="70000">
+                        <a:schemeClr val="accent6">
+                          <a:shade val="50000"/>
+                          <a:satMod val="190000"/>
+                        </a:schemeClr>
+                      </a:gs>
+                      <a:gs pos="0">
+                        <a:schemeClr val="accent6">
+                          <a:tint val="77000"/>
+                          <a:satMod val="180000"/>
+                        </a:schemeClr>
+                      </a:gs>
+                    </a:gsLst>
+                    <a:lin ang="5400000"/>
+                  </a:gradFill>
+                  <a:prstDash val="solid"/>
+                </a:ln>
+                <a:solidFill>
+                  <a:schemeClr val="accent6">
+                    <a:tint val="15000"/>
+                    <a:satMod val="200000"/>
+                  </a:schemeClr>
+                </a:solidFill>
+                <a:effectLst>
+                  <a:outerShdw blurRad="50800" dist="40000" dir="5400000" algn="tl" rotWithShape="0">
+                    <a:srgbClr val="000000">
+                      <a:shade val="5000"/>
+                      <a:satMod val="120000"/>
+                      <a:alpha val="33000"/>
+                    </a:srgbClr>
+                  </a:outerShdw>
+                </a:effectLst>
+              </a:rPr>
+              <a:t>4</a:t>
+            </a:r>
+            <a:endParaRPr lang="pl-PL" sz="5400" b="1" cap="none" spc="0" dirty="0">
+              <a:ln w="31550" cmpd="sng">
+                <a:gradFill>
+                  <a:gsLst>
+                    <a:gs pos="70000">
+                      <a:schemeClr val="accent6">
+                        <a:shade val="50000"/>
+                        <a:satMod val="190000"/>
+                      </a:schemeClr>
+                    </a:gs>
+                    <a:gs pos="0">
+                      <a:schemeClr val="accent6">
+                        <a:tint val="77000"/>
+                        <a:satMod val="180000"/>
+                      </a:schemeClr>
+                    </a:gs>
+                  </a:gsLst>
+                  <a:lin ang="5400000"/>
+                </a:gradFill>
+                <a:prstDash val="solid"/>
+              </a:ln>
+              <a:solidFill>
+                <a:schemeClr val="accent6">
+                  <a:tint val="15000"/>
+                  <a:satMod val="200000"/>
+                </a:schemeClr>
+              </a:solidFill>
+              <a:effectLst>
+                <a:outerShdw blurRad="50800" dist="40000" dir="5400000" algn="tl" rotWithShape="0">
+                  <a:srgbClr val="000000">
+                    <a:shade val="5000"/>
+                    <a:satMod val="120000"/>
+                    <a:alpha val="33000"/>
+                  </a:srgbClr>
+                </a:outerShdw>
+              </a:effectLst>
+            </a:endParaRPr>
           </a:p>
         </p:txBody>
       </p:sp>
     </p:spTree>
     <p:extLst>
       <p:ext uri="{BB962C8B-B14F-4D97-AF65-F5344CB8AC3E}">
-        <p14:creationId xmlns:p14="http://schemas.microsoft.com/office/powerpoint/2010/main" val="3545342813"/>
+        <p14:creationId xmlns:p14="http://schemas.microsoft.com/office/powerpoint/2010/main" val="609814863"/>
       </p:ext>
     </p:extLst>
   </p:cSld>
@@ -4592,90 +6044,114 @@
           <a:bodyPr/>
           <a:lstStyle/>
           <a:p>
+            <a:r>
+              <a:rPr lang="pl-PL" dirty="0" smtClean="0"/>
+              <a:t>Wyniki badań heurystyk A*</a:t>
+            </a:r>
             <a:endParaRPr lang="pl-PL" dirty="0"/>
           </a:p>
         </p:txBody>
       </p:sp>
-      <p:sp>
-        <p:nvSpPr>
-          <p:cNvPr id="3" name="Symbol zastępczy zawartości 2"/>
-          <p:cNvSpPr>
-            <a:spLocks noGrp="1"/>
-          </p:cNvSpPr>
-          <p:nvPr>
-            <p:ph idx="1"/>
-          </p:nvPr>
-        </p:nvSpPr>
-        <p:spPr/>
-        <p:txBody>
-          <a:bodyPr/>
-          <a:lstStyle/>
-          <a:p>
-            <a:pPr marL="0" indent="0">
-              <a:buNone/>
-            </a:pPr>
-            <a:endParaRPr lang="pl-PL" dirty="0"/>
-          </a:p>
-        </p:txBody>
-      </p:sp>
-      <p:pic>
-        <p:nvPicPr>
-          <p:cNvPr id="2050" name="Picture 2"/>
-          <p:cNvPicPr>
-            <a:picLocks noChangeAspect="1" noChangeArrowheads="1"/>
-          </p:cNvPicPr>
-          <p:nvPr/>
-        </p:nvPicPr>
-        <p:blipFill>
-          <a:blip r:embed="rId2">
-            <a:extLst>
-              <a:ext uri="{28A0092B-C50C-407E-A947-70E740481C1C}">
-                <a14:useLocalDpi xmlns:a14="http://schemas.microsoft.com/office/drawing/2010/main" val="0"/>
-              </a:ext>
-            </a:extLst>
-          </a:blip>
-          <a:srcRect/>
-          <a:stretch>
-            <a:fillRect/>
-          </a:stretch>
-        </p:blipFill>
-        <p:spPr bwMode="auto">
-          <a:xfrm>
-            <a:off x="1403648" y="1628800"/>
-            <a:ext cx="6048672" cy="4649916"/>
-          </a:xfrm>
-          <a:prstGeom prst="rect">
-            <a:avLst/>
-          </a:prstGeom>
-          <a:noFill/>
-          <a:ln>
-            <a:noFill/>
-          </a:ln>
-          <a:extLst>
-            <a:ext uri="{909E8E84-426E-40DD-AFC4-6F175D3DCCD1}">
-              <a14:hiddenFill xmlns:a14="http://schemas.microsoft.com/office/drawing/2010/main">
-                <a:solidFill>
-                  <a:schemeClr val="accent1"/>
-                </a:solidFill>
-              </a14:hiddenFill>
-            </a:ext>
-            <a:ext uri="{91240B29-F687-4F45-9708-019B960494DF}">
-              <a14:hiddenLine xmlns:a14="http://schemas.microsoft.com/office/drawing/2010/main" w="9525">
-                <a:solidFill>
-                  <a:schemeClr val="tx1"/>
-                </a:solidFill>
-                <a:miter lim="800000"/>
-                <a:headEnd/>
-                <a:tailEnd/>
-              </a14:hiddenLine>
-            </a:ext>
-          </a:extLst>
-        </p:spPr>
-      </p:pic>
+      <p:graphicFrame>
+        <p:nvGraphicFramePr>
+          <p:cNvPr id="9" name="Wykres 8"/>
+          <p:cNvGraphicFramePr>
+            <a:graphicFrameLocks/>
+          </p:cNvGraphicFramePr>
+          <p:nvPr>
+            <p:extLst>
+              <p:ext uri="{D42A27DB-BD31-4B8C-83A1-F6EECF244321}">
+                <p14:modId xmlns:p14="http://schemas.microsoft.com/office/powerpoint/2010/main" val="4244968863"/>
+              </p:ext>
+            </p:extLst>
+          </p:nvPr>
+        </p:nvGraphicFramePr>
+        <p:xfrm>
+          <a:off x="0" y="4104572"/>
+          <a:ext cx="4572000" cy="2743200"/>
+        </p:xfrm>
+        <a:graphic>
+          <a:graphicData uri="http://schemas.openxmlformats.org/drawingml/2006/chart">
+            <c:chart xmlns:c="http://schemas.openxmlformats.org/drawingml/2006/chart" xmlns:r="http://schemas.openxmlformats.org/officeDocument/2006/relationships" r:id="rId2"/>
+          </a:graphicData>
+        </a:graphic>
+      </p:graphicFrame>
+      <p:graphicFrame>
+        <p:nvGraphicFramePr>
+          <p:cNvPr id="11" name="Wykres 10"/>
+          <p:cNvGraphicFramePr>
+            <a:graphicFrameLocks/>
+          </p:cNvGraphicFramePr>
+          <p:nvPr>
+            <p:extLst>
+              <p:ext uri="{D42A27DB-BD31-4B8C-83A1-F6EECF244321}">
+                <p14:modId xmlns:p14="http://schemas.microsoft.com/office/powerpoint/2010/main" val="3592384089"/>
+              </p:ext>
+            </p:extLst>
+          </p:nvPr>
+        </p:nvGraphicFramePr>
+        <p:xfrm>
+          <a:off x="4572000" y="4114800"/>
+          <a:ext cx="4572000" cy="2743200"/>
+        </p:xfrm>
+        <a:graphic>
+          <a:graphicData uri="http://schemas.openxmlformats.org/drawingml/2006/chart">
+            <c:chart xmlns:c="http://schemas.openxmlformats.org/drawingml/2006/chart" xmlns:r="http://schemas.openxmlformats.org/officeDocument/2006/relationships" r:id="rId3"/>
+          </a:graphicData>
+        </a:graphic>
+      </p:graphicFrame>
+      <p:graphicFrame>
+        <p:nvGraphicFramePr>
+          <p:cNvPr id="13" name="Wykres 12"/>
+          <p:cNvGraphicFramePr>
+            <a:graphicFrameLocks/>
+          </p:cNvGraphicFramePr>
+          <p:nvPr>
+            <p:extLst>
+              <p:ext uri="{D42A27DB-BD31-4B8C-83A1-F6EECF244321}">
+                <p14:modId xmlns:p14="http://schemas.microsoft.com/office/powerpoint/2010/main" val="4069650942"/>
+              </p:ext>
+            </p:extLst>
+          </p:nvPr>
+        </p:nvGraphicFramePr>
+        <p:xfrm>
+          <a:off x="4572000" y="1124744"/>
+          <a:ext cx="4572000" cy="2743200"/>
+        </p:xfrm>
+        <a:graphic>
+          <a:graphicData uri="http://schemas.openxmlformats.org/drawingml/2006/chart">
+            <c:chart xmlns:c="http://schemas.openxmlformats.org/drawingml/2006/chart" xmlns:r="http://schemas.openxmlformats.org/officeDocument/2006/relationships" r:id="rId4"/>
+          </a:graphicData>
+        </a:graphic>
+      </p:graphicFrame>
+      <p:graphicFrame>
+        <p:nvGraphicFramePr>
+          <p:cNvPr id="14" name="Wykres 13"/>
+          <p:cNvGraphicFramePr>
+            <a:graphicFrameLocks/>
+          </p:cNvGraphicFramePr>
+          <p:nvPr>
+            <p:extLst>
+              <p:ext uri="{D42A27DB-BD31-4B8C-83A1-F6EECF244321}">
+                <p14:modId xmlns:p14="http://schemas.microsoft.com/office/powerpoint/2010/main" val="3647985537"/>
+              </p:ext>
+            </p:extLst>
+          </p:nvPr>
+        </p:nvGraphicFramePr>
+        <p:xfrm>
+          <a:off x="0" y="1124744"/>
+          <a:ext cx="4572000" cy="2743200"/>
+        </p:xfrm>
+        <a:graphic>
+          <a:graphicData uri="http://schemas.openxmlformats.org/drawingml/2006/chart">
+            <c:chart xmlns:c="http://schemas.openxmlformats.org/drawingml/2006/chart" xmlns:r="http://schemas.openxmlformats.org/officeDocument/2006/relationships" r:id="rId5"/>
+          </a:graphicData>
+        </a:graphic>
+      </p:graphicFrame>
     </p:spTree>
     <p:extLst>
       <p:ext uri="{BB962C8B-B14F-4D97-AF65-F5344CB8AC3E}">
-        <p14:creationId xmlns:p14="http://schemas.microsoft.com/office/powerpoint/2010/main" val="4231575947"/>
+        <p14:creationId xmlns:p14="http://schemas.microsoft.com/office/powerpoint/2010/main" val="1253170884"/>
       </p:ext>
     </p:extLst>
   </p:cSld>
@@ -4719,7 +6195,11 @@
           <a:p>
             <a:r>
               <a:rPr lang="pl-PL" dirty="0" smtClean="0"/>
-              <a:t>Wyniki badań</a:t>
+              <a:t>Wyniki </a:t>
+            </a:r>
+            <a:r>
+              <a:rPr lang="pl-PL" dirty="0" smtClean="0"/>
+              <a:t>badań – JPS i A*</a:t>
             </a:r>
             <a:endParaRPr lang="pl-PL" dirty="0"/>
           </a:p>
@@ -4890,7 +6370,41 @@
           <a:bodyPr/>
           <a:lstStyle/>
           <a:p>
-            <a:endParaRPr lang="pl-PL"/>
+            <a:r>
+              <a:rPr lang="pl-PL" dirty="0" smtClean="0"/>
+              <a:t>Analiza technik nawigacji</a:t>
+            </a:r>
+          </a:p>
+          <a:p>
+            <a:r>
+              <a:rPr lang="pl-PL" dirty="0" smtClean="0"/>
+              <a:t>Środowisko testowe</a:t>
+            </a:r>
+          </a:p>
+          <a:p>
+            <a:r>
+              <a:rPr lang="pl-PL" dirty="0" smtClean="0"/>
+              <a:t>Wpływ funkcji heurystycznej oraz struktury środowiska gry</a:t>
+            </a:r>
+          </a:p>
+          <a:p>
+            <a:r>
+              <a:rPr lang="pl-PL" dirty="0" smtClean="0"/>
+              <a:t>Algorytm </a:t>
+            </a:r>
+            <a:r>
+              <a:rPr lang="pl-PL" dirty="0" err="1" smtClean="0"/>
+              <a:t>Jump</a:t>
+            </a:r>
+            <a:r>
+              <a:rPr lang="pl-PL" dirty="0" smtClean="0"/>
+              <a:t> Point </a:t>
+            </a:r>
+            <a:r>
+              <a:rPr lang="pl-PL" dirty="0" err="1" smtClean="0"/>
+              <a:t>Search</a:t>
+            </a:r>
+            <a:endParaRPr lang="pl-PL" dirty="0"/>
           </a:p>
         </p:txBody>
       </p:sp>

--- a/Nawigacja w grach komputerowych.pptx
+++ b/Nawigacja w grach komputerowych.pptx
@@ -4,17 +4,21 @@
   <p:sldMasterIdLst>
     <p:sldMasterId id="2147483672" r:id="rId1"/>
   </p:sldMasterIdLst>
+  <p:notesMasterIdLst>
+    <p:notesMasterId r:id="rId13"/>
+  </p:notesMasterIdLst>
   <p:sldIdLst>
     <p:sldId id="256" r:id="rId2"/>
     <p:sldId id="257" r:id="rId3"/>
     <p:sldId id="260" r:id="rId4"/>
-    <p:sldId id="259" r:id="rId5"/>
-    <p:sldId id="264" r:id="rId6"/>
-    <p:sldId id="266" r:id="rId7"/>
-    <p:sldId id="267" r:id="rId8"/>
-    <p:sldId id="261" r:id="rId9"/>
-    <p:sldId id="262" r:id="rId10"/>
-    <p:sldId id="263" r:id="rId11"/>
+    <p:sldId id="268" r:id="rId5"/>
+    <p:sldId id="259" r:id="rId6"/>
+    <p:sldId id="264" r:id="rId7"/>
+    <p:sldId id="266" r:id="rId8"/>
+    <p:sldId id="267" r:id="rId9"/>
+    <p:sldId id="261" r:id="rId10"/>
+    <p:sldId id="262" r:id="rId11"/>
+    <p:sldId id="263" r:id="rId12"/>
   </p:sldIdLst>
   <p:sldSz cx="9144000" cy="6858000" type="screen4x3"/>
   <p:notesSz cx="6858000" cy="9144000"/>
@@ -266,11 +270,11 @@
         </c:dLbls>
         <c:gapWidth val="75"/>
         <c:overlap val="-25"/>
-        <c:axId val="66665856"/>
-        <c:axId val="70763648"/>
+        <c:axId val="106748928"/>
+        <c:axId val="46330624"/>
       </c:barChart>
       <c:catAx>
-        <c:axId val="66665856"/>
+        <c:axId val="106748928"/>
         <c:scaling>
           <c:orientation val="minMax"/>
         </c:scaling>
@@ -279,7 +283,7 @@
         <c:majorTickMark val="none"/>
         <c:minorTickMark val="none"/>
         <c:tickLblPos val="nextTo"/>
-        <c:crossAx val="70763648"/>
+        <c:crossAx val="46330624"/>
         <c:crosses val="autoZero"/>
         <c:auto val="1"/>
         <c:lblAlgn val="ctr"/>
@@ -287,7 +291,7 @@
         <c:noMultiLvlLbl val="0"/>
       </c:catAx>
       <c:valAx>
-        <c:axId val="70763648"/>
+        <c:axId val="46330624"/>
         <c:scaling>
           <c:orientation val="minMax"/>
         </c:scaling>
@@ -327,7 +331,7 @@
             <a:noFill/>
           </a:ln>
         </c:spPr>
-        <c:crossAx val="66665856"/>
+        <c:crossAx val="106748928"/>
         <c:crosses val="autoZero"/>
         <c:crossBetween val="between"/>
       </c:valAx>
@@ -497,11 +501,11 @@
         </c:dLbls>
         <c:gapWidth val="75"/>
         <c:overlap val="-25"/>
-        <c:axId val="36361728"/>
-        <c:axId val="36363264"/>
+        <c:axId val="66620032"/>
+        <c:axId val="107385216"/>
       </c:barChart>
       <c:catAx>
-        <c:axId val="36361728"/>
+        <c:axId val="66620032"/>
         <c:scaling>
           <c:orientation val="minMax"/>
         </c:scaling>
@@ -510,7 +514,7 @@
         <c:majorTickMark val="none"/>
         <c:minorTickMark val="none"/>
         <c:tickLblPos val="nextTo"/>
-        <c:crossAx val="36363264"/>
+        <c:crossAx val="107385216"/>
         <c:crosses val="autoZero"/>
         <c:auto val="1"/>
         <c:lblAlgn val="ctr"/>
@@ -518,7 +522,7 @@
         <c:noMultiLvlLbl val="0"/>
       </c:catAx>
       <c:valAx>
-        <c:axId val="36363264"/>
+        <c:axId val="107385216"/>
         <c:scaling>
           <c:orientation val="minMax"/>
         </c:scaling>
@@ -553,7 +557,7 @@
             <a:noFill/>
           </a:ln>
         </c:spPr>
-        <c:crossAx val="36361728"/>
+        <c:crossAx val="66620032"/>
         <c:crosses val="autoZero"/>
         <c:crossBetween val="between"/>
       </c:valAx>
@@ -723,11 +727,11 @@
         </c:dLbls>
         <c:gapWidth val="75"/>
         <c:overlap val="-25"/>
-        <c:axId val="46710784"/>
-        <c:axId val="46712704"/>
+        <c:axId val="47515904"/>
+        <c:axId val="47529984"/>
       </c:barChart>
       <c:catAx>
-        <c:axId val="46710784"/>
+        <c:axId val="47515904"/>
         <c:scaling>
           <c:orientation val="minMax"/>
         </c:scaling>
@@ -736,7 +740,7 @@
         <c:majorTickMark val="none"/>
         <c:minorTickMark val="none"/>
         <c:tickLblPos val="nextTo"/>
-        <c:crossAx val="46712704"/>
+        <c:crossAx val="47529984"/>
         <c:crosses val="autoZero"/>
         <c:auto val="1"/>
         <c:lblAlgn val="ctr"/>
@@ -744,7 +748,7 @@
         <c:noMultiLvlLbl val="0"/>
       </c:catAx>
       <c:valAx>
-        <c:axId val="46712704"/>
+        <c:axId val="47529984"/>
         <c:scaling>
           <c:orientation val="minMax"/>
         </c:scaling>
@@ -779,7 +783,7 @@
             <a:noFill/>
           </a:ln>
         </c:spPr>
-        <c:crossAx val="46710784"/>
+        <c:crossAx val="47515904"/>
         <c:crosses val="autoZero"/>
         <c:crossBetween val="between"/>
       </c:valAx>
@@ -944,11 +948,11 @@
         </c:dLbls>
         <c:gapWidth val="75"/>
         <c:overlap val="-25"/>
-        <c:axId val="75780864"/>
-        <c:axId val="75782400"/>
+        <c:axId val="47552384"/>
+        <c:axId val="47553920"/>
       </c:barChart>
       <c:catAx>
-        <c:axId val="75780864"/>
+        <c:axId val="47552384"/>
         <c:scaling>
           <c:orientation val="minMax"/>
         </c:scaling>
@@ -957,7 +961,7 @@
         <c:majorTickMark val="none"/>
         <c:minorTickMark val="none"/>
         <c:tickLblPos val="nextTo"/>
-        <c:crossAx val="75782400"/>
+        <c:crossAx val="47553920"/>
         <c:crosses val="autoZero"/>
         <c:auto val="1"/>
         <c:lblAlgn val="ctr"/>
@@ -965,7 +969,7 @@
         <c:noMultiLvlLbl val="0"/>
       </c:catAx>
       <c:valAx>
-        <c:axId val="75782400"/>
+        <c:axId val="47553920"/>
         <c:scaling>
           <c:orientation val="minMax"/>
         </c:scaling>
@@ -1000,7 +1004,7 @@
             <a:noFill/>
           </a:ln>
         </c:spPr>
-        <c:crossAx val="75780864"/>
+        <c:crossAx val="47552384"/>
         <c:crosses val="autoZero"/>
         <c:crossBetween val="between"/>
       </c:valAx>
@@ -1139,11 +1143,11 @@
         </c:dLbls>
         <c:gapWidth val="75"/>
         <c:overlap val="-25"/>
-        <c:axId val="96744960"/>
-        <c:axId val="96746496"/>
+        <c:axId val="47851392"/>
+        <c:axId val="47852928"/>
       </c:barChart>
       <c:catAx>
-        <c:axId val="96744960"/>
+        <c:axId val="47851392"/>
         <c:scaling>
           <c:orientation val="minMax"/>
         </c:scaling>
@@ -1152,7 +1156,7 @@
         <c:majorTickMark val="none"/>
         <c:minorTickMark val="none"/>
         <c:tickLblPos val="nextTo"/>
-        <c:crossAx val="96746496"/>
+        <c:crossAx val="47852928"/>
         <c:crosses val="autoZero"/>
         <c:auto val="1"/>
         <c:lblAlgn val="ctr"/>
@@ -1160,7 +1164,7 @@
         <c:noMultiLvlLbl val="0"/>
       </c:catAx>
       <c:valAx>
-        <c:axId val="96746496"/>
+        <c:axId val="47852928"/>
         <c:scaling>
           <c:orientation val="minMax"/>
         </c:scaling>
@@ -1196,7 +1200,7 @@
             <a:noFill/>
           </a:ln>
         </c:spPr>
-        <c:crossAx val="96744960"/>
+        <c:crossAx val="47851392"/>
         <c:crosses val="autoZero"/>
         <c:crossBetween val="between"/>
       </c:valAx>
@@ -1335,11 +1339,11 @@
         </c:dLbls>
         <c:gapWidth val="75"/>
         <c:overlap val="-25"/>
-        <c:axId val="39481728"/>
-        <c:axId val="39483264"/>
+        <c:axId val="47895296"/>
+        <c:axId val="47896832"/>
       </c:barChart>
       <c:catAx>
-        <c:axId val="39481728"/>
+        <c:axId val="47895296"/>
         <c:scaling>
           <c:orientation val="minMax"/>
         </c:scaling>
@@ -1348,7 +1352,7 @@
         <c:majorTickMark val="none"/>
         <c:minorTickMark val="none"/>
         <c:tickLblPos val="nextTo"/>
-        <c:crossAx val="39483264"/>
+        <c:crossAx val="47896832"/>
         <c:crosses val="autoZero"/>
         <c:auto val="1"/>
         <c:lblAlgn val="ctr"/>
@@ -1356,7 +1360,7 @@
         <c:noMultiLvlLbl val="0"/>
       </c:catAx>
       <c:valAx>
-        <c:axId val="39483264"/>
+        <c:axId val="47896832"/>
         <c:scaling>
           <c:orientation val="minMax"/>
         </c:scaling>
@@ -1396,7 +1400,7 @@
             <a:noFill/>
           </a:ln>
         </c:spPr>
-        <c:crossAx val="39481728"/>
+        <c:crossAx val="47895296"/>
         <c:crosses val="autoZero"/>
         <c:crossBetween val="between"/>
       </c:valAx>
@@ -1535,11 +1539,11 @@
         </c:dLbls>
         <c:gapWidth val="75"/>
         <c:overlap val="-25"/>
-        <c:axId val="39500800"/>
-        <c:axId val="39518976"/>
+        <c:axId val="47590784"/>
+        <c:axId val="47596672"/>
       </c:barChart>
       <c:catAx>
-        <c:axId val="39500800"/>
+        <c:axId val="47590784"/>
         <c:scaling>
           <c:orientation val="minMax"/>
         </c:scaling>
@@ -1548,7 +1552,7 @@
         <c:majorTickMark val="none"/>
         <c:minorTickMark val="none"/>
         <c:tickLblPos val="nextTo"/>
-        <c:crossAx val="39518976"/>
+        <c:crossAx val="47596672"/>
         <c:crosses val="autoZero"/>
         <c:auto val="1"/>
         <c:lblAlgn val="ctr"/>
@@ -1556,7 +1560,7 @@
         <c:noMultiLvlLbl val="0"/>
       </c:catAx>
       <c:valAx>
-        <c:axId val="39518976"/>
+        <c:axId val="47596672"/>
         <c:scaling>
           <c:orientation val="minMax"/>
         </c:scaling>
@@ -1596,7 +1600,7 @@
             <a:noFill/>
           </a:ln>
         </c:spPr>
-        <c:crossAx val="39500800"/>
+        <c:crossAx val="47590784"/>
         <c:crosses val="autoZero"/>
         <c:crossBetween val="between"/>
       </c:valAx>
@@ -1735,11 +1739,11 @@
         </c:dLbls>
         <c:gapWidth val="75"/>
         <c:overlap val="-25"/>
-        <c:axId val="39544704"/>
-        <c:axId val="39546240"/>
+        <c:axId val="47618304"/>
+        <c:axId val="47644672"/>
       </c:barChart>
       <c:catAx>
-        <c:axId val="39544704"/>
+        <c:axId val="47618304"/>
         <c:scaling>
           <c:orientation val="minMax"/>
         </c:scaling>
@@ -1748,7 +1752,7 @@
         <c:majorTickMark val="none"/>
         <c:minorTickMark val="none"/>
         <c:tickLblPos val="nextTo"/>
-        <c:crossAx val="39546240"/>
+        <c:crossAx val="47644672"/>
         <c:crosses val="autoZero"/>
         <c:auto val="1"/>
         <c:lblAlgn val="ctr"/>
@@ -1756,7 +1760,7 @@
         <c:noMultiLvlLbl val="0"/>
       </c:catAx>
       <c:valAx>
-        <c:axId val="39546240"/>
+        <c:axId val="47644672"/>
         <c:scaling>
           <c:orientation val="minMax"/>
         </c:scaling>
@@ -1796,7 +1800,7 @@
             <a:noFill/>
           </a:ln>
         </c:spPr>
-        <c:crossAx val="39544704"/>
+        <c:crossAx val="47618304"/>
         <c:crosses val="autoZero"/>
         <c:crossBetween val="between"/>
       </c:valAx>
@@ -1814,6 +1818,1370 @@
     <c:autoUpdate val="0"/>
   </c:externalData>
 </c:chartSpace>
+</file>
+
+<file path=ppt/notesMasters/notesMaster1.xml><?xml version="1.0" encoding="utf-8"?>
+<p:notesMaster xmlns:a="http://schemas.openxmlformats.org/drawingml/2006/main" xmlns:r="http://schemas.openxmlformats.org/officeDocument/2006/relationships" xmlns:p="http://schemas.openxmlformats.org/presentationml/2006/main">
+  <p:cSld>
+    <p:bg>
+      <p:bgRef idx="1001">
+        <a:schemeClr val="bg1"/>
+      </p:bgRef>
+    </p:bg>
+    <p:spTree>
+      <p:nvGrpSpPr>
+        <p:cNvPr id="1" name=""/>
+        <p:cNvGrpSpPr/>
+        <p:nvPr/>
+      </p:nvGrpSpPr>
+      <p:grpSpPr>
+        <a:xfrm>
+          <a:off x="0" y="0"/>
+          <a:ext cx="0" cy="0"/>
+          <a:chOff x="0" y="0"/>
+          <a:chExt cx="0" cy="0"/>
+        </a:xfrm>
+      </p:grpSpPr>
+      <p:sp>
+        <p:nvSpPr>
+          <p:cNvPr id="2" name="Symbol zastępczy nagłówka 1"/>
+          <p:cNvSpPr>
+            <a:spLocks noGrp="1"/>
+          </p:cNvSpPr>
+          <p:nvPr>
+            <p:ph type="hdr" sz="quarter"/>
+          </p:nvPr>
+        </p:nvSpPr>
+        <p:spPr>
+          <a:xfrm>
+            <a:off x="0" y="0"/>
+            <a:ext cx="2971800" cy="457200"/>
+          </a:xfrm>
+          <a:prstGeom prst="rect">
+            <a:avLst/>
+          </a:prstGeom>
+        </p:spPr>
+        <p:txBody>
+          <a:bodyPr vert="horz" lIns="91440" tIns="45720" rIns="91440" bIns="45720" rtlCol="0"/>
+          <a:lstStyle>
+            <a:lvl1pPr algn="l">
+              <a:defRPr sz="1200"/>
+            </a:lvl1pPr>
+          </a:lstStyle>
+          <a:p>
+            <a:endParaRPr lang="pl-PL"/>
+          </a:p>
+        </p:txBody>
+      </p:sp>
+      <p:sp>
+        <p:nvSpPr>
+          <p:cNvPr id="3" name="Symbol zastępczy daty 2"/>
+          <p:cNvSpPr>
+            <a:spLocks noGrp="1"/>
+          </p:cNvSpPr>
+          <p:nvPr>
+            <p:ph type="dt" idx="1"/>
+          </p:nvPr>
+        </p:nvSpPr>
+        <p:spPr>
+          <a:xfrm>
+            <a:off x="3884613" y="0"/>
+            <a:ext cx="2971800" cy="457200"/>
+          </a:xfrm>
+          <a:prstGeom prst="rect">
+            <a:avLst/>
+          </a:prstGeom>
+        </p:spPr>
+        <p:txBody>
+          <a:bodyPr vert="horz" lIns="91440" tIns="45720" rIns="91440" bIns="45720" rtlCol="0"/>
+          <a:lstStyle>
+            <a:lvl1pPr algn="r">
+              <a:defRPr sz="1200"/>
+            </a:lvl1pPr>
+          </a:lstStyle>
+          <a:p>
+            <a:fld id="{70A2B3A7-E86D-4280-A4D7-511B8E83CF6B}" type="datetimeFigureOut">
+              <a:rPr lang="pl-PL" smtClean="0"/>
+              <a:t>2013-10-27</a:t>
+            </a:fld>
+            <a:endParaRPr lang="pl-PL"/>
+          </a:p>
+        </p:txBody>
+      </p:sp>
+      <p:sp>
+        <p:nvSpPr>
+          <p:cNvPr id="4" name="Symbol zastępczy obrazu slajdu 3"/>
+          <p:cNvSpPr>
+            <a:spLocks noGrp="1" noRot="1" noChangeAspect="1"/>
+          </p:cNvSpPr>
+          <p:nvPr>
+            <p:ph type="sldImg" idx="2"/>
+          </p:nvPr>
+        </p:nvSpPr>
+        <p:spPr>
+          <a:xfrm>
+            <a:off x="1143000" y="685800"/>
+            <a:ext cx="4572000" cy="3429000"/>
+          </a:xfrm>
+          <a:prstGeom prst="rect">
+            <a:avLst/>
+          </a:prstGeom>
+          <a:noFill/>
+          <a:ln w="12700">
+            <a:solidFill>
+              <a:prstClr val="black"/>
+            </a:solidFill>
+          </a:ln>
+        </p:spPr>
+        <p:txBody>
+          <a:bodyPr vert="horz" lIns="91440" tIns="45720" rIns="91440" bIns="45720" rtlCol="0" anchor="ctr"/>
+          <a:lstStyle/>
+          <a:p>
+            <a:endParaRPr lang="pl-PL"/>
+          </a:p>
+        </p:txBody>
+      </p:sp>
+      <p:sp>
+        <p:nvSpPr>
+          <p:cNvPr id="5" name="Symbol zastępczy notatek 4"/>
+          <p:cNvSpPr>
+            <a:spLocks noGrp="1"/>
+          </p:cNvSpPr>
+          <p:nvPr>
+            <p:ph type="body" sz="quarter" idx="3"/>
+          </p:nvPr>
+        </p:nvSpPr>
+        <p:spPr>
+          <a:xfrm>
+            <a:off x="685800" y="4343400"/>
+            <a:ext cx="5486400" cy="4114800"/>
+          </a:xfrm>
+          <a:prstGeom prst="rect">
+            <a:avLst/>
+          </a:prstGeom>
+        </p:spPr>
+        <p:txBody>
+          <a:bodyPr vert="horz" lIns="91440" tIns="45720" rIns="91440" bIns="45720" rtlCol="0"/>
+          <a:lstStyle/>
+          <a:p>
+            <a:pPr lvl="0"/>
+            <a:r>
+              <a:rPr lang="pl-PL" smtClean="0"/>
+              <a:t>Kliknij, aby edytować style wzorca tekstu</a:t>
+            </a:r>
+          </a:p>
+          <a:p>
+            <a:pPr lvl="1"/>
+            <a:r>
+              <a:rPr lang="pl-PL" smtClean="0"/>
+              <a:t>Drugi poziom</a:t>
+            </a:r>
+          </a:p>
+          <a:p>
+            <a:pPr lvl="2"/>
+            <a:r>
+              <a:rPr lang="pl-PL" smtClean="0"/>
+              <a:t>Trzeci poziom</a:t>
+            </a:r>
+          </a:p>
+          <a:p>
+            <a:pPr lvl="3"/>
+            <a:r>
+              <a:rPr lang="pl-PL" smtClean="0"/>
+              <a:t>Czwarty poziom</a:t>
+            </a:r>
+          </a:p>
+          <a:p>
+            <a:pPr lvl="4"/>
+            <a:r>
+              <a:rPr lang="pl-PL" smtClean="0"/>
+              <a:t>Piąty poziom</a:t>
+            </a:r>
+            <a:endParaRPr lang="pl-PL"/>
+          </a:p>
+        </p:txBody>
+      </p:sp>
+      <p:sp>
+        <p:nvSpPr>
+          <p:cNvPr id="6" name="Symbol zastępczy stopki 5"/>
+          <p:cNvSpPr>
+            <a:spLocks noGrp="1"/>
+          </p:cNvSpPr>
+          <p:nvPr>
+            <p:ph type="ftr" sz="quarter" idx="4"/>
+          </p:nvPr>
+        </p:nvSpPr>
+        <p:spPr>
+          <a:xfrm>
+            <a:off x="0" y="8685213"/>
+            <a:ext cx="2971800" cy="457200"/>
+          </a:xfrm>
+          <a:prstGeom prst="rect">
+            <a:avLst/>
+          </a:prstGeom>
+        </p:spPr>
+        <p:txBody>
+          <a:bodyPr vert="horz" lIns="91440" tIns="45720" rIns="91440" bIns="45720" rtlCol="0" anchor="b"/>
+          <a:lstStyle>
+            <a:lvl1pPr algn="l">
+              <a:defRPr sz="1200"/>
+            </a:lvl1pPr>
+          </a:lstStyle>
+          <a:p>
+            <a:endParaRPr lang="pl-PL"/>
+          </a:p>
+        </p:txBody>
+      </p:sp>
+      <p:sp>
+        <p:nvSpPr>
+          <p:cNvPr id="7" name="Symbol zastępczy numeru slajdu 6"/>
+          <p:cNvSpPr>
+            <a:spLocks noGrp="1"/>
+          </p:cNvSpPr>
+          <p:nvPr>
+            <p:ph type="sldNum" sz="quarter" idx="5"/>
+          </p:nvPr>
+        </p:nvSpPr>
+        <p:spPr>
+          <a:xfrm>
+            <a:off x="3884613" y="8685213"/>
+            <a:ext cx="2971800" cy="457200"/>
+          </a:xfrm>
+          <a:prstGeom prst="rect">
+            <a:avLst/>
+          </a:prstGeom>
+        </p:spPr>
+        <p:txBody>
+          <a:bodyPr vert="horz" lIns="91440" tIns="45720" rIns="91440" bIns="45720" rtlCol="0" anchor="b"/>
+          <a:lstStyle>
+            <a:lvl1pPr algn="r">
+              <a:defRPr sz="1200"/>
+            </a:lvl1pPr>
+          </a:lstStyle>
+          <a:p>
+            <a:fld id="{C395EE7B-1B00-49A3-8F23-E06B3DFEBA65}" type="slidenum">
+              <a:rPr lang="pl-PL" smtClean="0"/>
+              <a:t>‹#›</a:t>
+            </a:fld>
+            <a:endParaRPr lang="pl-PL"/>
+          </a:p>
+        </p:txBody>
+      </p:sp>
+    </p:spTree>
+    <p:extLst>
+      <p:ext uri="{BB962C8B-B14F-4D97-AF65-F5344CB8AC3E}">
+        <p14:creationId xmlns:p14="http://schemas.microsoft.com/office/powerpoint/2010/main" val="1013435923"/>
+      </p:ext>
+    </p:extLst>
+  </p:cSld>
+  <p:clrMap bg1="lt1" tx1="dk1" bg2="lt2" tx2="dk2" accent1="accent1" accent2="accent2" accent3="accent3" accent4="accent4" accent5="accent5" accent6="accent6" hlink="hlink" folHlink="folHlink"/>
+  <p:notesStyle>
+    <a:lvl1pPr marL="0" algn="l" defTabSz="914400" rtl="0" eaLnBrk="1" latinLnBrk="0" hangingPunct="1">
+      <a:defRPr sz="1200" kern="1200">
+        <a:solidFill>
+          <a:schemeClr val="tx1"/>
+        </a:solidFill>
+        <a:latin typeface="+mn-lt"/>
+        <a:ea typeface="+mn-ea"/>
+        <a:cs typeface="+mn-cs"/>
+      </a:defRPr>
+    </a:lvl1pPr>
+    <a:lvl2pPr marL="457200" algn="l" defTabSz="914400" rtl="0" eaLnBrk="1" latinLnBrk="0" hangingPunct="1">
+      <a:defRPr sz="1200" kern="1200">
+        <a:solidFill>
+          <a:schemeClr val="tx1"/>
+        </a:solidFill>
+        <a:latin typeface="+mn-lt"/>
+        <a:ea typeface="+mn-ea"/>
+        <a:cs typeface="+mn-cs"/>
+      </a:defRPr>
+    </a:lvl2pPr>
+    <a:lvl3pPr marL="914400" algn="l" defTabSz="914400" rtl="0" eaLnBrk="1" latinLnBrk="0" hangingPunct="1">
+      <a:defRPr sz="1200" kern="1200">
+        <a:solidFill>
+          <a:schemeClr val="tx1"/>
+        </a:solidFill>
+        <a:latin typeface="+mn-lt"/>
+        <a:ea typeface="+mn-ea"/>
+        <a:cs typeface="+mn-cs"/>
+      </a:defRPr>
+    </a:lvl3pPr>
+    <a:lvl4pPr marL="1371600" algn="l" defTabSz="914400" rtl="0" eaLnBrk="1" latinLnBrk="0" hangingPunct="1">
+      <a:defRPr sz="1200" kern="1200">
+        <a:solidFill>
+          <a:schemeClr val="tx1"/>
+        </a:solidFill>
+        <a:latin typeface="+mn-lt"/>
+        <a:ea typeface="+mn-ea"/>
+        <a:cs typeface="+mn-cs"/>
+      </a:defRPr>
+    </a:lvl4pPr>
+    <a:lvl5pPr marL="1828800" algn="l" defTabSz="914400" rtl="0" eaLnBrk="1" latinLnBrk="0" hangingPunct="1">
+      <a:defRPr sz="1200" kern="1200">
+        <a:solidFill>
+          <a:schemeClr val="tx1"/>
+        </a:solidFill>
+        <a:latin typeface="+mn-lt"/>
+        <a:ea typeface="+mn-ea"/>
+        <a:cs typeface="+mn-cs"/>
+      </a:defRPr>
+    </a:lvl5pPr>
+    <a:lvl6pPr marL="2286000" algn="l" defTabSz="914400" rtl="0" eaLnBrk="1" latinLnBrk="0" hangingPunct="1">
+      <a:defRPr sz="1200" kern="1200">
+        <a:solidFill>
+          <a:schemeClr val="tx1"/>
+        </a:solidFill>
+        <a:latin typeface="+mn-lt"/>
+        <a:ea typeface="+mn-ea"/>
+        <a:cs typeface="+mn-cs"/>
+      </a:defRPr>
+    </a:lvl6pPr>
+    <a:lvl7pPr marL="2743200" algn="l" defTabSz="914400" rtl="0" eaLnBrk="1" latinLnBrk="0" hangingPunct="1">
+      <a:defRPr sz="1200" kern="1200">
+        <a:solidFill>
+          <a:schemeClr val="tx1"/>
+        </a:solidFill>
+        <a:latin typeface="+mn-lt"/>
+        <a:ea typeface="+mn-ea"/>
+        <a:cs typeface="+mn-cs"/>
+      </a:defRPr>
+    </a:lvl7pPr>
+    <a:lvl8pPr marL="3200400" algn="l" defTabSz="914400" rtl="0" eaLnBrk="1" latinLnBrk="0" hangingPunct="1">
+      <a:defRPr sz="1200" kern="1200">
+        <a:solidFill>
+          <a:schemeClr val="tx1"/>
+        </a:solidFill>
+        <a:latin typeface="+mn-lt"/>
+        <a:ea typeface="+mn-ea"/>
+        <a:cs typeface="+mn-cs"/>
+      </a:defRPr>
+    </a:lvl8pPr>
+    <a:lvl9pPr marL="3657600" algn="l" defTabSz="914400" rtl="0" eaLnBrk="1" latinLnBrk="0" hangingPunct="1">
+      <a:defRPr sz="1200" kern="1200">
+        <a:solidFill>
+          <a:schemeClr val="tx1"/>
+        </a:solidFill>
+        <a:latin typeface="+mn-lt"/>
+        <a:ea typeface="+mn-ea"/>
+        <a:cs typeface="+mn-cs"/>
+      </a:defRPr>
+    </a:lvl9pPr>
+  </p:notesStyle>
+</p:notesMaster>
+</file>
+
+<file path=ppt/notesSlides/notesSlide1.xml><?xml version="1.0" encoding="utf-8"?>
+<p:notes xmlns:a="http://schemas.openxmlformats.org/drawingml/2006/main" xmlns:r="http://schemas.openxmlformats.org/officeDocument/2006/relationships" xmlns:p="http://schemas.openxmlformats.org/presentationml/2006/main">
+  <p:cSld>
+    <p:spTree>
+      <p:nvGrpSpPr>
+        <p:cNvPr id="1" name=""/>
+        <p:cNvGrpSpPr/>
+        <p:nvPr/>
+      </p:nvGrpSpPr>
+      <p:grpSpPr>
+        <a:xfrm>
+          <a:off x="0" y="0"/>
+          <a:ext cx="0" cy="0"/>
+          <a:chOff x="0" y="0"/>
+          <a:chExt cx="0" cy="0"/>
+        </a:xfrm>
+      </p:grpSpPr>
+      <p:sp>
+        <p:nvSpPr>
+          <p:cNvPr id="2" name="Symbol zastępczy obrazu slajdu 1"/>
+          <p:cNvSpPr>
+            <a:spLocks noGrp="1" noRot="1" noChangeAspect="1"/>
+          </p:cNvSpPr>
+          <p:nvPr>
+            <p:ph type="sldImg"/>
+          </p:nvPr>
+        </p:nvSpPr>
+        <p:spPr/>
+      </p:sp>
+      <p:sp>
+        <p:nvSpPr>
+          <p:cNvPr id="3" name="Symbol zastępczy notatek 2"/>
+          <p:cNvSpPr>
+            <a:spLocks noGrp="1"/>
+          </p:cNvSpPr>
+          <p:nvPr>
+            <p:ph type="body" idx="1"/>
+          </p:nvPr>
+        </p:nvSpPr>
+        <p:spPr/>
+        <p:txBody>
+          <a:bodyPr/>
+          <a:lstStyle/>
+          <a:p>
+            <a:r>
+              <a:rPr lang="pl-PL" dirty="0" smtClean="0"/>
+              <a:t>Witam</a:t>
+            </a:r>
+          </a:p>
+          <a:p>
+            <a:r>
+              <a:rPr lang="pl-PL" dirty="0" smtClean="0"/>
+              <a:t>Chciałbym</a:t>
+            </a:r>
+            <a:r>
+              <a:rPr lang="pl-PL" baseline="0" dirty="0" smtClean="0"/>
+              <a:t> przedstawić prezentacje dotyczącą mojej pracy magisterskiej związanej z nawigacją w grach komputerowych.</a:t>
+            </a:r>
+            <a:endParaRPr lang="pl-PL" dirty="0"/>
+          </a:p>
+        </p:txBody>
+      </p:sp>
+      <p:sp>
+        <p:nvSpPr>
+          <p:cNvPr id="4" name="Symbol zastępczy numeru slajdu 3"/>
+          <p:cNvSpPr>
+            <a:spLocks noGrp="1"/>
+          </p:cNvSpPr>
+          <p:nvPr>
+            <p:ph type="sldNum" sz="quarter" idx="10"/>
+          </p:nvPr>
+        </p:nvSpPr>
+        <p:spPr/>
+        <p:txBody>
+          <a:bodyPr/>
+          <a:lstStyle/>
+          <a:p>
+            <a:fld id="{C395EE7B-1B00-49A3-8F23-E06B3DFEBA65}" type="slidenum">
+              <a:rPr lang="pl-PL" smtClean="0"/>
+              <a:t>1</a:t>
+            </a:fld>
+            <a:endParaRPr lang="pl-PL"/>
+          </a:p>
+        </p:txBody>
+      </p:sp>
+    </p:spTree>
+    <p:extLst>
+      <p:ext uri="{BB962C8B-B14F-4D97-AF65-F5344CB8AC3E}">
+        <p14:creationId xmlns:p14="http://schemas.microsoft.com/office/powerpoint/2010/main" val="515590813"/>
+      </p:ext>
+    </p:extLst>
+  </p:cSld>
+  <p:clrMapOvr>
+    <a:masterClrMapping/>
+  </p:clrMapOvr>
+</p:notes>
+</file>
+
+<file path=ppt/notesSlides/notesSlide2.xml><?xml version="1.0" encoding="utf-8"?>
+<p:notes xmlns:a="http://schemas.openxmlformats.org/drawingml/2006/main" xmlns:r="http://schemas.openxmlformats.org/officeDocument/2006/relationships" xmlns:p="http://schemas.openxmlformats.org/presentationml/2006/main">
+  <p:cSld>
+    <p:spTree>
+      <p:nvGrpSpPr>
+        <p:cNvPr id="1" name=""/>
+        <p:cNvGrpSpPr/>
+        <p:nvPr/>
+      </p:nvGrpSpPr>
+      <p:grpSpPr>
+        <a:xfrm>
+          <a:off x="0" y="0"/>
+          <a:ext cx="0" cy="0"/>
+          <a:chOff x="0" y="0"/>
+          <a:chExt cx="0" cy="0"/>
+        </a:xfrm>
+      </p:grpSpPr>
+      <p:sp>
+        <p:nvSpPr>
+          <p:cNvPr id="2" name="Symbol zastępczy obrazu slajdu 1"/>
+          <p:cNvSpPr>
+            <a:spLocks noGrp="1" noRot="1" noChangeAspect="1"/>
+          </p:cNvSpPr>
+          <p:nvPr>
+            <p:ph type="sldImg"/>
+          </p:nvPr>
+        </p:nvSpPr>
+        <p:spPr/>
+      </p:sp>
+      <p:sp>
+        <p:nvSpPr>
+          <p:cNvPr id="3" name="Symbol zastępczy notatek 2"/>
+          <p:cNvSpPr>
+            <a:spLocks noGrp="1"/>
+          </p:cNvSpPr>
+          <p:nvPr>
+            <p:ph type="body" idx="1"/>
+          </p:nvPr>
+        </p:nvSpPr>
+        <p:spPr/>
+        <p:txBody>
+          <a:bodyPr/>
+          <a:lstStyle/>
+          <a:p>
+            <a:r>
+              <a:rPr lang="pl-PL" dirty="0" smtClean="0"/>
+              <a:t>Plan prezentacji jest następujący.</a:t>
+            </a:r>
+          </a:p>
+          <a:p>
+            <a:r>
+              <a:rPr lang="pl-PL" dirty="0" smtClean="0"/>
+              <a:t>Jako pierwsze zostaną przedstawione</a:t>
+            </a:r>
+            <a:r>
+              <a:rPr lang="pl-PL" baseline="0" dirty="0" smtClean="0"/>
+              <a:t> cele pracy.</a:t>
+            </a:r>
+          </a:p>
+          <a:p>
+            <a:r>
+              <a:rPr lang="pl-PL" baseline="0" dirty="0" smtClean="0"/>
+              <a:t>Następnie zostaną omówione algorytmy nawigacji.</a:t>
+            </a:r>
+          </a:p>
+          <a:p>
+            <a:r>
+              <a:rPr lang="pl-PL" baseline="0" dirty="0" smtClean="0"/>
+              <a:t>Kolejno zostanie przedstawiony zaprojektowany system nawigacji.</a:t>
+            </a:r>
+          </a:p>
+          <a:p>
+            <a:r>
+              <a:rPr lang="pl-PL" baseline="0" dirty="0" smtClean="0"/>
+              <a:t>Potem zostaną omówione wyniki badanie.</a:t>
+            </a:r>
+          </a:p>
+          <a:p>
+            <a:r>
+              <a:rPr lang="pl-PL" baseline="0" dirty="0" smtClean="0"/>
+              <a:t>Oraz zostanie dokonane podsumowanie. </a:t>
+            </a:r>
+            <a:endParaRPr lang="pl-PL" dirty="0"/>
+          </a:p>
+        </p:txBody>
+      </p:sp>
+      <p:sp>
+        <p:nvSpPr>
+          <p:cNvPr id="4" name="Symbol zastępczy numeru slajdu 3"/>
+          <p:cNvSpPr>
+            <a:spLocks noGrp="1"/>
+          </p:cNvSpPr>
+          <p:nvPr>
+            <p:ph type="sldNum" sz="quarter" idx="10"/>
+          </p:nvPr>
+        </p:nvSpPr>
+        <p:spPr/>
+        <p:txBody>
+          <a:bodyPr/>
+          <a:lstStyle/>
+          <a:p>
+            <a:fld id="{C395EE7B-1B00-49A3-8F23-E06B3DFEBA65}" type="slidenum">
+              <a:rPr lang="pl-PL" smtClean="0"/>
+              <a:t>2</a:t>
+            </a:fld>
+            <a:endParaRPr lang="pl-PL"/>
+          </a:p>
+        </p:txBody>
+      </p:sp>
+    </p:spTree>
+    <p:extLst>
+      <p:ext uri="{BB962C8B-B14F-4D97-AF65-F5344CB8AC3E}">
+        <p14:creationId xmlns:p14="http://schemas.microsoft.com/office/powerpoint/2010/main" val="3490666630"/>
+      </p:ext>
+    </p:extLst>
+  </p:cSld>
+  <p:clrMapOvr>
+    <a:masterClrMapping/>
+  </p:clrMapOvr>
+</p:notes>
+</file>
+
+<file path=ppt/notesSlides/notesSlide3.xml><?xml version="1.0" encoding="utf-8"?>
+<p:notes xmlns:a="http://schemas.openxmlformats.org/drawingml/2006/main" xmlns:r="http://schemas.openxmlformats.org/officeDocument/2006/relationships" xmlns:p="http://schemas.openxmlformats.org/presentationml/2006/main">
+  <p:cSld>
+    <p:spTree>
+      <p:nvGrpSpPr>
+        <p:cNvPr id="1" name=""/>
+        <p:cNvGrpSpPr/>
+        <p:nvPr/>
+      </p:nvGrpSpPr>
+      <p:grpSpPr>
+        <a:xfrm>
+          <a:off x="0" y="0"/>
+          <a:ext cx="0" cy="0"/>
+          <a:chOff x="0" y="0"/>
+          <a:chExt cx="0" cy="0"/>
+        </a:xfrm>
+      </p:grpSpPr>
+      <p:sp>
+        <p:nvSpPr>
+          <p:cNvPr id="2" name="Symbol zastępczy obrazu slajdu 1"/>
+          <p:cNvSpPr>
+            <a:spLocks noGrp="1" noRot="1" noChangeAspect="1"/>
+          </p:cNvSpPr>
+          <p:nvPr>
+            <p:ph type="sldImg"/>
+          </p:nvPr>
+        </p:nvSpPr>
+        <p:spPr/>
+      </p:sp>
+      <p:sp>
+        <p:nvSpPr>
+          <p:cNvPr id="3" name="Symbol zastępczy notatek 2"/>
+          <p:cNvSpPr>
+            <a:spLocks noGrp="1"/>
+          </p:cNvSpPr>
+          <p:nvPr>
+            <p:ph type="body" idx="1"/>
+          </p:nvPr>
+        </p:nvSpPr>
+        <p:spPr/>
+        <p:txBody>
+          <a:bodyPr/>
+          <a:lstStyle/>
+          <a:p>
+            <a:r>
+              <a:rPr lang="pl-PL" sz="1200" kern="1200" dirty="0" smtClean="0">
+                <a:solidFill>
+                  <a:schemeClr val="tx1"/>
+                </a:solidFill>
+                <a:effectLst/>
+                <a:latin typeface="+mn-lt"/>
+                <a:ea typeface="+mn-ea"/>
+                <a:cs typeface="+mn-cs"/>
+              </a:rPr>
+              <a:t>Celem niniejszej pracy jest przebadanie algorytmów nawigacji stosowanych w grach komputerowych. Nawigacja w grach komputerowych w dużym stopniu polega na problemie znajdowania ścieżki. Wynikiem działania takiego algorytmu jest wygenerowana droga z punktu startowego do celu. </a:t>
+            </a:r>
+          </a:p>
+          <a:p>
+            <a:r>
+              <a:rPr lang="pl-PL" sz="1200" kern="1200" dirty="0" smtClean="0">
+                <a:solidFill>
+                  <a:schemeClr val="tx1"/>
+                </a:solidFill>
+                <a:effectLst/>
+                <a:latin typeface="+mn-lt"/>
+                <a:ea typeface="+mn-ea"/>
+                <a:cs typeface="+mn-cs"/>
+              </a:rPr>
+              <a:t>W branży gier komputerowych powszechnie stosowanym algorytmem do znajdowania ścieżki jest algorytm A* i to on jest przedmiotem badań w pracy. Jest to algorytm heurystyczny, posiadający duże możliwości optymalizacyjne. W pracy zostanie przebadane zastosowanie jednej z obiecujących optymalizacji algorytmu A* jakim jest algorytm </a:t>
+            </a:r>
+            <a:r>
+              <a:rPr lang="pl-PL" sz="1200" kern="1200" dirty="0" err="1" smtClean="0">
+                <a:solidFill>
+                  <a:schemeClr val="tx1"/>
+                </a:solidFill>
+                <a:effectLst/>
+                <a:latin typeface="+mn-lt"/>
+                <a:ea typeface="+mn-ea"/>
+                <a:cs typeface="+mn-cs"/>
+              </a:rPr>
+              <a:t>Jump</a:t>
+            </a:r>
+            <a:r>
+              <a:rPr lang="pl-PL" sz="1200" kern="1200" dirty="0" smtClean="0">
+                <a:solidFill>
+                  <a:schemeClr val="tx1"/>
+                </a:solidFill>
+                <a:effectLst/>
+                <a:latin typeface="+mn-lt"/>
+                <a:ea typeface="+mn-ea"/>
+                <a:cs typeface="+mn-cs"/>
+              </a:rPr>
+              <a:t> Point </a:t>
+            </a:r>
+            <a:r>
+              <a:rPr lang="pl-PL" sz="1200" kern="1200" dirty="0" err="1" smtClean="0">
+                <a:solidFill>
+                  <a:schemeClr val="tx1"/>
+                </a:solidFill>
+                <a:effectLst/>
+                <a:latin typeface="+mn-lt"/>
+                <a:ea typeface="+mn-ea"/>
+                <a:cs typeface="+mn-cs"/>
+              </a:rPr>
+              <a:t>Search</a:t>
+            </a:r>
+            <a:r>
+              <a:rPr lang="pl-PL" sz="1200" kern="1200" dirty="0" smtClean="0">
+                <a:solidFill>
+                  <a:schemeClr val="tx1"/>
+                </a:solidFill>
+                <a:effectLst/>
+                <a:latin typeface="+mn-lt"/>
+                <a:ea typeface="+mn-ea"/>
+                <a:cs typeface="+mn-cs"/>
+              </a:rPr>
+              <a:t>.</a:t>
+            </a:r>
+          </a:p>
+          <a:p>
+            <a:r>
+              <a:rPr lang="pl-PL" sz="1200" kern="1200" dirty="0" smtClean="0">
+                <a:solidFill>
+                  <a:schemeClr val="tx1"/>
+                </a:solidFill>
+                <a:effectLst/>
+                <a:latin typeface="+mn-lt"/>
+                <a:ea typeface="+mn-ea"/>
+                <a:cs typeface="+mn-cs"/>
+              </a:rPr>
+              <a:t>Na potrzeby badań zostanie zaprojektowana aplikacja będąca środowiskiem umożliwiającym przeprowadzanie symulacji odnajdywania ścieżki. Do aplikacji będzie można załadować dowolny model środowiska gry, a następnie przeprowadzić na nim zestaw eksperymentów.</a:t>
+            </a:r>
+          </a:p>
+          <a:p>
+            <a:endParaRPr lang="pl-PL" dirty="0"/>
+          </a:p>
+        </p:txBody>
+      </p:sp>
+      <p:sp>
+        <p:nvSpPr>
+          <p:cNvPr id="4" name="Symbol zastępczy numeru slajdu 3"/>
+          <p:cNvSpPr>
+            <a:spLocks noGrp="1"/>
+          </p:cNvSpPr>
+          <p:nvPr>
+            <p:ph type="sldNum" sz="quarter" idx="10"/>
+          </p:nvPr>
+        </p:nvSpPr>
+        <p:spPr/>
+        <p:txBody>
+          <a:bodyPr/>
+          <a:lstStyle/>
+          <a:p>
+            <a:fld id="{C395EE7B-1B00-49A3-8F23-E06B3DFEBA65}" type="slidenum">
+              <a:rPr lang="pl-PL" smtClean="0"/>
+              <a:t>3</a:t>
+            </a:fld>
+            <a:endParaRPr lang="pl-PL"/>
+          </a:p>
+        </p:txBody>
+      </p:sp>
+    </p:spTree>
+    <p:extLst>
+      <p:ext uri="{BB962C8B-B14F-4D97-AF65-F5344CB8AC3E}">
+        <p14:creationId xmlns:p14="http://schemas.microsoft.com/office/powerpoint/2010/main" val="2631800971"/>
+      </p:ext>
+    </p:extLst>
+  </p:cSld>
+  <p:clrMapOvr>
+    <a:masterClrMapping/>
+  </p:clrMapOvr>
+</p:notes>
+</file>
+
+<file path=ppt/notesSlides/notesSlide4.xml><?xml version="1.0" encoding="utf-8"?>
+<p:notes xmlns:a="http://schemas.openxmlformats.org/drawingml/2006/main" xmlns:r="http://schemas.openxmlformats.org/officeDocument/2006/relationships" xmlns:p="http://schemas.openxmlformats.org/presentationml/2006/main">
+  <p:cSld>
+    <p:spTree>
+      <p:nvGrpSpPr>
+        <p:cNvPr id="1" name=""/>
+        <p:cNvGrpSpPr/>
+        <p:nvPr/>
+      </p:nvGrpSpPr>
+      <p:grpSpPr>
+        <a:xfrm>
+          <a:off x="0" y="0"/>
+          <a:ext cx="0" cy="0"/>
+          <a:chOff x="0" y="0"/>
+          <a:chExt cx="0" cy="0"/>
+        </a:xfrm>
+      </p:grpSpPr>
+      <p:sp>
+        <p:nvSpPr>
+          <p:cNvPr id="2" name="Symbol zastępczy obrazu slajdu 1"/>
+          <p:cNvSpPr>
+            <a:spLocks noGrp="1" noRot="1" noChangeAspect="1"/>
+          </p:cNvSpPr>
+          <p:nvPr>
+            <p:ph type="sldImg"/>
+          </p:nvPr>
+        </p:nvSpPr>
+        <p:spPr/>
+      </p:sp>
+      <p:sp>
+        <p:nvSpPr>
+          <p:cNvPr id="3" name="Symbol zastępczy notatek 2"/>
+          <p:cNvSpPr>
+            <a:spLocks noGrp="1"/>
+          </p:cNvSpPr>
+          <p:nvPr>
+            <p:ph type="body" idx="1"/>
+          </p:nvPr>
+        </p:nvSpPr>
+        <p:spPr/>
+        <p:txBody>
+          <a:bodyPr/>
+          <a:lstStyle/>
+          <a:p>
+            <a:endParaRPr lang="pl-PL"/>
+          </a:p>
+        </p:txBody>
+      </p:sp>
+      <p:sp>
+        <p:nvSpPr>
+          <p:cNvPr id="4" name="Symbol zastępczy numeru slajdu 3"/>
+          <p:cNvSpPr>
+            <a:spLocks noGrp="1"/>
+          </p:cNvSpPr>
+          <p:nvPr>
+            <p:ph type="sldNum" sz="quarter" idx="10"/>
+          </p:nvPr>
+        </p:nvSpPr>
+        <p:spPr/>
+        <p:txBody>
+          <a:bodyPr/>
+          <a:lstStyle/>
+          <a:p>
+            <a:fld id="{C395EE7B-1B00-49A3-8F23-E06B3DFEBA65}" type="slidenum">
+              <a:rPr lang="pl-PL" smtClean="0"/>
+              <a:t>4</a:t>
+            </a:fld>
+            <a:endParaRPr lang="pl-PL"/>
+          </a:p>
+        </p:txBody>
+      </p:sp>
+    </p:spTree>
+    <p:extLst>
+      <p:ext uri="{BB962C8B-B14F-4D97-AF65-F5344CB8AC3E}">
+        <p14:creationId xmlns:p14="http://schemas.microsoft.com/office/powerpoint/2010/main" val="152332617"/>
+      </p:ext>
+    </p:extLst>
+  </p:cSld>
+  <p:clrMapOvr>
+    <a:masterClrMapping/>
+  </p:clrMapOvr>
+</p:notes>
+</file>
+
+<file path=ppt/notesSlides/notesSlide5.xml><?xml version="1.0" encoding="utf-8"?>
+<p:notes xmlns:a="http://schemas.openxmlformats.org/drawingml/2006/main" xmlns:r="http://schemas.openxmlformats.org/officeDocument/2006/relationships" xmlns:p="http://schemas.openxmlformats.org/presentationml/2006/main">
+  <p:cSld>
+    <p:spTree>
+      <p:nvGrpSpPr>
+        <p:cNvPr id="1" name=""/>
+        <p:cNvGrpSpPr/>
+        <p:nvPr/>
+      </p:nvGrpSpPr>
+      <p:grpSpPr>
+        <a:xfrm>
+          <a:off x="0" y="0"/>
+          <a:ext cx="0" cy="0"/>
+          <a:chOff x="0" y="0"/>
+          <a:chExt cx="0" cy="0"/>
+        </a:xfrm>
+      </p:grpSpPr>
+      <p:sp>
+        <p:nvSpPr>
+          <p:cNvPr id="2" name="Symbol zastępczy obrazu slajdu 1"/>
+          <p:cNvSpPr>
+            <a:spLocks noGrp="1" noRot="1" noChangeAspect="1"/>
+          </p:cNvSpPr>
+          <p:nvPr>
+            <p:ph type="sldImg"/>
+          </p:nvPr>
+        </p:nvSpPr>
+        <p:spPr/>
+      </p:sp>
+      <p:sp>
+        <p:nvSpPr>
+          <p:cNvPr id="3" name="Symbol zastępczy notatek 2"/>
+          <p:cNvSpPr>
+            <a:spLocks noGrp="1"/>
+          </p:cNvSpPr>
+          <p:nvPr>
+            <p:ph type="body" idx="1"/>
+          </p:nvPr>
+        </p:nvSpPr>
+        <p:spPr/>
+        <p:txBody>
+          <a:bodyPr/>
+          <a:lstStyle/>
+          <a:p>
+            <a:pPr marL="0" marR="0" indent="0" algn="l" defTabSz="914400" rtl="0" eaLnBrk="1" fontAlgn="auto" latinLnBrk="0" hangingPunct="1">
+              <a:lnSpc>
+                <a:spcPct val="100000"/>
+              </a:lnSpc>
+              <a:spcBef>
+                <a:spcPts val="0"/>
+              </a:spcBef>
+              <a:spcAft>
+                <a:spcPts val="0"/>
+              </a:spcAft>
+              <a:buClrTx/>
+              <a:buSzTx/>
+              <a:buFontTx/>
+              <a:buNone/>
+              <a:tabLst/>
+              <a:defRPr/>
+            </a:pPr>
+            <a:r>
+              <a:rPr lang="pl-PL" sz="1200" b="1" kern="1200" dirty="0" smtClean="0">
+                <a:solidFill>
+                  <a:schemeClr val="tx1"/>
+                </a:solidFill>
+                <a:effectLst/>
+                <a:latin typeface="+mn-lt"/>
+                <a:ea typeface="+mn-ea"/>
+                <a:cs typeface="+mn-cs"/>
+              </a:rPr>
+              <a:t>Zastosowanie</a:t>
+            </a:r>
+          </a:p>
+          <a:p>
+            <a:pPr marL="0" marR="0" indent="0" algn="l" defTabSz="914400" rtl="0" eaLnBrk="1" fontAlgn="auto" latinLnBrk="0" hangingPunct="1">
+              <a:lnSpc>
+                <a:spcPct val="100000"/>
+              </a:lnSpc>
+              <a:spcBef>
+                <a:spcPts val="0"/>
+              </a:spcBef>
+              <a:spcAft>
+                <a:spcPts val="0"/>
+              </a:spcAft>
+              <a:buClrTx/>
+              <a:buSzTx/>
+              <a:buFontTx/>
+              <a:buNone/>
+              <a:tabLst/>
+              <a:defRPr/>
+            </a:pPr>
+            <a:r>
+              <a:rPr lang="pl-PL" sz="1200" kern="1200" dirty="0" smtClean="0">
+                <a:solidFill>
+                  <a:schemeClr val="tx1"/>
+                </a:solidFill>
+                <a:effectLst/>
+                <a:latin typeface="+mn-lt"/>
+                <a:ea typeface="+mn-ea"/>
+                <a:cs typeface="+mn-cs"/>
+              </a:rPr>
+              <a:t>Zadaniem algorytmu jest wygenerowanie takiej ścieżki, że całkowity jej koszt jest minimalny spośród wszystkich dostępnych ścieżek od startu do celu. </a:t>
+            </a:r>
+          </a:p>
+          <a:p>
+            <a:endParaRPr lang="pl-PL" sz="1200" kern="1200" dirty="0" smtClean="0">
+              <a:solidFill>
+                <a:schemeClr val="tx1"/>
+              </a:solidFill>
+              <a:effectLst/>
+              <a:latin typeface="+mn-lt"/>
+              <a:ea typeface="+mn-ea"/>
+              <a:cs typeface="+mn-cs"/>
+            </a:endParaRPr>
+          </a:p>
+          <a:p>
+            <a:r>
+              <a:rPr lang="pl-PL" sz="1200" b="1" kern="1200" dirty="0" smtClean="0">
+                <a:solidFill>
+                  <a:schemeClr val="tx1"/>
+                </a:solidFill>
+                <a:effectLst/>
+                <a:latin typeface="+mn-lt"/>
+                <a:ea typeface="+mn-ea"/>
+                <a:cs typeface="+mn-cs"/>
+              </a:rPr>
+              <a:t>Parametry</a:t>
+            </a:r>
+          </a:p>
+          <a:p>
+            <a:r>
+              <a:rPr lang="pl-PL" sz="1200" kern="1200" dirty="0" smtClean="0">
+                <a:solidFill>
+                  <a:schemeClr val="tx1"/>
+                </a:solidFill>
+                <a:effectLst/>
+                <a:latin typeface="+mn-lt"/>
+                <a:ea typeface="+mn-ea"/>
+                <a:cs typeface="+mn-cs"/>
+              </a:rPr>
+              <a:t>Dany jest graf (skierowany o nieujemnych wagach) i dwa węzły w tym grafie (startowy i docelowy). </a:t>
+            </a:r>
+          </a:p>
+          <a:p>
+            <a:endParaRPr lang="pl-PL" sz="1200" b="1" kern="1200" dirty="0" smtClean="0">
+              <a:solidFill>
+                <a:schemeClr val="tx1"/>
+              </a:solidFill>
+              <a:effectLst/>
+              <a:latin typeface="+mn-lt"/>
+              <a:ea typeface="+mn-ea"/>
+              <a:cs typeface="+mn-cs"/>
+            </a:endParaRPr>
+          </a:p>
+          <a:p>
+            <a:r>
+              <a:rPr lang="pl-PL" sz="1200" b="1" kern="1200" dirty="0" smtClean="0">
+                <a:solidFill>
+                  <a:schemeClr val="tx1"/>
+                </a:solidFill>
+                <a:effectLst/>
+                <a:latin typeface="+mn-lt"/>
+                <a:ea typeface="+mn-ea"/>
+                <a:cs typeface="+mn-cs"/>
+              </a:rPr>
+              <a:t>Opis</a:t>
+            </a:r>
+          </a:p>
+          <a:p>
+            <a:r>
+              <a:rPr lang="pl-PL" sz="1200" kern="1200" dirty="0" smtClean="0">
+                <a:solidFill>
+                  <a:schemeClr val="tx1"/>
+                </a:solidFill>
+                <a:effectLst/>
+                <a:latin typeface="+mn-lt"/>
+                <a:ea typeface="+mn-ea"/>
+                <a:cs typeface="+mn-cs"/>
+              </a:rPr>
+              <a:t>Podczas iteracji A* rozważa każde wychodzące połączenie z bieżącego węzła. Dla każdego połączenia znajduje węzeł końcowy i przypisuje całkowity koszt ścieżki tymczasowej i połączenia, z którego przyszedł.</a:t>
+            </a:r>
+            <a:r>
+              <a:rPr lang="pl-PL" sz="1200" kern="1200" baseline="0" dirty="0" smtClean="0">
+                <a:solidFill>
+                  <a:schemeClr val="tx1"/>
+                </a:solidFill>
+                <a:effectLst/>
+                <a:latin typeface="+mn-lt"/>
+                <a:ea typeface="+mn-ea"/>
+                <a:cs typeface="+mn-cs"/>
+              </a:rPr>
+              <a:t> </a:t>
+            </a:r>
+            <a:r>
+              <a:rPr lang="pl-PL" sz="1200" kern="1200" dirty="0" smtClean="0">
+                <a:solidFill>
+                  <a:schemeClr val="tx1"/>
+                </a:solidFill>
+                <a:effectLst/>
+                <a:latin typeface="+mn-lt"/>
+                <a:ea typeface="+mn-ea"/>
+                <a:cs typeface="+mn-cs"/>
+              </a:rPr>
+              <a:t>Dodatkowo algorytm przypisuje jeszcze jedną wartość: estymacje całkowitego kosztu dla ścieżki od węzła startowego przez obecny węzeł do celu (ta wartość zostanie teraz nazwana: estymowany koszt całkowity). Ta estymacja jest sumą dwóch wartości: kosztu dotychczasowego i wartości określającej jak daleko węzeł znajduje się od celu.</a:t>
+            </a:r>
+          </a:p>
+          <a:p>
+            <a:r>
+              <a:rPr lang="pl-PL" sz="1200" kern="1200" dirty="0" smtClean="0">
+                <a:solidFill>
+                  <a:schemeClr val="tx1"/>
+                </a:solidFill>
+                <a:effectLst/>
+                <a:latin typeface="+mn-lt"/>
+                <a:ea typeface="+mn-ea"/>
+                <a:cs typeface="+mn-cs"/>
+              </a:rPr>
+              <a:t>Estymacja jest powszechnie nazywana "wartością heurystyki" węzła i nie może być to wartość ujemna. Proces generowania wartości heurystyki jest punktem kluczowym w procesie implementacji algorytmu A*.</a:t>
+            </a:r>
+            <a:endParaRPr lang="pl-PL" dirty="0"/>
+          </a:p>
+        </p:txBody>
+      </p:sp>
+      <p:sp>
+        <p:nvSpPr>
+          <p:cNvPr id="4" name="Symbol zastępczy numeru slajdu 3"/>
+          <p:cNvSpPr>
+            <a:spLocks noGrp="1"/>
+          </p:cNvSpPr>
+          <p:nvPr>
+            <p:ph type="sldNum" sz="quarter" idx="10"/>
+          </p:nvPr>
+        </p:nvSpPr>
+        <p:spPr/>
+        <p:txBody>
+          <a:bodyPr/>
+          <a:lstStyle/>
+          <a:p>
+            <a:fld id="{C395EE7B-1B00-49A3-8F23-E06B3DFEBA65}" type="slidenum">
+              <a:rPr lang="pl-PL" smtClean="0"/>
+              <a:t>5</a:t>
+            </a:fld>
+            <a:endParaRPr lang="pl-PL"/>
+          </a:p>
+        </p:txBody>
+      </p:sp>
+    </p:spTree>
+    <p:extLst>
+      <p:ext uri="{BB962C8B-B14F-4D97-AF65-F5344CB8AC3E}">
+        <p14:creationId xmlns:p14="http://schemas.microsoft.com/office/powerpoint/2010/main" val="338770544"/>
+      </p:ext>
+    </p:extLst>
+  </p:cSld>
+  <p:clrMapOvr>
+    <a:masterClrMapping/>
+  </p:clrMapOvr>
+</p:notes>
+</file>
+
+<file path=ppt/notesSlides/notesSlide6.xml><?xml version="1.0" encoding="utf-8"?>
+<p:notes xmlns:a="http://schemas.openxmlformats.org/drawingml/2006/main" xmlns:r="http://schemas.openxmlformats.org/officeDocument/2006/relationships" xmlns:p="http://schemas.openxmlformats.org/presentationml/2006/main">
+  <p:cSld>
+    <p:spTree>
+      <p:nvGrpSpPr>
+        <p:cNvPr id="1" name=""/>
+        <p:cNvGrpSpPr/>
+        <p:nvPr/>
+      </p:nvGrpSpPr>
+      <p:grpSpPr>
+        <a:xfrm>
+          <a:off x="0" y="0"/>
+          <a:ext cx="0" cy="0"/>
+          <a:chOff x="0" y="0"/>
+          <a:chExt cx="0" cy="0"/>
+        </a:xfrm>
+      </p:grpSpPr>
+      <p:sp>
+        <p:nvSpPr>
+          <p:cNvPr id="2" name="Symbol zastępczy obrazu slajdu 1"/>
+          <p:cNvSpPr>
+            <a:spLocks noGrp="1" noRot="1" noChangeAspect="1"/>
+          </p:cNvSpPr>
+          <p:nvPr>
+            <p:ph type="sldImg"/>
+          </p:nvPr>
+        </p:nvSpPr>
+        <p:spPr/>
+      </p:sp>
+      <p:sp>
+        <p:nvSpPr>
+          <p:cNvPr id="3" name="Symbol zastępczy notatek 2"/>
+          <p:cNvSpPr>
+            <a:spLocks noGrp="1"/>
+          </p:cNvSpPr>
+          <p:nvPr>
+            <p:ph type="body" idx="1"/>
+          </p:nvPr>
+        </p:nvSpPr>
+        <p:spPr/>
+        <p:txBody>
+          <a:bodyPr/>
+          <a:lstStyle/>
+          <a:p>
+            <a:r>
+              <a:rPr lang="pl-PL" dirty="0" smtClean="0"/>
+              <a:t>System</a:t>
+            </a:r>
+            <a:r>
+              <a:rPr lang="pl-PL" baseline="0" dirty="0" smtClean="0"/>
+              <a:t> nawigacji wymagał zaprojektowania modeli map na których zostały przeprowadzone testy. Na potrzeby pracy dyplomowej zostały zaprojektowane 4 modele środowisk gry widoczne na powyższym slajdzie. Obszar zacieniowany kolorem czerwonym i niebieskim oznacza obszar, po którym mogą się poruszać agenci komputerowi.  Modele oznaczone numerem 1 i 2 prezentują środowisko gry o prostej strukturze, natomiast modele o numerach 3 i 4 są środowiskami o bardziej skomplikowanej strukturze.  </a:t>
+            </a:r>
+            <a:endParaRPr lang="pl-PL" dirty="0"/>
+          </a:p>
+        </p:txBody>
+      </p:sp>
+      <p:sp>
+        <p:nvSpPr>
+          <p:cNvPr id="4" name="Symbol zastępczy numeru slajdu 3"/>
+          <p:cNvSpPr>
+            <a:spLocks noGrp="1"/>
+          </p:cNvSpPr>
+          <p:nvPr>
+            <p:ph type="sldNum" sz="quarter" idx="10"/>
+          </p:nvPr>
+        </p:nvSpPr>
+        <p:spPr/>
+        <p:txBody>
+          <a:bodyPr/>
+          <a:lstStyle/>
+          <a:p>
+            <a:fld id="{C395EE7B-1B00-49A3-8F23-E06B3DFEBA65}" type="slidenum">
+              <a:rPr lang="pl-PL" smtClean="0"/>
+              <a:t>7</a:t>
+            </a:fld>
+            <a:endParaRPr lang="pl-PL"/>
+          </a:p>
+        </p:txBody>
+      </p:sp>
+    </p:spTree>
+    <p:extLst>
+      <p:ext uri="{BB962C8B-B14F-4D97-AF65-F5344CB8AC3E}">
+        <p14:creationId xmlns:p14="http://schemas.microsoft.com/office/powerpoint/2010/main" val="2320688907"/>
+      </p:ext>
+    </p:extLst>
+  </p:cSld>
+  <p:clrMapOvr>
+    <a:masterClrMapping/>
+  </p:clrMapOvr>
+</p:notes>
+</file>
+
+<file path=ppt/notesSlides/notesSlide7.xml><?xml version="1.0" encoding="utf-8"?>
+<p:notes xmlns:a="http://schemas.openxmlformats.org/drawingml/2006/main" xmlns:r="http://schemas.openxmlformats.org/officeDocument/2006/relationships" xmlns:p="http://schemas.openxmlformats.org/presentationml/2006/main">
+  <p:cSld>
+    <p:spTree>
+      <p:nvGrpSpPr>
+        <p:cNvPr id="1" name=""/>
+        <p:cNvGrpSpPr/>
+        <p:nvPr/>
+      </p:nvGrpSpPr>
+      <p:grpSpPr>
+        <a:xfrm>
+          <a:off x="0" y="0"/>
+          <a:ext cx="0" cy="0"/>
+          <a:chOff x="0" y="0"/>
+          <a:chExt cx="0" cy="0"/>
+        </a:xfrm>
+      </p:grpSpPr>
+      <p:sp>
+        <p:nvSpPr>
+          <p:cNvPr id="2" name="Symbol zastępczy obrazu slajdu 1"/>
+          <p:cNvSpPr>
+            <a:spLocks noGrp="1" noRot="1" noChangeAspect="1"/>
+          </p:cNvSpPr>
+          <p:nvPr>
+            <p:ph type="sldImg"/>
+          </p:nvPr>
+        </p:nvSpPr>
+        <p:spPr/>
+      </p:sp>
+      <p:sp>
+        <p:nvSpPr>
+          <p:cNvPr id="3" name="Symbol zastępczy notatek 2"/>
+          <p:cNvSpPr>
+            <a:spLocks noGrp="1"/>
+          </p:cNvSpPr>
+          <p:nvPr>
+            <p:ph type="body" idx="1"/>
+          </p:nvPr>
+        </p:nvSpPr>
+        <p:spPr/>
+        <p:txBody>
+          <a:bodyPr/>
+          <a:lstStyle/>
+          <a:p>
+            <a:r>
+              <a:rPr lang="pl-PL" dirty="0" smtClean="0"/>
+              <a:t>Na powyższym slajdzie</a:t>
+            </a:r>
+            <a:r>
+              <a:rPr lang="pl-PL" baseline="0" dirty="0" smtClean="0"/>
+              <a:t> przedstawiono wyniki badań nad heurystykami A* dla czterech środowisk. Dane zostały pogrupowane z serie danych. Kolor niebieski odpowiada środowiskom o rozmiarze 50x50 , czerwony 100x100, a natomiast zielony 200x200.  Pierwszy zestaw trzech słupków przedstawia wyniki badań z wykorzystaniem heurystyki euklidesowej, kolejny heurystyka Manhattan oraz ostatni heurystyki diagonalnej Manhattan. </a:t>
+            </a:r>
+            <a:endParaRPr lang="pl-PL" dirty="0"/>
+          </a:p>
+        </p:txBody>
+      </p:sp>
+      <p:sp>
+        <p:nvSpPr>
+          <p:cNvPr id="4" name="Symbol zastępczy numeru slajdu 3"/>
+          <p:cNvSpPr>
+            <a:spLocks noGrp="1"/>
+          </p:cNvSpPr>
+          <p:nvPr>
+            <p:ph type="sldNum" sz="quarter" idx="10"/>
+          </p:nvPr>
+        </p:nvSpPr>
+        <p:spPr/>
+        <p:txBody>
+          <a:bodyPr/>
+          <a:lstStyle/>
+          <a:p>
+            <a:fld id="{C395EE7B-1B00-49A3-8F23-E06B3DFEBA65}" type="slidenum">
+              <a:rPr lang="pl-PL" smtClean="0"/>
+              <a:t>8</a:t>
+            </a:fld>
+            <a:endParaRPr lang="pl-PL"/>
+          </a:p>
+        </p:txBody>
+      </p:sp>
+    </p:spTree>
+    <p:extLst>
+      <p:ext uri="{BB962C8B-B14F-4D97-AF65-F5344CB8AC3E}">
+        <p14:creationId xmlns:p14="http://schemas.microsoft.com/office/powerpoint/2010/main" val="933388526"/>
+      </p:ext>
+    </p:extLst>
+  </p:cSld>
+  <p:clrMapOvr>
+    <a:masterClrMapping/>
+  </p:clrMapOvr>
+</p:notes>
+</file>
+
+<file path=ppt/notesSlides/notesSlide8.xml><?xml version="1.0" encoding="utf-8"?>
+<p:notes xmlns:a="http://schemas.openxmlformats.org/drawingml/2006/main" xmlns:r="http://schemas.openxmlformats.org/officeDocument/2006/relationships" xmlns:p="http://schemas.openxmlformats.org/presentationml/2006/main">
+  <p:cSld>
+    <p:spTree>
+      <p:nvGrpSpPr>
+        <p:cNvPr id="1" name=""/>
+        <p:cNvGrpSpPr/>
+        <p:nvPr/>
+      </p:nvGrpSpPr>
+      <p:grpSpPr>
+        <a:xfrm>
+          <a:off x="0" y="0"/>
+          <a:ext cx="0" cy="0"/>
+          <a:chOff x="0" y="0"/>
+          <a:chExt cx="0" cy="0"/>
+        </a:xfrm>
+      </p:grpSpPr>
+      <p:sp>
+        <p:nvSpPr>
+          <p:cNvPr id="2" name="Symbol zastępczy obrazu slajdu 1"/>
+          <p:cNvSpPr>
+            <a:spLocks noGrp="1" noRot="1" noChangeAspect="1"/>
+          </p:cNvSpPr>
+          <p:nvPr>
+            <p:ph type="sldImg"/>
+          </p:nvPr>
+        </p:nvSpPr>
+        <p:spPr/>
+      </p:sp>
+      <p:sp>
+        <p:nvSpPr>
+          <p:cNvPr id="3" name="Symbol zastępczy notatek 2"/>
+          <p:cNvSpPr>
+            <a:spLocks noGrp="1"/>
+          </p:cNvSpPr>
+          <p:nvPr>
+            <p:ph type="body" idx="1"/>
+          </p:nvPr>
+        </p:nvSpPr>
+        <p:spPr/>
+        <p:txBody>
+          <a:bodyPr/>
+          <a:lstStyle/>
+          <a:p>
+            <a:r>
+              <a:rPr lang="pl-PL" dirty="0" smtClean="0"/>
+              <a:t>Slajd przedstawia zestawienie</a:t>
+            </a:r>
+            <a:r>
+              <a:rPr lang="pl-PL" baseline="0" dirty="0" smtClean="0"/>
+              <a:t> wyników badań dla algorytmów A* i JPS. Kolorem niebieskim zostały oznaczone wyniki czasowe algorytmu A*, a czerwonym wyniki działania algorytmu JPS. </a:t>
+            </a:r>
+            <a:endParaRPr lang="pl-PL" dirty="0"/>
+          </a:p>
+        </p:txBody>
+      </p:sp>
+      <p:sp>
+        <p:nvSpPr>
+          <p:cNvPr id="4" name="Symbol zastępczy numeru slajdu 3"/>
+          <p:cNvSpPr>
+            <a:spLocks noGrp="1"/>
+          </p:cNvSpPr>
+          <p:nvPr>
+            <p:ph type="sldNum" sz="quarter" idx="10"/>
+          </p:nvPr>
+        </p:nvSpPr>
+        <p:spPr/>
+        <p:txBody>
+          <a:bodyPr/>
+          <a:lstStyle/>
+          <a:p>
+            <a:fld id="{C395EE7B-1B00-49A3-8F23-E06B3DFEBA65}" type="slidenum">
+              <a:rPr lang="pl-PL" smtClean="0"/>
+              <a:t>9</a:t>
+            </a:fld>
+            <a:endParaRPr lang="pl-PL"/>
+          </a:p>
+        </p:txBody>
+      </p:sp>
+    </p:spTree>
+    <p:extLst>
+      <p:ext uri="{BB962C8B-B14F-4D97-AF65-F5344CB8AC3E}">
+        <p14:creationId xmlns:p14="http://schemas.microsoft.com/office/powerpoint/2010/main" val="2388164256"/>
+      </p:ext>
+    </p:extLst>
+  </p:cSld>
+  <p:clrMapOvr>
+    <a:masterClrMapping/>
+  </p:clrMapOvr>
+</p:notes>
 </file>
 
 <file path=ppt/slideLayouts/slideLayout1.xml><?xml version="1.0" encoding="utf-8"?>
@@ -1995,9 +3363,9 @@
           <a:bodyPr/>
           <a:lstStyle/>
           <a:p>
-            <a:fld id="{7274BBE7-057D-4CAB-83D6-043C5F755809}" type="datetimeFigureOut">
-              <a:rPr lang="pl-PL" smtClean="0"/>
-              <a:t>2013-10-22</a:t>
+            <a:fld id="{4321F2FE-F26E-4291-A147-8C4041B12D9E}" type="datetime1">
+              <a:rPr lang="pl-PL" smtClean="0"/>
+              <a:t>2013-10-27</a:t>
             </a:fld>
             <a:endParaRPr lang="pl-PL"/>
           </a:p>
@@ -2165,9 +3533,9 @@
           <a:bodyPr/>
           <a:lstStyle/>
           <a:p>
-            <a:fld id="{7274BBE7-057D-4CAB-83D6-043C5F755809}" type="datetimeFigureOut">
-              <a:rPr lang="pl-PL" smtClean="0"/>
-              <a:t>2013-10-22</a:t>
+            <a:fld id="{83BF026A-E201-47E1-9A92-B814A9A3F327}" type="datetime1">
+              <a:rPr lang="pl-PL" smtClean="0"/>
+              <a:t>2013-10-27</a:t>
             </a:fld>
             <a:endParaRPr lang="pl-PL"/>
           </a:p>
@@ -2345,9 +3713,9 @@
           <a:bodyPr/>
           <a:lstStyle/>
           <a:p>
-            <a:fld id="{7274BBE7-057D-4CAB-83D6-043C5F755809}" type="datetimeFigureOut">
-              <a:rPr lang="pl-PL" smtClean="0"/>
-              <a:t>2013-10-22</a:t>
+            <a:fld id="{2096C3FB-B571-473D-A281-D6B9468FAD42}" type="datetime1">
+              <a:rPr lang="pl-PL" smtClean="0"/>
+              <a:t>2013-10-27</a:t>
             </a:fld>
             <a:endParaRPr lang="pl-PL"/>
           </a:p>
@@ -2515,9 +3883,9 @@
           <a:bodyPr/>
           <a:lstStyle/>
           <a:p>
-            <a:fld id="{7274BBE7-057D-4CAB-83D6-043C5F755809}" type="datetimeFigureOut">
-              <a:rPr lang="pl-PL" smtClean="0"/>
-              <a:t>2013-10-22</a:t>
+            <a:fld id="{44F5E471-05F4-4497-8EE2-CA2193B14556}" type="datetime1">
+              <a:rPr lang="pl-PL" smtClean="0"/>
+              <a:t>2013-10-27</a:t>
             </a:fld>
             <a:endParaRPr lang="pl-PL"/>
           </a:p>
@@ -2761,9 +4129,9 @@
           <a:bodyPr/>
           <a:lstStyle/>
           <a:p>
-            <a:fld id="{7274BBE7-057D-4CAB-83D6-043C5F755809}" type="datetimeFigureOut">
-              <a:rPr lang="pl-PL" smtClean="0"/>
-              <a:t>2013-10-22</a:t>
+            <a:fld id="{2F0A57DC-CC62-46B3-AA63-1B42298A7AF5}" type="datetime1">
+              <a:rPr lang="pl-PL" smtClean="0"/>
+              <a:t>2013-10-27</a:t>
             </a:fld>
             <a:endParaRPr lang="pl-PL"/>
           </a:p>
@@ -3049,9 +4417,9 @@
           <a:bodyPr/>
           <a:lstStyle/>
           <a:p>
-            <a:fld id="{7274BBE7-057D-4CAB-83D6-043C5F755809}" type="datetimeFigureOut">
-              <a:rPr lang="pl-PL" smtClean="0"/>
-              <a:t>2013-10-22</a:t>
+            <a:fld id="{9D09572B-077A-4BD2-9329-D2130395ECCA}" type="datetime1">
+              <a:rPr lang="pl-PL" smtClean="0"/>
+              <a:t>2013-10-27</a:t>
             </a:fld>
             <a:endParaRPr lang="pl-PL"/>
           </a:p>
@@ -3471,9 +4839,9 @@
           <a:bodyPr/>
           <a:lstStyle/>
           <a:p>
-            <a:fld id="{7274BBE7-057D-4CAB-83D6-043C5F755809}" type="datetimeFigureOut">
-              <a:rPr lang="pl-PL" smtClean="0"/>
-              <a:t>2013-10-22</a:t>
+            <a:fld id="{DEC44E0D-317C-47FF-811D-ABFC76CA8076}" type="datetime1">
+              <a:rPr lang="pl-PL" smtClean="0"/>
+              <a:t>2013-10-27</a:t>
             </a:fld>
             <a:endParaRPr lang="pl-PL"/>
           </a:p>
@@ -3589,9 +4957,9 @@
           <a:bodyPr/>
           <a:lstStyle/>
           <a:p>
-            <a:fld id="{7274BBE7-057D-4CAB-83D6-043C5F755809}" type="datetimeFigureOut">
-              <a:rPr lang="pl-PL" smtClean="0"/>
-              <a:t>2013-10-22</a:t>
+            <a:fld id="{B0C771A5-017A-43D3-B893-775F57D95F47}" type="datetime1">
+              <a:rPr lang="pl-PL" smtClean="0"/>
+              <a:t>2013-10-27</a:t>
             </a:fld>
             <a:endParaRPr lang="pl-PL"/>
           </a:p>
@@ -3684,9 +5052,9 @@
           <a:bodyPr/>
           <a:lstStyle/>
           <a:p>
-            <a:fld id="{7274BBE7-057D-4CAB-83D6-043C5F755809}" type="datetimeFigureOut">
-              <a:rPr lang="pl-PL" smtClean="0"/>
-              <a:t>2013-10-22</a:t>
+            <a:fld id="{6BD0963F-9A63-403D-A804-3A0ED5F348B0}" type="datetime1">
+              <a:rPr lang="pl-PL" smtClean="0"/>
+              <a:t>2013-10-27</a:t>
             </a:fld>
             <a:endParaRPr lang="pl-PL"/>
           </a:p>
@@ -3961,9 +5329,9 @@
           <a:bodyPr/>
           <a:lstStyle/>
           <a:p>
-            <a:fld id="{7274BBE7-057D-4CAB-83D6-043C5F755809}" type="datetimeFigureOut">
-              <a:rPr lang="pl-PL" smtClean="0"/>
-              <a:t>2013-10-22</a:t>
+            <a:fld id="{975ED237-9FC1-4E5C-946C-95A4C3DC1734}" type="datetime1">
+              <a:rPr lang="pl-PL" smtClean="0"/>
+              <a:t>2013-10-27</a:t>
             </a:fld>
             <a:endParaRPr lang="pl-PL"/>
           </a:p>
@@ -4214,9 +5582,9 @@
           <a:bodyPr/>
           <a:lstStyle/>
           <a:p>
-            <a:fld id="{7274BBE7-057D-4CAB-83D6-043C5F755809}" type="datetimeFigureOut">
-              <a:rPr lang="pl-PL" smtClean="0"/>
-              <a:t>2013-10-22</a:t>
+            <a:fld id="{E40D8EE7-3B39-4567-8143-7507C31C3279}" type="datetime1">
+              <a:rPr lang="pl-PL" smtClean="0"/>
+              <a:t>2013-10-27</a:t>
             </a:fld>
             <a:endParaRPr lang="pl-PL"/>
           </a:p>
@@ -4427,9 +5795,9 @@
             </a:lvl1pPr>
           </a:lstStyle>
           <a:p>
-            <a:fld id="{7274BBE7-057D-4CAB-83D6-043C5F755809}" type="datetimeFigureOut">
-              <a:rPr lang="pl-PL" smtClean="0"/>
-              <a:t>2013-10-22</a:t>
+            <a:fld id="{7608829D-31E7-4419-8C46-5689D5226F4A}" type="datetime1">
+              <a:rPr lang="pl-PL" smtClean="0"/>
+              <a:t>2013-10-27</a:t>
             </a:fld>
             <a:endParaRPr lang="pl-PL"/>
           </a:p>
@@ -4534,6 +5902,7 @@
     <p:sldLayoutId id="2147483682" r:id="rId10"/>
     <p:sldLayoutId id="2147483683" r:id="rId11"/>
   </p:sldLayoutIdLst>
+  <p:hf hdr="0" ftr="0" dt="0"/>
   <p:txStyles>
     <p:titleStyle>
       <a:lvl1pPr algn="ctr" defTabSz="914400" rtl="0" eaLnBrk="1" latinLnBrk="0" hangingPunct="1">
@@ -4856,6 +6225,29 @@
           </a:p>
         </p:txBody>
       </p:sp>
+      <p:sp>
+        <p:nvSpPr>
+          <p:cNvPr id="5" name="Symbol zastępczy numeru slajdu 4"/>
+          <p:cNvSpPr>
+            <a:spLocks noGrp="1"/>
+          </p:cNvSpPr>
+          <p:nvPr>
+            <p:ph type="sldNum" sz="quarter" idx="12"/>
+          </p:nvPr>
+        </p:nvSpPr>
+        <p:spPr/>
+        <p:txBody>
+          <a:bodyPr/>
+          <a:lstStyle/>
+          <a:p>
+            <a:fld id="{B517628F-ACB5-4BC7-8D24-28F138F96C11}" type="slidenum">
+              <a:rPr lang="pl-PL" smtClean="0"/>
+              <a:t>1</a:t>
+            </a:fld>
+            <a:endParaRPr lang="pl-PL"/>
+          </a:p>
+        </p:txBody>
+      </p:sp>
     </p:spTree>
     <p:extLst>
       <p:ext uri="{BB962C8B-B14F-4D97-AF65-F5344CB8AC3E}">
@@ -4866,6 +6258,13 @@
   <p:clrMapOvr>
     <a:masterClrMapping/>
   </p:clrMapOvr>
+  <p:timing>
+    <p:tnLst>
+      <p:par>
+        <p:cTn id="1" dur="indefinite" restart="never" nodeType="tmRoot"/>
+      </p:par>
+    </p:tnLst>
+  </p:timing>
 </p:sld>
 </file>
 
@@ -4903,11 +6302,60 @@
           <a:p>
             <a:r>
               <a:rPr lang="pl-PL" dirty="0" smtClean="0"/>
-              <a:t>Dziękuje za </a:t>
-            </a:r>
+              <a:t>Podsumowanie</a:t>
+            </a:r>
+            <a:endParaRPr lang="pl-PL" dirty="0"/>
+          </a:p>
+        </p:txBody>
+      </p:sp>
+      <p:sp>
+        <p:nvSpPr>
+          <p:cNvPr id="3" name="Symbol zastępczy zawartości 2"/>
+          <p:cNvSpPr>
+            <a:spLocks noGrp="1"/>
+          </p:cNvSpPr>
+          <p:nvPr>
+            <p:ph idx="1"/>
+          </p:nvPr>
+        </p:nvSpPr>
+        <p:spPr/>
+        <p:txBody>
+          <a:bodyPr/>
+          <a:lstStyle/>
+          <a:p>
             <a:r>
               <a:rPr lang="pl-PL" dirty="0" smtClean="0"/>
-              <a:t>uwagę</a:t>
+              <a:t>Analiza technik nawigacji</a:t>
+            </a:r>
+          </a:p>
+          <a:p>
+            <a:r>
+              <a:rPr lang="pl-PL" dirty="0" smtClean="0"/>
+              <a:t>Środowisko testowe</a:t>
+            </a:r>
+          </a:p>
+          <a:p>
+            <a:r>
+              <a:rPr lang="pl-PL" dirty="0" smtClean="0"/>
+              <a:t>Wpływ funkcji heurystycznej oraz struktury środowiska gry</a:t>
+            </a:r>
+          </a:p>
+          <a:p>
+            <a:r>
+              <a:rPr lang="pl-PL" dirty="0" smtClean="0"/>
+              <a:t>Algorytm </a:t>
+            </a:r>
+            <a:r>
+              <a:rPr lang="pl-PL" dirty="0" err="1" smtClean="0"/>
+              <a:t>Jump</a:t>
+            </a:r>
+            <a:r>
+              <a:rPr lang="pl-PL" dirty="0" smtClean="0"/>
+              <a:t> Point </a:t>
+            </a:r>
+            <a:r>
+              <a:rPr lang="pl-PL" dirty="0" err="1" smtClean="0"/>
+              <a:t>Search</a:t>
             </a:r>
             <a:endParaRPr lang="pl-PL" dirty="0"/>
           </a:p>
@@ -4915,6 +6363,82 @@
       </p:sp>
       <p:sp>
         <p:nvSpPr>
+          <p:cNvPr id="5" name="Symbol zastępczy numeru slajdu 4"/>
+          <p:cNvSpPr>
+            <a:spLocks noGrp="1"/>
+          </p:cNvSpPr>
+          <p:nvPr>
+            <p:ph type="sldNum" sz="quarter" idx="12"/>
+          </p:nvPr>
+        </p:nvSpPr>
+        <p:spPr/>
+        <p:txBody>
+          <a:bodyPr/>
+          <a:lstStyle/>
+          <a:p>
+            <a:fld id="{B517628F-ACB5-4BC7-8D24-28F138F96C11}" type="slidenum">
+              <a:rPr lang="pl-PL" smtClean="0"/>
+              <a:t>10</a:t>
+            </a:fld>
+            <a:endParaRPr lang="pl-PL"/>
+          </a:p>
+        </p:txBody>
+      </p:sp>
+    </p:spTree>
+    <p:extLst>
+      <p:ext uri="{BB962C8B-B14F-4D97-AF65-F5344CB8AC3E}">
+        <p14:creationId xmlns:p14="http://schemas.microsoft.com/office/powerpoint/2010/main" val="822264901"/>
+      </p:ext>
+    </p:extLst>
+  </p:cSld>
+  <p:clrMapOvr>
+    <a:masterClrMapping/>
+  </p:clrMapOvr>
+</p:sld>
+</file>
+
+<file path=ppt/slides/slide11.xml><?xml version="1.0" encoding="utf-8"?>
+<p:sld xmlns:a="http://schemas.openxmlformats.org/drawingml/2006/main" xmlns:r="http://schemas.openxmlformats.org/officeDocument/2006/relationships" xmlns:p="http://schemas.openxmlformats.org/presentationml/2006/main">
+  <p:cSld>
+    <p:spTree>
+      <p:nvGrpSpPr>
+        <p:cNvPr id="1" name=""/>
+        <p:cNvGrpSpPr/>
+        <p:nvPr/>
+      </p:nvGrpSpPr>
+      <p:grpSpPr>
+        <a:xfrm>
+          <a:off x="0" y="0"/>
+          <a:ext cx="0" cy="0"/>
+          <a:chOff x="0" y="0"/>
+          <a:chExt cx="0" cy="0"/>
+        </a:xfrm>
+      </p:grpSpPr>
+      <p:sp>
+        <p:nvSpPr>
+          <p:cNvPr id="2" name="Tytuł 1"/>
+          <p:cNvSpPr>
+            <a:spLocks noGrp="1"/>
+          </p:cNvSpPr>
+          <p:nvPr>
+            <p:ph type="title"/>
+          </p:nvPr>
+        </p:nvSpPr>
+        <p:spPr/>
+        <p:txBody>
+          <a:bodyPr/>
+          <a:lstStyle/>
+          <a:p>
+            <a:r>
+              <a:rPr lang="pl-PL" dirty="0" smtClean="0"/>
+              <a:t>Dziękuje za uwagę</a:t>
+            </a:r>
+            <a:endParaRPr lang="pl-PL" dirty="0"/>
+          </a:p>
+        </p:txBody>
+      </p:sp>
+      <p:sp>
+        <p:nvSpPr>
           <p:cNvPr id="3" name="Symbol zastępczy zawartości 2"/>
           <p:cNvSpPr>
             <a:spLocks noGrp="1"/>
@@ -4928,6 +6452,29 @@
           <a:bodyPr/>
           <a:lstStyle/>
           <a:p>
+            <a:endParaRPr lang="pl-PL"/>
+          </a:p>
+        </p:txBody>
+      </p:sp>
+      <p:sp>
+        <p:nvSpPr>
+          <p:cNvPr id="5" name="Symbol zastępczy numeru slajdu 4"/>
+          <p:cNvSpPr>
+            <a:spLocks noGrp="1"/>
+          </p:cNvSpPr>
+          <p:nvPr>
+            <p:ph type="sldNum" sz="quarter" idx="12"/>
+          </p:nvPr>
+        </p:nvSpPr>
+        <p:spPr/>
+        <p:txBody>
+          <a:bodyPr/>
+          <a:lstStyle/>
+          <a:p>
+            <a:fld id="{B517628F-ACB5-4BC7-8D24-28F138F96C11}" type="slidenum">
+              <a:rPr lang="pl-PL" smtClean="0"/>
+              <a:t>11</a:t>
+            </a:fld>
             <a:endParaRPr lang="pl-PL"/>
           </a:p>
         </p:txBody>
@@ -5002,8 +6549,19 @@
           <a:p>
             <a:r>
               <a:rPr lang="pl-PL" dirty="0" smtClean="0"/>
-              <a:t>Cele pracy</a:t>
-            </a:r>
+              <a:t>Cele </a:t>
+            </a:r>
+            <a:r>
+              <a:rPr lang="pl-PL" dirty="0" smtClean="0"/>
+              <a:t>pracy</a:t>
+            </a:r>
+          </a:p>
+          <a:p>
+            <a:r>
+              <a:rPr lang="pl-PL" dirty="0" smtClean="0"/>
+              <a:t>Wprowadzenie do dziedziny problemowej</a:t>
+            </a:r>
+            <a:endParaRPr lang="pl-PL" dirty="0" smtClean="0"/>
           </a:p>
           <a:p>
             <a:r>
@@ -5031,6 +6589,29 @@
           </a:p>
           <a:p>
             <a:endParaRPr lang="pl-PL" dirty="0"/>
+          </a:p>
+        </p:txBody>
+      </p:sp>
+      <p:sp>
+        <p:nvSpPr>
+          <p:cNvPr id="5" name="Symbol zastępczy numeru slajdu 4"/>
+          <p:cNvSpPr>
+            <a:spLocks noGrp="1"/>
+          </p:cNvSpPr>
+          <p:nvPr>
+            <p:ph type="sldNum" sz="quarter" idx="12"/>
+          </p:nvPr>
+        </p:nvSpPr>
+        <p:spPr/>
+        <p:txBody>
+          <a:bodyPr/>
+          <a:lstStyle/>
+          <a:p>
+            <a:fld id="{B517628F-ACB5-4BC7-8D24-28F138F96C11}" type="slidenum">
+              <a:rPr lang="pl-PL" smtClean="0"/>
+              <a:t>2</a:t>
+            </a:fld>
+            <a:endParaRPr lang="pl-PL"/>
           </a:p>
         </p:txBody>
       </p:sp>
@@ -5044,6 +6625,13 @@
   <p:clrMapOvr>
     <a:masterClrMapping/>
   </p:clrMapOvr>
+  <p:timing>
+    <p:tnLst>
+      <p:par>
+        <p:cTn id="1" dur="indefinite" restart="never" nodeType="tmRoot"/>
+      </p:par>
+    </p:tnLst>
+  </p:timing>
 </p:sld>
 </file>
 
@@ -5104,7 +6692,7 @@
           <a:p>
             <a:r>
               <a:rPr lang="pl-PL" dirty="0" smtClean="0"/>
-              <a:t>Badanie algorytmów:</a:t>
+              <a:t>Badanie algorytmów służących do nawigacji:</a:t>
             </a:r>
           </a:p>
           <a:p>
@@ -5133,16 +6721,34 @@
           <a:p>
             <a:r>
               <a:rPr lang="pl-PL" dirty="0" smtClean="0"/>
-              <a:t>Projekt </a:t>
-            </a:r>
-            <a:r>
-              <a:rPr lang="pl-PL" dirty="0" smtClean="0"/>
-              <a:t>aplikacji testowej</a:t>
-            </a:r>
-            <a:endParaRPr lang="pl-PL" dirty="0" smtClean="0"/>
+              <a:t>Projekt aplikacji testowej</a:t>
+            </a:r>
           </a:p>
           <a:p>
             <a:endParaRPr lang="pl-PL" dirty="0"/>
+          </a:p>
+        </p:txBody>
+      </p:sp>
+      <p:sp>
+        <p:nvSpPr>
+          <p:cNvPr id="5" name="Symbol zastępczy numeru slajdu 4"/>
+          <p:cNvSpPr>
+            <a:spLocks noGrp="1"/>
+          </p:cNvSpPr>
+          <p:nvPr>
+            <p:ph type="sldNum" sz="quarter" idx="12"/>
+          </p:nvPr>
+        </p:nvSpPr>
+        <p:spPr/>
+        <p:txBody>
+          <a:bodyPr/>
+          <a:lstStyle/>
+          <a:p>
+            <a:fld id="{B517628F-ACB5-4BC7-8D24-28F138F96C11}" type="slidenum">
+              <a:rPr lang="pl-PL" smtClean="0"/>
+              <a:t>3</a:t>
+            </a:fld>
+            <a:endParaRPr lang="pl-PL"/>
           </a:p>
         </p:txBody>
       </p:sp>
@@ -5156,6 +6762,13 @@
   <p:clrMapOvr>
     <a:masterClrMapping/>
   </p:clrMapOvr>
+  <p:timing>
+    <p:tnLst>
+      <p:par>
+        <p:cTn id="1" dur="indefinite" restart="never" nodeType="tmRoot"/>
+      </p:par>
+    </p:tnLst>
+  </p:timing>
 </p:sld>
 </file>
 
@@ -5188,12 +6801,14 @@
         </p:nvSpPr>
         <p:spPr/>
         <p:txBody>
-          <a:bodyPr/>
+          <a:bodyPr>
+            <a:normAutofit fontScale="90000"/>
+          </a:bodyPr>
           <a:lstStyle/>
           <a:p>
             <a:r>
               <a:rPr lang="pl-PL" dirty="0" smtClean="0"/>
-              <a:t>Algorytmy nawigacji</a:t>
+              <a:t>Wprowadzenie do dziedziny problemowej</a:t>
             </a:r>
             <a:endParaRPr lang="pl-PL" dirty="0"/>
           </a:p>
@@ -5216,70 +6831,72 @@
           <a:p>
             <a:r>
               <a:rPr lang="pl-PL" dirty="0" smtClean="0"/>
-              <a:t>A*</a:t>
-            </a:r>
-          </a:p>
-          <a:p>
-            <a:r>
-              <a:rPr lang="pl-PL" dirty="0" err="1" smtClean="0"/>
-              <a:t>Jump</a:t>
+              <a:t>Sztuczna inteligencja w grach </a:t>
             </a:r>
             <a:r>
               <a:rPr lang="pl-PL" dirty="0" smtClean="0"/>
-              <a:t> Point </a:t>
-            </a:r>
-            <a:r>
-              <a:rPr lang="pl-PL" dirty="0" err="1" smtClean="0"/>
-              <a:t>Search</a:t>
+              <a:t>komputerowych</a:t>
+            </a:r>
+          </a:p>
+          <a:p>
+            <a:r>
+              <a:rPr lang="pl-PL" dirty="0" smtClean="0"/>
+              <a:t>Reprezentacja geometrii </a:t>
+            </a:r>
+          </a:p>
+          <a:p>
+            <a:pPr lvl="1"/>
+            <a:r>
+              <a:rPr lang="pl-PL" dirty="0" smtClean="0"/>
+              <a:t>Skierowany graf ważony</a:t>
             </a:r>
             <a:endParaRPr lang="pl-PL" dirty="0" smtClean="0"/>
           </a:p>
           <a:p>
             <a:endParaRPr lang="pl-PL" dirty="0"/>
           </a:p>
-          <a:p>
-            <a:pPr marL="0" indent="0">
-              <a:buNone/>
-            </a:pPr>
-            <a:r>
-              <a:rPr lang="pl-PL" dirty="0" smtClean="0"/>
-              <a:t>Stosowane heurystyki:</a:t>
-            </a:r>
-          </a:p>
-          <a:p>
-            <a:pPr lvl="1"/>
-            <a:r>
-              <a:rPr lang="pl-PL" dirty="0" smtClean="0"/>
-              <a:t>Manhattan</a:t>
-            </a:r>
-          </a:p>
-          <a:p>
-            <a:pPr lvl="1"/>
-            <a:r>
-              <a:rPr lang="pl-PL" dirty="0" smtClean="0"/>
-              <a:t>Diagonalna Manhattan</a:t>
-            </a:r>
-          </a:p>
-          <a:p>
-            <a:pPr lvl="1"/>
-            <a:r>
-              <a:rPr lang="pl-PL" dirty="0" smtClean="0"/>
-              <a:t>Euklidesowa</a:t>
-            </a:r>
-            <a:endParaRPr lang="pl-PL" dirty="0"/>
+        </p:txBody>
+      </p:sp>
+      <p:sp>
+        <p:nvSpPr>
+          <p:cNvPr id="4" name="Symbol zastępczy numeru slajdu 3"/>
+          <p:cNvSpPr>
+            <a:spLocks noGrp="1"/>
+          </p:cNvSpPr>
+          <p:nvPr>
+            <p:ph type="sldNum" sz="quarter" idx="12"/>
+          </p:nvPr>
+        </p:nvSpPr>
+        <p:spPr/>
+        <p:txBody>
+          <a:bodyPr/>
+          <a:lstStyle/>
+          <a:p>
+            <a:fld id="{B517628F-ACB5-4BC7-8D24-28F138F96C11}" type="slidenum">
+              <a:rPr lang="pl-PL" smtClean="0"/>
+              <a:t>4</a:t>
+            </a:fld>
+            <a:endParaRPr lang="pl-PL"/>
           </a:p>
         </p:txBody>
       </p:sp>
     </p:spTree>
     <p:extLst>
       <p:ext uri="{BB962C8B-B14F-4D97-AF65-F5344CB8AC3E}">
-        <p14:creationId xmlns:p14="http://schemas.microsoft.com/office/powerpoint/2010/main" val="3684070532"/>
+        <p14:creationId xmlns:p14="http://schemas.microsoft.com/office/powerpoint/2010/main" val="2616401703"/>
       </p:ext>
     </p:extLst>
   </p:cSld>
   <p:clrMapOvr>
     <a:masterClrMapping/>
   </p:clrMapOvr>
+  <p:timing>
+    <p:tnLst>
+      <p:par>
+        <p:cTn id="1" dur="indefinite" restart="never" nodeType="tmRoot"/>
+      </p:par>
+    </p:tnLst>
+  </p:timing>
 </p:sld>
 </file>
 
@@ -5317,7 +6934,7 @@
           <a:p>
             <a:r>
               <a:rPr lang="pl-PL" dirty="0" smtClean="0"/>
-              <a:t>System nawigacji</a:t>
+              <a:t>Algorytmy nawigacji</a:t>
             </a:r>
             <a:endParaRPr lang="pl-PL" dirty="0"/>
           </a:p>
@@ -5336,96 +6953,127 @@
         <p:spPr/>
         <p:txBody>
           <a:bodyPr>
-            <a:normAutofit lnSpcReduction="10000"/>
+            <a:normAutofit fontScale="92500" lnSpcReduction="20000"/>
           </a:bodyPr>
           <a:lstStyle/>
           <a:p>
             <a:r>
               <a:rPr lang="pl-PL" dirty="0" smtClean="0"/>
-              <a:t>Założenia</a:t>
+              <a:t>A*</a:t>
             </a:r>
           </a:p>
           <a:p>
             <a:pPr lvl="1"/>
             <a:r>
               <a:rPr lang="pl-PL" dirty="0" smtClean="0"/>
-              <a:t>Środowisko badawcze</a:t>
-            </a:r>
-          </a:p>
-          <a:p>
-            <a:pPr lvl="2"/>
+              <a:t>Zastosowanie</a:t>
+            </a:r>
+          </a:p>
+          <a:p>
+            <a:pPr lvl="1"/>
             <a:r>
               <a:rPr lang="pl-PL" dirty="0" smtClean="0"/>
-              <a:t>Modele środowiska gry</a:t>
-            </a:r>
-          </a:p>
-          <a:p>
-            <a:pPr lvl="2"/>
+              <a:t>Parametry</a:t>
+            </a:r>
+          </a:p>
+          <a:p>
+            <a:pPr lvl="1"/>
             <a:r>
               <a:rPr lang="pl-PL" dirty="0" smtClean="0"/>
-              <a:t>Modele agenta komputerowego</a:t>
-            </a:r>
-          </a:p>
-          <a:p>
-            <a:pPr marL="457200" lvl="1" indent="0">
-              <a:buNone/>
-            </a:pPr>
+              <a:t>Opis</a:t>
+            </a:r>
+          </a:p>
+          <a:p>
+            <a:r>
+              <a:rPr lang="pl-PL" dirty="0" err="1" smtClean="0"/>
+              <a:t>Jump</a:t>
+            </a:r>
+            <a:r>
+              <a:rPr lang="pl-PL" dirty="0" smtClean="0"/>
+              <a:t> Point </a:t>
+            </a:r>
+            <a:r>
+              <a:rPr lang="pl-PL" dirty="0" err="1" smtClean="0"/>
+              <a:t>Search</a:t>
+            </a:r>
             <a:endParaRPr lang="pl-PL" dirty="0" smtClean="0"/>
           </a:p>
           <a:p>
-            <a:r>
-              <a:rPr lang="pl-PL" dirty="0" smtClean="0"/>
-              <a:t>Narzędzia</a:t>
-            </a:r>
-          </a:p>
-          <a:p>
-            <a:pPr lvl="1"/>
-            <a:r>
-              <a:rPr lang="pl-PL" dirty="0" err="1" smtClean="0"/>
-              <a:t>Blender</a:t>
-            </a:r>
-            <a:endParaRPr lang="pl-PL" dirty="0" smtClean="0"/>
-          </a:p>
-          <a:p>
-            <a:pPr lvl="1"/>
-            <a:r>
-              <a:rPr lang="pl-PL" dirty="0" smtClean="0"/>
-              <a:t>Unity3D</a:t>
-            </a:r>
-          </a:p>
-          <a:p>
-            <a:pPr lvl="1"/>
-            <a:r>
-              <a:rPr lang="pl-PL" dirty="0" smtClean="0"/>
-              <a:t>Biblioteka A* </a:t>
-            </a:r>
-            <a:r>
-              <a:rPr lang="pl-PL" dirty="0" err="1" smtClean="0"/>
-              <a:t>Pathfinding</a:t>
-            </a:r>
-            <a:r>
-              <a:rPr lang="pl-PL" dirty="0" smtClean="0"/>
-              <a:t> Project</a:t>
-            </a:r>
+            <a:endParaRPr lang="pl-PL" dirty="0"/>
           </a:p>
           <a:p>
             <a:pPr marL="0" indent="0">
               <a:buNone/>
             </a:pPr>
+            <a:r>
+              <a:rPr lang="pl-PL" dirty="0" smtClean="0"/>
+              <a:t>Stosowane heurystyki:</a:t>
+            </a:r>
+          </a:p>
+          <a:p>
+            <a:pPr lvl="1"/>
+            <a:r>
+              <a:rPr lang="pl-PL" dirty="0" smtClean="0"/>
+              <a:t>Manhattan</a:t>
+            </a:r>
+          </a:p>
+          <a:p>
+            <a:pPr lvl="1"/>
+            <a:r>
+              <a:rPr lang="pl-PL" dirty="0" smtClean="0"/>
+              <a:t>Diagonalna Manhattan</a:t>
+            </a:r>
+          </a:p>
+          <a:p>
+            <a:pPr lvl="1"/>
+            <a:r>
+              <a:rPr lang="pl-PL" dirty="0" smtClean="0"/>
+              <a:t>Euklidesowa</a:t>
+            </a:r>
             <a:endParaRPr lang="pl-PL" dirty="0"/>
+          </a:p>
+        </p:txBody>
+      </p:sp>
+      <p:sp>
+        <p:nvSpPr>
+          <p:cNvPr id="5" name="Symbol zastępczy numeru slajdu 4"/>
+          <p:cNvSpPr>
+            <a:spLocks noGrp="1"/>
+          </p:cNvSpPr>
+          <p:nvPr>
+            <p:ph type="sldNum" sz="quarter" idx="12"/>
+          </p:nvPr>
+        </p:nvSpPr>
+        <p:spPr/>
+        <p:txBody>
+          <a:bodyPr/>
+          <a:lstStyle/>
+          <a:p>
+            <a:fld id="{B517628F-ACB5-4BC7-8D24-28F138F96C11}" type="slidenum">
+              <a:rPr lang="pl-PL" smtClean="0"/>
+              <a:t>5</a:t>
+            </a:fld>
+            <a:endParaRPr lang="pl-PL"/>
           </a:p>
         </p:txBody>
       </p:sp>
     </p:spTree>
     <p:extLst>
       <p:ext uri="{BB962C8B-B14F-4D97-AF65-F5344CB8AC3E}">
-        <p14:creationId xmlns:p14="http://schemas.microsoft.com/office/powerpoint/2010/main" val="3545342813"/>
+        <p14:creationId xmlns:p14="http://schemas.microsoft.com/office/powerpoint/2010/main" val="3684070532"/>
       </p:ext>
     </p:extLst>
   </p:cSld>
   <p:clrMapOvr>
     <a:masterClrMapping/>
   </p:clrMapOvr>
+  <p:timing>
+    <p:tnLst>
+      <p:par>
+        <p:cTn id="1" dur="indefinite" restart="never" nodeType="tmRoot"/>
+      </p:par>
+    </p:tnLst>
+  </p:timing>
 </p:sld>
 </file>
 
@@ -5458,6 +7106,182 @@
         </p:nvSpPr>
         <p:spPr/>
         <p:txBody>
+          <a:bodyPr/>
+          <a:lstStyle/>
+          <a:p>
+            <a:r>
+              <a:rPr lang="pl-PL" dirty="0" smtClean="0"/>
+              <a:t>System nawigacji</a:t>
+            </a:r>
+            <a:endParaRPr lang="pl-PL" dirty="0"/>
+          </a:p>
+        </p:txBody>
+      </p:sp>
+      <p:sp>
+        <p:nvSpPr>
+          <p:cNvPr id="3" name="Symbol zastępczy zawartości 2"/>
+          <p:cNvSpPr>
+            <a:spLocks noGrp="1"/>
+          </p:cNvSpPr>
+          <p:nvPr>
+            <p:ph idx="1"/>
+          </p:nvPr>
+        </p:nvSpPr>
+        <p:spPr/>
+        <p:txBody>
+          <a:bodyPr>
+            <a:normAutofit lnSpcReduction="10000"/>
+          </a:bodyPr>
+          <a:lstStyle/>
+          <a:p>
+            <a:r>
+              <a:rPr lang="pl-PL" dirty="0" smtClean="0"/>
+              <a:t>Założenia</a:t>
+            </a:r>
+          </a:p>
+          <a:p>
+            <a:pPr lvl="1"/>
+            <a:r>
+              <a:rPr lang="pl-PL" dirty="0" smtClean="0"/>
+              <a:t>Środowisko badawcze</a:t>
+            </a:r>
+          </a:p>
+          <a:p>
+            <a:pPr lvl="2"/>
+            <a:r>
+              <a:rPr lang="pl-PL" dirty="0" smtClean="0"/>
+              <a:t>Modele środowiska gry</a:t>
+            </a:r>
+          </a:p>
+          <a:p>
+            <a:pPr lvl="2"/>
+            <a:r>
+              <a:rPr lang="pl-PL" dirty="0" smtClean="0"/>
+              <a:t>Modele agenta komputerowego</a:t>
+            </a:r>
+          </a:p>
+          <a:p>
+            <a:pPr marL="457200" lvl="1" indent="0">
+              <a:buNone/>
+            </a:pPr>
+            <a:endParaRPr lang="pl-PL" dirty="0" smtClean="0"/>
+          </a:p>
+          <a:p>
+            <a:r>
+              <a:rPr lang="pl-PL" dirty="0" smtClean="0"/>
+              <a:t>Narzędzia</a:t>
+            </a:r>
+          </a:p>
+          <a:p>
+            <a:pPr lvl="1"/>
+            <a:r>
+              <a:rPr lang="pl-PL" dirty="0" err="1" smtClean="0"/>
+              <a:t>Blender</a:t>
+            </a:r>
+            <a:endParaRPr lang="pl-PL" dirty="0" smtClean="0"/>
+          </a:p>
+          <a:p>
+            <a:pPr lvl="1"/>
+            <a:r>
+              <a:rPr lang="pl-PL" dirty="0" smtClean="0"/>
+              <a:t>Unity3D</a:t>
+            </a:r>
+          </a:p>
+          <a:p>
+            <a:pPr lvl="1"/>
+            <a:r>
+              <a:rPr lang="pl-PL" dirty="0" smtClean="0"/>
+              <a:t>Biblioteka A* </a:t>
+            </a:r>
+            <a:r>
+              <a:rPr lang="pl-PL" dirty="0" err="1" smtClean="0"/>
+              <a:t>Pathfinding</a:t>
+            </a:r>
+            <a:r>
+              <a:rPr lang="pl-PL" dirty="0" smtClean="0"/>
+              <a:t> Project</a:t>
+            </a:r>
+          </a:p>
+          <a:p>
+            <a:pPr marL="0" indent="0">
+              <a:buNone/>
+            </a:pPr>
+            <a:endParaRPr lang="pl-PL" dirty="0"/>
+          </a:p>
+        </p:txBody>
+      </p:sp>
+      <p:sp>
+        <p:nvSpPr>
+          <p:cNvPr id="5" name="Symbol zastępczy numeru slajdu 4"/>
+          <p:cNvSpPr>
+            <a:spLocks noGrp="1"/>
+          </p:cNvSpPr>
+          <p:nvPr>
+            <p:ph type="sldNum" sz="quarter" idx="12"/>
+          </p:nvPr>
+        </p:nvSpPr>
+        <p:spPr/>
+        <p:txBody>
+          <a:bodyPr/>
+          <a:lstStyle/>
+          <a:p>
+            <a:fld id="{B517628F-ACB5-4BC7-8D24-28F138F96C11}" type="slidenum">
+              <a:rPr lang="pl-PL" smtClean="0"/>
+              <a:t>6</a:t>
+            </a:fld>
+            <a:endParaRPr lang="pl-PL"/>
+          </a:p>
+        </p:txBody>
+      </p:sp>
+    </p:spTree>
+    <p:extLst>
+      <p:ext uri="{BB962C8B-B14F-4D97-AF65-F5344CB8AC3E}">
+        <p14:creationId xmlns:p14="http://schemas.microsoft.com/office/powerpoint/2010/main" val="3545342813"/>
+      </p:ext>
+    </p:extLst>
+  </p:cSld>
+  <p:clrMapOvr>
+    <a:masterClrMapping/>
+  </p:clrMapOvr>
+  <p:timing>
+    <p:tnLst>
+      <p:par>
+        <p:cTn id="1" dur="indefinite" restart="never" nodeType="tmRoot"/>
+      </p:par>
+    </p:tnLst>
+  </p:timing>
+</p:sld>
+</file>
+
+<file path=ppt/slides/slide7.xml><?xml version="1.0" encoding="utf-8"?>
+<p:sld xmlns:a="http://schemas.openxmlformats.org/drawingml/2006/main" xmlns:r="http://schemas.openxmlformats.org/officeDocument/2006/relationships" xmlns:p="http://schemas.openxmlformats.org/presentationml/2006/main">
+  <p:cSld>
+    <p:spTree>
+      <p:nvGrpSpPr>
+        <p:cNvPr id="1" name=""/>
+        <p:cNvGrpSpPr/>
+        <p:nvPr/>
+      </p:nvGrpSpPr>
+      <p:grpSpPr>
+        <a:xfrm>
+          <a:off x="0" y="0"/>
+          <a:ext cx="0" cy="0"/>
+          <a:chOff x="0" y="0"/>
+          <a:chExt cx="0" cy="0"/>
+        </a:xfrm>
+      </p:grpSpPr>
+      <p:sp>
+        <p:nvSpPr>
+          <p:cNvPr id="2" name="Tytuł 1"/>
+          <p:cNvSpPr>
+            <a:spLocks noGrp="1"/>
+          </p:cNvSpPr>
+          <p:nvPr>
+            <p:ph type="title"/>
+          </p:nvPr>
+        </p:nvSpPr>
+        <p:spPr/>
+        <p:txBody>
           <a:bodyPr>
             <a:normAutofit fontScale="90000"/>
           </a:bodyPr>
@@ -5478,7 +7302,7 @@
           <p:nvPr/>
         </p:nvPicPr>
         <p:blipFill>
-          <a:blip r:embed="rId2" cstate="print"/>
+          <a:blip r:embed="rId3" cstate="print"/>
           <a:srcRect/>
           <a:stretch>
             <a:fillRect/>
@@ -5508,7 +7332,7 @@
           <p:nvPr/>
         </p:nvPicPr>
         <p:blipFill>
-          <a:blip r:embed="rId3"/>
+          <a:blip r:embed="rId4"/>
           <a:stretch>
             <a:fillRect/>
           </a:stretch>
@@ -5530,7 +7354,7 @@
           <p:nvPr/>
         </p:nvPicPr>
         <p:blipFill>
-          <a:blip r:embed="rId4" cstate="print">
+          <a:blip r:embed="rId5" cstate="print">
             <a:extLst>
               <a:ext uri="{28A0092B-C50C-407E-A947-70E740481C1C}">
                 <a14:useLocalDpi xmlns:a14="http://schemas.microsoft.com/office/drawing/2010/main" val="0"/>
@@ -5566,7 +7390,7 @@
           <p:nvPr/>
         </p:nvPicPr>
         <p:blipFill>
-          <a:blip r:embed="rId5">
+          <a:blip r:embed="rId6">
             <a:extLst>
               <a:ext uri="{28A0092B-C50C-407E-A947-70E740481C1C}">
                 <a14:useLocalDpi xmlns:a14="http://schemas.microsoft.com/office/drawing/2010/main" val="0"/>
@@ -5999,6 +7823,29 @@
           </a:p>
         </p:txBody>
       </p:sp>
+      <p:sp>
+        <p:nvSpPr>
+          <p:cNvPr id="12" name="Symbol zastępczy numeru slajdu 11"/>
+          <p:cNvSpPr>
+            <a:spLocks noGrp="1"/>
+          </p:cNvSpPr>
+          <p:nvPr>
+            <p:ph type="sldNum" sz="quarter" idx="12"/>
+          </p:nvPr>
+        </p:nvSpPr>
+        <p:spPr/>
+        <p:txBody>
+          <a:bodyPr/>
+          <a:lstStyle/>
+          <a:p>
+            <a:fld id="{B517628F-ACB5-4BC7-8D24-28F138F96C11}" type="slidenum">
+              <a:rPr lang="pl-PL" smtClean="0"/>
+              <a:t>7</a:t>
+            </a:fld>
+            <a:endParaRPr lang="pl-PL"/>
+          </a:p>
+        </p:txBody>
+      </p:sp>
     </p:spTree>
     <p:extLst>
       <p:ext uri="{BB962C8B-B14F-4D97-AF65-F5344CB8AC3E}">
@@ -6009,155 +7856,13 @@
   <p:clrMapOvr>
     <a:masterClrMapping/>
   </p:clrMapOvr>
-</p:sld>
-</file>
-
-<file path=ppt/slides/slide7.xml><?xml version="1.0" encoding="utf-8"?>
-<p:sld xmlns:a="http://schemas.openxmlformats.org/drawingml/2006/main" xmlns:r="http://schemas.openxmlformats.org/officeDocument/2006/relationships" xmlns:p="http://schemas.openxmlformats.org/presentationml/2006/main">
-  <p:cSld>
-    <p:spTree>
-      <p:nvGrpSpPr>
-        <p:cNvPr id="1" name=""/>
-        <p:cNvGrpSpPr/>
-        <p:nvPr/>
-      </p:nvGrpSpPr>
-      <p:grpSpPr>
-        <a:xfrm>
-          <a:off x="0" y="0"/>
-          <a:ext cx="0" cy="0"/>
-          <a:chOff x="0" y="0"/>
-          <a:chExt cx="0" cy="0"/>
-        </a:xfrm>
-      </p:grpSpPr>
-      <p:sp>
-        <p:nvSpPr>
-          <p:cNvPr id="2" name="Tytuł 1"/>
-          <p:cNvSpPr>
-            <a:spLocks noGrp="1"/>
-          </p:cNvSpPr>
-          <p:nvPr>
-            <p:ph type="title"/>
-          </p:nvPr>
-        </p:nvSpPr>
-        <p:spPr/>
-        <p:txBody>
-          <a:bodyPr/>
-          <a:lstStyle/>
-          <a:p>
-            <a:r>
-              <a:rPr lang="pl-PL" dirty="0" smtClean="0"/>
-              <a:t>Wyniki badań heurystyk A*</a:t>
-            </a:r>
-            <a:endParaRPr lang="pl-PL" dirty="0"/>
-          </a:p>
-        </p:txBody>
-      </p:sp>
-      <p:graphicFrame>
-        <p:nvGraphicFramePr>
-          <p:cNvPr id="9" name="Wykres 8"/>
-          <p:cNvGraphicFramePr>
-            <a:graphicFrameLocks/>
-          </p:cNvGraphicFramePr>
-          <p:nvPr>
-            <p:extLst>
-              <p:ext uri="{D42A27DB-BD31-4B8C-83A1-F6EECF244321}">
-                <p14:modId xmlns:p14="http://schemas.microsoft.com/office/powerpoint/2010/main" val="4244968863"/>
-              </p:ext>
-            </p:extLst>
-          </p:nvPr>
-        </p:nvGraphicFramePr>
-        <p:xfrm>
-          <a:off x="0" y="4104572"/>
-          <a:ext cx="4572000" cy="2743200"/>
-        </p:xfrm>
-        <a:graphic>
-          <a:graphicData uri="http://schemas.openxmlformats.org/drawingml/2006/chart">
-            <c:chart xmlns:c="http://schemas.openxmlformats.org/drawingml/2006/chart" xmlns:r="http://schemas.openxmlformats.org/officeDocument/2006/relationships" r:id="rId2"/>
-          </a:graphicData>
-        </a:graphic>
-      </p:graphicFrame>
-      <p:graphicFrame>
-        <p:nvGraphicFramePr>
-          <p:cNvPr id="11" name="Wykres 10"/>
-          <p:cNvGraphicFramePr>
-            <a:graphicFrameLocks/>
-          </p:cNvGraphicFramePr>
-          <p:nvPr>
-            <p:extLst>
-              <p:ext uri="{D42A27DB-BD31-4B8C-83A1-F6EECF244321}">
-                <p14:modId xmlns:p14="http://schemas.microsoft.com/office/powerpoint/2010/main" val="3592384089"/>
-              </p:ext>
-            </p:extLst>
-          </p:nvPr>
-        </p:nvGraphicFramePr>
-        <p:xfrm>
-          <a:off x="4572000" y="4114800"/>
-          <a:ext cx="4572000" cy="2743200"/>
-        </p:xfrm>
-        <a:graphic>
-          <a:graphicData uri="http://schemas.openxmlformats.org/drawingml/2006/chart">
-            <c:chart xmlns:c="http://schemas.openxmlformats.org/drawingml/2006/chart" xmlns:r="http://schemas.openxmlformats.org/officeDocument/2006/relationships" r:id="rId3"/>
-          </a:graphicData>
-        </a:graphic>
-      </p:graphicFrame>
-      <p:graphicFrame>
-        <p:nvGraphicFramePr>
-          <p:cNvPr id="13" name="Wykres 12"/>
-          <p:cNvGraphicFramePr>
-            <a:graphicFrameLocks/>
-          </p:cNvGraphicFramePr>
-          <p:nvPr>
-            <p:extLst>
-              <p:ext uri="{D42A27DB-BD31-4B8C-83A1-F6EECF244321}">
-                <p14:modId xmlns:p14="http://schemas.microsoft.com/office/powerpoint/2010/main" val="4069650942"/>
-              </p:ext>
-            </p:extLst>
-          </p:nvPr>
-        </p:nvGraphicFramePr>
-        <p:xfrm>
-          <a:off x="4572000" y="1124744"/>
-          <a:ext cx="4572000" cy="2743200"/>
-        </p:xfrm>
-        <a:graphic>
-          <a:graphicData uri="http://schemas.openxmlformats.org/drawingml/2006/chart">
-            <c:chart xmlns:c="http://schemas.openxmlformats.org/drawingml/2006/chart" xmlns:r="http://schemas.openxmlformats.org/officeDocument/2006/relationships" r:id="rId4"/>
-          </a:graphicData>
-        </a:graphic>
-      </p:graphicFrame>
-      <p:graphicFrame>
-        <p:nvGraphicFramePr>
-          <p:cNvPr id="14" name="Wykres 13"/>
-          <p:cNvGraphicFramePr>
-            <a:graphicFrameLocks/>
-          </p:cNvGraphicFramePr>
-          <p:nvPr>
-            <p:extLst>
-              <p:ext uri="{D42A27DB-BD31-4B8C-83A1-F6EECF244321}">
-                <p14:modId xmlns:p14="http://schemas.microsoft.com/office/powerpoint/2010/main" val="3647985537"/>
-              </p:ext>
-            </p:extLst>
-          </p:nvPr>
-        </p:nvGraphicFramePr>
-        <p:xfrm>
-          <a:off x="0" y="1124744"/>
-          <a:ext cx="4572000" cy="2743200"/>
-        </p:xfrm>
-        <a:graphic>
-          <a:graphicData uri="http://schemas.openxmlformats.org/drawingml/2006/chart">
-            <c:chart xmlns:c="http://schemas.openxmlformats.org/drawingml/2006/chart" xmlns:r="http://schemas.openxmlformats.org/officeDocument/2006/relationships" r:id="rId5"/>
-          </a:graphicData>
-        </a:graphic>
-      </p:graphicFrame>
-    </p:spTree>
-    <p:extLst>
-      <p:ext uri="{BB962C8B-B14F-4D97-AF65-F5344CB8AC3E}">
-        <p14:creationId xmlns:p14="http://schemas.microsoft.com/office/powerpoint/2010/main" val="1253170884"/>
-      </p:ext>
-    </p:extLst>
-  </p:cSld>
-  <p:clrMapOvr>
-    <a:masterClrMapping/>
-  </p:clrMapOvr>
+  <p:timing>
+    <p:tnLst>
+      <p:par>
+        <p:cTn id="1" dur="indefinite" restart="never" nodeType="tmRoot"/>
+      </p:par>
+    </p:tnLst>
+  </p:timing>
 </p:sld>
 </file>
 
@@ -6195,11 +7900,7 @@
           <a:p>
             <a:r>
               <a:rPr lang="pl-PL" dirty="0" smtClean="0"/>
-              <a:t>Wyniki </a:t>
-            </a:r>
-            <a:r>
-              <a:rPr lang="pl-PL" dirty="0" smtClean="0"/>
-              <a:t>badań – JPS i A*</a:t>
+              <a:t>Wyniki badań heurystyk A*</a:t>
             </a:r>
             <a:endParaRPr lang="pl-PL" dirty="0"/>
           </a:p>
@@ -6207,46 +7908,21 @@
       </p:sp>
       <p:graphicFrame>
         <p:nvGraphicFramePr>
-          <p:cNvPr id="4" name="Symbol zastępczy zawartości 3" title="Środowisko 1"/>
-          <p:cNvGraphicFramePr>
-            <a:graphicFrameLocks noGrp="1"/>
-          </p:cNvGraphicFramePr>
-          <p:nvPr>
-            <p:ph idx="1"/>
-            <p:extLst>
-              <p:ext uri="{D42A27DB-BD31-4B8C-83A1-F6EECF244321}">
-                <p14:modId xmlns:p14="http://schemas.microsoft.com/office/powerpoint/2010/main" val="3551610229"/>
-              </p:ext>
-            </p:extLst>
-          </p:nvPr>
-        </p:nvGraphicFramePr>
-        <p:xfrm>
-          <a:off x="107504" y="1052736"/>
-          <a:ext cx="4032448" cy="2808312"/>
-        </p:xfrm>
-        <a:graphic>
-          <a:graphicData uri="http://schemas.openxmlformats.org/drawingml/2006/chart">
-            <c:chart xmlns:c="http://schemas.openxmlformats.org/drawingml/2006/chart" xmlns:r="http://schemas.openxmlformats.org/officeDocument/2006/relationships" r:id="rId2"/>
-          </a:graphicData>
-        </a:graphic>
-      </p:graphicFrame>
-      <p:graphicFrame>
-        <p:nvGraphicFramePr>
-          <p:cNvPr id="5" name="Wykres 4"/>
+          <p:cNvPr id="9" name="Wykres 8"/>
           <p:cNvGraphicFramePr>
             <a:graphicFrameLocks/>
           </p:cNvGraphicFramePr>
           <p:nvPr>
             <p:extLst>
               <p:ext uri="{D42A27DB-BD31-4B8C-83A1-F6EECF244321}">
-                <p14:modId xmlns:p14="http://schemas.microsoft.com/office/powerpoint/2010/main" val="2223762198"/>
+                <p14:modId xmlns:p14="http://schemas.microsoft.com/office/powerpoint/2010/main" val="4244968863"/>
               </p:ext>
             </p:extLst>
           </p:nvPr>
         </p:nvGraphicFramePr>
         <p:xfrm>
-          <a:off x="4932040" y="1052736"/>
-          <a:ext cx="3888432" cy="2880320"/>
+          <a:off x="0" y="4104572"/>
+          <a:ext cx="4572000" cy="2743200"/>
         </p:xfrm>
         <a:graphic>
           <a:graphicData uri="http://schemas.openxmlformats.org/drawingml/2006/chart">
@@ -6256,21 +7932,21 @@
       </p:graphicFrame>
       <p:graphicFrame>
         <p:nvGraphicFramePr>
-          <p:cNvPr id="6" name="Wykres 5"/>
+          <p:cNvPr id="11" name="Wykres 10"/>
           <p:cNvGraphicFramePr>
             <a:graphicFrameLocks/>
           </p:cNvGraphicFramePr>
           <p:nvPr>
             <p:extLst>
               <p:ext uri="{D42A27DB-BD31-4B8C-83A1-F6EECF244321}">
-                <p14:modId xmlns:p14="http://schemas.microsoft.com/office/powerpoint/2010/main" val="3447311951"/>
+                <p14:modId xmlns:p14="http://schemas.microsoft.com/office/powerpoint/2010/main" val="3592384089"/>
               </p:ext>
             </p:extLst>
           </p:nvPr>
         </p:nvGraphicFramePr>
         <p:xfrm>
-          <a:off x="251520" y="3789040"/>
-          <a:ext cx="3960440" cy="2736304"/>
+          <a:off x="4572000" y="4114800"/>
+          <a:ext cx="4572000" cy="2743200"/>
         </p:xfrm>
         <a:graphic>
           <a:graphicData uri="http://schemas.openxmlformats.org/drawingml/2006/chart">
@@ -6280,21 +7956,21 @@
       </p:graphicFrame>
       <p:graphicFrame>
         <p:nvGraphicFramePr>
-          <p:cNvPr id="7" name="Wykres 6"/>
+          <p:cNvPr id="13" name="Wykres 12"/>
           <p:cNvGraphicFramePr>
             <a:graphicFrameLocks/>
           </p:cNvGraphicFramePr>
           <p:nvPr>
             <p:extLst>
               <p:ext uri="{D42A27DB-BD31-4B8C-83A1-F6EECF244321}">
-                <p14:modId xmlns:p14="http://schemas.microsoft.com/office/powerpoint/2010/main" val="876348627"/>
+                <p14:modId xmlns:p14="http://schemas.microsoft.com/office/powerpoint/2010/main" val="4069650942"/>
               </p:ext>
             </p:extLst>
           </p:nvPr>
         </p:nvGraphicFramePr>
         <p:xfrm>
-          <a:off x="4860032" y="3789040"/>
-          <a:ext cx="4032448" cy="2880320"/>
+          <a:off x="4572000" y="1124744"/>
+          <a:ext cx="4572000" cy="2743200"/>
         </p:xfrm>
         <a:graphic>
           <a:graphicData uri="http://schemas.openxmlformats.org/drawingml/2006/chart">
@@ -6302,16 +7978,70 @@
           </a:graphicData>
         </a:graphic>
       </p:graphicFrame>
+      <p:graphicFrame>
+        <p:nvGraphicFramePr>
+          <p:cNvPr id="14" name="Wykres 13"/>
+          <p:cNvGraphicFramePr>
+            <a:graphicFrameLocks/>
+          </p:cNvGraphicFramePr>
+          <p:nvPr>
+            <p:extLst>
+              <p:ext uri="{D42A27DB-BD31-4B8C-83A1-F6EECF244321}">
+                <p14:modId xmlns:p14="http://schemas.microsoft.com/office/powerpoint/2010/main" val="3647985537"/>
+              </p:ext>
+            </p:extLst>
+          </p:nvPr>
+        </p:nvGraphicFramePr>
+        <p:xfrm>
+          <a:off x="0" y="1124744"/>
+          <a:ext cx="4572000" cy="2743200"/>
+        </p:xfrm>
+        <a:graphic>
+          <a:graphicData uri="http://schemas.openxmlformats.org/drawingml/2006/chart">
+            <c:chart xmlns:c="http://schemas.openxmlformats.org/drawingml/2006/chart" xmlns:r="http://schemas.openxmlformats.org/officeDocument/2006/relationships" r:id="rId6"/>
+          </a:graphicData>
+        </a:graphic>
+      </p:graphicFrame>
+      <p:sp>
+        <p:nvSpPr>
+          <p:cNvPr id="4" name="Symbol zastępczy numeru slajdu 3"/>
+          <p:cNvSpPr>
+            <a:spLocks noGrp="1"/>
+          </p:cNvSpPr>
+          <p:nvPr>
+            <p:ph type="sldNum" sz="quarter" idx="12"/>
+          </p:nvPr>
+        </p:nvSpPr>
+        <p:spPr/>
+        <p:txBody>
+          <a:bodyPr/>
+          <a:lstStyle/>
+          <a:p>
+            <a:fld id="{B517628F-ACB5-4BC7-8D24-28F138F96C11}" type="slidenum">
+              <a:rPr lang="pl-PL" smtClean="0"/>
+              <a:t>8</a:t>
+            </a:fld>
+            <a:endParaRPr lang="pl-PL"/>
+          </a:p>
+        </p:txBody>
+      </p:sp>
     </p:spTree>
     <p:extLst>
       <p:ext uri="{BB962C8B-B14F-4D97-AF65-F5344CB8AC3E}">
-        <p14:creationId xmlns:p14="http://schemas.microsoft.com/office/powerpoint/2010/main" val="322823227"/>
+        <p14:creationId xmlns:p14="http://schemas.microsoft.com/office/powerpoint/2010/main" val="1253170884"/>
       </p:ext>
     </p:extLst>
   </p:cSld>
   <p:clrMapOvr>
     <a:masterClrMapping/>
   </p:clrMapOvr>
+  <p:timing>
+    <p:tnLst>
+      <p:par>
+        <p:cTn id="1" dur="indefinite" restart="never" nodeType="tmRoot"/>
+      </p:par>
+    </p:tnLst>
+  </p:timing>
 </p:sld>
 </file>
 
@@ -6349,69 +8079,136 @@
           <a:p>
             <a:r>
               <a:rPr lang="pl-PL" dirty="0" smtClean="0"/>
-              <a:t>Podsumowanie</a:t>
+              <a:t>Wyniki badań – JPS i A*</a:t>
             </a:r>
             <a:endParaRPr lang="pl-PL" dirty="0"/>
           </a:p>
         </p:txBody>
       </p:sp>
-      <p:sp>
-        <p:nvSpPr>
-          <p:cNvPr id="3" name="Symbol zastępczy zawartości 2"/>
-          <p:cNvSpPr>
-            <a:spLocks noGrp="1"/>
-          </p:cNvSpPr>
+      <p:graphicFrame>
+        <p:nvGraphicFramePr>
+          <p:cNvPr id="4" name="Symbol zastępczy zawartości 3" title="Środowisko 1"/>
+          <p:cNvGraphicFramePr>
+            <a:graphicFrameLocks noGrp="1"/>
+          </p:cNvGraphicFramePr>
           <p:nvPr>
             <p:ph idx="1"/>
-          </p:nvPr>
-        </p:nvSpPr>
-        <p:spPr/>
-        <p:txBody>
-          <a:bodyPr/>
-          <a:lstStyle/>
-          <a:p>
-            <a:r>
-              <a:rPr lang="pl-PL" dirty="0" smtClean="0"/>
-              <a:t>Analiza technik nawigacji</a:t>
-            </a:r>
-          </a:p>
-          <a:p>
-            <a:r>
-              <a:rPr lang="pl-PL" dirty="0" smtClean="0"/>
-              <a:t>Środowisko testowe</a:t>
-            </a:r>
-          </a:p>
-          <a:p>
-            <a:r>
-              <a:rPr lang="pl-PL" dirty="0" smtClean="0"/>
-              <a:t>Wpływ funkcji heurystycznej oraz struktury środowiska gry</a:t>
-            </a:r>
-          </a:p>
-          <a:p>
-            <a:r>
-              <a:rPr lang="pl-PL" dirty="0" smtClean="0"/>
-              <a:t>Algorytm </a:t>
-            </a:r>
-            <a:r>
-              <a:rPr lang="pl-PL" dirty="0" err="1" smtClean="0"/>
-              <a:t>Jump</a:t>
-            </a:r>
-            <a:r>
-              <a:rPr lang="pl-PL" dirty="0" smtClean="0"/>
-              <a:t> Point </a:t>
-            </a:r>
-            <a:r>
-              <a:rPr lang="pl-PL" dirty="0" err="1" smtClean="0"/>
-              <a:t>Search</a:t>
-            </a:r>
-            <a:endParaRPr lang="pl-PL" dirty="0"/>
+            <p:extLst>
+              <p:ext uri="{D42A27DB-BD31-4B8C-83A1-F6EECF244321}">
+                <p14:modId xmlns:p14="http://schemas.microsoft.com/office/powerpoint/2010/main" val="3551610229"/>
+              </p:ext>
+            </p:extLst>
+          </p:nvPr>
+        </p:nvGraphicFramePr>
+        <p:xfrm>
+          <a:off x="107504" y="1052736"/>
+          <a:ext cx="4032448" cy="2808312"/>
+        </p:xfrm>
+        <a:graphic>
+          <a:graphicData uri="http://schemas.openxmlformats.org/drawingml/2006/chart">
+            <c:chart xmlns:c="http://schemas.openxmlformats.org/drawingml/2006/chart" xmlns:r="http://schemas.openxmlformats.org/officeDocument/2006/relationships" r:id="rId3"/>
+          </a:graphicData>
+        </a:graphic>
+      </p:graphicFrame>
+      <p:graphicFrame>
+        <p:nvGraphicFramePr>
+          <p:cNvPr id="5" name="Wykres 4"/>
+          <p:cNvGraphicFramePr>
+            <a:graphicFrameLocks/>
+          </p:cNvGraphicFramePr>
+          <p:nvPr>
+            <p:extLst>
+              <p:ext uri="{D42A27DB-BD31-4B8C-83A1-F6EECF244321}">
+                <p14:modId xmlns:p14="http://schemas.microsoft.com/office/powerpoint/2010/main" val="2223762198"/>
+              </p:ext>
+            </p:extLst>
+          </p:nvPr>
+        </p:nvGraphicFramePr>
+        <p:xfrm>
+          <a:off x="4932040" y="1052736"/>
+          <a:ext cx="3888432" cy="2880320"/>
+        </p:xfrm>
+        <a:graphic>
+          <a:graphicData uri="http://schemas.openxmlformats.org/drawingml/2006/chart">
+            <c:chart xmlns:c="http://schemas.openxmlformats.org/drawingml/2006/chart" xmlns:r="http://schemas.openxmlformats.org/officeDocument/2006/relationships" r:id="rId4"/>
+          </a:graphicData>
+        </a:graphic>
+      </p:graphicFrame>
+      <p:graphicFrame>
+        <p:nvGraphicFramePr>
+          <p:cNvPr id="6" name="Wykres 5"/>
+          <p:cNvGraphicFramePr>
+            <a:graphicFrameLocks/>
+          </p:cNvGraphicFramePr>
+          <p:nvPr>
+            <p:extLst>
+              <p:ext uri="{D42A27DB-BD31-4B8C-83A1-F6EECF244321}">
+                <p14:modId xmlns:p14="http://schemas.microsoft.com/office/powerpoint/2010/main" val="3447311951"/>
+              </p:ext>
+            </p:extLst>
+          </p:nvPr>
+        </p:nvGraphicFramePr>
+        <p:xfrm>
+          <a:off x="251520" y="3789040"/>
+          <a:ext cx="3960440" cy="2736304"/>
+        </p:xfrm>
+        <a:graphic>
+          <a:graphicData uri="http://schemas.openxmlformats.org/drawingml/2006/chart">
+            <c:chart xmlns:c="http://schemas.openxmlformats.org/drawingml/2006/chart" xmlns:r="http://schemas.openxmlformats.org/officeDocument/2006/relationships" r:id="rId5"/>
+          </a:graphicData>
+        </a:graphic>
+      </p:graphicFrame>
+      <p:graphicFrame>
+        <p:nvGraphicFramePr>
+          <p:cNvPr id="7" name="Wykres 6"/>
+          <p:cNvGraphicFramePr>
+            <a:graphicFrameLocks/>
+          </p:cNvGraphicFramePr>
+          <p:nvPr>
+            <p:extLst>
+              <p:ext uri="{D42A27DB-BD31-4B8C-83A1-F6EECF244321}">
+                <p14:modId xmlns:p14="http://schemas.microsoft.com/office/powerpoint/2010/main" val="876348627"/>
+              </p:ext>
+            </p:extLst>
+          </p:nvPr>
+        </p:nvGraphicFramePr>
+        <p:xfrm>
+          <a:off x="4860032" y="3789040"/>
+          <a:ext cx="4032448" cy="2880320"/>
+        </p:xfrm>
+        <a:graphic>
+          <a:graphicData uri="http://schemas.openxmlformats.org/drawingml/2006/chart">
+            <c:chart xmlns:c="http://schemas.openxmlformats.org/drawingml/2006/chart" xmlns:r="http://schemas.openxmlformats.org/officeDocument/2006/relationships" r:id="rId6"/>
+          </a:graphicData>
+        </a:graphic>
+      </p:graphicFrame>
+      <p:sp>
+        <p:nvSpPr>
+          <p:cNvPr id="8" name="Symbol zastępczy numeru slajdu 7"/>
+          <p:cNvSpPr>
+            <a:spLocks noGrp="1"/>
+          </p:cNvSpPr>
+          <p:nvPr>
+            <p:ph type="sldNum" sz="quarter" idx="12"/>
+          </p:nvPr>
+        </p:nvSpPr>
+        <p:spPr/>
+        <p:txBody>
+          <a:bodyPr/>
+          <a:lstStyle/>
+          <a:p>
+            <a:fld id="{B517628F-ACB5-4BC7-8D24-28F138F96C11}" type="slidenum">
+              <a:rPr lang="pl-PL" smtClean="0"/>
+              <a:t>9</a:t>
+            </a:fld>
+            <a:endParaRPr lang="pl-PL"/>
           </a:p>
         </p:txBody>
       </p:sp>
     </p:spTree>
     <p:extLst>
       <p:ext uri="{BB962C8B-B14F-4D97-AF65-F5344CB8AC3E}">
-        <p14:creationId xmlns:p14="http://schemas.microsoft.com/office/powerpoint/2010/main" val="822264901"/>
+        <p14:creationId xmlns:p14="http://schemas.microsoft.com/office/powerpoint/2010/main" val="322823227"/>
       </p:ext>
     </p:extLst>
   </p:cSld>
@@ -6704,4 +8501,289 @@
   <a:objectDefaults/>
   <a:extraClrSchemeLst/>
 </a:theme>
+</file>
+
+<file path=ppt/theme/theme2.xml><?xml version="1.0" encoding="utf-8"?>
+<a:theme xmlns:a="http://schemas.openxmlformats.org/drawingml/2006/main" name="Motyw pakietu Office">
+  <a:themeElements>
+    <a:clrScheme name="Pakiet Office">
+      <a:dk1>
+        <a:sysClr val="windowText" lastClr="000000"/>
+      </a:dk1>
+      <a:lt1>
+        <a:sysClr val="window" lastClr="FFFFFF"/>
+      </a:lt1>
+      <a:dk2>
+        <a:srgbClr val="1F497D"/>
+      </a:dk2>
+      <a:lt2>
+        <a:srgbClr val="EEECE1"/>
+      </a:lt2>
+      <a:accent1>
+        <a:srgbClr val="4F81BD"/>
+      </a:accent1>
+      <a:accent2>
+        <a:srgbClr val="C0504D"/>
+      </a:accent2>
+      <a:accent3>
+        <a:srgbClr val="9BBB59"/>
+      </a:accent3>
+      <a:accent4>
+        <a:srgbClr val="8064A2"/>
+      </a:accent4>
+      <a:accent5>
+        <a:srgbClr val="4BACC6"/>
+      </a:accent5>
+      <a:accent6>
+        <a:srgbClr val="F79646"/>
+      </a:accent6>
+      <a:hlink>
+        <a:srgbClr val="0000FF"/>
+      </a:hlink>
+      <a:folHlink>
+        <a:srgbClr val="800080"/>
+      </a:folHlink>
+    </a:clrScheme>
+    <a:fontScheme name="Pakiet Office">
+      <a:majorFont>
+        <a:latin typeface="Calibri"/>
+        <a:ea typeface=""/>
+        <a:cs typeface=""/>
+        <a:font script="Jpan" typeface="ＭＳ Ｐゴシック"/>
+        <a:font script="Hang" typeface="맑은 고딕"/>
+        <a:font script="Hans" typeface="宋体"/>
+        <a:font script="Hant" typeface="新細明體"/>
+        <a:font script="Arab" typeface="Times New Roman"/>
+        <a:font script="Hebr" typeface="Times New Roman"/>
+        <a:font script="Thai" typeface="Angsana New"/>
+        <a:font script="Ethi" typeface="Nyala"/>
+        <a:font script="Beng" typeface="Vrinda"/>
+        <a:font script="Gujr" typeface="Shruti"/>
+        <a:font script="Khmr" typeface="MoolBoran"/>
+        <a:font script="Knda" typeface="Tunga"/>
+        <a:font script="Guru" typeface="Raavi"/>
+        <a:font script="Cans" typeface="Euphemia"/>
+        <a:font script="Cher" typeface="Plantagenet Cherokee"/>
+        <a:font script="Yiii" typeface="Microsoft Yi Baiti"/>
+        <a:font script="Tibt" typeface="Microsoft Himalaya"/>
+        <a:font script="Thaa" typeface="MV Boli"/>
+        <a:font script="Deva" typeface="Mangal"/>
+        <a:font script="Telu" typeface="Gautami"/>
+        <a:font script="Taml" typeface="Latha"/>
+        <a:font script="Syrc" typeface="Estrangelo Edessa"/>
+        <a:font script="Orya" typeface="Kalinga"/>
+        <a:font script="Mlym" typeface="Kartika"/>
+        <a:font script="Laoo" typeface="DokChampa"/>
+        <a:font script="Sinh" typeface="Iskoola Pota"/>
+        <a:font script="Mong" typeface="Mongolian Baiti"/>
+        <a:font script="Viet" typeface="Times New Roman"/>
+        <a:font script="Uigh" typeface="Microsoft Uighur"/>
+        <a:font script="Geor" typeface="Sylfaen"/>
+      </a:majorFont>
+      <a:minorFont>
+        <a:latin typeface="Calibri"/>
+        <a:ea typeface=""/>
+        <a:cs typeface=""/>
+        <a:font script="Jpan" typeface="ＭＳ Ｐゴシック"/>
+        <a:font script="Hang" typeface="맑은 고딕"/>
+        <a:font script="Hans" typeface="宋体"/>
+        <a:font script="Hant" typeface="新細明體"/>
+        <a:font script="Arab" typeface="Arial"/>
+        <a:font script="Hebr" typeface="Arial"/>
+        <a:font script="Thai" typeface="Cordia New"/>
+        <a:font script="Ethi" typeface="Nyala"/>
+        <a:font script="Beng" typeface="Vrinda"/>
+        <a:font script="Gujr" typeface="Shruti"/>
+        <a:font script="Khmr" typeface="DaunPenh"/>
+        <a:font script="Knda" typeface="Tunga"/>
+        <a:font script="Guru" typeface="Raavi"/>
+        <a:font script="Cans" typeface="Euphemia"/>
+        <a:font script="Cher" typeface="Plantagenet Cherokee"/>
+        <a:font script="Yiii" typeface="Microsoft Yi Baiti"/>
+        <a:font script="Tibt" typeface="Microsoft Himalaya"/>
+        <a:font script="Thaa" typeface="MV Boli"/>
+        <a:font script="Deva" typeface="Mangal"/>
+        <a:font script="Telu" typeface="Gautami"/>
+        <a:font script="Taml" typeface="Latha"/>
+        <a:font script="Syrc" typeface="Estrangelo Edessa"/>
+        <a:font script="Orya" typeface="Kalinga"/>
+        <a:font script="Mlym" typeface="Kartika"/>
+        <a:font script="Laoo" typeface="DokChampa"/>
+        <a:font script="Sinh" typeface="Iskoola Pota"/>
+        <a:font script="Mong" typeface="Mongolian Baiti"/>
+        <a:font script="Viet" typeface="Arial"/>
+        <a:font script="Uigh" typeface="Microsoft Uighur"/>
+        <a:font script="Geor" typeface="Sylfaen"/>
+      </a:minorFont>
+    </a:fontScheme>
+    <a:fmtScheme name="Pakiet Office">
+      <a:fillStyleLst>
+        <a:solidFill>
+          <a:schemeClr val="phClr"/>
+        </a:solidFill>
+        <a:gradFill rotWithShape="1">
+          <a:gsLst>
+            <a:gs pos="0">
+              <a:schemeClr val="phClr">
+                <a:tint val="50000"/>
+                <a:satMod val="300000"/>
+              </a:schemeClr>
+            </a:gs>
+            <a:gs pos="35000">
+              <a:schemeClr val="phClr">
+                <a:tint val="37000"/>
+                <a:satMod val="300000"/>
+              </a:schemeClr>
+            </a:gs>
+            <a:gs pos="100000">
+              <a:schemeClr val="phClr">
+                <a:tint val="15000"/>
+                <a:satMod val="350000"/>
+              </a:schemeClr>
+            </a:gs>
+          </a:gsLst>
+          <a:lin ang="16200000" scaled="1"/>
+        </a:gradFill>
+        <a:gradFill rotWithShape="1">
+          <a:gsLst>
+            <a:gs pos="0">
+              <a:schemeClr val="phClr">
+                <a:shade val="51000"/>
+                <a:satMod val="130000"/>
+              </a:schemeClr>
+            </a:gs>
+            <a:gs pos="80000">
+              <a:schemeClr val="phClr">
+                <a:shade val="93000"/>
+                <a:satMod val="130000"/>
+              </a:schemeClr>
+            </a:gs>
+            <a:gs pos="100000">
+              <a:schemeClr val="phClr">
+                <a:shade val="94000"/>
+                <a:satMod val="135000"/>
+              </a:schemeClr>
+            </a:gs>
+          </a:gsLst>
+          <a:lin ang="16200000" scaled="0"/>
+        </a:gradFill>
+      </a:fillStyleLst>
+      <a:lnStyleLst>
+        <a:ln w="9525" cap="flat" cmpd="sng" algn="ctr">
+          <a:solidFill>
+            <a:schemeClr val="phClr">
+              <a:shade val="95000"/>
+              <a:satMod val="105000"/>
+            </a:schemeClr>
+          </a:solidFill>
+          <a:prstDash val="solid"/>
+        </a:ln>
+        <a:ln w="25400" cap="flat" cmpd="sng" algn="ctr">
+          <a:solidFill>
+            <a:schemeClr val="phClr"/>
+          </a:solidFill>
+          <a:prstDash val="solid"/>
+        </a:ln>
+        <a:ln w="38100" cap="flat" cmpd="sng" algn="ctr">
+          <a:solidFill>
+            <a:schemeClr val="phClr"/>
+          </a:solidFill>
+          <a:prstDash val="solid"/>
+        </a:ln>
+      </a:lnStyleLst>
+      <a:effectStyleLst>
+        <a:effectStyle>
+          <a:effectLst>
+            <a:outerShdw blurRad="40000" dist="20000" dir="5400000" rotWithShape="0">
+              <a:srgbClr val="000000">
+                <a:alpha val="38000"/>
+              </a:srgbClr>
+            </a:outerShdw>
+          </a:effectLst>
+        </a:effectStyle>
+        <a:effectStyle>
+          <a:effectLst>
+            <a:outerShdw blurRad="40000" dist="23000" dir="5400000" rotWithShape="0">
+              <a:srgbClr val="000000">
+                <a:alpha val="35000"/>
+              </a:srgbClr>
+            </a:outerShdw>
+          </a:effectLst>
+        </a:effectStyle>
+        <a:effectStyle>
+          <a:effectLst>
+            <a:outerShdw blurRad="40000" dist="23000" dir="5400000" rotWithShape="0">
+              <a:srgbClr val="000000">
+                <a:alpha val="35000"/>
+              </a:srgbClr>
+            </a:outerShdw>
+          </a:effectLst>
+          <a:scene3d>
+            <a:camera prst="orthographicFront">
+              <a:rot lat="0" lon="0" rev="0"/>
+            </a:camera>
+            <a:lightRig rig="threePt" dir="t">
+              <a:rot lat="0" lon="0" rev="1200000"/>
+            </a:lightRig>
+          </a:scene3d>
+          <a:sp3d>
+            <a:bevelT w="63500" h="25400"/>
+          </a:sp3d>
+        </a:effectStyle>
+      </a:effectStyleLst>
+      <a:bgFillStyleLst>
+        <a:solidFill>
+          <a:schemeClr val="phClr"/>
+        </a:solidFill>
+        <a:gradFill rotWithShape="1">
+          <a:gsLst>
+            <a:gs pos="0">
+              <a:schemeClr val="phClr">
+                <a:tint val="40000"/>
+                <a:satMod val="350000"/>
+              </a:schemeClr>
+            </a:gs>
+            <a:gs pos="40000">
+              <a:schemeClr val="phClr">
+                <a:tint val="45000"/>
+                <a:shade val="99000"/>
+                <a:satMod val="350000"/>
+              </a:schemeClr>
+            </a:gs>
+            <a:gs pos="100000">
+              <a:schemeClr val="phClr">
+                <a:shade val="20000"/>
+                <a:satMod val="255000"/>
+              </a:schemeClr>
+            </a:gs>
+          </a:gsLst>
+          <a:path path="circle">
+            <a:fillToRect l="50000" t="-80000" r="50000" b="180000"/>
+          </a:path>
+        </a:gradFill>
+        <a:gradFill rotWithShape="1">
+          <a:gsLst>
+            <a:gs pos="0">
+              <a:schemeClr val="phClr">
+                <a:tint val="80000"/>
+                <a:satMod val="300000"/>
+              </a:schemeClr>
+            </a:gs>
+            <a:gs pos="100000">
+              <a:schemeClr val="phClr">
+                <a:shade val="30000"/>
+                <a:satMod val="200000"/>
+              </a:schemeClr>
+            </a:gs>
+          </a:gsLst>
+          <a:path path="circle">
+            <a:fillToRect l="50000" t="50000" r="50000" b="50000"/>
+          </a:path>
+        </a:gradFill>
+      </a:bgFillStyleLst>
+    </a:fmtScheme>
+  </a:themeElements>
+  <a:objectDefaults/>
+  <a:extraClrSchemeLst/>
+</a:theme>
 </file>
--- a/Nawigacja w grach komputerowych.pptx
+++ b/Nawigacja w grach komputerowych.pptx
@@ -270,11 +270,11 @@
         </c:dLbls>
         <c:gapWidth val="75"/>
         <c:overlap val="-25"/>
-        <c:axId val="106748928"/>
-        <c:axId val="46330624"/>
+        <c:axId val="95481216"/>
+        <c:axId val="36312192"/>
       </c:barChart>
       <c:catAx>
-        <c:axId val="106748928"/>
+        <c:axId val="95481216"/>
         <c:scaling>
           <c:orientation val="minMax"/>
         </c:scaling>
@@ -283,7 +283,7 @@
         <c:majorTickMark val="none"/>
         <c:minorTickMark val="none"/>
         <c:tickLblPos val="nextTo"/>
-        <c:crossAx val="46330624"/>
+        <c:crossAx val="36312192"/>
         <c:crosses val="autoZero"/>
         <c:auto val="1"/>
         <c:lblAlgn val="ctr"/>
@@ -291,7 +291,7 @@
         <c:noMultiLvlLbl val="0"/>
       </c:catAx>
       <c:valAx>
-        <c:axId val="46330624"/>
+        <c:axId val="36312192"/>
         <c:scaling>
           <c:orientation val="minMax"/>
         </c:scaling>
@@ -331,7 +331,7 @@
             <a:noFill/>
           </a:ln>
         </c:spPr>
-        <c:crossAx val="106748928"/>
+        <c:crossAx val="95481216"/>
         <c:crosses val="autoZero"/>
         <c:crossBetween val="between"/>
       </c:valAx>
@@ -501,11 +501,11 @@
         </c:dLbls>
         <c:gapWidth val="75"/>
         <c:overlap val="-25"/>
-        <c:axId val="66620032"/>
-        <c:axId val="107385216"/>
+        <c:axId val="36342784"/>
+        <c:axId val="36344576"/>
       </c:barChart>
       <c:catAx>
-        <c:axId val="66620032"/>
+        <c:axId val="36342784"/>
         <c:scaling>
           <c:orientation val="minMax"/>
         </c:scaling>
@@ -514,7 +514,7 @@
         <c:majorTickMark val="none"/>
         <c:minorTickMark val="none"/>
         <c:tickLblPos val="nextTo"/>
-        <c:crossAx val="107385216"/>
+        <c:crossAx val="36344576"/>
         <c:crosses val="autoZero"/>
         <c:auto val="1"/>
         <c:lblAlgn val="ctr"/>
@@ -522,7 +522,7 @@
         <c:noMultiLvlLbl val="0"/>
       </c:catAx>
       <c:valAx>
-        <c:axId val="107385216"/>
+        <c:axId val="36344576"/>
         <c:scaling>
           <c:orientation val="minMax"/>
         </c:scaling>
@@ -557,7 +557,7 @@
             <a:noFill/>
           </a:ln>
         </c:spPr>
-        <c:crossAx val="66620032"/>
+        <c:crossAx val="36342784"/>
         <c:crosses val="autoZero"/>
         <c:crossBetween val="between"/>
       </c:valAx>
@@ -727,11 +727,11 @@
         </c:dLbls>
         <c:gapWidth val="75"/>
         <c:overlap val="-25"/>
-        <c:axId val="47515904"/>
-        <c:axId val="47529984"/>
+        <c:axId val="36645504"/>
+        <c:axId val="36655488"/>
       </c:barChart>
       <c:catAx>
-        <c:axId val="47515904"/>
+        <c:axId val="36645504"/>
         <c:scaling>
           <c:orientation val="minMax"/>
         </c:scaling>
@@ -740,7 +740,7 @@
         <c:majorTickMark val="none"/>
         <c:minorTickMark val="none"/>
         <c:tickLblPos val="nextTo"/>
-        <c:crossAx val="47529984"/>
+        <c:crossAx val="36655488"/>
         <c:crosses val="autoZero"/>
         <c:auto val="1"/>
         <c:lblAlgn val="ctr"/>
@@ -748,7 +748,7 @@
         <c:noMultiLvlLbl val="0"/>
       </c:catAx>
       <c:valAx>
-        <c:axId val="47529984"/>
+        <c:axId val="36655488"/>
         <c:scaling>
           <c:orientation val="minMax"/>
         </c:scaling>
@@ -783,7 +783,7 @@
             <a:noFill/>
           </a:ln>
         </c:spPr>
-        <c:crossAx val="47515904"/>
+        <c:crossAx val="36645504"/>
         <c:crosses val="autoZero"/>
         <c:crossBetween val="between"/>
       </c:valAx>
@@ -948,11 +948,11 @@
         </c:dLbls>
         <c:gapWidth val="75"/>
         <c:overlap val="-25"/>
-        <c:axId val="47552384"/>
-        <c:axId val="47553920"/>
+        <c:axId val="36677888"/>
+        <c:axId val="36679680"/>
       </c:barChart>
       <c:catAx>
-        <c:axId val="47552384"/>
+        <c:axId val="36677888"/>
         <c:scaling>
           <c:orientation val="minMax"/>
         </c:scaling>
@@ -961,7 +961,7 @@
         <c:majorTickMark val="none"/>
         <c:minorTickMark val="none"/>
         <c:tickLblPos val="nextTo"/>
-        <c:crossAx val="47553920"/>
+        <c:crossAx val="36679680"/>
         <c:crosses val="autoZero"/>
         <c:auto val="1"/>
         <c:lblAlgn val="ctr"/>
@@ -969,7 +969,7 @@
         <c:noMultiLvlLbl val="0"/>
       </c:catAx>
       <c:valAx>
-        <c:axId val="47553920"/>
+        <c:axId val="36679680"/>
         <c:scaling>
           <c:orientation val="minMax"/>
         </c:scaling>
@@ -1004,7 +1004,7 @@
             <a:noFill/>
           </a:ln>
         </c:spPr>
-        <c:crossAx val="47552384"/>
+        <c:crossAx val="36677888"/>
         <c:crosses val="autoZero"/>
         <c:crossBetween val="between"/>
       </c:valAx>
@@ -1143,11 +1143,11 @@
         </c:dLbls>
         <c:gapWidth val="75"/>
         <c:overlap val="-25"/>
-        <c:axId val="47851392"/>
-        <c:axId val="47852928"/>
+        <c:axId val="36699520"/>
+        <c:axId val="36414592"/>
       </c:barChart>
       <c:catAx>
-        <c:axId val="47851392"/>
+        <c:axId val="36699520"/>
         <c:scaling>
           <c:orientation val="minMax"/>
         </c:scaling>
@@ -1156,7 +1156,7 @@
         <c:majorTickMark val="none"/>
         <c:minorTickMark val="none"/>
         <c:tickLblPos val="nextTo"/>
-        <c:crossAx val="47852928"/>
+        <c:crossAx val="36414592"/>
         <c:crosses val="autoZero"/>
         <c:auto val="1"/>
         <c:lblAlgn val="ctr"/>
@@ -1164,7 +1164,7 @@
         <c:noMultiLvlLbl val="0"/>
       </c:catAx>
       <c:valAx>
-        <c:axId val="47852928"/>
+        <c:axId val="36414592"/>
         <c:scaling>
           <c:orientation val="minMax"/>
         </c:scaling>
@@ -1200,7 +1200,7 @@
             <a:noFill/>
           </a:ln>
         </c:spPr>
-        <c:crossAx val="47851392"/>
+        <c:crossAx val="36699520"/>
         <c:crosses val="autoZero"/>
         <c:crossBetween val="between"/>
       </c:valAx>
@@ -1339,11 +1339,11 @@
         </c:dLbls>
         <c:gapWidth val="75"/>
         <c:overlap val="-25"/>
-        <c:axId val="47895296"/>
-        <c:axId val="47896832"/>
+        <c:axId val="36432128"/>
+        <c:axId val="36438016"/>
       </c:barChart>
       <c:catAx>
-        <c:axId val="47895296"/>
+        <c:axId val="36432128"/>
         <c:scaling>
           <c:orientation val="minMax"/>
         </c:scaling>
@@ -1352,7 +1352,7 @@
         <c:majorTickMark val="none"/>
         <c:minorTickMark val="none"/>
         <c:tickLblPos val="nextTo"/>
-        <c:crossAx val="47896832"/>
+        <c:crossAx val="36438016"/>
         <c:crosses val="autoZero"/>
         <c:auto val="1"/>
         <c:lblAlgn val="ctr"/>
@@ -1360,7 +1360,7 @@
         <c:noMultiLvlLbl val="0"/>
       </c:catAx>
       <c:valAx>
-        <c:axId val="47896832"/>
+        <c:axId val="36438016"/>
         <c:scaling>
           <c:orientation val="minMax"/>
         </c:scaling>
@@ -1400,7 +1400,7 @@
             <a:noFill/>
           </a:ln>
         </c:spPr>
-        <c:crossAx val="47895296"/>
+        <c:crossAx val="36432128"/>
         <c:crosses val="autoZero"/>
         <c:crossBetween val="between"/>
       </c:valAx>
@@ -1539,11 +1539,11 @@
         </c:dLbls>
         <c:gapWidth val="75"/>
         <c:overlap val="-25"/>
-        <c:axId val="47590784"/>
-        <c:axId val="47596672"/>
+        <c:axId val="36467840"/>
+        <c:axId val="36469376"/>
       </c:barChart>
       <c:catAx>
-        <c:axId val="47590784"/>
+        <c:axId val="36467840"/>
         <c:scaling>
           <c:orientation val="minMax"/>
         </c:scaling>
@@ -1552,7 +1552,7 @@
         <c:majorTickMark val="none"/>
         <c:minorTickMark val="none"/>
         <c:tickLblPos val="nextTo"/>
-        <c:crossAx val="47596672"/>
+        <c:crossAx val="36469376"/>
         <c:crosses val="autoZero"/>
         <c:auto val="1"/>
         <c:lblAlgn val="ctr"/>
@@ -1560,7 +1560,7 @@
         <c:noMultiLvlLbl val="0"/>
       </c:catAx>
       <c:valAx>
-        <c:axId val="47596672"/>
+        <c:axId val="36469376"/>
         <c:scaling>
           <c:orientation val="minMax"/>
         </c:scaling>
@@ -1600,7 +1600,7 @@
             <a:noFill/>
           </a:ln>
         </c:spPr>
-        <c:crossAx val="47590784"/>
+        <c:crossAx val="36467840"/>
         <c:crosses val="autoZero"/>
         <c:crossBetween val="between"/>
       </c:valAx>
@@ -1739,11 +1739,11 @@
         </c:dLbls>
         <c:gapWidth val="75"/>
         <c:overlap val="-25"/>
-        <c:axId val="47618304"/>
-        <c:axId val="47644672"/>
+        <c:axId val="36503552"/>
+        <c:axId val="36505088"/>
       </c:barChart>
       <c:catAx>
-        <c:axId val="47618304"/>
+        <c:axId val="36503552"/>
         <c:scaling>
           <c:orientation val="minMax"/>
         </c:scaling>
@@ -1752,7 +1752,7 @@
         <c:majorTickMark val="none"/>
         <c:minorTickMark val="none"/>
         <c:tickLblPos val="nextTo"/>
-        <c:crossAx val="47644672"/>
+        <c:crossAx val="36505088"/>
         <c:crosses val="autoZero"/>
         <c:auto val="1"/>
         <c:lblAlgn val="ctr"/>
@@ -1760,7 +1760,7 @@
         <c:noMultiLvlLbl val="0"/>
       </c:catAx>
       <c:valAx>
-        <c:axId val="47644672"/>
+        <c:axId val="36505088"/>
         <c:scaling>
           <c:orientation val="minMax"/>
         </c:scaling>
@@ -1800,7 +1800,7 @@
             <a:noFill/>
           </a:ln>
         </c:spPr>
-        <c:crossAx val="47618304"/>
+        <c:crossAx val="36503552"/>
         <c:crosses val="autoZero"/>
         <c:crossBetween val="between"/>
       </c:valAx>
@@ -1902,7 +1902,7 @@
           <a:p>
             <a:fld id="{70A2B3A7-E86D-4280-A4D7-511B8E83CF6B}" type="datetimeFigureOut">
               <a:rPr lang="pl-PL" smtClean="0"/>
-              <a:t>2013-10-27</a:t>
+              <a:t>2013-10-28</a:t>
             </a:fld>
             <a:endParaRPr lang="pl-PL"/>
           </a:p>
@@ -2608,7 +2608,25 @@
           <a:bodyPr/>
           <a:lstStyle/>
           <a:p>
-            <a:endParaRPr lang="pl-PL"/>
+            <a:r>
+              <a:rPr lang="pl-PL" dirty="0" smtClean="0"/>
+              <a:t>Chciałbym teraz dokonać krótkiego</a:t>
+            </a:r>
+            <a:r>
+              <a:rPr lang="pl-PL" baseline="0" dirty="0" smtClean="0"/>
+              <a:t> wprowadzenia do dziedziny problemowej.</a:t>
+            </a:r>
+          </a:p>
+          <a:p>
+            <a:r>
+              <a:rPr lang="pl-PL" baseline="0" dirty="0" smtClean="0"/>
+              <a:t>Nawigacja jest zagadnieniem związanym ze sztuczną inteligencją w </a:t>
+            </a:r>
+            <a:r>
+              <a:rPr lang="pl-PL" baseline="0" smtClean="0"/>
+              <a:t>grach komputerowych.</a:t>
+            </a:r>
+            <a:endParaRPr lang="pl-PL" dirty="0"/>
           </a:p>
         </p:txBody>
       </p:sp>
@@ -3365,7 +3383,7 @@
           <a:p>
             <a:fld id="{4321F2FE-F26E-4291-A147-8C4041B12D9E}" type="datetime1">
               <a:rPr lang="pl-PL" smtClean="0"/>
-              <a:t>2013-10-27</a:t>
+              <a:t>2013-10-28</a:t>
             </a:fld>
             <a:endParaRPr lang="pl-PL"/>
           </a:p>
@@ -3535,7 +3553,7 @@
           <a:p>
             <a:fld id="{83BF026A-E201-47E1-9A92-B814A9A3F327}" type="datetime1">
               <a:rPr lang="pl-PL" smtClean="0"/>
-              <a:t>2013-10-27</a:t>
+              <a:t>2013-10-28</a:t>
             </a:fld>
             <a:endParaRPr lang="pl-PL"/>
           </a:p>
@@ -3715,7 +3733,7 @@
           <a:p>
             <a:fld id="{2096C3FB-B571-473D-A281-D6B9468FAD42}" type="datetime1">
               <a:rPr lang="pl-PL" smtClean="0"/>
-              <a:t>2013-10-27</a:t>
+              <a:t>2013-10-28</a:t>
             </a:fld>
             <a:endParaRPr lang="pl-PL"/>
           </a:p>
@@ -3885,7 +3903,7 @@
           <a:p>
             <a:fld id="{44F5E471-05F4-4497-8EE2-CA2193B14556}" type="datetime1">
               <a:rPr lang="pl-PL" smtClean="0"/>
-              <a:t>2013-10-27</a:t>
+              <a:t>2013-10-28</a:t>
             </a:fld>
             <a:endParaRPr lang="pl-PL"/>
           </a:p>
@@ -4131,7 +4149,7 @@
           <a:p>
             <a:fld id="{2F0A57DC-CC62-46B3-AA63-1B42298A7AF5}" type="datetime1">
               <a:rPr lang="pl-PL" smtClean="0"/>
-              <a:t>2013-10-27</a:t>
+              <a:t>2013-10-28</a:t>
             </a:fld>
             <a:endParaRPr lang="pl-PL"/>
           </a:p>
@@ -4419,7 +4437,7 @@
           <a:p>
             <a:fld id="{9D09572B-077A-4BD2-9329-D2130395ECCA}" type="datetime1">
               <a:rPr lang="pl-PL" smtClean="0"/>
-              <a:t>2013-10-27</a:t>
+              <a:t>2013-10-28</a:t>
             </a:fld>
             <a:endParaRPr lang="pl-PL"/>
           </a:p>
@@ -4841,7 +4859,7 @@
           <a:p>
             <a:fld id="{DEC44E0D-317C-47FF-811D-ABFC76CA8076}" type="datetime1">
               <a:rPr lang="pl-PL" smtClean="0"/>
-              <a:t>2013-10-27</a:t>
+              <a:t>2013-10-28</a:t>
             </a:fld>
             <a:endParaRPr lang="pl-PL"/>
           </a:p>
@@ -4959,7 +4977,7 @@
           <a:p>
             <a:fld id="{B0C771A5-017A-43D3-B893-775F57D95F47}" type="datetime1">
               <a:rPr lang="pl-PL" smtClean="0"/>
-              <a:t>2013-10-27</a:t>
+              <a:t>2013-10-28</a:t>
             </a:fld>
             <a:endParaRPr lang="pl-PL"/>
           </a:p>
@@ -5054,7 +5072,7 @@
           <a:p>
             <a:fld id="{6BD0963F-9A63-403D-A804-3A0ED5F348B0}" type="datetime1">
               <a:rPr lang="pl-PL" smtClean="0"/>
-              <a:t>2013-10-27</a:t>
+              <a:t>2013-10-28</a:t>
             </a:fld>
             <a:endParaRPr lang="pl-PL"/>
           </a:p>
@@ -5331,7 +5349,7 @@
           <a:p>
             <a:fld id="{975ED237-9FC1-4E5C-946C-95A4C3DC1734}" type="datetime1">
               <a:rPr lang="pl-PL" smtClean="0"/>
-              <a:t>2013-10-27</a:t>
+              <a:t>2013-10-28</a:t>
             </a:fld>
             <a:endParaRPr lang="pl-PL"/>
           </a:p>
@@ -5584,7 +5602,7 @@
           <a:p>
             <a:fld id="{E40D8EE7-3B39-4567-8143-7507C31C3279}" type="datetime1">
               <a:rPr lang="pl-PL" smtClean="0"/>
-              <a:t>2013-10-27</a:t>
+              <a:t>2013-10-28</a:t>
             </a:fld>
             <a:endParaRPr lang="pl-PL"/>
           </a:p>
@@ -5797,7 +5815,7 @@
           <a:p>
             <a:fld id="{7608829D-31E7-4419-8C46-5689D5226F4A}" type="datetime1">
               <a:rPr lang="pl-PL" smtClean="0"/>
-              <a:t>2013-10-27</a:t>
+              <a:t>2013-10-28</a:t>
             </a:fld>
             <a:endParaRPr lang="pl-PL"/>
           </a:p>
@@ -6549,11 +6567,7 @@
           <a:p>
             <a:r>
               <a:rPr lang="pl-PL" dirty="0" smtClean="0"/>
-              <a:t>Cele </a:t>
-            </a:r>
-            <a:r>
-              <a:rPr lang="pl-PL" dirty="0" smtClean="0"/>
-              <a:t>pracy</a:t>
+              <a:t>Cele pracy</a:t>
             </a:r>
           </a:p>
           <a:p>
@@ -6561,7 +6575,6 @@
               <a:rPr lang="pl-PL" dirty="0" smtClean="0"/>
               <a:t>Wprowadzenie do dziedziny problemowej</a:t>
             </a:r>
-            <a:endParaRPr lang="pl-PL" dirty="0" smtClean="0"/>
           </a:p>
           <a:p>
             <a:r>
@@ -6831,11 +6844,7 @@
           <a:p>
             <a:r>
               <a:rPr lang="pl-PL" dirty="0" smtClean="0"/>
-              <a:t>Sztuczna inteligencja w grach </a:t>
-            </a:r>
-            <a:r>
-              <a:rPr lang="pl-PL" dirty="0" smtClean="0"/>
-              <a:t>komputerowych</a:t>
+              <a:t>Sztuczna inteligencja w grach komputerowych</a:t>
             </a:r>
           </a:p>
           <a:p>
@@ -6850,7 +6859,6 @@
               <a:rPr lang="pl-PL" dirty="0" smtClean="0"/>
               <a:t>Skierowany graf ważony</a:t>
             </a:r>
-            <a:endParaRPr lang="pl-PL" dirty="0" smtClean="0"/>
           </a:p>
           <a:p>
             <a:endParaRPr lang="pl-PL" dirty="0"/>

--- a/Nawigacja w grach komputerowych.pptx
+++ b/Nawigacja w grach komputerowych.pptx
@@ -5,7 +5,7 @@
     <p:sldMasterId id="2147483672" r:id="rId1"/>
   </p:sldMasterIdLst>
   <p:notesMasterIdLst>
-    <p:notesMasterId r:id="rId13"/>
+    <p:notesMasterId r:id="rId15"/>
   </p:notesMasterIdLst>
   <p:sldIdLst>
     <p:sldId id="256" r:id="rId2"/>
@@ -14,11 +14,13 @@
     <p:sldId id="268" r:id="rId5"/>
     <p:sldId id="259" r:id="rId6"/>
     <p:sldId id="264" r:id="rId7"/>
-    <p:sldId id="266" r:id="rId8"/>
-    <p:sldId id="267" r:id="rId9"/>
-    <p:sldId id="261" r:id="rId10"/>
-    <p:sldId id="262" r:id="rId11"/>
-    <p:sldId id="263" r:id="rId12"/>
+    <p:sldId id="269" r:id="rId8"/>
+    <p:sldId id="270" r:id="rId9"/>
+    <p:sldId id="266" r:id="rId10"/>
+    <p:sldId id="267" r:id="rId11"/>
+    <p:sldId id="261" r:id="rId12"/>
+    <p:sldId id="262" r:id="rId13"/>
+    <p:sldId id="263" r:id="rId14"/>
   </p:sldIdLst>
   <p:sldSz cx="9144000" cy="6858000" type="screen4x3"/>
   <p:notesSz cx="6858000" cy="9144000"/>
@@ -270,11 +272,11 @@
         </c:dLbls>
         <c:gapWidth val="75"/>
         <c:overlap val="-25"/>
-        <c:axId val="95481216"/>
-        <c:axId val="36312192"/>
+        <c:axId val="116714880"/>
+        <c:axId val="60232832"/>
       </c:barChart>
       <c:catAx>
-        <c:axId val="95481216"/>
+        <c:axId val="116714880"/>
         <c:scaling>
           <c:orientation val="minMax"/>
         </c:scaling>
@@ -283,7 +285,7 @@
         <c:majorTickMark val="none"/>
         <c:minorTickMark val="none"/>
         <c:tickLblPos val="nextTo"/>
-        <c:crossAx val="36312192"/>
+        <c:crossAx val="60232832"/>
         <c:crosses val="autoZero"/>
         <c:auto val="1"/>
         <c:lblAlgn val="ctr"/>
@@ -291,7 +293,7 @@
         <c:noMultiLvlLbl val="0"/>
       </c:catAx>
       <c:valAx>
-        <c:axId val="36312192"/>
+        <c:axId val="60232832"/>
         <c:scaling>
           <c:orientation val="minMax"/>
         </c:scaling>
@@ -331,7 +333,7 @@
             <a:noFill/>
           </a:ln>
         </c:spPr>
-        <c:crossAx val="95481216"/>
+        <c:crossAx val="116714880"/>
         <c:crosses val="autoZero"/>
         <c:crossBetween val="between"/>
       </c:valAx>
@@ -501,11 +503,11 @@
         </c:dLbls>
         <c:gapWidth val="75"/>
         <c:overlap val="-25"/>
-        <c:axId val="36342784"/>
-        <c:axId val="36344576"/>
+        <c:axId val="75664384"/>
+        <c:axId val="116826880"/>
       </c:barChart>
       <c:catAx>
-        <c:axId val="36342784"/>
+        <c:axId val="75664384"/>
         <c:scaling>
           <c:orientation val="minMax"/>
         </c:scaling>
@@ -514,7 +516,7 @@
         <c:majorTickMark val="none"/>
         <c:minorTickMark val="none"/>
         <c:tickLblPos val="nextTo"/>
-        <c:crossAx val="36344576"/>
+        <c:crossAx val="116826880"/>
         <c:crosses val="autoZero"/>
         <c:auto val="1"/>
         <c:lblAlgn val="ctr"/>
@@ -522,7 +524,7 @@
         <c:noMultiLvlLbl val="0"/>
       </c:catAx>
       <c:valAx>
-        <c:axId val="36344576"/>
+        <c:axId val="116826880"/>
         <c:scaling>
           <c:orientation val="minMax"/>
         </c:scaling>
@@ -557,7 +559,7 @@
             <a:noFill/>
           </a:ln>
         </c:spPr>
-        <c:crossAx val="36342784"/>
+        <c:crossAx val="75664384"/>
         <c:crosses val="autoZero"/>
         <c:crossBetween val="between"/>
       </c:valAx>
@@ -727,11 +729,11 @@
         </c:dLbls>
         <c:gapWidth val="75"/>
         <c:overlap val="-25"/>
-        <c:axId val="36645504"/>
-        <c:axId val="36655488"/>
+        <c:axId val="60299904"/>
+        <c:axId val="60309888"/>
       </c:barChart>
       <c:catAx>
-        <c:axId val="36645504"/>
+        <c:axId val="60299904"/>
         <c:scaling>
           <c:orientation val="minMax"/>
         </c:scaling>
@@ -740,7 +742,7 @@
         <c:majorTickMark val="none"/>
         <c:minorTickMark val="none"/>
         <c:tickLblPos val="nextTo"/>
-        <c:crossAx val="36655488"/>
+        <c:crossAx val="60309888"/>
         <c:crosses val="autoZero"/>
         <c:auto val="1"/>
         <c:lblAlgn val="ctr"/>
@@ -748,7 +750,7 @@
         <c:noMultiLvlLbl val="0"/>
       </c:catAx>
       <c:valAx>
-        <c:axId val="36655488"/>
+        <c:axId val="60309888"/>
         <c:scaling>
           <c:orientation val="minMax"/>
         </c:scaling>
@@ -783,7 +785,7 @@
             <a:noFill/>
           </a:ln>
         </c:spPr>
-        <c:crossAx val="36645504"/>
+        <c:crossAx val="60299904"/>
         <c:crosses val="autoZero"/>
         <c:crossBetween val="between"/>
       </c:valAx>
@@ -948,11 +950,11 @@
         </c:dLbls>
         <c:gapWidth val="75"/>
         <c:overlap val="-25"/>
-        <c:axId val="36677888"/>
-        <c:axId val="36679680"/>
+        <c:axId val="60332288"/>
+        <c:axId val="60334080"/>
       </c:barChart>
       <c:catAx>
-        <c:axId val="36677888"/>
+        <c:axId val="60332288"/>
         <c:scaling>
           <c:orientation val="minMax"/>
         </c:scaling>
@@ -961,7 +963,7 @@
         <c:majorTickMark val="none"/>
         <c:minorTickMark val="none"/>
         <c:tickLblPos val="nextTo"/>
-        <c:crossAx val="36679680"/>
+        <c:crossAx val="60334080"/>
         <c:crosses val="autoZero"/>
         <c:auto val="1"/>
         <c:lblAlgn val="ctr"/>
@@ -969,7 +971,7 @@
         <c:noMultiLvlLbl val="0"/>
       </c:catAx>
       <c:valAx>
-        <c:axId val="36679680"/>
+        <c:axId val="60334080"/>
         <c:scaling>
           <c:orientation val="minMax"/>
         </c:scaling>
@@ -1004,7 +1006,7 @@
             <a:noFill/>
           </a:ln>
         </c:spPr>
-        <c:crossAx val="36677888"/>
+        <c:crossAx val="60332288"/>
         <c:crosses val="autoZero"/>
         <c:crossBetween val="between"/>
       </c:valAx>
@@ -1143,11 +1145,11 @@
         </c:dLbls>
         <c:gapWidth val="75"/>
         <c:overlap val="-25"/>
-        <c:axId val="36699520"/>
-        <c:axId val="36414592"/>
+        <c:axId val="60353920"/>
+        <c:axId val="60400768"/>
       </c:barChart>
       <c:catAx>
-        <c:axId val="36699520"/>
+        <c:axId val="60353920"/>
         <c:scaling>
           <c:orientation val="minMax"/>
         </c:scaling>
@@ -1156,7 +1158,7 @@
         <c:majorTickMark val="none"/>
         <c:minorTickMark val="none"/>
         <c:tickLblPos val="nextTo"/>
-        <c:crossAx val="36414592"/>
+        <c:crossAx val="60400768"/>
         <c:crosses val="autoZero"/>
         <c:auto val="1"/>
         <c:lblAlgn val="ctr"/>
@@ -1164,7 +1166,7 @@
         <c:noMultiLvlLbl val="0"/>
       </c:catAx>
       <c:valAx>
-        <c:axId val="36414592"/>
+        <c:axId val="60400768"/>
         <c:scaling>
           <c:orientation val="minMax"/>
         </c:scaling>
@@ -1200,7 +1202,7 @@
             <a:noFill/>
           </a:ln>
         </c:spPr>
-        <c:crossAx val="36699520"/>
+        <c:crossAx val="60353920"/>
         <c:crosses val="autoZero"/>
         <c:crossBetween val="between"/>
       </c:valAx>
@@ -1339,11 +1341,11 @@
         </c:dLbls>
         <c:gapWidth val="75"/>
         <c:overlap val="-25"/>
-        <c:axId val="36432128"/>
-        <c:axId val="36438016"/>
+        <c:axId val="60418304"/>
+        <c:axId val="60424192"/>
       </c:barChart>
       <c:catAx>
-        <c:axId val="36432128"/>
+        <c:axId val="60418304"/>
         <c:scaling>
           <c:orientation val="minMax"/>
         </c:scaling>
@@ -1352,7 +1354,7 @@
         <c:majorTickMark val="none"/>
         <c:minorTickMark val="none"/>
         <c:tickLblPos val="nextTo"/>
-        <c:crossAx val="36438016"/>
+        <c:crossAx val="60424192"/>
         <c:crosses val="autoZero"/>
         <c:auto val="1"/>
         <c:lblAlgn val="ctr"/>
@@ -1360,7 +1362,7 @@
         <c:noMultiLvlLbl val="0"/>
       </c:catAx>
       <c:valAx>
-        <c:axId val="36438016"/>
+        <c:axId val="60424192"/>
         <c:scaling>
           <c:orientation val="minMax"/>
         </c:scaling>
@@ -1400,7 +1402,7 @@
             <a:noFill/>
           </a:ln>
         </c:spPr>
-        <c:crossAx val="36432128"/>
+        <c:crossAx val="60418304"/>
         <c:crosses val="autoZero"/>
         <c:crossBetween val="between"/>
       </c:valAx>
@@ -1539,11 +1541,11 @@
         </c:dLbls>
         <c:gapWidth val="75"/>
         <c:overlap val="-25"/>
-        <c:axId val="36467840"/>
-        <c:axId val="36469376"/>
+        <c:axId val="60454016"/>
+        <c:axId val="60455552"/>
       </c:barChart>
       <c:catAx>
-        <c:axId val="36467840"/>
+        <c:axId val="60454016"/>
         <c:scaling>
           <c:orientation val="minMax"/>
         </c:scaling>
@@ -1552,7 +1554,7 @@
         <c:majorTickMark val="none"/>
         <c:minorTickMark val="none"/>
         <c:tickLblPos val="nextTo"/>
-        <c:crossAx val="36469376"/>
+        <c:crossAx val="60455552"/>
         <c:crosses val="autoZero"/>
         <c:auto val="1"/>
         <c:lblAlgn val="ctr"/>
@@ -1560,7 +1562,7 @@
         <c:noMultiLvlLbl val="0"/>
       </c:catAx>
       <c:valAx>
-        <c:axId val="36469376"/>
+        <c:axId val="60455552"/>
         <c:scaling>
           <c:orientation val="minMax"/>
         </c:scaling>
@@ -1600,7 +1602,7 @@
             <a:noFill/>
           </a:ln>
         </c:spPr>
-        <c:crossAx val="36467840"/>
+        <c:crossAx val="60454016"/>
         <c:crosses val="autoZero"/>
         <c:crossBetween val="between"/>
       </c:valAx>
@@ -1739,11 +1741,11 @@
         </c:dLbls>
         <c:gapWidth val="75"/>
         <c:overlap val="-25"/>
-        <c:axId val="36503552"/>
-        <c:axId val="36505088"/>
+        <c:axId val="60489728"/>
+        <c:axId val="60491264"/>
       </c:barChart>
       <c:catAx>
-        <c:axId val="36503552"/>
+        <c:axId val="60489728"/>
         <c:scaling>
           <c:orientation val="minMax"/>
         </c:scaling>
@@ -1752,7 +1754,7 @@
         <c:majorTickMark val="none"/>
         <c:minorTickMark val="none"/>
         <c:tickLblPos val="nextTo"/>
-        <c:crossAx val="36505088"/>
+        <c:crossAx val="60491264"/>
         <c:crosses val="autoZero"/>
         <c:auto val="1"/>
         <c:lblAlgn val="ctr"/>
@@ -1760,7 +1762,7 @@
         <c:noMultiLvlLbl val="0"/>
       </c:catAx>
       <c:valAx>
-        <c:axId val="36505088"/>
+        <c:axId val="60491264"/>
         <c:scaling>
           <c:orientation val="minMax"/>
         </c:scaling>
@@ -1800,7 +1802,7 @@
             <a:noFill/>
           </a:ln>
         </c:spPr>
-        <c:crossAx val="36503552"/>
+        <c:crossAx val="60489728"/>
         <c:crosses val="autoZero"/>
         <c:crossBetween val="between"/>
       </c:valAx>
@@ -1902,7 +1904,7 @@
           <a:p>
             <a:fld id="{70A2B3A7-E86D-4280-A4D7-511B8E83CF6B}" type="datetimeFigureOut">
               <a:rPr lang="pl-PL" smtClean="0"/>
-              <a:t>2013-10-28</a:t>
+              <a:t>2013-11-03</a:t>
             </a:fld>
             <a:endParaRPr lang="pl-PL"/>
           </a:p>
@@ -2999,7 +3001,7 @@
           <a:p>
             <a:fld id="{C395EE7B-1B00-49A3-8F23-E06B3DFEBA65}" type="slidenum">
               <a:rPr lang="pl-PL" smtClean="0"/>
-              <a:t>7</a:t>
+              <a:t>9</a:t>
             </a:fld>
             <a:endParaRPr lang="pl-PL"/>
           </a:p>
@@ -3091,7 +3093,7 @@
           <a:p>
             <a:fld id="{C395EE7B-1B00-49A3-8F23-E06B3DFEBA65}" type="slidenum">
               <a:rPr lang="pl-PL" smtClean="0"/>
-              <a:t>8</a:t>
+              <a:t>10</a:t>
             </a:fld>
             <a:endParaRPr lang="pl-PL"/>
           </a:p>
@@ -3183,7 +3185,7 @@
           <a:p>
             <a:fld id="{C395EE7B-1B00-49A3-8F23-E06B3DFEBA65}" type="slidenum">
               <a:rPr lang="pl-PL" smtClean="0"/>
-              <a:t>9</a:t>
+              <a:t>11</a:t>
             </a:fld>
             <a:endParaRPr lang="pl-PL"/>
           </a:p>
@@ -3383,7 +3385,7 @@
           <a:p>
             <a:fld id="{4321F2FE-F26E-4291-A147-8C4041B12D9E}" type="datetime1">
               <a:rPr lang="pl-PL" smtClean="0"/>
-              <a:t>2013-10-28</a:t>
+              <a:t>2013-11-03</a:t>
             </a:fld>
             <a:endParaRPr lang="pl-PL"/>
           </a:p>
@@ -3553,7 +3555,7 @@
           <a:p>
             <a:fld id="{83BF026A-E201-47E1-9A92-B814A9A3F327}" type="datetime1">
               <a:rPr lang="pl-PL" smtClean="0"/>
-              <a:t>2013-10-28</a:t>
+              <a:t>2013-11-03</a:t>
             </a:fld>
             <a:endParaRPr lang="pl-PL"/>
           </a:p>
@@ -3733,7 +3735,7 @@
           <a:p>
             <a:fld id="{2096C3FB-B571-473D-A281-D6B9468FAD42}" type="datetime1">
               <a:rPr lang="pl-PL" smtClean="0"/>
-              <a:t>2013-10-28</a:t>
+              <a:t>2013-11-03</a:t>
             </a:fld>
             <a:endParaRPr lang="pl-PL"/>
           </a:p>
@@ -3903,7 +3905,7 @@
           <a:p>
             <a:fld id="{44F5E471-05F4-4497-8EE2-CA2193B14556}" type="datetime1">
               <a:rPr lang="pl-PL" smtClean="0"/>
-              <a:t>2013-10-28</a:t>
+              <a:t>2013-11-03</a:t>
             </a:fld>
             <a:endParaRPr lang="pl-PL"/>
           </a:p>
@@ -4149,7 +4151,7 @@
           <a:p>
             <a:fld id="{2F0A57DC-CC62-46B3-AA63-1B42298A7AF5}" type="datetime1">
               <a:rPr lang="pl-PL" smtClean="0"/>
-              <a:t>2013-10-28</a:t>
+              <a:t>2013-11-03</a:t>
             </a:fld>
             <a:endParaRPr lang="pl-PL"/>
           </a:p>
@@ -4437,7 +4439,7 @@
           <a:p>
             <a:fld id="{9D09572B-077A-4BD2-9329-D2130395ECCA}" type="datetime1">
               <a:rPr lang="pl-PL" smtClean="0"/>
-              <a:t>2013-10-28</a:t>
+              <a:t>2013-11-03</a:t>
             </a:fld>
             <a:endParaRPr lang="pl-PL"/>
           </a:p>
@@ -4859,7 +4861,7 @@
           <a:p>
             <a:fld id="{DEC44E0D-317C-47FF-811D-ABFC76CA8076}" type="datetime1">
               <a:rPr lang="pl-PL" smtClean="0"/>
-              <a:t>2013-10-28</a:t>
+              <a:t>2013-11-03</a:t>
             </a:fld>
             <a:endParaRPr lang="pl-PL"/>
           </a:p>
@@ -4977,7 +4979,7 @@
           <a:p>
             <a:fld id="{B0C771A5-017A-43D3-B893-775F57D95F47}" type="datetime1">
               <a:rPr lang="pl-PL" smtClean="0"/>
-              <a:t>2013-10-28</a:t>
+              <a:t>2013-11-03</a:t>
             </a:fld>
             <a:endParaRPr lang="pl-PL"/>
           </a:p>
@@ -5072,7 +5074,7 @@
           <a:p>
             <a:fld id="{6BD0963F-9A63-403D-A804-3A0ED5F348B0}" type="datetime1">
               <a:rPr lang="pl-PL" smtClean="0"/>
-              <a:t>2013-10-28</a:t>
+              <a:t>2013-11-03</a:t>
             </a:fld>
             <a:endParaRPr lang="pl-PL"/>
           </a:p>
@@ -5349,7 +5351,7 @@
           <a:p>
             <a:fld id="{975ED237-9FC1-4E5C-946C-95A4C3DC1734}" type="datetime1">
               <a:rPr lang="pl-PL" smtClean="0"/>
-              <a:t>2013-10-28</a:t>
+              <a:t>2013-11-03</a:t>
             </a:fld>
             <a:endParaRPr lang="pl-PL"/>
           </a:p>
@@ -5602,7 +5604,7 @@
           <a:p>
             <a:fld id="{E40D8EE7-3B39-4567-8143-7507C31C3279}" type="datetime1">
               <a:rPr lang="pl-PL" smtClean="0"/>
-              <a:t>2013-10-28</a:t>
+              <a:t>2013-11-03</a:t>
             </a:fld>
             <a:endParaRPr lang="pl-PL"/>
           </a:p>
@@ -5815,7 +5817,7 @@
           <a:p>
             <a:fld id="{7608829D-31E7-4419-8C46-5689D5226F4A}" type="datetime1">
               <a:rPr lang="pl-PL" smtClean="0"/>
-              <a:t>2013-10-28</a:t>
+              <a:t>2013-11-03</a:t>
             </a:fld>
             <a:endParaRPr lang="pl-PL"/>
           </a:p>
@@ -6320,68 +6322,111 @@
           <a:p>
             <a:r>
               <a:rPr lang="pl-PL" dirty="0" smtClean="0"/>
-              <a:t>Podsumowanie</a:t>
+              <a:t>Wyniki badań heurystyk A*</a:t>
             </a:r>
             <a:endParaRPr lang="pl-PL" dirty="0"/>
           </a:p>
         </p:txBody>
       </p:sp>
-      <p:sp>
-        <p:nvSpPr>
-          <p:cNvPr id="3" name="Symbol zastępczy zawartości 2"/>
-          <p:cNvSpPr>
-            <a:spLocks noGrp="1"/>
-          </p:cNvSpPr>
-          <p:nvPr>
-            <p:ph idx="1"/>
-          </p:nvPr>
-        </p:nvSpPr>
-        <p:spPr/>
-        <p:txBody>
-          <a:bodyPr/>
-          <a:lstStyle/>
-          <a:p>
-            <a:r>
-              <a:rPr lang="pl-PL" dirty="0" smtClean="0"/>
-              <a:t>Analiza technik nawigacji</a:t>
-            </a:r>
-          </a:p>
-          <a:p>
-            <a:r>
-              <a:rPr lang="pl-PL" dirty="0" smtClean="0"/>
-              <a:t>Środowisko testowe</a:t>
-            </a:r>
-          </a:p>
-          <a:p>
-            <a:r>
-              <a:rPr lang="pl-PL" dirty="0" smtClean="0"/>
-              <a:t>Wpływ funkcji heurystycznej oraz struktury środowiska gry</a:t>
-            </a:r>
-          </a:p>
-          <a:p>
-            <a:r>
-              <a:rPr lang="pl-PL" dirty="0" smtClean="0"/>
-              <a:t>Algorytm </a:t>
-            </a:r>
-            <a:r>
-              <a:rPr lang="pl-PL" dirty="0" err="1" smtClean="0"/>
-              <a:t>Jump</a:t>
-            </a:r>
-            <a:r>
-              <a:rPr lang="pl-PL" dirty="0" smtClean="0"/>
-              <a:t> Point </a:t>
-            </a:r>
-            <a:r>
-              <a:rPr lang="pl-PL" dirty="0" err="1" smtClean="0"/>
-              <a:t>Search</a:t>
-            </a:r>
-            <a:endParaRPr lang="pl-PL" dirty="0"/>
-          </a:p>
-        </p:txBody>
-      </p:sp>
-      <p:sp>
-        <p:nvSpPr>
-          <p:cNvPr id="5" name="Symbol zastępczy numeru slajdu 4"/>
+      <p:graphicFrame>
+        <p:nvGraphicFramePr>
+          <p:cNvPr id="9" name="Wykres 8"/>
+          <p:cNvGraphicFramePr>
+            <a:graphicFrameLocks/>
+          </p:cNvGraphicFramePr>
+          <p:nvPr>
+            <p:extLst>
+              <p:ext uri="{D42A27DB-BD31-4B8C-83A1-F6EECF244321}">
+                <p14:modId xmlns:p14="http://schemas.microsoft.com/office/powerpoint/2010/main" val="4244968863"/>
+              </p:ext>
+            </p:extLst>
+          </p:nvPr>
+        </p:nvGraphicFramePr>
+        <p:xfrm>
+          <a:off x="0" y="4104572"/>
+          <a:ext cx="4572000" cy="2743200"/>
+        </p:xfrm>
+        <a:graphic>
+          <a:graphicData uri="http://schemas.openxmlformats.org/drawingml/2006/chart">
+            <c:chart xmlns:c="http://schemas.openxmlformats.org/drawingml/2006/chart" xmlns:r="http://schemas.openxmlformats.org/officeDocument/2006/relationships" r:id="rId3"/>
+          </a:graphicData>
+        </a:graphic>
+      </p:graphicFrame>
+      <p:graphicFrame>
+        <p:nvGraphicFramePr>
+          <p:cNvPr id="11" name="Wykres 10"/>
+          <p:cNvGraphicFramePr>
+            <a:graphicFrameLocks/>
+          </p:cNvGraphicFramePr>
+          <p:nvPr>
+            <p:extLst>
+              <p:ext uri="{D42A27DB-BD31-4B8C-83A1-F6EECF244321}">
+                <p14:modId xmlns:p14="http://schemas.microsoft.com/office/powerpoint/2010/main" val="3592384089"/>
+              </p:ext>
+            </p:extLst>
+          </p:nvPr>
+        </p:nvGraphicFramePr>
+        <p:xfrm>
+          <a:off x="4572000" y="4114800"/>
+          <a:ext cx="4572000" cy="2743200"/>
+        </p:xfrm>
+        <a:graphic>
+          <a:graphicData uri="http://schemas.openxmlformats.org/drawingml/2006/chart">
+            <c:chart xmlns:c="http://schemas.openxmlformats.org/drawingml/2006/chart" xmlns:r="http://schemas.openxmlformats.org/officeDocument/2006/relationships" r:id="rId4"/>
+          </a:graphicData>
+        </a:graphic>
+      </p:graphicFrame>
+      <p:graphicFrame>
+        <p:nvGraphicFramePr>
+          <p:cNvPr id="13" name="Wykres 12"/>
+          <p:cNvGraphicFramePr>
+            <a:graphicFrameLocks/>
+          </p:cNvGraphicFramePr>
+          <p:nvPr>
+            <p:extLst>
+              <p:ext uri="{D42A27DB-BD31-4B8C-83A1-F6EECF244321}">
+                <p14:modId xmlns:p14="http://schemas.microsoft.com/office/powerpoint/2010/main" val="4069650942"/>
+              </p:ext>
+            </p:extLst>
+          </p:nvPr>
+        </p:nvGraphicFramePr>
+        <p:xfrm>
+          <a:off x="4572000" y="1124744"/>
+          <a:ext cx="4572000" cy="2743200"/>
+        </p:xfrm>
+        <a:graphic>
+          <a:graphicData uri="http://schemas.openxmlformats.org/drawingml/2006/chart">
+            <c:chart xmlns:c="http://schemas.openxmlformats.org/drawingml/2006/chart" xmlns:r="http://schemas.openxmlformats.org/officeDocument/2006/relationships" r:id="rId5"/>
+          </a:graphicData>
+        </a:graphic>
+      </p:graphicFrame>
+      <p:graphicFrame>
+        <p:nvGraphicFramePr>
+          <p:cNvPr id="14" name="Wykres 13"/>
+          <p:cNvGraphicFramePr>
+            <a:graphicFrameLocks/>
+          </p:cNvGraphicFramePr>
+          <p:nvPr>
+            <p:extLst>
+              <p:ext uri="{D42A27DB-BD31-4B8C-83A1-F6EECF244321}">
+                <p14:modId xmlns:p14="http://schemas.microsoft.com/office/powerpoint/2010/main" val="3647985537"/>
+              </p:ext>
+            </p:extLst>
+          </p:nvPr>
+        </p:nvGraphicFramePr>
+        <p:xfrm>
+          <a:off x="0" y="1124744"/>
+          <a:ext cx="4572000" cy="2743200"/>
+        </p:xfrm>
+        <a:graphic>
+          <a:graphicData uri="http://schemas.openxmlformats.org/drawingml/2006/chart">
+            <c:chart xmlns:c="http://schemas.openxmlformats.org/drawingml/2006/chart" xmlns:r="http://schemas.openxmlformats.org/officeDocument/2006/relationships" r:id="rId6"/>
+          </a:graphicData>
+        </a:graphic>
+      </p:graphicFrame>
+      <p:sp>
+        <p:nvSpPr>
+          <p:cNvPr id="4" name="Symbol zastępczy numeru slajdu 3"/>
           <p:cNvSpPr>
             <a:spLocks noGrp="1"/>
           </p:cNvSpPr>
@@ -6405,13 +6450,20 @@
     </p:spTree>
     <p:extLst>
       <p:ext uri="{BB962C8B-B14F-4D97-AF65-F5344CB8AC3E}">
-        <p14:creationId xmlns:p14="http://schemas.microsoft.com/office/powerpoint/2010/main" val="822264901"/>
+        <p14:creationId xmlns:p14="http://schemas.microsoft.com/office/powerpoint/2010/main" val="1253170884"/>
       </p:ext>
     </p:extLst>
   </p:cSld>
   <p:clrMapOvr>
     <a:masterClrMapping/>
   </p:clrMapOvr>
+  <p:timing>
+    <p:tnLst>
+      <p:par>
+        <p:cTn id="1" dur="indefinite" restart="never" nodeType="tmRoot"/>
+      </p:par>
+    </p:tnLst>
+  </p:timing>
 </p:sld>
 </file>
 
@@ -6449,6 +6501,322 @@
           <a:p>
             <a:r>
               <a:rPr lang="pl-PL" dirty="0" smtClean="0"/>
+              <a:t>Wyniki badań – JPS i A*</a:t>
+            </a:r>
+            <a:endParaRPr lang="pl-PL" dirty="0"/>
+          </a:p>
+        </p:txBody>
+      </p:sp>
+      <p:graphicFrame>
+        <p:nvGraphicFramePr>
+          <p:cNvPr id="4" name="Symbol zastępczy zawartości 3" title="Środowisko 1"/>
+          <p:cNvGraphicFramePr>
+            <a:graphicFrameLocks noGrp="1"/>
+          </p:cNvGraphicFramePr>
+          <p:nvPr>
+            <p:ph idx="1"/>
+            <p:extLst>
+              <p:ext uri="{D42A27DB-BD31-4B8C-83A1-F6EECF244321}">
+                <p14:modId xmlns:p14="http://schemas.microsoft.com/office/powerpoint/2010/main" val="3551610229"/>
+              </p:ext>
+            </p:extLst>
+          </p:nvPr>
+        </p:nvGraphicFramePr>
+        <p:xfrm>
+          <a:off x="107504" y="1052736"/>
+          <a:ext cx="4032448" cy="2808312"/>
+        </p:xfrm>
+        <a:graphic>
+          <a:graphicData uri="http://schemas.openxmlformats.org/drawingml/2006/chart">
+            <c:chart xmlns:c="http://schemas.openxmlformats.org/drawingml/2006/chart" xmlns:r="http://schemas.openxmlformats.org/officeDocument/2006/relationships" r:id="rId3"/>
+          </a:graphicData>
+        </a:graphic>
+      </p:graphicFrame>
+      <p:graphicFrame>
+        <p:nvGraphicFramePr>
+          <p:cNvPr id="5" name="Wykres 4"/>
+          <p:cNvGraphicFramePr>
+            <a:graphicFrameLocks/>
+          </p:cNvGraphicFramePr>
+          <p:nvPr>
+            <p:extLst>
+              <p:ext uri="{D42A27DB-BD31-4B8C-83A1-F6EECF244321}">
+                <p14:modId xmlns:p14="http://schemas.microsoft.com/office/powerpoint/2010/main" val="2223762198"/>
+              </p:ext>
+            </p:extLst>
+          </p:nvPr>
+        </p:nvGraphicFramePr>
+        <p:xfrm>
+          <a:off x="4932040" y="1052736"/>
+          <a:ext cx="3888432" cy="2880320"/>
+        </p:xfrm>
+        <a:graphic>
+          <a:graphicData uri="http://schemas.openxmlformats.org/drawingml/2006/chart">
+            <c:chart xmlns:c="http://schemas.openxmlformats.org/drawingml/2006/chart" xmlns:r="http://schemas.openxmlformats.org/officeDocument/2006/relationships" r:id="rId4"/>
+          </a:graphicData>
+        </a:graphic>
+      </p:graphicFrame>
+      <p:graphicFrame>
+        <p:nvGraphicFramePr>
+          <p:cNvPr id="6" name="Wykres 5"/>
+          <p:cNvGraphicFramePr>
+            <a:graphicFrameLocks/>
+          </p:cNvGraphicFramePr>
+          <p:nvPr>
+            <p:extLst>
+              <p:ext uri="{D42A27DB-BD31-4B8C-83A1-F6EECF244321}">
+                <p14:modId xmlns:p14="http://schemas.microsoft.com/office/powerpoint/2010/main" val="3447311951"/>
+              </p:ext>
+            </p:extLst>
+          </p:nvPr>
+        </p:nvGraphicFramePr>
+        <p:xfrm>
+          <a:off x="251520" y="3789040"/>
+          <a:ext cx="3960440" cy="2736304"/>
+        </p:xfrm>
+        <a:graphic>
+          <a:graphicData uri="http://schemas.openxmlformats.org/drawingml/2006/chart">
+            <c:chart xmlns:c="http://schemas.openxmlformats.org/drawingml/2006/chart" xmlns:r="http://schemas.openxmlformats.org/officeDocument/2006/relationships" r:id="rId5"/>
+          </a:graphicData>
+        </a:graphic>
+      </p:graphicFrame>
+      <p:graphicFrame>
+        <p:nvGraphicFramePr>
+          <p:cNvPr id="7" name="Wykres 6"/>
+          <p:cNvGraphicFramePr>
+            <a:graphicFrameLocks/>
+          </p:cNvGraphicFramePr>
+          <p:nvPr>
+            <p:extLst>
+              <p:ext uri="{D42A27DB-BD31-4B8C-83A1-F6EECF244321}">
+                <p14:modId xmlns:p14="http://schemas.microsoft.com/office/powerpoint/2010/main" val="876348627"/>
+              </p:ext>
+            </p:extLst>
+          </p:nvPr>
+        </p:nvGraphicFramePr>
+        <p:xfrm>
+          <a:off x="4860032" y="3789040"/>
+          <a:ext cx="4032448" cy="2880320"/>
+        </p:xfrm>
+        <a:graphic>
+          <a:graphicData uri="http://schemas.openxmlformats.org/drawingml/2006/chart">
+            <c:chart xmlns:c="http://schemas.openxmlformats.org/drawingml/2006/chart" xmlns:r="http://schemas.openxmlformats.org/officeDocument/2006/relationships" r:id="rId6"/>
+          </a:graphicData>
+        </a:graphic>
+      </p:graphicFrame>
+      <p:sp>
+        <p:nvSpPr>
+          <p:cNvPr id="8" name="Symbol zastępczy numeru slajdu 7"/>
+          <p:cNvSpPr>
+            <a:spLocks noGrp="1"/>
+          </p:cNvSpPr>
+          <p:nvPr>
+            <p:ph type="sldNum" sz="quarter" idx="12"/>
+          </p:nvPr>
+        </p:nvSpPr>
+        <p:spPr/>
+        <p:txBody>
+          <a:bodyPr/>
+          <a:lstStyle/>
+          <a:p>
+            <a:fld id="{B517628F-ACB5-4BC7-8D24-28F138F96C11}" type="slidenum">
+              <a:rPr lang="pl-PL" smtClean="0"/>
+              <a:t>11</a:t>
+            </a:fld>
+            <a:endParaRPr lang="pl-PL"/>
+          </a:p>
+        </p:txBody>
+      </p:sp>
+    </p:spTree>
+    <p:extLst>
+      <p:ext uri="{BB962C8B-B14F-4D97-AF65-F5344CB8AC3E}">
+        <p14:creationId xmlns:p14="http://schemas.microsoft.com/office/powerpoint/2010/main" val="322823227"/>
+      </p:ext>
+    </p:extLst>
+  </p:cSld>
+  <p:clrMapOvr>
+    <a:masterClrMapping/>
+  </p:clrMapOvr>
+  <p:timing>
+    <p:tnLst>
+      <p:par>
+        <p:cTn id="1" dur="indefinite" restart="never" nodeType="tmRoot"/>
+      </p:par>
+    </p:tnLst>
+  </p:timing>
+</p:sld>
+</file>
+
+<file path=ppt/slides/slide12.xml><?xml version="1.0" encoding="utf-8"?>
+<p:sld xmlns:a="http://schemas.openxmlformats.org/drawingml/2006/main" xmlns:r="http://schemas.openxmlformats.org/officeDocument/2006/relationships" xmlns:p="http://schemas.openxmlformats.org/presentationml/2006/main">
+  <p:cSld>
+    <p:spTree>
+      <p:nvGrpSpPr>
+        <p:cNvPr id="1" name=""/>
+        <p:cNvGrpSpPr/>
+        <p:nvPr/>
+      </p:nvGrpSpPr>
+      <p:grpSpPr>
+        <a:xfrm>
+          <a:off x="0" y="0"/>
+          <a:ext cx="0" cy="0"/>
+          <a:chOff x="0" y="0"/>
+          <a:chExt cx="0" cy="0"/>
+        </a:xfrm>
+      </p:grpSpPr>
+      <p:sp>
+        <p:nvSpPr>
+          <p:cNvPr id="2" name="Tytuł 1"/>
+          <p:cNvSpPr>
+            <a:spLocks noGrp="1"/>
+          </p:cNvSpPr>
+          <p:nvPr>
+            <p:ph type="title"/>
+          </p:nvPr>
+        </p:nvSpPr>
+        <p:spPr/>
+        <p:txBody>
+          <a:bodyPr/>
+          <a:lstStyle/>
+          <a:p>
+            <a:r>
+              <a:rPr lang="pl-PL" dirty="0" smtClean="0"/>
+              <a:t>Podsumowanie</a:t>
+            </a:r>
+            <a:endParaRPr lang="pl-PL" dirty="0"/>
+          </a:p>
+        </p:txBody>
+      </p:sp>
+      <p:sp>
+        <p:nvSpPr>
+          <p:cNvPr id="3" name="Symbol zastępczy zawartości 2"/>
+          <p:cNvSpPr>
+            <a:spLocks noGrp="1"/>
+          </p:cNvSpPr>
+          <p:nvPr>
+            <p:ph idx="1"/>
+          </p:nvPr>
+        </p:nvSpPr>
+        <p:spPr/>
+        <p:txBody>
+          <a:bodyPr/>
+          <a:lstStyle/>
+          <a:p>
+            <a:r>
+              <a:rPr lang="pl-PL" dirty="0" smtClean="0"/>
+              <a:t>Analiza technik nawigacji</a:t>
+            </a:r>
+          </a:p>
+          <a:p>
+            <a:r>
+              <a:rPr lang="pl-PL" dirty="0" smtClean="0"/>
+              <a:t>Środowisko testowe</a:t>
+            </a:r>
+          </a:p>
+          <a:p>
+            <a:r>
+              <a:rPr lang="pl-PL" dirty="0" smtClean="0"/>
+              <a:t>Wpływ funkcji heurystycznej oraz struktury środowiska gry</a:t>
+            </a:r>
+          </a:p>
+          <a:p>
+            <a:r>
+              <a:rPr lang="pl-PL" dirty="0" smtClean="0"/>
+              <a:t>Algorytm </a:t>
+            </a:r>
+            <a:r>
+              <a:rPr lang="pl-PL" dirty="0" err="1" smtClean="0"/>
+              <a:t>Jump</a:t>
+            </a:r>
+            <a:r>
+              <a:rPr lang="pl-PL" dirty="0" smtClean="0"/>
+              <a:t> Point </a:t>
+            </a:r>
+            <a:r>
+              <a:rPr lang="pl-PL" dirty="0" err="1" smtClean="0"/>
+              <a:t>Search</a:t>
+            </a:r>
+            <a:endParaRPr lang="pl-PL" dirty="0"/>
+          </a:p>
+        </p:txBody>
+      </p:sp>
+      <p:sp>
+        <p:nvSpPr>
+          <p:cNvPr id="5" name="Symbol zastępczy numeru slajdu 4"/>
+          <p:cNvSpPr>
+            <a:spLocks noGrp="1"/>
+          </p:cNvSpPr>
+          <p:nvPr>
+            <p:ph type="sldNum" sz="quarter" idx="12"/>
+          </p:nvPr>
+        </p:nvSpPr>
+        <p:spPr/>
+        <p:txBody>
+          <a:bodyPr/>
+          <a:lstStyle/>
+          <a:p>
+            <a:fld id="{B517628F-ACB5-4BC7-8D24-28F138F96C11}" type="slidenum">
+              <a:rPr lang="pl-PL" smtClean="0"/>
+              <a:t>12</a:t>
+            </a:fld>
+            <a:endParaRPr lang="pl-PL"/>
+          </a:p>
+        </p:txBody>
+      </p:sp>
+    </p:spTree>
+    <p:extLst>
+      <p:ext uri="{BB962C8B-B14F-4D97-AF65-F5344CB8AC3E}">
+        <p14:creationId xmlns:p14="http://schemas.microsoft.com/office/powerpoint/2010/main" val="822264901"/>
+      </p:ext>
+    </p:extLst>
+  </p:cSld>
+  <p:clrMapOvr>
+    <a:masterClrMapping/>
+  </p:clrMapOvr>
+  <p:timing>
+    <p:tnLst>
+      <p:par>
+        <p:cTn id="1" dur="indefinite" restart="never" nodeType="tmRoot"/>
+      </p:par>
+    </p:tnLst>
+  </p:timing>
+</p:sld>
+</file>
+
+<file path=ppt/slides/slide13.xml><?xml version="1.0" encoding="utf-8"?>
+<p:sld xmlns:a="http://schemas.openxmlformats.org/drawingml/2006/main" xmlns:r="http://schemas.openxmlformats.org/officeDocument/2006/relationships" xmlns:p="http://schemas.openxmlformats.org/presentationml/2006/main">
+  <p:cSld>
+    <p:spTree>
+      <p:nvGrpSpPr>
+        <p:cNvPr id="1" name=""/>
+        <p:cNvGrpSpPr/>
+        <p:nvPr/>
+      </p:nvGrpSpPr>
+      <p:grpSpPr>
+        <a:xfrm>
+          <a:off x="0" y="0"/>
+          <a:ext cx="0" cy="0"/>
+          <a:chOff x="0" y="0"/>
+          <a:chExt cx="0" cy="0"/>
+        </a:xfrm>
+      </p:grpSpPr>
+      <p:sp>
+        <p:nvSpPr>
+          <p:cNvPr id="2" name="Tytuł 1"/>
+          <p:cNvSpPr>
+            <a:spLocks noGrp="1"/>
+          </p:cNvSpPr>
+          <p:nvPr>
+            <p:ph type="title"/>
+          </p:nvPr>
+        </p:nvSpPr>
+        <p:spPr/>
+        <p:txBody>
+          <a:bodyPr/>
+          <a:lstStyle/>
+          <a:p>
+            <a:r>
+              <a:rPr lang="pl-PL" dirty="0" smtClean="0"/>
               <a:t>Dziękuje za uwagę</a:t>
             </a:r>
             <a:endParaRPr lang="pl-PL" dirty="0"/>
@@ -6491,7 +6859,7 @@
           <a:p>
             <a:fld id="{B517628F-ACB5-4BC7-8D24-28F138F96C11}" type="slidenum">
               <a:rPr lang="pl-PL" smtClean="0"/>
-              <a:t>11</a:t>
+              <a:t>13</a:t>
             </a:fld>
             <a:endParaRPr lang="pl-PL"/>
           </a:p>
@@ -6507,6 +6875,13 @@
   <p:clrMapOvr>
     <a:masterClrMapping/>
   </p:clrMapOvr>
+  <p:timing>
+    <p:tnLst>
+      <p:par>
+        <p:cTn id="1" dur="indefinite" restart="never" nodeType="tmRoot"/>
+      </p:par>
+    </p:tnLst>
+  </p:timing>
 </p:sld>
 </file>
 
@@ -6844,8 +7219,27 @@
           <a:p>
             <a:r>
               <a:rPr lang="pl-PL" dirty="0" smtClean="0"/>
-              <a:t>Sztuczna inteligencja w grach komputerowych</a:t>
-            </a:r>
+              <a:t>Sztuczna inteligencja w grach </a:t>
+            </a:r>
+            <a:r>
+              <a:rPr lang="pl-PL" dirty="0" smtClean="0"/>
+              <a:t>komputerowych</a:t>
+            </a:r>
+          </a:p>
+          <a:p>
+            <a:pPr lvl="1"/>
+            <a:r>
+              <a:rPr lang="pl-PL" dirty="0" smtClean="0"/>
+              <a:t>Środowisko gry</a:t>
+            </a:r>
+          </a:p>
+          <a:p>
+            <a:pPr lvl="1"/>
+            <a:r>
+              <a:rPr lang="pl-PL" dirty="0" smtClean="0"/>
+              <a:t>Agent </a:t>
+            </a:r>
+            <a:endParaRPr lang="pl-PL" dirty="0" smtClean="0"/>
           </a:p>
           <a:p>
             <a:r>
@@ -7065,6 +7459,60 @@
           </a:p>
         </p:txBody>
       </p:sp>
+      <p:pic>
+        <p:nvPicPr>
+          <p:cNvPr id="6" name="Picture 2"/>
+          <p:cNvPicPr>
+            <a:picLocks noChangeAspect="1" noChangeArrowheads="1"/>
+          </p:cNvPicPr>
+          <p:nvPr/>
+        </p:nvPicPr>
+        <p:blipFill>
+          <a:blip r:embed="rId3">
+            <a:extLst>
+              <a:ext uri="{28A0092B-C50C-407E-A947-70E740481C1C}">
+                <a14:useLocalDpi xmlns:a14="http://schemas.microsoft.com/office/drawing/2010/main" val="0"/>
+              </a:ext>
+            </a:extLst>
+          </a:blip>
+          <a:srcRect/>
+          <a:stretch>
+            <a:fillRect/>
+          </a:stretch>
+        </p:blipFill>
+        <p:spPr bwMode="auto">
+          <a:xfrm>
+            <a:off x="5436096" y="1556792"/>
+            <a:ext cx="3048000" cy="3048000"/>
+          </a:xfrm>
+          <a:prstGeom prst="rect">
+            <a:avLst/>
+          </a:prstGeom>
+          <a:noFill/>
+          <a:ln>
+            <a:noFill/>
+          </a:ln>
+          <a:extLst>
+            <a:ext uri="{909E8E84-426E-40DD-AFC4-6F175D3DCCD1}">
+              <a14:hiddenFill xmlns:a14="http://schemas.microsoft.com/office/drawing/2010/main">
+                <a:solidFill>
+                  <a:schemeClr val="accent1"/>
+                </a:solidFill>
+              </a14:hiddenFill>
+            </a:ext>
+            <a:ext uri="{91240B29-F687-4F45-9708-019B960494DF}">
+              <a14:hiddenLine xmlns:a14="http://schemas.microsoft.com/office/drawing/2010/main" w="9525">
+                <a:solidFill>
+                  <a:schemeClr val="tx1"/>
+                </a:solidFill>
+                <a:miter lim="800000"/>
+                <a:headEnd/>
+                <a:tailEnd/>
+              </a14:hiddenLine>
+            </a:ext>
+          </a:extLst>
+        </p:spPr>
+      </p:pic>
     </p:spTree>
     <p:extLst>
       <p:ext uri="{BB962C8B-B14F-4D97-AF65-F5344CB8AC3E}">
@@ -7138,7 +7586,7 @@
         <p:spPr/>
         <p:txBody>
           <a:bodyPr>
-            <a:normAutofit lnSpcReduction="10000"/>
+            <a:normAutofit/>
           </a:bodyPr>
           <a:lstStyle/>
           <a:p>
@@ -7165,50 +7613,47 @@
             <a:pPr lvl="2"/>
             <a:r>
               <a:rPr lang="pl-PL" dirty="0" smtClean="0"/>
-              <a:t>Modele agenta komputerowego</a:t>
-            </a:r>
+              <a:t>Modele agenta </a:t>
+            </a:r>
+            <a:r>
+              <a:rPr lang="pl-PL" dirty="0" smtClean="0"/>
+              <a:t>komputerowego</a:t>
+            </a:r>
+          </a:p>
+          <a:p>
+            <a:pPr lvl="1"/>
+            <a:r>
+              <a:rPr lang="pl-PL" dirty="0" smtClean="0"/>
+              <a:t>Plan eksperymentów</a:t>
+            </a:r>
+          </a:p>
+          <a:p>
+            <a:pPr lvl="2"/>
+            <a:r>
+              <a:rPr lang="pl-PL" dirty="0" smtClean="0"/>
+              <a:t>Heurystyki (A*)</a:t>
+            </a:r>
+          </a:p>
+          <a:p>
+            <a:pPr lvl="2"/>
+            <a:r>
+              <a:rPr lang="pl-PL" dirty="0" smtClean="0"/>
+              <a:t>A* i JPS</a:t>
+            </a:r>
+          </a:p>
+          <a:p>
+            <a:pPr lvl="2"/>
+            <a:endParaRPr lang="pl-PL" dirty="0" smtClean="0"/>
+          </a:p>
+          <a:p>
+            <a:pPr lvl="2"/>
+            <a:endParaRPr lang="pl-PL" dirty="0" smtClean="0"/>
           </a:p>
           <a:p>
             <a:pPr marL="457200" lvl="1" indent="0">
               <a:buNone/>
             </a:pPr>
             <a:endParaRPr lang="pl-PL" dirty="0" smtClean="0"/>
-          </a:p>
-          <a:p>
-            <a:r>
-              <a:rPr lang="pl-PL" dirty="0" smtClean="0"/>
-              <a:t>Narzędzia</a:t>
-            </a:r>
-          </a:p>
-          <a:p>
-            <a:pPr lvl="1"/>
-            <a:r>
-              <a:rPr lang="pl-PL" dirty="0" err="1" smtClean="0"/>
-              <a:t>Blender</a:t>
-            </a:r>
-            <a:endParaRPr lang="pl-PL" dirty="0" smtClean="0"/>
-          </a:p>
-          <a:p>
-            <a:pPr lvl="1"/>
-            <a:r>
-              <a:rPr lang="pl-PL" dirty="0" smtClean="0"/>
-              <a:t>Unity3D</a:t>
-            </a:r>
-          </a:p>
-          <a:p>
-            <a:pPr lvl="1"/>
-            <a:r>
-              <a:rPr lang="pl-PL" dirty="0" smtClean="0"/>
-              <a:t>Biblioteka A* </a:t>
-            </a:r>
-            <a:r>
-              <a:rPr lang="pl-PL" dirty="0" err="1" smtClean="0"/>
-              <a:t>Pathfinding</a:t>
-            </a:r>
-            <a:r>
-              <a:rPr lang="pl-PL" dirty="0" smtClean="0"/>
-              <a:t> Project</a:t>
-            </a:r>
           </a:p>
           <a:p>
             <a:pPr marL="0" indent="0">
@@ -7262,6 +7707,289 @@
 </file>
 
 <file path=ppt/slides/slide7.xml><?xml version="1.0" encoding="utf-8"?>
+<p:sld xmlns:a="http://schemas.openxmlformats.org/drawingml/2006/main" xmlns:r="http://schemas.openxmlformats.org/officeDocument/2006/relationships" xmlns:p="http://schemas.openxmlformats.org/presentationml/2006/main">
+  <p:cSld>
+    <p:spTree>
+      <p:nvGrpSpPr>
+        <p:cNvPr id="1" name=""/>
+        <p:cNvGrpSpPr/>
+        <p:nvPr/>
+      </p:nvGrpSpPr>
+      <p:grpSpPr>
+        <a:xfrm>
+          <a:off x="0" y="0"/>
+          <a:ext cx="0" cy="0"/>
+          <a:chOff x="0" y="0"/>
+          <a:chExt cx="0" cy="0"/>
+        </a:xfrm>
+      </p:grpSpPr>
+      <p:sp>
+        <p:nvSpPr>
+          <p:cNvPr id="2" name="Tytuł 1"/>
+          <p:cNvSpPr>
+            <a:spLocks noGrp="1"/>
+          </p:cNvSpPr>
+          <p:nvPr>
+            <p:ph type="title"/>
+          </p:nvPr>
+        </p:nvSpPr>
+        <p:spPr/>
+        <p:txBody>
+          <a:bodyPr/>
+          <a:lstStyle/>
+          <a:p>
+            <a:r>
+              <a:rPr lang="pl-PL" dirty="0"/>
+              <a:t>System </a:t>
+            </a:r>
+            <a:r>
+              <a:rPr lang="pl-PL" dirty="0" smtClean="0"/>
+              <a:t>nawigacji - narzędzia</a:t>
+            </a:r>
+            <a:endParaRPr lang="pl-PL" dirty="0"/>
+          </a:p>
+        </p:txBody>
+      </p:sp>
+      <p:sp>
+        <p:nvSpPr>
+          <p:cNvPr id="3" name="Symbol zastępczy zawartości 2"/>
+          <p:cNvSpPr>
+            <a:spLocks noGrp="1"/>
+          </p:cNvSpPr>
+          <p:nvPr>
+            <p:ph idx="1"/>
+          </p:nvPr>
+        </p:nvSpPr>
+        <p:spPr/>
+        <p:txBody>
+          <a:bodyPr/>
+          <a:lstStyle/>
+          <a:p>
+            <a:r>
+              <a:rPr lang="pl-PL" dirty="0"/>
+              <a:t>Narzędzia</a:t>
+            </a:r>
+          </a:p>
+          <a:p>
+            <a:pPr lvl="1"/>
+            <a:r>
+              <a:rPr lang="pl-PL" dirty="0" err="1"/>
+              <a:t>Blender</a:t>
+            </a:r>
+            <a:endParaRPr lang="pl-PL" dirty="0"/>
+          </a:p>
+          <a:p>
+            <a:pPr lvl="1"/>
+            <a:r>
+              <a:rPr lang="pl-PL" dirty="0"/>
+              <a:t>Unity3D</a:t>
+            </a:r>
+          </a:p>
+          <a:p>
+            <a:pPr lvl="1"/>
+            <a:r>
+              <a:rPr lang="pl-PL" dirty="0"/>
+              <a:t>Biblioteka A* </a:t>
+            </a:r>
+            <a:r>
+              <a:rPr lang="pl-PL" dirty="0" err="1"/>
+              <a:t>Pathfinding</a:t>
+            </a:r>
+            <a:r>
+              <a:rPr lang="pl-PL" dirty="0"/>
+              <a:t> Project</a:t>
+            </a:r>
+          </a:p>
+          <a:p>
+            <a:endParaRPr lang="pl-PL" dirty="0"/>
+          </a:p>
+        </p:txBody>
+      </p:sp>
+      <p:sp>
+        <p:nvSpPr>
+          <p:cNvPr id="4" name="Symbol zastępczy numeru slajdu 3"/>
+          <p:cNvSpPr>
+            <a:spLocks noGrp="1"/>
+          </p:cNvSpPr>
+          <p:nvPr>
+            <p:ph type="sldNum" sz="quarter" idx="12"/>
+          </p:nvPr>
+        </p:nvSpPr>
+        <p:spPr/>
+        <p:txBody>
+          <a:bodyPr/>
+          <a:lstStyle/>
+          <a:p>
+            <a:fld id="{B517628F-ACB5-4BC7-8D24-28F138F96C11}" type="slidenum">
+              <a:rPr lang="pl-PL" smtClean="0"/>
+              <a:t>7</a:t>
+            </a:fld>
+            <a:endParaRPr lang="pl-PL"/>
+          </a:p>
+        </p:txBody>
+      </p:sp>
+    </p:spTree>
+    <p:extLst>
+      <p:ext uri="{BB962C8B-B14F-4D97-AF65-F5344CB8AC3E}">
+        <p14:creationId xmlns:p14="http://schemas.microsoft.com/office/powerpoint/2010/main" val="2564436348"/>
+      </p:ext>
+    </p:extLst>
+  </p:cSld>
+  <p:clrMapOvr>
+    <a:masterClrMapping/>
+  </p:clrMapOvr>
+  <p:timing>
+    <p:tnLst>
+      <p:par>
+        <p:cTn id="1" dur="indefinite" restart="never" nodeType="tmRoot"/>
+      </p:par>
+    </p:tnLst>
+  </p:timing>
+</p:sld>
+</file>
+
+<file path=ppt/slides/slide8.xml><?xml version="1.0" encoding="utf-8"?>
+<p:sld xmlns:a="http://schemas.openxmlformats.org/drawingml/2006/main" xmlns:r="http://schemas.openxmlformats.org/officeDocument/2006/relationships" xmlns:p="http://schemas.openxmlformats.org/presentationml/2006/main">
+  <p:cSld>
+    <p:spTree>
+      <p:nvGrpSpPr>
+        <p:cNvPr id="1" name=""/>
+        <p:cNvGrpSpPr/>
+        <p:nvPr/>
+      </p:nvGrpSpPr>
+      <p:grpSpPr>
+        <a:xfrm>
+          <a:off x="0" y="0"/>
+          <a:ext cx="0" cy="0"/>
+          <a:chOff x="0" y="0"/>
+          <a:chExt cx="0" cy="0"/>
+        </a:xfrm>
+      </p:grpSpPr>
+      <p:sp>
+        <p:nvSpPr>
+          <p:cNvPr id="2" name="Tytuł 1"/>
+          <p:cNvSpPr>
+            <a:spLocks noGrp="1"/>
+          </p:cNvSpPr>
+          <p:nvPr>
+            <p:ph type="title"/>
+          </p:nvPr>
+        </p:nvSpPr>
+        <p:spPr/>
+        <p:txBody>
+          <a:bodyPr/>
+          <a:lstStyle/>
+          <a:p>
+            <a:r>
+              <a:rPr lang="pl-PL" dirty="0"/>
+              <a:t>System nawigacji </a:t>
+            </a:r>
+            <a:r>
+              <a:rPr lang="pl-PL" dirty="0" smtClean="0"/>
+              <a:t>– zrzut ekranu</a:t>
+            </a:r>
+            <a:endParaRPr lang="pl-PL" dirty="0"/>
+          </a:p>
+        </p:txBody>
+      </p:sp>
+      <p:sp>
+        <p:nvSpPr>
+          <p:cNvPr id="4" name="Symbol zastępczy numeru slajdu 3"/>
+          <p:cNvSpPr>
+            <a:spLocks noGrp="1"/>
+          </p:cNvSpPr>
+          <p:nvPr>
+            <p:ph type="sldNum" sz="quarter" idx="12"/>
+          </p:nvPr>
+        </p:nvSpPr>
+        <p:spPr/>
+        <p:txBody>
+          <a:bodyPr/>
+          <a:lstStyle/>
+          <a:p>
+            <a:fld id="{B517628F-ACB5-4BC7-8D24-28F138F96C11}" type="slidenum">
+              <a:rPr lang="pl-PL" smtClean="0"/>
+              <a:t>8</a:t>
+            </a:fld>
+            <a:endParaRPr lang="pl-PL"/>
+          </a:p>
+        </p:txBody>
+      </p:sp>
+      <p:pic>
+        <p:nvPicPr>
+          <p:cNvPr id="2051" name="Picture 3"/>
+          <p:cNvPicPr>
+            <a:picLocks noChangeAspect="1" noChangeArrowheads="1"/>
+          </p:cNvPicPr>
+          <p:nvPr/>
+        </p:nvPicPr>
+        <p:blipFill>
+          <a:blip r:embed="rId2">
+            <a:extLst>
+              <a:ext uri="{28A0092B-C50C-407E-A947-70E740481C1C}">
+                <a14:useLocalDpi xmlns:a14="http://schemas.microsoft.com/office/drawing/2010/main" val="0"/>
+              </a:ext>
+            </a:extLst>
+          </a:blip>
+          <a:srcRect/>
+          <a:stretch>
+            <a:fillRect/>
+          </a:stretch>
+        </p:blipFill>
+        <p:spPr bwMode="auto">
+          <a:xfrm>
+            <a:off x="395536" y="1556792"/>
+            <a:ext cx="8380423" cy="4713988"/>
+          </a:xfrm>
+          <a:prstGeom prst="rect">
+            <a:avLst/>
+          </a:prstGeom>
+          <a:noFill/>
+          <a:ln>
+            <a:noFill/>
+          </a:ln>
+          <a:extLst>
+            <a:ext uri="{909E8E84-426E-40DD-AFC4-6F175D3DCCD1}">
+              <a14:hiddenFill xmlns:a14="http://schemas.microsoft.com/office/drawing/2010/main">
+                <a:solidFill>
+                  <a:schemeClr val="accent1"/>
+                </a:solidFill>
+              </a14:hiddenFill>
+            </a:ext>
+            <a:ext uri="{91240B29-F687-4F45-9708-019B960494DF}">
+              <a14:hiddenLine xmlns:a14="http://schemas.microsoft.com/office/drawing/2010/main" w="9525">
+                <a:solidFill>
+                  <a:schemeClr val="tx1"/>
+                </a:solidFill>
+                <a:miter lim="800000"/>
+                <a:headEnd/>
+                <a:tailEnd/>
+              </a14:hiddenLine>
+            </a:ext>
+          </a:extLst>
+        </p:spPr>
+      </p:pic>
+    </p:spTree>
+    <p:extLst>
+      <p:ext uri="{BB962C8B-B14F-4D97-AF65-F5344CB8AC3E}">
+        <p14:creationId xmlns:p14="http://schemas.microsoft.com/office/powerpoint/2010/main" val="3934624358"/>
+      </p:ext>
+    </p:extLst>
+  </p:cSld>
+  <p:clrMapOvr>
+    <a:masterClrMapping/>
+  </p:clrMapOvr>
+  <p:timing>
+    <p:tnLst>
+      <p:par>
+        <p:cTn id="1" dur="indefinite" restart="never" nodeType="tmRoot"/>
+      </p:par>
+    </p:tnLst>
+  </p:timing>
+</p:sld>
+</file>
+
+<file path=ppt/slides/slide9.xml><?xml version="1.0" encoding="utf-8"?>
 <p:sld xmlns:a="http://schemas.openxmlformats.org/drawingml/2006/main" xmlns:r="http://schemas.openxmlformats.org/officeDocument/2006/relationships" xmlns:p="http://schemas.openxmlformats.org/presentationml/2006/main">
   <p:cSld>
     <p:spTree>
@@ -7848,7 +8576,7 @@
           <a:p>
             <a:fld id="{B517628F-ACB5-4BC7-8D24-28F138F96C11}" type="slidenum">
               <a:rPr lang="pl-PL" smtClean="0"/>
-              <a:t>7</a:t>
+              <a:t>9</a:t>
             </a:fld>
             <a:endParaRPr lang="pl-PL"/>
           </a:p>
@@ -7871,358 +8599,6 @@
       </p:par>
     </p:tnLst>
   </p:timing>
-</p:sld>
-</file>
-
-<file path=ppt/slides/slide8.xml><?xml version="1.0" encoding="utf-8"?>
-<p:sld xmlns:a="http://schemas.openxmlformats.org/drawingml/2006/main" xmlns:r="http://schemas.openxmlformats.org/officeDocument/2006/relationships" xmlns:p="http://schemas.openxmlformats.org/presentationml/2006/main">
-  <p:cSld>
-    <p:spTree>
-      <p:nvGrpSpPr>
-        <p:cNvPr id="1" name=""/>
-        <p:cNvGrpSpPr/>
-        <p:nvPr/>
-      </p:nvGrpSpPr>
-      <p:grpSpPr>
-        <a:xfrm>
-          <a:off x="0" y="0"/>
-          <a:ext cx="0" cy="0"/>
-          <a:chOff x="0" y="0"/>
-          <a:chExt cx="0" cy="0"/>
-        </a:xfrm>
-      </p:grpSpPr>
-      <p:sp>
-        <p:nvSpPr>
-          <p:cNvPr id="2" name="Tytuł 1"/>
-          <p:cNvSpPr>
-            <a:spLocks noGrp="1"/>
-          </p:cNvSpPr>
-          <p:nvPr>
-            <p:ph type="title"/>
-          </p:nvPr>
-        </p:nvSpPr>
-        <p:spPr/>
-        <p:txBody>
-          <a:bodyPr/>
-          <a:lstStyle/>
-          <a:p>
-            <a:r>
-              <a:rPr lang="pl-PL" dirty="0" smtClean="0"/>
-              <a:t>Wyniki badań heurystyk A*</a:t>
-            </a:r>
-            <a:endParaRPr lang="pl-PL" dirty="0"/>
-          </a:p>
-        </p:txBody>
-      </p:sp>
-      <p:graphicFrame>
-        <p:nvGraphicFramePr>
-          <p:cNvPr id="9" name="Wykres 8"/>
-          <p:cNvGraphicFramePr>
-            <a:graphicFrameLocks/>
-          </p:cNvGraphicFramePr>
-          <p:nvPr>
-            <p:extLst>
-              <p:ext uri="{D42A27DB-BD31-4B8C-83A1-F6EECF244321}">
-                <p14:modId xmlns:p14="http://schemas.microsoft.com/office/powerpoint/2010/main" val="4244968863"/>
-              </p:ext>
-            </p:extLst>
-          </p:nvPr>
-        </p:nvGraphicFramePr>
-        <p:xfrm>
-          <a:off x="0" y="4104572"/>
-          <a:ext cx="4572000" cy="2743200"/>
-        </p:xfrm>
-        <a:graphic>
-          <a:graphicData uri="http://schemas.openxmlformats.org/drawingml/2006/chart">
-            <c:chart xmlns:c="http://schemas.openxmlformats.org/drawingml/2006/chart" xmlns:r="http://schemas.openxmlformats.org/officeDocument/2006/relationships" r:id="rId3"/>
-          </a:graphicData>
-        </a:graphic>
-      </p:graphicFrame>
-      <p:graphicFrame>
-        <p:nvGraphicFramePr>
-          <p:cNvPr id="11" name="Wykres 10"/>
-          <p:cNvGraphicFramePr>
-            <a:graphicFrameLocks/>
-          </p:cNvGraphicFramePr>
-          <p:nvPr>
-            <p:extLst>
-              <p:ext uri="{D42A27DB-BD31-4B8C-83A1-F6EECF244321}">
-                <p14:modId xmlns:p14="http://schemas.microsoft.com/office/powerpoint/2010/main" val="3592384089"/>
-              </p:ext>
-            </p:extLst>
-          </p:nvPr>
-        </p:nvGraphicFramePr>
-        <p:xfrm>
-          <a:off x="4572000" y="4114800"/>
-          <a:ext cx="4572000" cy="2743200"/>
-        </p:xfrm>
-        <a:graphic>
-          <a:graphicData uri="http://schemas.openxmlformats.org/drawingml/2006/chart">
-            <c:chart xmlns:c="http://schemas.openxmlformats.org/drawingml/2006/chart" xmlns:r="http://schemas.openxmlformats.org/officeDocument/2006/relationships" r:id="rId4"/>
-          </a:graphicData>
-        </a:graphic>
-      </p:graphicFrame>
-      <p:graphicFrame>
-        <p:nvGraphicFramePr>
-          <p:cNvPr id="13" name="Wykres 12"/>
-          <p:cNvGraphicFramePr>
-            <a:graphicFrameLocks/>
-          </p:cNvGraphicFramePr>
-          <p:nvPr>
-            <p:extLst>
-              <p:ext uri="{D42A27DB-BD31-4B8C-83A1-F6EECF244321}">
-                <p14:modId xmlns:p14="http://schemas.microsoft.com/office/powerpoint/2010/main" val="4069650942"/>
-              </p:ext>
-            </p:extLst>
-          </p:nvPr>
-        </p:nvGraphicFramePr>
-        <p:xfrm>
-          <a:off x="4572000" y="1124744"/>
-          <a:ext cx="4572000" cy="2743200"/>
-        </p:xfrm>
-        <a:graphic>
-          <a:graphicData uri="http://schemas.openxmlformats.org/drawingml/2006/chart">
-            <c:chart xmlns:c="http://schemas.openxmlformats.org/drawingml/2006/chart" xmlns:r="http://schemas.openxmlformats.org/officeDocument/2006/relationships" r:id="rId5"/>
-          </a:graphicData>
-        </a:graphic>
-      </p:graphicFrame>
-      <p:graphicFrame>
-        <p:nvGraphicFramePr>
-          <p:cNvPr id="14" name="Wykres 13"/>
-          <p:cNvGraphicFramePr>
-            <a:graphicFrameLocks/>
-          </p:cNvGraphicFramePr>
-          <p:nvPr>
-            <p:extLst>
-              <p:ext uri="{D42A27DB-BD31-4B8C-83A1-F6EECF244321}">
-                <p14:modId xmlns:p14="http://schemas.microsoft.com/office/powerpoint/2010/main" val="3647985537"/>
-              </p:ext>
-            </p:extLst>
-          </p:nvPr>
-        </p:nvGraphicFramePr>
-        <p:xfrm>
-          <a:off x="0" y="1124744"/>
-          <a:ext cx="4572000" cy="2743200"/>
-        </p:xfrm>
-        <a:graphic>
-          <a:graphicData uri="http://schemas.openxmlformats.org/drawingml/2006/chart">
-            <c:chart xmlns:c="http://schemas.openxmlformats.org/drawingml/2006/chart" xmlns:r="http://schemas.openxmlformats.org/officeDocument/2006/relationships" r:id="rId6"/>
-          </a:graphicData>
-        </a:graphic>
-      </p:graphicFrame>
-      <p:sp>
-        <p:nvSpPr>
-          <p:cNvPr id="4" name="Symbol zastępczy numeru slajdu 3"/>
-          <p:cNvSpPr>
-            <a:spLocks noGrp="1"/>
-          </p:cNvSpPr>
-          <p:nvPr>
-            <p:ph type="sldNum" sz="quarter" idx="12"/>
-          </p:nvPr>
-        </p:nvSpPr>
-        <p:spPr/>
-        <p:txBody>
-          <a:bodyPr/>
-          <a:lstStyle/>
-          <a:p>
-            <a:fld id="{B517628F-ACB5-4BC7-8D24-28F138F96C11}" type="slidenum">
-              <a:rPr lang="pl-PL" smtClean="0"/>
-              <a:t>8</a:t>
-            </a:fld>
-            <a:endParaRPr lang="pl-PL"/>
-          </a:p>
-        </p:txBody>
-      </p:sp>
-    </p:spTree>
-    <p:extLst>
-      <p:ext uri="{BB962C8B-B14F-4D97-AF65-F5344CB8AC3E}">
-        <p14:creationId xmlns:p14="http://schemas.microsoft.com/office/powerpoint/2010/main" val="1253170884"/>
-      </p:ext>
-    </p:extLst>
-  </p:cSld>
-  <p:clrMapOvr>
-    <a:masterClrMapping/>
-  </p:clrMapOvr>
-  <p:timing>
-    <p:tnLst>
-      <p:par>
-        <p:cTn id="1" dur="indefinite" restart="never" nodeType="tmRoot"/>
-      </p:par>
-    </p:tnLst>
-  </p:timing>
-</p:sld>
-</file>
-
-<file path=ppt/slides/slide9.xml><?xml version="1.0" encoding="utf-8"?>
-<p:sld xmlns:a="http://schemas.openxmlformats.org/drawingml/2006/main" xmlns:r="http://schemas.openxmlformats.org/officeDocument/2006/relationships" xmlns:p="http://schemas.openxmlformats.org/presentationml/2006/main">
-  <p:cSld>
-    <p:spTree>
-      <p:nvGrpSpPr>
-        <p:cNvPr id="1" name=""/>
-        <p:cNvGrpSpPr/>
-        <p:nvPr/>
-      </p:nvGrpSpPr>
-      <p:grpSpPr>
-        <a:xfrm>
-          <a:off x="0" y="0"/>
-          <a:ext cx="0" cy="0"/>
-          <a:chOff x="0" y="0"/>
-          <a:chExt cx="0" cy="0"/>
-        </a:xfrm>
-      </p:grpSpPr>
-      <p:sp>
-        <p:nvSpPr>
-          <p:cNvPr id="2" name="Tytuł 1"/>
-          <p:cNvSpPr>
-            <a:spLocks noGrp="1"/>
-          </p:cNvSpPr>
-          <p:nvPr>
-            <p:ph type="title"/>
-          </p:nvPr>
-        </p:nvSpPr>
-        <p:spPr/>
-        <p:txBody>
-          <a:bodyPr/>
-          <a:lstStyle/>
-          <a:p>
-            <a:r>
-              <a:rPr lang="pl-PL" dirty="0" smtClean="0"/>
-              <a:t>Wyniki badań – JPS i A*</a:t>
-            </a:r>
-            <a:endParaRPr lang="pl-PL" dirty="0"/>
-          </a:p>
-        </p:txBody>
-      </p:sp>
-      <p:graphicFrame>
-        <p:nvGraphicFramePr>
-          <p:cNvPr id="4" name="Symbol zastępczy zawartości 3" title="Środowisko 1"/>
-          <p:cNvGraphicFramePr>
-            <a:graphicFrameLocks noGrp="1"/>
-          </p:cNvGraphicFramePr>
-          <p:nvPr>
-            <p:ph idx="1"/>
-            <p:extLst>
-              <p:ext uri="{D42A27DB-BD31-4B8C-83A1-F6EECF244321}">
-                <p14:modId xmlns:p14="http://schemas.microsoft.com/office/powerpoint/2010/main" val="3551610229"/>
-              </p:ext>
-            </p:extLst>
-          </p:nvPr>
-        </p:nvGraphicFramePr>
-        <p:xfrm>
-          <a:off x="107504" y="1052736"/>
-          <a:ext cx="4032448" cy="2808312"/>
-        </p:xfrm>
-        <a:graphic>
-          <a:graphicData uri="http://schemas.openxmlformats.org/drawingml/2006/chart">
-            <c:chart xmlns:c="http://schemas.openxmlformats.org/drawingml/2006/chart" xmlns:r="http://schemas.openxmlformats.org/officeDocument/2006/relationships" r:id="rId3"/>
-          </a:graphicData>
-        </a:graphic>
-      </p:graphicFrame>
-      <p:graphicFrame>
-        <p:nvGraphicFramePr>
-          <p:cNvPr id="5" name="Wykres 4"/>
-          <p:cNvGraphicFramePr>
-            <a:graphicFrameLocks/>
-          </p:cNvGraphicFramePr>
-          <p:nvPr>
-            <p:extLst>
-              <p:ext uri="{D42A27DB-BD31-4B8C-83A1-F6EECF244321}">
-                <p14:modId xmlns:p14="http://schemas.microsoft.com/office/powerpoint/2010/main" val="2223762198"/>
-              </p:ext>
-            </p:extLst>
-          </p:nvPr>
-        </p:nvGraphicFramePr>
-        <p:xfrm>
-          <a:off x="4932040" y="1052736"/>
-          <a:ext cx="3888432" cy="2880320"/>
-        </p:xfrm>
-        <a:graphic>
-          <a:graphicData uri="http://schemas.openxmlformats.org/drawingml/2006/chart">
-            <c:chart xmlns:c="http://schemas.openxmlformats.org/drawingml/2006/chart" xmlns:r="http://schemas.openxmlformats.org/officeDocument/2006/relationships" r:id="rId4"/>
-          </a:graphicData>
-        </a:graphic>
-      </p:graphicFrame>
-      <p:graphicFrame>
-        <p:nvGraphicFramePr>
-          <p:cNvPr id="6" name="Wykres 5"/>
-          <p:cNvGraphicFramePr>
-            <a:graphicFrameLocks/>
-          </p:cNvGraphicFramePr>
-          <p:nvPr>
-            <p:extLst>
-              <p:ext uri="{D42A27DB-BD31-4B8C-83A1-F6EECF244321}">
-                <p14:modId xmlns:p14="http://schemas.microsoft.com/office/powerpoint/2010/main" val="3447311951"/>
-              </p:ext>
-            </p:extLst>
-          </p:nvPr>
-        </p:nvGraphicFramePr>
-        <p:xfrm>
-          <a:off x="251520" y="3789040"/>
-          <a:ext cx="3960440" cy="2736304"/>
-        </p:xfrm>
-        <a:graphic>
-          <a:graphicData uri="http://schemas.openxmlformats.org/drawingml/2006/chart">
-            <c:chart xmlns:c="http://schemas.openxmlformats.org/drawingml/2006/chart" xmlns:r="http://schemas.openxmlformats.org/officeDocument/2006/relationships" r:id="rId5"/>
-          </a:graphicData>
-        </a:graphic>
-      </p:graphicFrame>
-      <p:graphicFrame>
-        <p:nvGraphicFramePr>
-          <p:cNvPr id="7" name="Wykres 6"/>
-          <p:cNvGraphicFramePr>
-            <a:graphicFrameLocks/>
-          </p:cNvGraphicFramePr>
-          <p:nvPr>
-            <p:extLst>
-              <p:ext uri="{D42A27DB-BD31-4B8C-83A1-F6EECF244321}">
-                <p14:modId xmlns:p14="http://schemas.microsoft.com/office/powerpoint/2010/main" val="876348627"/>
-              </p:ext>
-            </p:extLst>
-          </p:nvPr>
-        </p:nvGraphicFramePr>
-        <p:xfrm>
-          <a:off x="4860032" y="3789040"/>
-          <a:ext cx="4032448" cy="2880320"/>
-        </p:xfrm>
-        <a:graphic>
-          <a:graphicData uri="http://schemas.openxmlformats.org/drawingml/2006/chart">
-            <c:chart xmlns:c="http://schemas.openxmlformats.org/drawingml/2006/chart" xmlns:r="http://schemas.openxmlformats.org/officeDocument/2006/relationships" r:id="rId6"/>
-          </a:graphicData>
-        </a:graphic>
-      </p:graphicFrame>
-      <p:sp>
-        <p:nvSpPr>
-          <p:cNvPr id="8" name="Symbol zastępczy numeru slajdu 7"/>
-          <p:cNvSpPr>
-            <a:spLocks noGrp="1"/>
-          </p:cNvSpPr>
-          <p:nvPr>
-            <p:ph type="sldNum" sz="quarter" idx="12"/>
-          </p:nvPr>
-        </p:nvSpPr>
-        <p:spPr/>
-        <p:txBody>
-          <a:bodyPr/>
-          <a:lstStyle/>
-          <a:p>
-            <a:fld id="{B517628F-ACB5-4BC7-8D24-28F138F96C11}" type="slidenum">
-              <a:rPr lang="pl-PL" smtClean="0"/>
-              <a:t>9</a:t>
-            </a:fld>
-            <a:endParaRPr lang="pl-PL"/>
-          </a:p>
-        </p:txBody>
-      </p:sp>
-    </p:spTree>
-    <p:extLst>
-      <p:ext uri="{BB962C8B-B14F-4D97-AF65-F5344CB8AC3E}">
-        <p14:creationId xmlns:p14="http://schemas.microsoft.com/office/powerpoint/2010/main" val="322823227"/>
-      </p:ext>
-    </p:extLst>
-  </p:cSld>
-  <p:clrMapOvr>
-    <a:masterClrMapping/>
-  </p:clrMapOvr>
 </p:sld>
 </file>
 

--- a/Nawigacja w grach komputerowych.pptx
+++ b/Nawigacja w grach komputerowych.pptx
@@ -2,25 +2,24 @@
 <file path=ppt/presentation.xml><?xml version="1.0" encoding="utf-8"?>
 <p:presentation xmlns:a="http://schemas.openxmlformats.org/drawingml/2006/main" xmlns:r="http://schemas.openxmlformats.org/officeDocument/2006/relationships" xmlns:p="http://schemas.openxmlformats.org/presentationml/2006/main" saveSubsetFonts="1">
   <p:sldMasterIdLst>
-    <p:sldMasterId id="2147483672" r:id="rId1"/>
+    <p:sldMasterId id="2147483708" r:id="rId1"/>
   </p:sldMasterIdLst>
   <p:notesMasterIdLst>
-    <p:notesMasterId r:id="rId15"/>
+    <p:notesMasterId r:id="rId14"/>
   </p:notesMasterIdLst>
   <p:sldIdLst>
     <p:sldId id="256" r:id="rId2"/>
     <p:sldId id="257" r:id="rId3"/>
     <p:sldId id="260" r:id="rId4"/>
-    <p:sldId id="268" r:id="rId5"/>
-    <p:sldId id="259" r:id="rId6"/>
-    <p:sldId id="264" r:id="rId7"/>
-    <p:sldId id="269" r:id="rId8"/>
-    <p:sldId id="270" r:id="rId9"/>
-    <p:sldId id="266" r:id="rId10"/>
-    <p:sldId id="267" r:id="rId11"/>
-    <p:sldId id="261" r:id="rId12"/>
-    <p:sldId id="262" r:id="rId13"/>
-    <p:sldId id="263" r:id="rId14"/>
+    <p:sldId id="259" r:id="rId5"/>
+    <p:sldId id="264" r:id="rId6"/>
+    <p:sldId id="269" r:id="rId7"/>
+    <p:sldId id="270" r:id="rId8"/>
+    <p:sldId id="266" r:id="rId9"/>
+    <p:sldId id="267" r:id="rId10"/>
+    <p:sldId id="261" r:id="rId11"/>
+    <p:sldId id="262" r:id="rId12"/>
+    <p:sldId id="263" r:id="rId13"/>
   </p:sldIdLst>
   <p:sldSz cx="9144000" cy="6858000" type="screen4x3"/>
   <p:notesSz cx="6858000" cy="9144000"/>
@@ -272,11 +271,11 @@
         </c:dLbls>
         <c:gapWidth val="75"/>
         <c:overlap val="-25"/>
-        <c:axId val="116714880"/>
-        <c:axId val="60232832"/>
+        <c:axId val="108240256"/>
+        <c:axId val="108254336"/>
       </c:barChart>
       <c:catAx>
-        <c:axId val="116714880"/>
+        <c:axId val="108240256"/>
         <c:scaling>
           <c:orientation val="minMax"/>
         </c:scaling>
@@ -285,7 +284,7 @@
         <c:majorTickMark val="none"/>
         <c:minorTickMark val="none"/>
         <c:tickLblPos val="nextTo"/>
-        <c:crossAx val="60232832"/>
+        <c:crossAx val="108254336"/>
         <c:crosses val="autoZero"/>
         <c:auto val="1"/>
         <c:lblAlgn val="ctr"/>
@@ -293,7 +292,7 @@
         <c:noMultiLvlLbl val="0"/>
       </c:catAx>
       <c:valAx>
-        <c:axId val="60232832"/>
+        <c:axId val="108254336"/>
         <c:scaling>
           <c:orientation val="minMax"/>
         </c:scaling>
@@ -333,7 +332,7 @@
             <a:noFill/>
           </a:ln>
         </c:spPr>
-        <c:crossAx val="116714880"/>
+        <c:crossAx val="108240256"/>
         <c:crosses val="autoZero"/>
         <c:crossBetween val="between"/>
       </c:valAx>
@@ -503,11 +502,11 @@
         </c:dLbls>
         <c:gapWidth val="75"/>
         <c:overlap val="-25"/>
-        <c:axId val="75664384"/>
-        <c:axId val="116826880"/>
+        <c:axId val="108264448"/>
+        <c:axId val="108606208"/>
       </c:barChart>
       <c:catAx>
-        <c:axId val="75664384"/>
+        <c:axId val="108264448"/>
         <c:scaling>
           <c:orientation val="minMax"/>
         </c:scaling>
@@ -516,7 +515,7 @@
         <c:majorTickMark val="none"/>
         <c:minorTickMark val="none"/>
         <c:tickLblPos val="nextTo"/>
-        <c:crossAx val="116826880"/>
+        <c:crossAx val="108606208"/>
         <c:crosses val="autoZero"/>
         <c:auto val="1"/>
         <c:lblAlgn val="ctr"/>
@@ -524,7 +523,7 @@
         <c:noMultiLvlLbl val="0"/>
       </c:catAx>
       <c:valAx>
-        <c:axId val="116826880"/>
+        <c:axId val="108606208"/>
         <c:scaling>
           <c:orientation val="minMax"/>
         </c:scaling>
@@ -559,7 +558,7 @@
             <a:noFill/>
           </a:ln>
         </c:spPr>
-        <c:crossAx val="75664384"/>
+        <c:crossAx val="108264448"/>
         <c:crosses val="autoZero"/>
         <c:crossBetween val="between"/>
       </c:valAx>
@@ -729,11 +728,11 @@
         </c:dLbls>
         <c:gapWidth val="75"/>
         <c:overlap val="-25"/>
-        <c:axId val="60299904"/>
-        <c:axId val="60309888"/>
+        <c:axId val="108649088"/>
+        <c:axId val="108650880"/>
       </c:barChart>
       <c:catAx>
-        <c:axId val="60299904"/>
+        <c:axId val="108649088"/>
         <c:scaling>
           <c:orientation val="minMax"/>
         </c:scaling>
@@ -742,7 +741,7 @@
         <c:majorTickMark val="none"/>
         <c:minorTickMark val="none"/>
         <c:tickLblPos val="nextTo"/>
-        <c:crossAx val="60309888"/>
+        <c:crossAx val="108650880"/>
         <c:crosses val="autoZero"/>
         <c:auto val="1"/>
         <c:lblAlgn val="ctr"/>
@@ -750,7 +749,7 @@
         <c:noMultiLvlLbl val="0"/>
       </c:catAx>
       <c:valAx>
-        <c:axId val="60309888"/>
+        <c:axId val="108650880"/>
         <c:scaling>
           <c:orientation val="minMax"/>
         </c:scaling>
@@ -785,7 +784,7 @@
             <a:noFill/>
           </a:ln>
         </c:spPr>
-        <c:crossAx val="60299904"/>
+        <c:crossAx val="108649088"/>
         <c:crosses val="autoZero"/>
         <c:crossBetween val="between"/>
       </c:valAx>
@@ -950,11 +949,11 @@
         </c:dLbls>
         <c:gapWidth val="75"/>
         <c:overlap val="-25"/>
-        <c:axId val="60332288"/>
-        <c:axId val="60334080"/>
+        <c:axId val="108681472"/>
+        <c:axId val="108683264"/>
       </c:barChart>
       <c:catAx>
-        <c:axId val="60332288"/>
+        <c:axId val="108681472"/>
         <c:scaling>
           <c:orientation val="minMax"/>
         </c:scaling>
@@ -963,7 +962,7 @@
         <c:majorTickMark val="none"/>
         <c:minorTickMark val="none"/>
         <c:tickLblPos val="nextTo"/>
-        <c:crossAx val="60334080"/>
+        <c:crossAx val="108683264"/>
         <c:crosses val="autoZero"/>
         <c:auto val="1"/>
         <c:lblAlgn val="ctr"/>
@@ -971,7 +970,7 @@
         <c:noMultiLvlLbl val="0"/>
       </c:catAx>
       <c:valAx>
-        <c:axId val="60334080"/>
+        <c:axId val="108683264"/>
         <c:scaling>
           <c:orientation val="minMax"/>
         </c:scaling>
@@ -1006,7 +1005,7 @@
             <a:noFill/>
           </a:ln>
         </c:spPr>
-        <c:crossAx val="60332288"/>
+        <c:crossAx val="108681472"/>
         <c:crosses val="autoZero"/>
         <c:crossBetween val="between"/>
       </c:valAx>
@@ -1145,11 +1144,11 @@
         </c:dLbls>
         <c:gapWidth val="75"/>
         <c:overlap val="-25"/>
-        <c:axId val="60353920"/>
-        <c:axId val="60400768"/>
+        <c:axId val="108727680"/>
+        <c:axId val="108737664"/>
       </c:barChart>
       <c:catAx>
-        <c:axId val="60353920"/>
+        <c:axId val="108727680"/>
         <c:scaling>
           <c:orientation val="minMax"/>
         </c:scaling>
@@ -1158,7 +1157,7 @@
         <c:majorTickMark val="none"/>
         <c:minorTickMark val="none"/>
         <c:tickLblPos val="nextTo"/>
-        <c:crossAx val="60400768"/>
+        <c:crossAx val="108737664"/>
         <c:crosses val="autoZero"/>
         <c:auto val="1"/>
         <c:lblAlgn val="ctr"/>
@@ -1166,7 +1165,7 @@
         <c:noMultiLvlLbl val="0"/>
       </c:catAx>
       <c:valAx>
-        <c:axId val="60400768"/>
+        <c:axId val="108737664"/>
         <c:scaling>
           <c:orientation val="minMax"/>
         </c:scaling>
@@ -1202,7 +1201,7 @@
             <a:noFill/>
           </a:ln>
         </c:spPr>
-        <c:crossAx val="60353920"/>
+        <c:crossAx val="108727680"/>
         <c:crosses val="autoZero"/>
         <c:crossBetween val="between"/>
       </c:valAx>
@@ -1341,11 +1340,11 @@
         </c:dLbls>
         <c:gapWidth val="75"/>
         <c:overlap val="-25"/>
-        <c:axId val="60418304"/>
-        <c:axId val="60424192"/>
+        <c:axId val="108751104"/>
+        <c:axId val="108773376"/>
       </c:barChart>
       <c:catAx>
-        <c:axId val="60418304"/>
+        <c:axId val="108751104"/>
         <c:scaling>
           <c:orientation val="minMax"/>
         </c:scaling>
@@ -1354,7 +1353,7 @@
         <c:majorTickMark val="none"/>
         <c:minorTickMark val="none"/>
         <c:tickLblPos val="nextTo"/>
-        <c:crossAx val="60424192"/>
+        <c:crossAx val="108773376"/>
         <c:crosses val="autoZero"/>
         <c:auto val="1"/>
         <c:lblAlgn val="ctr"/>
@@ -1362,7 +1361,7 @@
         <c:noMultiLvlLbl val="0"/>
       </c:catAx>
       <c:valAx>
-        <c:axId val="60424192"/>
+        <c:axId val="108773376"/>
         <c:scaling>
           <c:orientation val="minMax"/>
         </c:scaling>
@@ -1402,7 +1401,7 @@
             <a:noFill/>
           </a:ln>
         </c:spPr>
-        <c:crossAx val="60418304"/>
+        <c:crossAx val="108751104"/>
         <c:crosses val="autoZero"/>
         <c:crossBetween val="between"/>
       </c:valAx>
@@ -1541,11 +1540,11 @@
         </c:dLbls>
         <c:gapWidth val="75"/>
         <c:overlap val="-25"/>
-        <c:axId val="60454016"/>
-        <c:axId val="60455552"/>
+        <c:axId val="109663360"/>
+        <c:axId val="109664896"/>
       </c:barChart>
       <c:catAx>
-        <c:axId val="60454016"/>
+        <c:axId val="109663360"/>
         <c:scaling>
           <c:orientation val="minMax"/>
         </c:scaling>
@@ -1554,7 +1553,7 @@
         <c:majorTickMark val="none"/>
         <c:minorTickMark val="none"/>
         <c:tickLblPos val="nextTo"/>
-        <c:crossAx val="60455552"/>
+        <c:crossAx val="109664896"/>
         <c:crosses val="autoZero"/>
         <c:auto val="1"/>
         <c:lblAlgn val="ctr"/>
@@ -1562,7 +1561,7 @@
         <c:noMultiLvlLbl val="0"/>
       </c:catAx>
       <c:valAx>
-        <c:axId val="60455552"/>
+        <c:axId val="109664896"/>
         <c:scaling>
           <c:orientation val="minMax"/>
         </c:scaling>
@@ -1602,7 +1601,7 @@
             <a:noFill/>
           </a:ln>
         </c:spPr>
-        <c:crossAx val="60454016"/>
+        <c:crossAx val="109663360"/>
         <c:crosses val="autoZero"/>
         <c:crossBetween val="between"/>
       </c:valAx>
@@ -1741,11 +1740,11 @@
         </c:dLbls>
         <c:gapWidth val="75"/>
         <c:overlap val="-25"/>
-        <c:axId val="60489728"/>
-        <c:axId val="60491264"/>
+        <c:axId val="109694976"/>
+        <c:axId val="109696512"/>
       </c:barChart>
       <c:catAx>
-        <c:axId val="60489728"/>
+        <c:axId val="109694976"/>
         <c:scaling>
           <c:orientation val="minMax"/>
         </c:scaling>
@@ -1754,7 +1753,7 @@
         <c:majorTickMark val="none"/>
         <c:minorTickMark val="none"/>
         <c:tickLblPos val="nextTo"/>
-        <c:crossAx val="60491264"/>
+        <c:crossAx val="109696512"/>
         <c:crosses val="autoZero"/>
         <c:auto val="1"/>
         <c:lblAlgn val="ctr"/>
@@ -1762,7 +1761,7 @@
         <c:noMultiLvlLbl val="0"/>
       </c:catAx>
       <c:valAx>
-        <c:axId val="60491264"/>
+        <c:axId val="109696512"/>
         <c:scaling>
           <c:orientation val="minMax"/>
         </c:scaling>
@@ -1802,7 +1801,7 @@
             <a:noFill/>
           </a:ln>
         </c:spPr>
-        <c:crossAx val="60489728"/>
+        <c:crossAx val="109694976"/>
         <c:crosses val="autoZero"/>
         <c:crossBetween val="between"/>
       </c:valAx>
@@ -1904,7 +1903,7 @@
           <a:p>
             <a:fld id="{70A2B3A7-E86D-4280-A4D7-511B8E83CF6B}" type="datetimeFigureOut">
               <a:rPr lang="pl-PL" smtClean="0"/>
-              <a:t>2013-11-03</a:t>
+              <a:t>2013-11-04</a:t>
             </a:fld>
             <a:endParaRPr lang="pl-PL"/>
           </a:p>
@@ -2610,23 +2609,181 @@
           <a:bodyPr/>
           <a:lstStyle/>
           <a:p>
-            <a:r>
-              <a:rPr lang="pl-PL" dirty="0" smtClean="0"/>
-              <a:t>Chciałbym teraz dokonać krótkiego</a:t>
-            </a:r>
-            <a:r>
-              <a:rPr lang="pl-PL" baseline="0" dirty="0" smtClean="0"/>
-              <a:t> wprowadzenia do dziedziny problemowej.</a:t>
-            </a:r>
-          </a:p>
-          <a:p>
-            <a:r>
-              <a:rPr lang="pl-PL" baseline="0" dirty="0" smtClean="0"/>
-              <a:t>Nawigacja jest zagadnieniem związanym ze sztuczną inteligencją w </a:t>
-            </a:r>
-            <a:r>
-              <a:rPr lang="pl-PL" baseline="0" smtClean="0"/>
-              <a:t>grach komputerowych.</a:t>
+            <a:pPr marL="0" marR="0" indent="0" algn="l" defTabSz="914400" rtl="0" eaLnBrk="1" fontAlgn="auto" latinLnBrk="0" hangingPunct="1">
+              <a:lnSpc>
+                <a:spcPct val="100000"/>
+              </a:lnSpc>
+              <a:spcBef>
+                <a:spcPts val="0"/>
+              </a:spcBef>
+              <a:spcAft>
+                <a:spcPts val="0"/>
+              </a:spcAft>
+              <a:buClrTx/>
+              <a:buSzTx/>
+              <a:buFontTx/>
+              <a:buNone/>
+              <a:tabLst/>
+              <a:defRPr/>
+            </a:pPr>
+            <a:r>
+              <a:rPr lang="pl-PL" sz="1200" b="1" kern="1200" dirty="0" smtClean="0">
+                <a:solidFill>
+                  <a:schemeClr val="tx1"/>
+                </a:solidFill>
+                <a:effectLst/>
+                <a:latin typeface="+mn-lt"/>
+                <a:ea typeface="+mn-ea"/>
+                <a:cs typeface="+mn-cs"/>
+              </a:rPr>
+              <a:t>Zastosowanie</a:t>
+            </a:r>
+          </a:p>
+          <a:p>
+            <a:pPr marL="0" marR="0" indent="0" algn="l" defTabSz="914400" rtl="0" eaLnBrk="1" fontAlgn="auto" latinLnBrk="0" hangingPunct="1">
+              <a:lnSpc>
+                <a:spcPct val="100000"/>
+              </a:lnSpc>
+              <a:spcBef>
+                <a:spcPts val="0"/>
+              </a:spcBef>
+              <a:spcAft>
+                <a:spcPts val="0"/>
+              </a:spcAft>
+              <a:buClrTx/>
+              <a:buSzTx/>
+              <a:buFontTx/>
+              <a:buNone/>
+              <a:tabLst/>
+              <a:defRPr/>
+            </a:pPr>
+            <a:r>
+              <a:rPr lang="pl-PL" sz="1200" kern="1200" dirty="0" smtClean="0">
+                <a:solidFill>
+                  <a:schemeClr val="tx1"/>
+                </a:solidFill>
+                <a:effectLst/>
+                <a:latin typeface="+mn-lt"/>
+                <a:ea typeface="+mn-ea"/>
+                <a:cs typeface="+mn-cs"/>
+              </a:rPr>
+              <a:t>Zadaniem algorytmu jest wygenerowanie takiej ścieżki, że całkowity jej koszt jest minimalny spośród wszystkich dostępnych ścieżek od startu do celu. </a:t>
+            </a:r>
+          </a:p>
+          <a:p>
+            <a:endParaRPr lang="pl-PL" sz="1200" kern="1200" dirty="0" smtClean="0">
+              <a:solidFill>
+                <a:schemeClr val="tx1"/>
+              </a:solidFill>
+              <a:effectLst/>
+              <a:latin typeface="+mn-lt"/>
+              <a:ea typeface="+mn-ea"/>
+              <a:cs typeface="+mn-cs"/>
+            </a:endParaRPr>
+          </a:p>
+          <a:p>
+            <a:r>
+              <a:rPr lang="pl-PL" sz="1200" b="1" kern="1200" dirty="0" smtClean="0">
+                <a:solidFill>
+                  <a:schemeClr val="tx1"/>
+                </a:solidFill>
+                <a:effectLst/>
+                <a:latin typeface="+mn-lt"/>
+                <a:ea typeface="+mn-ea"/>
+                <a:cs typeface="+mn-cs"/>
+              </a:rPr>
+              <a:t>Parametry</a:t>
+            </a:r>
+          </a:p>
+          <a:p>
+            <a:r>
+              <a:rPr lang="pl-PL" sz="1200" kern="1200" dirty="0" smtClean="0">
+                <a:solidFill>
+                  <a:schemeClr val="tx1"/>
+                </a:solidFill>
+                <a:effectLst/>
+                <a:latin typeface="+mn-lt"/>
+                <a:ea typeface="+mn-ea"/>
+                <a:cs typeface="+mn-cs"/>
+              </a:rPr>
+              <a:t>Dany jest graf (skierowany o nieujemnych wagach) i dwa węzły w tym grafie (startowy i docelowy). </a:t>
+            </a:r>
+          </a:p>
+          <a:p>
+            <a:endParaRPr lang="pl-PL" sz="1200" b="1" kern="1200" dirty="0" smtClean="0">
+              <a:solidFill>
+                <a:schemeClr val="tx1"/>
+              </a:solidFill>
+              <a:effectLst/>
+              <a:latin typeface="+mn-lt"/>
+              <a:ea typeface="+mn-ea"/>
+              <a:cs typeface="+mn-cs"/>
+            </a:endParaRPr>
+          </a:p>
+          <a:p>
+            <a:r>
+              <a:rPr lang="pl-PL" sz="1200" b="1" kern="1200" dirty="0" smtClean="0">
+                <a:solidFill>
+                  <a:schemeClr val="tx1"/>
+                </a:solidFill>
+                <a:effectLst/>
+                <a:latin typeface="+mn-lt"/>
+                <a:ea typeface="+mn-ea"/>
+                <a:cs typeface="+mn-cs"/>
+              </a:rPr>
+              <a:t>Opis</a:t>
+            </a:r>
+          </a:p>
+          <a:p>
+            <a:r>
+              <a:rPr lang="pl-PL" sz="1200" kern="1200" dirty="0" smtClean="0">
+                <a:solidFill>
+                  <a:schemeClr val="tx1"/>
+                </a:solidFill>
+                <a:effectLst/>
+                <a:latin typeface="+mn-lt"/>
+                <a:ea typeface="+mn-ea"/>
+                <a:cs typeface="+mn-cs"/>
+              </a:rPr>
+              <a:t>Podczas iteracji A* rozważa każde wychodzące połączenie z bieżącego węzła. Dla każdego połączenia znajduje węzeł końcowy i przypisuje całkowity koszt ścieżki tymczasowej i połączenia, z którego przyszedł.</a:t>
+            </a:r>
+            <a:r>
+              <a:rPr lang="pl-PL" sz="1200" kern="1200" baseline="0" dirty="0" smtClean="0">
+                <a:solidFill>
+                  <a:schemeClr val="tx1"/>
+                </a:solidFill>
+                <a:effectLst/>
+                <a:latin typeface="+mn-lt"/>
+                <a:ea typeface="+mn-ea"/>
+                <a:cs typeface="+mn-cs"/>
+              </a:rPr>
+              <a:t> </a:t>
+            </a:r>
+            <a:r>
+              <a:rPr lang="pl-PL" sz="1200" kern="1200" dirty="0" smtClean="0">
+                <a:solidFill>
+                  <a:schemeClr val="tx1"/>
+                </a:solidFill>
+                <a:effectLst/>
+                <a:latin typeface="+mn-lt"/>
+                <a:ea typeface="+mn-ea"/>
+                <a:cs typeface="+mn-cs"/>
+              </a:rPr>
+              <a:t>Dodatkowo algorytm przypisuje jeszcze jedną wartość: estymacje całkowitego kosztu dla ścieżki od węzła startowego przez obecny węzeł do celu (ta wartość zostanie teraz nazwana: estymowany koszt całkowity). Ta estymacja jest sumą dwóch wartości: kosztu dotychczasowego i wartości określającej jak daleko węzeł znajduje się od celu.</a:t>
+            </a:r>
+          </a:p>
+          <a:p>
+            <a:r>
+              <a:rPr lang="pl-PL" sz="1200" kern="1200" dirty="0" smtClean="0">
+                <a:solidFill>
+                  <a:schemeClr val="tx1"/>
+                </a:solidFill>
+                <a:effectLst/>
+                <a:latin typeface="+mn-lt"/>
+                <a:ea typeface="+mn-ea"/>
+                <a:cs typeface="+mn-cs"/>
+              </a:rPr>
+              <a:t>Estymacja jest powszechnie nazywana "wartością heurystyki" węzła i nie może być to wartość ujemna. Proces generowania wartości heurystyki jest punktem kluczowym w procesie implementacji algorytmu A*.</a:t>
             </a:r>
             <a:endParaRPr lang="pl-PL" dirty="0"/>
           </a:p>
@@ -2658,7 +2815,7 @@
     </p:spTree>
     <p:extLst>
       <p:ext uri="{BB962C8B-B14F-4D97-AF65-F5344CB8AC3E}">
-        <p14:creationId xmlns:p14="http://schemas.microsoft.com/office/powerpoint/2010/main" val="152332617"/>
+        <p14:creationId xmlns:p14="http://schemas.microsoft.com/office/powerpoint/2010/main" val="338770544"/>
       </p:ext>
     </p:extLst>
   </p:cSld>
@@ -2712,181 +2869,13 @@
           <a:bodyPr/>
           <a:lstStyle/>
           <a:p>
-            <a:pPr marL="0" marR="0" indent="0" algn="l" defTabSz="914400" rtl="0" eaLnBrk="1" fontAlgn="auto" latinLnBrk="0" hangingPunct="1">
-              <a:lnSpc>
-                <a:spcPct val="100000"/>
-              </a:lnSpc>
-              <a:spcBef>
-                <a:spcPts val="0"/>
-              </a:spcBef>
-              <a:spcAft>
-                <a:spcPts val="0"/>
-              </a:spcAft>
-              <a:buClrTx/>
-              <a:buSzTx/>
-              <a:buFontTx/>
-              <a:buNone/>
-              <a:tabLst/>
-              <a:defRPr/>
-            </a:pPr>
-            <a:r>
-              <a:rPr lang="pl-PL" sz="1200" b="1" kern="1200" dirty="0" smtClean="0">
-                <a:solidFill>
-                  <a:schemeClr val="tx1"/>
-                </a:solidFill>
-                <a:effectLst/>
-                <a:latin typeface="+mn-lt"/>
-                <a:ea typeface="+mn-ea"/>
-                <a:cs typeface="+mn-cs"/>
-              </a:rPr>
-              <a:t>Zastosowanie</a:t>
-            </a:r>
-          </a:p>
-          <a:p>
-            <a:pPr marL="0" marR="0" indent="0" algn="l" defTabSz="914400" rtl="0" eaLnBrk="1" fontAlgn="auto" latinLnBrk="0" hangingPunct="1">
-              <a:lnSpc>
-                <a:spcPct val="100000"/>
-              </a:lnSpc>
-              <a:spcBef>
-                <a:spcPts val="0"/>
-              </a:spcBef>
-              <a:spcAft>
-                <a:spcPts val="0"/>
-              </a:spcAft>
-              <a:buClrTx/>
-              <a:buSzTx/>
-              <a:buFontTx/>
-              <a:buNone/>
-              <a:tabLst/>
-              <a:defRPr/>
-            </a:pPr>
-            <a:r>
-              <a:rPr lang="pl-PL" sz="1200" kern="1200" dirty="0" smtClean="0">
-                <a:solidFill>
-                  <a:schemeClr val="tx1"/>
-                </a:solidFill>
-                <a:effectLst/>
-                <a:latin typeface="+mn-lt"/>
-                <a:ea typeface="+mn-ea"/>
-                <a:cs typeface="+mn-cs"/>
-              </a:rPr>
-              <a:t>Zadaniem algorytmu jest wygenerowanie takiej ścieżki, że całkowity jej koszt jest minimalny spośród wszystkich dostępnych ścieżek od startu do celu. </a:t>
-            </a:r>
-          </a:p>
-          <a:p>
-            <a:endParaRPr lang="pl-PL" sz="1200" kern="1200" dirty="0" smtClean="0">
-              <a:solidFill>
-                <a:schemeClr val="tx1"/>
-              </a:solidFill>
-              <a:effectLst/>
-              <a:latin typeface="+mn-lt"/>
-              <a:ea typeface="+mn-ea"/>
-              <a:cs typeface="+mn-cs"/>
-            </a:endParaRPr>
-          </a:p>
-          <a:p>
-            <a:r>
-              <a:rPr lang="pl-PL" sz="1200" b="1" kern="1200" dirty="0" smtClean="0">
-                <a:solidFill>
-                  <a:schemeClr val="tx1"/>
-                </a:solidFill>
-                <a:effectLst/>
-                <a:latin typeface="+mn-lt"/>
-                <a:ea typeface="+mn-ea"/>
-                <a:cs typeface="+mn-cs"/>
-              </a:rPr>
-              <a:t>Parametry</a:t>
-            </a:r>
-          </a:p>
-          <a:p>
-            <a:r>
-              <a:rPr lang="pl-PL" sz="1200" kern="1200" dirty="0" smtClean="0">
-                <a:solidFill>
-                  <a:schemeClr val="tx1"/>
-                </a:solidFill>
-                <a:effectLst/>
-                <a:latin typeface="+mn-lt"/>
-                <a:ea typeface="+mn-ea"/>
-                <a:cs typeface="+mn-cs"/>
-              </a:rPr>
-              <a:t>Dany jest graf (skierowany o nieujemnych wagach) i dwa węzły w tym grafie (startowy i docelowy). </a:t>
-            </a:r>
-          </a:p>
-          <a:p>
-            <a:endParaRPr lang="pl-PL" sz="1200" b="1" kern="1200" dirty="0" smtClean="0">
-              <a:solidFill>
-                <a:schemeClr val="tx1"/>
-              </a:solidFill>
-              <a:effectLst/>
-              <a:latin typeface="+mn-lt"/>
-              <a:ea typeface="+mn-ea"/>
-              <a:cs typeface="+mn-cs"/>
-            </a:endParaRPr>
-          </a:p>
-          <a:p>
-            <a:r>
-              <a:rPr lang="pl-PL" sz="1200" b="1" kern="1200" dirty="0" smtClean="0">
-                <a:solidFill>
-                  <a:schemeClr val="tx1"/>
-                </a:solidFill>
-                <a:effectLst/>
-                <a:latin typeface="+mn-lt"/>
-                <a:ea typeface="+mn-ea"/>
-                <a:cs typeface="+mn-cs"/>
-              </a:rPr>
-              <a:t>Opis</a:t>
-            </a:r>
-          </a:p>
-          <a:p>
-            <a:r>
-              <a:rPr lang="pl-PL" sz="1200" kern="1200" dirty="0" smtClean="0">
-                <a:solidFill>
-                  <a:schemeClr val="tx1"/>
-                </a:solidFill>
-                <a:effectLst/>
-                <a:latin typeface="+mn-lt"/>
-                <a:ea typeface="+mn-ea"/>
-                <a:cs typeface="+mn-cs"/>
-              </a:rPr>
-              <a:t>Podczas iteracji A* rozważa każde wychodzące połączenie z bieżącego węzła. Dla każdego połączenia znajduje węzeł końcowy i przypisuje całkowity koszt ścieżki tymczasowej i połączenia, z którego przyszedł.</a:t>
-            </a:r>
-            <a:r>
-              <a:rPr lang="pl-PL" sz="1200" kern="1200" baseline="0" dirty="0" smtClean="0">
-                <a:solidFill>
-                  <a:schemeClr val="tx1"/>
-                </a:solidFill>
-                <a:effectLst/>
-                <a:latin typeface="+mn-lt"/>
-                <a:ea typeface="+mn-ea"/>
-                <a:cs typeface="+mn-cs"/>
-              </a:rPr>
-              <a:t> </a:t>
-            </a:r>
-            <a:r>
-              <a:rPr lang="pl-PL" sz="1200" kern="1200" dirty="0" smtClean="0">
-                <a:solidFill>
-                  <a:schemeClr val="tx1"/>
-                </a:solidFill>
-                <a:effectLst/>
-                <a:latin typeface="+mn-lt"/>
-                <a:ea typeface="+mn-ea"/>
-                <a:cs typeface="+mn-cs"/>
-              </a:rPr>
-              <a:t>Dodatkowo algorytm przypisuje jeszcze jedną wartość: estymacje całkowitego kosztu dla ścieżki od węzła startowego przez obecny węzeł do celu (ta wartość zostanie teraz nazwana: estymowany koszt całkowity). Ta estymacja jest sumą dwóch wartości: kosztu dotychczasowego i wartości określającej jak daleko węzeł znajduje się od celu.</a:t>
-            </a:r>
-          </a:p>
-          <a:p>
-            <a:r>
-              <a:rPr lang="pl-PL" sz="1200" kern="1200" dirty="0" smtClean="0">
-                <a:solidFill>
-                  <a:schemeClr val="tx1"/>
-                </a:solidFill>
-                <a:effectLst/>
-                <a:latin typeface="+mn-lt"/>
-                <a:ea typeface="+mn-ea"/>
-                <a:cs typeface="+mn-cs"/>
-              </a:rPr>
-              <a:t>Estymacja jest powszechnie nazywana "wartością heurystyki" węzła i nie może być to wartość ujemna. Proces generowania wartości heurystyki jest punktem kluczowym w procesie implementacji algorytmu A*.</a:t>
+            <a:r>
+              <a:rPr lang="pl-PL" dirty="0" smtClean="0"/>
+              <a:t>System</a:t>
+            </a:r>
+            <a:r>
+              <a:rPr lang="pl-PL" baseline="0" dirty="0" smtClean="0"/>
+              <a:t> nawigacji wymagał zaprojektowania modeli map na których zostały przeprowadzone testy. Na potrzeby pracy dyplomowej zostały zaprojektowane 4 modele środowisk gry widoczne na powyższym slajdzie. Obszar zacieniowany kolorem czerwonym i niebieskim oznacza obszar, po którym mogą się poruszać agenci komputerowi.  Modele oznaczone numerem 1 i 2 prezentują środowisko gry o prostej strukturze, natomiast modele o numerach 3 i 4 są środowiskami o bardziej skomplikowanej strukturze.  </a:t>
             </a:r>
             <a:endParaRPr lang="pl-PL" dirty="0"/>
           </a:p>
@@ -2909,7 +2898,7 @@
           <a:p>
             <a:fld id="{C395EE7B-1B00-49A3-8F23-E06B3DFEBA65}" type="slidenum">
               <a:rPr lang="pl-PL" smtClean="0"/>
-              <a:t>5</a:t>
+              <a:t>8</a:t>
             </a:fld>
             <a:endParaRPr lang="pl-PL"/>
           </a:p>
@@ -2918,7 +2907,7 @@
     </p:spTree>
     <p:extLst>
       <p:ext uri="{BB962C8B-B14F-4D97-AF65-F5344CB8AC3E}">
-        <p14:creationId xmlns:p14="http://schemas.microsoft.com/office/powerpoint/2010/main" val="338770544"/>
+        <p14:creationId xmlns:p14="http://schemas.microsoft.com/office/powerpoint/2010/main" val="2320688907"/>
       </p:ext>
     </p:extLst>
   </p:cSld>
@@ -2974,11 +2963,11 @@
           <a:p>
             <a:r>
               <a:rPr lang="pl-PL" dirty="0" smtClean="0"/>
-              <a:t>System</a:t>
+              <a:t>Na powyższym slajdzie</a:t>
             </a:r>
             <a:r>
               <a:rPr lang="pl-PL" baseline="0" dirty="0" smtClean="0"/>
-              <a:t> nawigacji wymagał zaprojektowania modeli map na których zostały przeprowadzone testy. Na potrzeby pracy dyplomowej zostały zaprojektowane 4 modele środowisk gry widoczne na powyższym slajdzie. Obszar zacieniowany kolorem czerwonym i niebieskim oznacza obszar, po którym mogą się poruszać agenci komputerowi.  Modele oznaczone numerem 1 i 2 prezentują środowisko gry o prostej strukturze, natomiast modele o numerach 3 i 4 są środowiskami o bardziej skomplikowanej strukturze.  </a:t>
+              <a:t> przedstawiono wyniki badań nad heurystykami A* dla czterech środowisk. Dane zostały pogrupowane z serie danych. Kolor niebieski odpowiada środowiskom o rozmiarze 50x50 , czerwony 100x100, a natomiast zielony 200x200.  Pierwszy zestaw trzech słupków przedstawia wyniki badań z wykorzystaniem heurystyki euklidesowej, kolejny heurystyka Manhattan oraz ostatni heurystyki diagonalnej Manhattan. </a:t>
             </a:r>
             <a:endParaRPr lang="pl-PL" dirty="0"/>
           </a:p>
@@ -3010,7 +2999,7 @@
     </p:spTree>
     <p:extLst>
       <p:ext uri="{BB962C8B-B14F-4D97-AF65-F5344CB8AC3E}">
-        <p14:creationId xmlns:p14="http://schemas.microsoft.com/office/powerpoint/2010/main" val="2320688907"/>
+        <p14:creationId xmlns:p14="http://schemas.microsoft.com/office/powerpoint/2010/main" val="933388526"/>
       </p:ext>
     </p:extLst>
   </p:cSld>
@@ -3066,11 +3055,11 @@
           <a:p>
             <a:r>
               <a:rPr lang="pl-PL" dirty="0" smtClean="0"/>
-              <a:t>Na powyższym slajdzie</a:t>
+              <a:t>Slajd przedstawia zestawienie</a:t>
             </a:r>
             <a:r>
               <a:rPr lang="pl-PL" baseline="0" dirty="0" smtClean="0"/>
-              <a:t> przedstawiono wyniki badań nad heurystykami A* dla czterech środowisk. Dane zostały pogrupowane z serie danych. Kolor niebieski odpowiada środowiskom o rozmiarze 50x50 , czerwony 100x100, a natomiast zielony 200x200.  Pierwszy zestaw trzech słupków przedstawia wyniki badań z wykorzystaniem heurystyki euklidesowej, kolejny heurystyka Manhattan oraz ostatni heurystyki diagonalnej Manhattan. </a:t>
+              <a:t> wyników badań dla algorytmów A* i JPS. Kolorem niebieskim zostały oznaczone wyniki czasowe algorytmu A*, a czerwonym wyniki działania algorytmu JPS. </a:t>
             </a:r>
             <a:endParaRPr lang="pl-PL" dirty="0"/>
           </a:p>
@@ -3102,7 +3091,7 @@
     </p:spTree>
     <p:extLst>
       <p:ext uri="{BB962C8B-B14F-4D97-AF65-F5344CB8AC3E}">
-        <p14:creationId xmlns:p14="http://schemas.microsoft.com/office/powerpoint/2010/main" val="933388526"/>
+        <p14:creationId xmlns:p14="http://schemas.microsoft.com/office/powerpoint/2010/main" val="2388164256"/>
       </p:ext>
     </p:extLst>
   </p:cSld>
@@ -3112,9 +3101,14 @@
 </p:notes>
 </file>
 
-<file path=ppt/notesSlides/notesSlide8.xml><?xml version="1.0" encoding="utf-8"?>
-<p:notes xmlns:a="http://schemas.openxmlformats.org/drawingml/2006/main" xmlns:r="http://schemas.openxmlformats.org/officeDocument/2006/relationships" xmlns:p="http://schemas.openxmlformats.org/presentationml/2006/main">
-  <p:cSld>
+<file path=ppt/slideLayouts/slideLayout1.xml><?xml version="1.0" encoding="utf-8"?>
+<p:sldLayout xmlns:a="http://schemas.openxmlformats.org/drawingml/2006/main" xmlns:r="http://schemas.openxmlformats.org/officeDocument/2006/relationships" xmlns:p="http://schemas.openxmlformats.org/presentationml/2006/main" showMasterSp="0" type="title" preserve="1">
+  <p:cSld name="Slajd tytułowy">
+    <p:bg>
+      <p:bgRef idx="1002">
+        <a:schemeClr val="bg2"/>
+      </p:bgRef>
+    </p:bg>
     <p:spTree>
       <p:nvGrpSpPr>
         <p:cNvPr id="1" name=""/>
@@ -3131,99 +3125,203 @@
       </p:grpSpPr>
       <p:sp>
         <p:nvSpPr>
-          <p:cNvPr id="2" name="Symbol zastępczy obrazu slajdu 1"/>
-          <p:cNvSpPr>
-            <a:spLocks noGrp="1" noRot="1" noChangeAspect="1"/>
-          </p:cNvSpPr>
-          <p:nvPr>
-            <p:ph type="sldImg"/>
-          </p:nvPr>
-        </p:nvSpPr>
-        <p:spPr/>
-      </p:sp>
-      <p:sp>
-        <p:nvSpPr>
-          <p:cNvPr id="3" name="Symbol zastępczy notatek 2"/>
-          <p:cNvSpPr>
-            <a:spLocks noGrp="1"/>
-          </p:cNvSpPr>
-          <p:nvPr>
-            <p:ph type="body" idx="1"/>
-          </p:nvPr>
-        </p:nvSpPr>
-        <p:spPr/>
-        <p:txBody>
-          <a:bodyPr/>
-          <a:lstStyle/>
-          <a:p>
-            <a:r>
-              <a:rPr lang="pl-PL" dirty="0" smtClean="0"/>
-              <a:t>Slajd przedstawia zestawienie</a:t>
-            </a:r>
-            <a:r>
-              <a:rPr lang="pl-PL" baseline="0" dirty="0" smtClean="0"/>
-              <a:t> wyników badań dla algorytmów A* i JPS. Kolorem niebieskim zostały oznaczone wyniki czasowe algorytmu A*, a czerwonym wyniki działania algorytmu JPS. </a:t>
-            </a:r>
-            <a:endParaRPr lang="pl-PL" dirty="0"/>
-          </a:p>
-        </p:txBody>
-      </p:sp>
-      <p:sp>
-        <p:nvSpPr>
-          <p:cNvPr id="4" name="Symbol zastępczy numeru slajdu 3"/>
-          <p:cNvSpPr>
-            <a:spLocks noGrp="1"/>
-          </p:cNvSpPr>
-          <p:nvPr>
-            <p:ph type="sldNum" sz="quarter" idx="10"/>
-          </p:nvPr>
-        </p:nvSpPr>
-        <p:spPr/>
-        <p:txBody>
-          <a:bodyPr/>
-          <a:lstStyle/>
-          <a:p>
-            <a:fld id="{C395EE7B-1B00-49A3-8F23-E06B3DFEBA65}" type="slidenum">
-              <a:rPr lang="pl-PL" smtClean="0"/>
-              <a:t>11</a:t>
-            </a:fld>
-            <a:endParaRPr lang="pl-PL"/>
-          </a:p>
-        </p:txBody>
-      </p:sp>
-    </p:spTree>
-    <p:extLst>
-      <p:ext uri="{BB962C8B-B14F-4D97-AF65-F5344CB8AC3E}">
-        <p14:creationId xmlns:p14="http://schemas.microsoft.com/office/powerpoint/2010/main" val="2388164256"/>
-      </p:ext>
-    </p:extLst>
-  </p:cSld>
-  <p:clrMapOvr>
-    <a:masterClrMapping/>
-  </p:clrMapOvr>
-</p:notes>
-</file>
-
-<file path=ppt/slideLayouts/slideLayout1.xml><?xml version="1.0" encoding="utf-8"?>
-<p:sldLayout xmlns:a="http://schemas.openxmlformats.org/drawingml/2006/main" xmlns:r="http://schemas.openxmlformats.org/officeDocument/2006/relationships" xmlns:p="http://schemas.openxmlformats.org/presentationml/2006/main" type="title" preserve="1">
-  <p:cSld name="Slajd tytułowy">
-    <p:spTree>
-      <p:nvGrpSpPr>
-        <p:cNvPr id="1" name=""/>
-        <p:cNvGrpSpPr/>
-        <p:nvPr/>
-      </p:nvGrpSpPr>
-      <p:grpSpPr>
-        <a:xfrm>
-          <a:off x="0" y="0"/>
-          <a:ext cx="0" cy="0"/>
-          <a:chOff x="0" y="0"/>
-          <a:chExt cx="0" cy="0"/>
-        </a:xfrm>
-      </p:grpSpPr>
-      <p:sp>
-        <p:nvSpPr>
-          <p:cNvPr id="2" name="Tytuł 1"/>
+          <p:cNvPr id="7" name="Dowolny kształt 6"/>
+          <p:cNvSpPr>
+            <a:spLocks/>
+          </p:cNvSpPr>
+          <p:nvPr/>
+        </p:nvSpPr>
+        <p:spPr bwMode="auto">
+          <a:xfrm>
+            <a:off x="0" y="4752126"/>
+            <a:ext cx="9144000" cy="2112962"/>
+          </a:xfrm>
+          <a:custGeom>
+            <a:avLst>
+              <a:gd name="A1" fmla="val 0"/>
+              <a:gd name="A2" fmla="val 0"/>
+              <a:gd name="A3" fmla="val 0"/>
+              <a:gd name="A4" fmla="val 0"/>
+              <a:gd name="A5" fmla="val 0"/>
+              <a:gd name="A6" fmla="val 0"/>
+              <a:gd name="A7" fmla="val 0"/>
+              <a:gd name="A8" fmla="val 0"/>
+            </a:avLst>
+            <a:gdLst/>
+            <a:ahLst/>
+            <a:cxnLst>
+              <a:cxn ang="0">
+                <a:pos x="0" y="1066"/>
+              </a:cxn>
+              <a:cxn ang="0">
+                <a:pos x="0" y="1331"/>
+              </a:cxn>
+              <a:cxn ang="0">
+                <a:pos x="5760" y="1331"/>
+              </a:cxn>
+              <a:cxn ang="0">
+                <a:pos x="5760" y="0"/>
+              </a:cxn>
+              <a:cxn ang="0">
+                <a:pos x="0" y="1066"/>
+              </a:cxn>
+            </a:cxnLst>
+            <a:rect l="0" t="0" r="0" b="0"/>
+            <a:pathLst>
+              <a:path w="5760" h="1331">
+                <a:moveTo>
+                  <a:pt x="0" y="1066"/>
+                </a:moveTo>
+                <a:lnTo>
+                  <a:pt x="0" y="1331"/>
+                </a:lnTo>
+                <a:lnTo>
+                  <a:pt x="5760" y="1331"/>
+                </a:lnTo>
+                <a:lnTo>
+                  <a:pt x="5760" y="0"/>
+                </a:lnTo>
+                <a:cubicBezTo>
+                  <a:pt x="3220" y="1206"/>
+                  <a:pt x="2250" y="1146"/>
+                  <a:pt x="0" y="1066"/>
+                </a:cubicBezTo>
+                <a:close/>
+              </a:path>
+            </a:pathLst>
+          </a:custGeom>
+          <a:solidFill>
+            <a:schemeClr val="bg1">
+              <a:tint val="80000"/>
+              <a:satMod val="200000"/>
+              <a:alpha val="45000"/>
+            </a:schemeClr>
+          </a:solidFill>
+          <a:ln w="9525" cap="flat" cmpd="sng" algn="ctr">
+            <a:noFill/>
+            <a:prstDash val="solid"/>
+            <a:round/>
+            <a:headEnd type="none" w="med" len="med"/>
+            <a:tailEnd type="none" w="med" len="med"/>
+          </a:ln>
+          <a:effectLst>
+            <a:outerShdw blurRad="50800" dist="44450" dir="16200000" algn="ctr" rotWithShape="0">
+              <a:prstClr val="black">
+                <a:alpha val="35000"/>
+              </a:prstClr>
+            </a:outerShdw>
+          </a:effectLst>
+        </p:spPr>
+        <p:txBody>
+          <a:bodyPr vert="horz" wrap="square" lIns="91440" tIns="45720" rIns="91440" bIns="45720" anchor="t" compatLnSpc="1"/>
+          <a:lstStyle/>
+          <a:p>
+            <a:endParaRPr kumimoji="0" lang="en-US"/>
+          </a:p>
+        </p:txBody>
+      </p:sp>
+      <p:sp>
+        <p:nvSpPr>
+          <p:cNvPr id="8" name="Dowolny kształt 7"/>
+          <p:cNvSpPr>
+            <a:spLocks/>
+          </p:cNvSpPr>
+          <p:nvPr/>
+        </p:nvSpPr>
+        <p:spPr bwMode="auto">
+          <a:xfrm>
+            <a:off x="6105525" y="0"/>
+            <a:ext cx="3038475" cy="6858000"/>
+          </a:xfrm>
+          <a:custGeom>
+            <a:avLst/>
+            <a:gdLst>
+              <a:gd name="connsiteX0" fmla="*/ 1914 w 1914"/>
+              <a:gd name="connsiteY0" fmla="*/ 9 h 4329"/>
+              <a:gd name="connsiteX1" fmla="*/ 1914 w 1914"/>
+              <a:gd name="connsiteY1" fmla="*/ 4329 h 4329"/>
+              <a:gd name="connsiteX2" fmla="*/ 204 w 1914"/>
+              <a:gd name="connsiteY2" fmla="*/ 4327 h 4329"/>
+              <a:gd name="connsiteX3" fmla="*/ 0 w 1914"/>
+              <a:gd name="connsiteY3" fmla="*/ 0 h 4329"/>
+              <a:gd name="connsiteX4" fmla="*/ 1914 w 1914"/>
+              <a:gd name="connsiteY4" fmla="*/ 9 h 4329"/>
+            </a:gdLst>
+            <a:ahLst/>
+            <a:cxnLst>
+              <a:cxn ang="0">
+                <a:pos x="connsiteX0" y="connsiteY0"/>
+              </a:cxn>
+              <a:cxn ang="0">
+                <a:pos x="connsiteX1" y="connsiteY1"/>
+              </a:cxn>
+              <a:cxn ang="0">
+                <a:pos x="connsiteX2" y="connsiteY2"/>
+              </a:cxn>
+              <a:cxn ang="0">
+                <a:pos x="connsiteX3" y="connsiteY3"/>
+              </a:cxn>
+              <a:cxn ang="0">
+                <a:pos x="connsiteX4" y="connsiteY4"/>
+              </a:cxn>
+            </a:cxnLst>
+            <a:rect l="l" t="t" r="r" b="b"/>
+            <a:pathLst>
+              <a:path w="1914" h="4329">
+                <a:moveTo>
+                  <a:pt x="1914" y="9"/>
+                </a:moveTo>
+                <a:lnTo>
+                  <a:pt x="1914" y="4329"/>
+                </a:lnTo>
+                <a:lnTo>
+                  <a:pt x="204" y="4327"/>
+                </a:lnTo>
+                <a:cubicBezTo>
+                  <a:pt x="1288" y="3574"/>
+                  <a:pt x="1608" y="1590"/>
+                  <a:pt x="0" y="0"/>
+                </a:cubicBezTo>
+                <a:lnTo>
+                  <a:pt x="1914" y="9"/>
+                </a:lnTo>
+                <a:close/>
+              </a:path>
+            </a:pathLst>
+          </a:custGeom>
+          <a:solidFill>
+            <a:schemeClr val="bg1">
+              <a:tint val="90000"/>
+              <a:satMod val="350000"/>
+              <a:alpha val="40000"/>
+            </a:schemeClr>
+          </a:solidFill>
+          <a:ln w="9525" cap="flat" cmpd="sng" algn="ctr">
+            <a:noFill/>
+            <a:prstDash val="solid"/>
+            <a:round/>
+            <a:headEnd type="none" w="med" len="med"/>
+            <a:tailEnd type="none" w="med" len="med"/>
+          </a:ln>
+          <a:effectLst>
+            <a:outerShdw blurRad="50800" dist="50800" dir="10800000" algn="ctr" rotWithShape="0">
+              <a:prstClr val="black">
+                <a:alpha val="45000"/>
+              </a:prstClr>
+            </a:outerShdw>
+          </a:effectLst>
+        </p:spPr>
+        <p:txBody>
+          <a:bodyPr vert="horz" wrap="square" lIns="91440" tIns="45720" rIns="91440" bIns="45720" anchor="t" compatLnSpc="1"/>
+          <a:lstStyle/>
+          <a:p>
+            <a:endParaRPr kumimoji="0" lang="en-US"/>
+          </a:p>
+        </p:txBody>
+      </p:sp>
+      <p:sp>
+        <p:nvSpPr>
+          <p:cNvPr id="9" name="Tytuł 8"/>
           <p:cNvSpPr>
             <a:spLocks noGrp="1"/>
           </p:cNvSpPr>
@@ -3233,25 +3331,82 @@
         </p:nvSpPr>
         <p:spPr>
           <a:xfrm>
-            <a:off x="685800" y="2130425"/>
-            <a:ext cx="7772400" cy="1470025"/>
+            <a:off x="429064" y="3337560"/>
+            <a:ext cx="6480048" cy="2301240"/>
           </a:xfrm>
         </p:spPr>
         <p:txBody>
-          <a:bodyPr/>
-          <a:lstStyle/>
-          <a:p>
-            <a:r>
-              <a:rPr lang="pl-PL" smtClean="0"/>
+          <a:bodyPr rIns="45720" anchor="t"/>
+          <a:lstStyle>
+            <a:lvl1pPr algn="r">
+              <a:defRPr lang="en-US" b="1" cap="all" baseline="0" dirty="0">
+                <a:ln w="5000" cmpd="sng">
+                  <a:solidFill>
+                    <a:schemeClr val="accent1">
+                      <a:tint val="80000"/>
+                      <a:shade val="99000"/>
+                      <a:satMod val="500000"/>
+                    </a:schemeClr>
+                  </a:solidFill>
+                  <a:prstDash val="solid"/>
+                </a:ln>
+                <a:gradFill>
+                  <a:gsLst>
+                    <a:gs pos="0">
+                      <a:schemeClr val="accent1">
+                        <a:tint val="63000"/>
+                        <a:satMod val="255000"/>
+                      </a:schemeClr>
+                    </a:gs>
+                    <a:gs pos="9000">
+                      <a:schemeClr val="accent1">
+                        <a:tint val="63000"/>
+                        <a:satMod val="255000"/>
+                      </a:schemeClr>
+                    </a:gs>
+                    <a:gs pos="53000">
+                      <a:schemeClr val="accent1">
+                        <a:shade val="60000"/>
+                        <a:satMod val="100000"/>
+                      </a:schemeClr>
+                    </a:gs>
+                    <a:gs pos="90000">
+                      <a:schemeClr val="accent1">
+                        <a:tint val="63000"/>
+                        <a:satMod val="255000"/>
+                      </a:schemeClr>
+                    </a:gs>
+                    <a:gs pos="100000">
+                      <a:schemeClr val="accent1">
+                        <a:tint val="63000"/>
+                        <a:satMod val="255000"/>
+                      </a:schemeClr>
+                    </a:gs>
+                  </a:gsLst>
+                  <a:lin ang="5400000"/>
+                </a:gradFill>
+                <a:effectLst>
+                  <a:outerShdw blurRad="50800" dist="38100" dir="5400000" algn="t" rotWithShape="0">
+                    <a:prstClr val="black">
+                      <a:alpha val="50000"/>
+                    </a:prstClr>
+                  </a:outerShdw>
+                </a:effectLst>
+              </a:defRPr>
+            </a:lvl1pPr>
+          </a:lstStyle>
+          <a:p>
+            <a:r>
+              <a:rPr kumimoji="0" lang="pl-PL" smtClean="0"/>
               <a:t>Kliknij, aby edytować styl</a:t>
             </a:r>
-            <a:endParaRPr lang="pl-PL"/>
-          </a:p>
-        </p:txBody>
-      </p:sp>
-      <p:sp>
-        <p:nvSpPr>
-          <p:cNvPr id="3" name="Podtytuł 2"/>
+            <a:endParaRPr kumimoji="0" lang="en-US"/>
+          </a:p>
+        </p:txBody>
+      </p:sp>
+      <p:sp>
+        <p:nvSpPr>
+          <p:cNvPr id="17" name="Podtytuł 16"/>
           <p:cNvSpPr>
             <a:spLocks noGrp="1"/>
           </p:cNvSpPr>
@@ -3261,116 +3416,61 @@
         </p:nvSpPr>
         <p:spPr>
           <a:xfrm>
-            <a:off x="1371600" y="3886200"/>
-            <a:ext cx="6400800" cy="1752600"/>
+            <a:off x="433050" y="1544812"/>
+            <a:ext cx="6480048" cy="1752600"/>
           </a:xfrm>
         </p:spPr>
         <p:txBody>
-          <a:bodyPr/>
+          <a:bodyPr tIns="0" rIns="45720" bIns="0" anchor="b">
+            <a:normAutofit/>
+          </a:bodyPr>
           <a:lstStyle>
-            <a:lvl1pPr marL="0" indent="0" algn="ctr">
+            <a:lvl1pPr marL="0" indent="0" algn="r">
               <a:buNone/>
-              <a:defRPr>
+              <a:defRPr sz="2000">
                 <a:solidFill>
-                  <a:schemeClr val="tx1">
-                    <a:tint val="75000"/>
-                  </a:schemeClr>
+                  <a:schemeClr val="tx1"/>
                 </a:solidFill>
+                <a:effectLst/>
               </a:defRPr>
             </a:lvl1pPr>
             <a:lvl2pPr marL="457200" indent="0" algn="ctr">
               <a:buNone/>
-              <a:defRPr>
-                <a:solidFill>
-                  <a:schemeClr val="tx1">
-                    <a:tint val="75000"/>
-                  </a:schemeClr>
-                </a:solidFill>
-              </a:defRPr>
             </a:lvl2pPr>
             <a:lvl3pPr marL="914400" indent="0" algn="ctr">
               <a:buNone/>
-              <a:defRPr>
-                <a:solidFill>
-                  <a:schemeClr val="tx1">
-                    <a:tint val="75000"/>
-                  </a:schemeClr>
-                </a:solidFill>
-              </a:defRPr>
             </a:lvl3pPr>
             <a:lvl4pPr marL="1371600" indent="0" algn="ctr">
               <a:buNone/>
-              <a:defRPr>
-                <a:solidFill>
-                  <a:schemeClr val="tx1">
-                    <a:tint val="75000"/>
-                  </a:schemeClr>
-                </a:solidFill>
-              </a:defRPr>
             </a:lvl4pPr>
             <a:lvl5pPr marL="1828800" indent="0" algn="ctr">
               <a:buNone/>
-              <a:defRPr>
-                <a:solidFill>
-                  <a:schemeClr val="tx1">
-                    <a:tint val="75000"/>
-                  </a:schemeClr>
-                </a:solidFill>
-              </a:defRPr>
             </a:lvl5pPr>
             <a:lvl6pPr marL="2286000" indent="0" algn="ctr">
               <a:buNone/>
-              <a:defRPr>
-                <a:solidFill>
-                  <a:schemeClr val="tx1">
-                    <a:tint val="75000"/>
-                  </a:schemeClr>
-                </a:solidFill>
-              </a:defRPr>
             </a:lvl6pPr>
             <a:lvl7pPr marL="2743200" indent="0" algn="ctr">
               <a:buNone/>
-              <a:defRPr>
-                <a:solidFill>
-                  <a:schemeClr val="tx1">
-                    <a:tint val="75000"/>
-                  </a:schemeClr>
-                </a:solidFill>
-              </a:defRPr>
             </a:lvl7pPr>
             <a:lvl8pPr marL="3200400" indent="0" algn="ctr">
               <a:buNone/>
-              <a:defRPr>
-                <a:solidFill>
-                  <a:schemeClr val="tx1">
-                    <a:tint val="75000"/>
-                  </a:schemeClr>
-                </a:solidFill>
-              </a:defRPr>
             </a:lvl8pPr>
             <a:lvl9pPr marL="3657600" indent="0" algn="ctr">
               <a:buNone/>
-              <a:defRPr>
-                <a:solidFill>
-                  <a:schemeClr val="tx1">
-                    <a:tint val="75000"/>
-                  </a:schemeClr>
-                </a:solidFill>
-              </a:defRPr>
             </a:lvl9pPr>
           </a:lstStyle>
           <a:p>
             <a:r>
-              <a:rPr lang="pl-PL" smtClean="0"/>
+              <a:rPr kumimoji="0" lang="pl-PL" smtClean="0"/>
               <a:t>Kliknij, aby edytować styl wzorca podtytułu</a:t>
             </a:r>
-            <a:endParaRPr lang="pl-PL"/>
-          </a:p>
-        </p:txBody>
-      </p:sp>
-      <p:sp>
-        <p:nvSpPr>
-          <p:cNvPr id="4" name="Symbol zastępczy daty 3"/>
+            <a:endParaRPr kumimoji="0" lang="en-US"/>
+          </a:p>
+        </p:txBody>
+      </p:sp>
+      <p:sp>
+        <p:nvSpPr>
+          <p:cNvPr id="30" name="Symbol zastępczy daty 29"/>
           <p:cNvSpPr>
             <a:spLocks noGrp="1"/>
           </p:cNvSpPr>
@@ -3385,7 +3485,7 @@
           <a:p>
             <a:fld id="{4321F2FE-F26E-4291-A147-8C4041B12D9E}" type="datetime1">
               <a:rPr lang="pl-PL" smtClean="0"/>
-              <a:t>2013-11-03</a:t>
+              <a:t>2013-11-04</a:t>
             </a:fld>
             <a:endParaRPr lang="pl-PL"/>
           </a:p>
@@ -3393,7 +3493,7 @@
       </p:sp>
       <p:sp>
         <p:nvSpPr>
-          <p:cNvPr id="5" name="Symbol zastępczy stopki 4"/>
+          <p:cNvPr id="19" name="Symbol zastępczy stopki 18"/>
           <p:cNvSpPr>
             <a:spLocks noGrp="1"/>
           </p:cNvSpPr>
@@ -3412,7 +3512,7 @@
       </p:sp>
       <p:sp>
         <p:nvSpPr>
-          <p:cNvPr id="6" name="Symbol zastępczy numeru slajdu 5"/>
+          <p:cNvPr id="27" name="Symbol zastępczy numeru slajdu 26"/>
           <p:cNvSpPr>
             <a:spLocks noGrp="1"/>
           </p:cNvSpPr>
@@ -3434,14 +3534,9 @@
         </p:txBody>
       </p:sp>
     </p:spTree>
-    <p:extLst>
-      <p:ext uri="{BB962C8B-B14F-4D97-AF65-F5344CB8AC3E}">
-        <p14:creationId xmlns:p14="http://schemas.microsoft.com/office/powerpoint/2010/main" val="2415726016"/>
-      </p:ext>
-    </p:extLst>
   </p:cSld>
   <p:clrMapOvr>
-    <a:masterClrMapping/>
+    <a:overrideClrMapping bg1="dk1" tx1="lt1" bg2="dk2" tx2="lt2" accent1="accent1" accent2="accent2" accent3="accent3" accent4="accent4" accent5="accent5" accent6="accent6" hlink="hlink" folHlink="folHlink"/>
   </p:clrMapOvr>
 </p:sldLayout>
 </file>
@@ -3479,10 +3574,10 @@
           <a:lstStyle/>
           <a:p>
             <a:r>
-              <a:rPr lang="pl-PL" smtClean="0"/>
+              <a:rPr kumimoji="0" lang="pl-PL" smtClean="0"/>
               <a:t>Kliknij, aby edytować styl</a:t>
             </a:r>
-            <a:endParaRPr lang="pl-PL"/>
+            <a:endParaRPr kumimoji="0" lang="en-US"/>
           </a:p>
         </p:txBody>
       </p:sp>
@@ -3501,40 +3596,40 @@
           <a:bodyPr vert="eaVert"/>
           <a:lstStyle/>
           <a:p>
-            <a:pPr lvl="0"/>
+            <a:pPr lvl="0" eaLnBrk="1" latinLnBrk="0" hangingPunct="1"/>
             <a:r>
               <a:rPr lang="pl-PL" smtClean="0"/>
               <a:t>Kliknij, aby edytować style wzorca tekstu</a:t>
             </a:r>
           </a:p>
           <a:p>
-            <a:pPr lvl="1"/>
+            <a:pPr lvl="1" eaLnBrk="1" latinLnBrk="0" hangingPunct="1"/>
             <a:r>
               <a:rPr lang="pl-PL" smtClean="0"/>
               <a:t>Drugi poziom</a:t>
             </a:r>
           </a:p>
           <a:p>
-            <a:pPr lvl="2"/>
+            <a:pPr lvl="2" eaLnBrk="1" latinLnBrk="0" hangingPunct="1"/>
             <a:r>
               <a:rPr lang="pl-PL" smtClean="0"/>
               <a:t>Trzeci poziom</a:t>
             </a:r>
           </a:p>
           <a:p>
-            <a:pPr lvl="3"/>
+            <a:pPr lvl="3" eaLnBrk="1" latinLnBrk="0" hangingPunct="1"/>
             <a:r>
               <a:rPr lang="pl-PL" smtClean="0"/>
               <a:t>Czwarty poziom</a:t>
             </a:r>
           </a:p>
           <a:p>
-            <a:pPr lvl="4"/>
+            <a:pPr lvl="4" eaLnBrk="1" latinLnBrk="0" hangingPunct="1"/>
             <a:r>
               <a:rPr lang="pl-PL" smtClean="0"/>
               <a:t>Piąty poziom</a:t>
             </a:r>
-            <a:endParaRPr lang="pl-PL"/>
+            <a:endParaRPr kumimoji="0" lang="en-US"/>
           </a:p>
         </p:txBody>
       </p:sp>
@@ -3555,7 +3650,7 @@
           <a:p>
             <a:fld id="{83BF026A-E201-47E1-9A92-B814A9A3F327}" type="datetime1">
               <a:rPr lang="pl-PL" smtClean="0"/>
-              <a:t>2013-11-03</a:t>
+              <a:t>2013-11-04</a:t>
             </a:fld>
             <a:endParaRPr lang="pl-PL"/>
           </a:p>
@@ -3604,11 +3699,6 @@
         </p:txBody>
       </p:sp>
     </p:spTree>
-    <p:extLst>
-      <p:ext uri="{BB962C8B-B14F-4D97-AF65-F5344CB8AC3E}">
-        <p14:creationId xmlns:p14="http://schemas.microsoft.com/office/powerpoint/2010/main" val="284088956"/>
-      </p:ext>
-    </p:extLst>
   </p:cSld>
   <p:clrMapOvr>
     <a:masterClrMapping/>
@@ -3654,10 +3744,10 @@
           <a:lstStyle/>
           <a:p>
             <a:r>
-              <a:rPr lang="pl-PL" smtClean="0"/>
+              <a:rPr kumimoji="0" lang="pl-PL" smtClean="0"/>
               <a:t>Kliknij, aby edytować styl</a:t>
             </a:r>
-            <a:endParaRPr lang="pl-PL"/>
+            <a:endParaRPr kumimoji="0" lang="en-US"/>
           </a:p>
         </p:txBody>
       </p:sp>
@@ -3681,40 +3771,40 @@
           <a:bodyPr vert="eaVert"/>
           <a:lstStyle/>
           <a:p>
-            <a:pPr lvl="0"/>
+            <a:pPr lvl="0" eaLnBrk="1" latinLnBrk="0" hangingPunct="1"/>
             <a:r>
               <a:rPr lang="pl-PL" smtClean="0"/>
               <a:t>Kliknij, aby edytować style wzorca tekstu</a:t>
             </a:r>
           </a:p>
           <a:p>
-            <a:pPr lvl="1"/>
+            <a:pPr lvl="1" eaLnBrk="1" latinLnBrk="0" hangingPunct="1"/>
             <a:r>
               <a:rPr lang="pl-PL" smtClean="0"/>
               <a:t>Drugi poziom</a:t>
             </a:r>
           </a:p>
           <a:p>
-            <a:pPr lvl="2"/>
+            <a:pPr lvl="2" eaLnBrk="1" latinLnBrk="0" hangingPunct="1"/>
             <a:r>
               <a:rPr lang="pl-PL" smtClean="0"/>
               <a:t>Trzeci poziom</a:t>
             </a:r>
           </a:p>
           <a:p>
-            <a:pPr lvl="3"/>
+            <a:pPr lvl="3" eaLnBrk="1" latinLnBrk="0" hangingPunct="1"/>
             <a:r>
               <a:rPr lang="pl-PL" smtClean="0"/>
               <a:t>Czwarty poziom</a:t>
             </a:r>
           </a:p>
           <a:p>
-            <a:pPr lvl="4"/>
+            <a:pPr lvl="4" eaLnBrk="1" latinLnBrk="0" hangingPunct="1"/>
             <a:r>
               <a:rPr lang="pl-PL" smtClean="0"/>
               <a:t>Piąty poziom</a:t>
             </a:r>
-            <a:endParaRPr lang="pl-PL"/>
+            <a:endParaRPr kumimoji="0" lang="en-US"/>
           </a:p>
         </p:txBody>
       </p:sp>
@@ -3735,7 +3825,7 @@
           <a:p>
             <a:fld id="{2096C3FB-B571-473D-A281-D6B9468FAD42}" type="datetime1">
               <a:rPr lang="pl-PL" smtClean="0"/>
-              <a:t>2013-11-03</a:t>
+              <a:t>2013-11-04</a:t>
             </a:fld>
             <a:endParaRPr lang="pl-PL"/>
           </a:p>
@@ -3784,11 +3874,6 @@
         </p:txBody>
       </p:sp>
     </p:spTree>
-    <p:extLst>
-      <p:ext uri="{BB962C8B-B14F-4D97-AF65-F5344CB8AC3E}">
-        <p14:creationId xmlns:p14="http://schemas.microsoft.com/office/powerpoint/2010/main" val="4177799453"/>
-      </p:ext>
-    </p:extLst>
   </p:cSld>
   <p:clrMapOvr>
     <a:masterClrMapping/>
@@ -3826,13 +3911,17 @@
         <p:spPr/>
         <p:txBody>
           <a:bodyPr/>
-          <a:lstStyle/>
-          <a:p>
-            <a:r>
-              <a:rPr lang="pl-PL" smtClean="0"/>
+          <a:lstStyle>
+            <a:lvl1pPr algn="l">
+              <a:defRPr/>
+            </a:lvl1pPr>
+          </a:lstStyle>
+          <a:p>
+            <a:r>
+              <a:rPr kumimoji="0" lang="pl-PL" smtClean="0"/>
               <a:t>Kliknij, aby edytować styl</a:t>
             </a:r>
-            <a:endParaRPr lang="pl-PL"/>
+            <a:endParaRPr kumimoji="0" lang="en-US"/>
           </a:p>
         </p:txBody>
       </p:sp>
@@ -3851,40 +3940,40 @@
           <a:bodyPr/>
           <a:lstStyle/>
           <a:p>
-            <a:pPr lvl="0"/>
+            <a:pPr lvl="0" eaLnBrk="1" latinLnBrk="0" hangingPunct="1"/>
             <a:r>
               <a:rPr lang="pl-PL" smtClean="0"/>
               <a:t>Kliknij, aby edytować style wzorca tekstu</a:t>
             </a:r>
           </a:p>
           <a:p>
-            <a:pPr lvl="1"/>
+            <a:pPr lvl="1" eaLnBrk="1" latinLnBrk="0" hangingPunct="1"/>
             <a:r>
               <a:rPr lang="pl-PL" smtClean="0"/>
               <a:t>Drugi poziom</a:t>
             </a:r>
           </a:p>
           <a:p>
-            <a:pPr lvl="2"/>
+            <a:pPr lvl="2" eaLnBrk="1" latinLnBrk="0" hangingPunct="1"/>
             <a:r>
               <a:rPr lang="pl-PL" smtClean="0"/>
               <a:t>Trzeci poziom</a:t>
             </a:r>
           </a:p>
           <a:p>
-            <a:pPr lvl="3"/>
+            <a:pPr lvl="3" eaLnBrk="1" latinLnBrk="0" hangingPunct="1"/>
             <a:r>
               <a:rPr lang="pl-PL" smtClean="0"/>
               <a:t>Czwarty poziom</a:t>
             </a:r>
           </a:p>
           <a:p>
-            <a:pPr lvl="4"/>
+            <a:pPr lvl="4" eaLnBrk="1" latinLnBrk="0" hangingPunct="1"/>
             <a:r>
               <a:rPr lang="pl-PL" smtClean="0"/>
               <a:t>Piąty poziom</a:t>
             </a:r>
-            <a:endParaRPr lang="pl-PL"/>
+            <a:endParaRPr kumimoji="0" lang="en-US"/>
           </a:p>
         </p:txBody>
       </p:sp>
@@ -3905,7 +3994,7 @@
           <a:p>
             <a:fld id="{44F5E471-05F4-4497-8EE2-CA2193B14556}" type="datetime1">
               <a:rPr lang="pl-PL" smtClean="0"/>
-              <a:t>2013-11-03</a:t>
+              <a:t>2013-11-04</a:t>
             </a:fld>
             <a:endParaRPr lang="pl-PL"/>
           </a:p>
@@ -3954,11 +4043,6 @@
         </p:txBody>
       </p:sp>
     </p:spTree>
-    <p:extLst>
-      <p:ext uri="{BB962C8B-B14F-4D97-AF65-F5344CB8AC3E}">
-        <p14:creationId xmlns:p14="http://schemas.microsoft.com/office/powerpoint/2010/main" val="3369096890"/>
-      </p:ext>
-    </p:extLst>
   </p:cSld>
   <p:clrMapOvr>
     <a:masterClrMapping/>
@@ -3967,8 +4051,13 @@
 </file>
 
 <file path=ppt/slideLayouts/slideLayout3.xml><?xml version="1.0" encoding="utf-8"?>
-<p:sldLayout xmlns:a="http://schemas.openxmlformats.org/drawingml/2006/main" xmlns:r="http://schemas.openxmlformats.org/officeDocument/2006/relationships" xmlns:p="http://schemas.openxmlformats.org/presentationml/2006/main" type="secHead" preserve="1">
+<p:sldLayout xmlns:a="http://schemas.openxmlformats.org/drawingml/2006/main" xmlns:r="http://schemas.openxmlformats.org/officeDocument/2006/relationships" xmlns:p="http://schemas.openxmlformats.org/presentationml/2006/main" showMasterSp="0" type="secHead" preserve="1">
   <p:cSld name="Nagłówek sekcji">
+    <p:bg>
+      <p:bgRef idx="1002">
+        <a:schemeClr val="bg2"/>
+      </p:bgRef>
+    </p:bg>
     <p:spTree>
       <p:nvGrpSpPr>
         <p:cNvPr id="1" name=""/>
@@ -3985,6 +4074,202 @@
       </p:grpSpPr>
       <p:sp>
         <p:nvSpPr>
+          <p:cNvPr id="7" name="Dowolny kształt 6"/>
+          <p:cNvSpPr>
+            <a:spLocks/>
+          </p:cNvSpPr>
+          <p:nvPr/>
+        </p:nvSpPr>
+        <p:spPr bwMode="auto">
+          <a:xfrm>
+            <a:off x="0" y="4752126"/>
+            <a:ext cx="9144000" cy="2112962"/>
+          </a:xfrm>
+          <a:custGeom>
+            <a:avLst>
+              <a:gd name="A1" fmla="val 0"/>
+              <a:gd name="A2" fmla="val 0"/>
+              <a:gd name="A3" fmla="val 0"/>
+              <a:gd name="A4" fmla="val 0"/>
+              <a:gd name="A5" fmla="val 0"/>
+              <a:gd name="A6" fmla="val 0"/>
+              <a:gd name="A7" fmla="val 0"/>
+              <a:gd name="A8" fmla="val 0"/>
+            </a:avLst>
+            <a:gdLst/>
+            <a:ahLst/>
+            <a:cxnLst>
+              <a:cxn ang="0">
+                <a:pos x="0" y="1066"/>
+              </a:cxn>
+              <a:cxn ang="0">
+                <a:pos x="0" y="1331"/>
+              </a:cxn>
+              <a:cxn ang="0">
+                <a:pos x="5760" y="1331"/>
+              </a:cxn>
+              <a:cxn ang="0">
+                <a:pos x="5760" y="0"/>
+              </a:cxn>
+              <a:cxn ang="0">
+                <a:pos x="0" y="1066"/>
+              </a:cxn>
+            </a:cxnLst>
+            <a:rect l="0" t="0" r="0" b="0"/>
+            <a:pathLst>
+              <a:path w="5760" h="1331">
+                <a:moveTo>
+                  <a:pt x="0" y="1066"/>
+                </a:moveTo>
+                <a:lnTo>
+                  <a:pt x="0" y="1331"/>
+                </a:lnTo>
+                <a:lnTo>
+                  <a:pt x="5760" y="1331"/>
+                </a:lnTo>
+                <a:lnTo>
+                  <a:pt x="5760" y="0"/>
+                </a:lnTo>
+                <a:cubicBezTo>
+                  <a:pt x="3220" y="1206"/>
+                  <a:pt x="2250" y="1146"/>
+                  <a:pt x="0" y="1066"/>
+                </a:cubicBezTo>
+                <a:close/>
+              </a:path>
+            </a:pathLst>
+          </a:custGeom>
+          <a:solidFill>
+            <a:schemeClr val="bg1">
+              <a:tint val="80000"/>
+              <a:satMod val="200000"/>
+              <a:alpha val="45000"/>
+            </a:schemeClr>
+          </a:solidFill>
+          <a:ln w="9525" cap="flat" cmpd="sng" algn="ctr">
+            <a:noFill/>
+            <a:prstDash val="solid"/>
+            <a:round/>
+            <a:headEnd type="none" w="med" len="med"/>
+            <a:tailEnd type="none" w="med" len="med"/>
+          </a:ln>
+          <a:effectLst>
+            <a:outerShdw blurRad="50800" dist="44450" dir="16200000" algn="ctr" rotWithShape="0">
+              <a:prstClr val="black">
+                <a:alpha val="35000"/>
+              </a:prstClr>
+            </a:outerShdw>
+          </a:effectLst>
+        </p:spPr>
+        <p:txBody>
+          <a:bodyPr vert="horz" wrap="square" lIns="91440" tIns="45720" rIns="91440" bIns="45720" anchor="t" compatLnSpc="1"/>
+          <a:lstStyle/>
+          <a:p>
+            <a:endParaRPr kumimoji="0" lang="en-US"/>
+          </a:p>
+        </p:txBody>
+      </p:sp>
+      <p:sp>
+        <p:nvSpPr>
+          <p:cNvPr id="9" name="Dowolny kształt 8"/>
+          <p:cNvSpPr>
+            <a:spLocks/>
+          </p:cNvSpPr>
+          <p:nvPr/>
+        </p:nvSpPr>
+        <p:spPr bwMode="auto">
+          <a:xfrm>
+            <a:off x="6105525" y="0"/>
+            <a:ext cx="3038475" cy="6858000"/>
+          </a:xfrm>
+          <a:custGeom>
+            <a:avLst/>
+            <a:gdLst>
+              <a:gd name="connsiteX0" fmla="*/ 1914 w 1914"/>
+              <a:gd name="connsiteY0" fmla="*/ 9 h 4329"/>
+              <a:gd name="connsiteX1" fmla="*/ 1914 w 1914"/>
+              <a:gd name="connsiteY1" fmla="*/ 4329 h 4329"/>
+              <a:gd name="connsiteX2" fmla="*/ 204 w 1914"/>
+              <a:gd name="connsiteY2" fmla="*/ 4327 h 4329"/>
+              <a:gd name="connsiteX3" fmla="*/ 0 w 1914"/>
+              <a:gd name="connsiteY3" fmla="*/ 0 h 4329"/>
+              <a:gd name="connsiteX4" fmla="*/ 1914 w 1914"/>
+              <a:gd name="connsiteY4" fmla="*/ 9 h 4329"/>
+            </a:gdLst>
+            <a:ahLst/>
+            <a:cxnLst>
+              <a:cxn ang="0">
+                <a:pos x="connsiteX0" y="connsiteY0"/>
+              </a:cxn>
+              <a:cxn ang="0">
+                <a:pos x="connsiteX1" y="connsiteY1"/>
+              </a:cxn>
+              <a:cxn ang="0">
+                <a:pos x="connsiteX2" y="connsiteY2"/>
+              </a:cxn>
+              <a:cxn ang="0">
+                <a:pos x="connsiteX3" y="connsiteY3"/>
+              </a:cxn>
+              <a:cxn ang="0">
+                <a:pos x="connsiteX4" y="connsiteY4"/>
+              </a:cxn>
+            </a:cxnLst>
+            <a:rect l="l" t="t" r="r" b="b"/>
+            <a:pathLst>
+              <a:path w="1914" h="4329">
+                <a:moveTo>
+                  <a:pt x="1914" y="9"/>
+                </a:moveTo>
+                <a:lnTo>
+                  <a:pt x="1914" y="4329"/>
+                </a:lnTo>
+                <a:lnTo>
+                  <a:pt x="204" y="4327"/>
+                </a:lnTo>
+                <a:cubicBezTo>
+                  <a:pt x="1288" y="3574"/>
+                  <a:pt x="1608" y="1590"/>
+                  <a:pt x="0" y="0"/>
+                </a:cubicBezTo>
+                <a:lnTo>
+                  <a:pt x="1914" y="9"/>
+                </a:lnTo>
+                <a:close/>
+              </a:path>
+            </a:pathLst>
+          </a:custGeom>
+          <a:solidFill>
+            <a:schemeClr val="bg1">
+              <a:tint val="90000"/>
+              <a:satMod val="350000"/>
+              <a:alpha val="40000"/>
+            </a:schemeClr>
+          </a:solidFill>
+          <a:ln w="9525" cap="flat" cmpd="sng" algn="ctr">
+            <a:noFill/>
+            <a:prstDash val="solid"/>
+            <a:round/>
+            <a:headEnd type="none" w="med" len="med"/>
+            <a:tailEnd type="none" w="med" len="med"/>
+          </a:ln>
+          <a:effectLst>
+            <a:outerShdw blurRad="50800" dist="50800" dir="10800000" algn="ctr" rotWithShape="0">
+              <a:prstClr val="black">
+                <a:alpha val="45000"/>
+              </a:prstClr>
+            </a:outerShdw>
+          </a:effectLst>
+        </p:spPr>
+        <p:txBody>
+          <a:bodyPr vert="horz" wrap="square" lIns="91440" tIns="45720" rIns="91440" bIns="45720" anchor="t" compatLnSpc="1"/>
+          <a:lstStyle/>
+          <a:p>
+            <a:endParaRPr kumimoji="0" lang="en-US"/>
+          </a:p>
+        </p:txBody>
+      </p:sp>
+      <p:sp>
+        <p:nvSpPr>
           <p:cNvPr id="2" name="Tytuł 1"/>
           <p:cNvSpPr>
             <a:spLocks noGrp="1"/>
@@ -3995,23 +4280,77 @@
         </p:nvSpPr>
         <p:spPr>
           <a:xfrm>
-            <a:off x="722313" y="4406900"/>
-            <a:ext cx="7772400" cy="1362075"/>
+            <a:off x="685800" y="3583837"/>
+            <a:ext cx="6629400" cy="1826363"/>
           </a:xfrm>
         </p:spPr>
         <p:txBody>
-          <a:bodyPr anchor="t"/>
+          <a:bodyPr tIns="0" bIns="0" anchor="t"/>
           <a:lstStyle>
             <a:lvl1pPr algn="l">
-              <a:defRPr sz="4000" b="1" cap="all"/>
+              <a:buNone/>
+              <a:defRPr sz="4200" b="1" cap="none" baseline="0">
+                <a:ln w="5000" cmpd="sng">
+                  <a:solidFill>
+                    <a:schemeClr val="accent1">
+                      <a:tint val="80000"/>
+                      <a:shade val="99000"/>
+                      <a:satMod val="500000"/>
+                    </a:schemeClr>
+                  </a:solidFill>
+                  <a:prstDash val="solid"/>
+                </a:ln>
+                <a:gradFill>
+                  <a:gsLst>
+                    <a:gs pos="0">
+                      <a:schemeClr val="accent1">
+                        <a:tint val="63000"/>
+                        <a:satMod val="255000"/>
+                      </a:schemeClr>
+                    </a:gs>
+                    <a:gs pos="9000">
+                      <a:schemeClr val="accent1">
+                        <a:tint val="63000"/>
+                        <a:satMod val="255000"/>
+                      </a:schemeClr>
+                    </a:gs>
+                    <a:gs pos="53000">
+                      <a:schemeClr val="accent1">
+                        <a:shade val="60000"/>
+                        <a:satMod val="100000"/>
+                      </a:schemeClr>
+                    </a:gs>
+                    <a:gs pos="90000">
+                      <a:schemeClr val="accent1">
+                        <a:tint val="63000"/>
+                        <a:satMod val="255000"/>
+                      </a:schemeClr>
+                    </a:gs>
+                    <a:gs pos="100000">
+                      <a:schemeClr val="accent1">
+                        <a:tint val="63000"/>
+                        <a:satMod val="255000"/>
+                      </a:schemeClr>
+                    </a:gs>
+                  </a:gsLst>
+                  <a:lin ang="5400000"/>
+                </a:gradFill>
+                <a:effectLst>
+                  <a:outerShdw blurRad="50800" dist="38100" dir="5400000" algn="t" rotWithShape="0">
+                    <a:prstClr val="black">
+                      <a:alpha val="50000"/>
+                    </a:prstClr>
+                  </a:outerShdw>
+                </a:effectLst>
+              </a:defRPr>
             </a:lvl1pPr>
           </a:lstStyle>
           <a:p>
             <a:r>
-              <a:rPr lang="pl-PL" smtClean="0"/>
+              <a:rPr kumimoji="0" lang="pl-PL" smtClean="0"/>
               <a:t>Kliknij, aby edytować styl</a:t>
             </a:r>
-            <a:endParaRPr lang="pl-PL"/>
+            <a:endParaRPr kumimoji="0" lang="en-US"/>
           </a:p>
         </p:txBody>
       </p:sp>
@@ -4027,24 +4366,23 @@
         </p:nvSpPr>
         <p:spPr>
           <a:xfrm>
-            <a:off x="722313" y="2906713"/>
-            <a:ext cx="7772400" cy="1500187"/>
+            <a:off x="685800" y="2485800"/>
+            <a:ext cx="6629400" cy="1066688"/>
           </a:xfrm>
         </p:spPr>
         <p:txBody>
-          <a:bodyPr anchor="b"/>
+          <a:bodyPr lIns="45720" tIns="0" rIns="45720" bIns="0" anchor="b"/>
           <a:lstStyle>
-            <a:lvl1pPr marL="0" indent="0">
+            <a:lvl1pPr marL="0" indent="0" algn="l">
               <a:buNone/>
               <a:defRPr sz="2000">
                 <a:solidFill>
-                  <a:schemeClr val="tx1">
-                    <a:tint val="75000"/>
-                  </a:schemeClr>
+                  <a:schemeClr val="tx1"/>
                 </a:solidFill>
+                <a:effectLst/>
               </a:defRPr>
             </a:lvl1pPr>
-            <a:lvl2pPr marL="457200" indent="0">
+            <a:lvl2pPr>
               <a:buNone/>
               <a:defRPr sz="1800">
                 <a:solidFill>
@@ -4054,7 +4392,7 @@
                 </a:solidFill>
               </a:defRPr>
             </a:lvl2pPr>
-            <a:lvl3pPr marL="914400" indent="0">
+            <a:lvl3pPr>
               <a:buNone/>
               <a:defRPr sz="1600">
                 <a:solidFill>
@@ -4064,7 +4402,7 @@
                 </a:solidFill>
               </a:defRPr>
             </a:lvl3pPr>
-            <a:lvl4pPr marL="1371600" indent="0">
+            <a:lvl4pPr>
               <a:buNone/>
               <a:defRPr sz="1400">
                 <a:solidFill>
@@ -4074,7 +4412,7 @@
                 </a:solidFill>
               </a:defRPr>
             </a:lvl4pPr>
-            <a:lvl5pPr marL="1828800" indent="0">
+            <a:lvl5pPr>
               <a:buNone/>
               <a:defRPr sz="1400">
                 <a:solidFill>
@@ -4084,51 +4422,11 @@
                 </a:solidFill>
               </a:defRPr>
             </a:lvl5pPr>
-            <a:lvl6pPr marL="2286000" indent="0">
-              <a:buNone/>
-              <a:defRPr sz="1400">
-                <a:solidFill>
-                  <a:schemeClr val="tx1">
-                    <a:tint val="75000"/>
-                  </a:schemeClr>
-                </a:solidFill>
-              </a:defRPr>
-            </a:lvl6pPr>
-            <a:lvl7pPr marL="2743200" indent="0">
-              <a:buNone/>
-              <a:defRPr sz="1400">
-                <a:solidFill>
-                  <a:schemeClr val="tx1">
-                    <a:tint val="75000"/>
-                  </a:schemeClr>
-                </a:solidFill>
-              </a:defRPr>
-            </a:lvl7pPr>
-            <a:lvl8pPr marL="3200400" indent="0">
-              <a:buNone/>
-              <a:defRPr sz="1400">
-                <a:solidFill>
-                  <a:schemeClr val="tx1">
-                    <a:tint val="75000"/>
-                  </a:schemeClr>
-                </a:solidFill>
-              </a:defRPr>
-            </a:lvl8pPr>
-            <a:lvl9pPr marL="3657600" indent="0">
-              <a:buNone/>
-              <a:defRPr sz="1400">
-                <a:solidFill>
-                  <a:schemeClr val="tx1">
-                    <a:tint val="75000"/>
-                  </a:schemeClr>
-                </a:solidFill>
-              </a:defRPr>
-            </a:lvl9pPr>
           </a:lstStyle>
           <a:p>
-            <a:pPr lvl="0"/>
-            <a:r>
-              <a:rPr lang="pl-PL" smtClean="0"/>
+            <a:pPr lvl="0" eaLnBrk="1" latinLnBrk="0" hangingPunct="1"/>
+            <a:r>
+              <a:rPr kumimoji="0" lang="pl-PL" smtClean="0"/>
               <a:t>Kliknij, aby edytować style wzorca tekstu</a:t>
             </a:r>
           </a:p>
@@ -4151,7 +4449,7 @@
           <a:p>
             <a:fld id="{2F0A57DC-CC62-46B3-AA63-1B42298A7AF5}" type="datetime1">
               <a:rPr lang="pl-PL" smtClean="0"/>
-              <a:t>2013-11-03</a:t>
+              <a:t>2013-11-04</a:t>
             </a:fld>
             <a:endParaRPr lang="pl-PL"/>
           </a:p>
@@ -4200,14 +4498,9 @@
         </p:txBody>
       </p:sp>
     </p:spTree>
-    <p:extLst>
-      <p:ext uri="{BB962C8B-B14F-4D97-AF65-F5344CB8AC3E}">
-        <p14:creationId xmlns:p14="http://schemas.microsoft.com/office/powerpoint/2010/main" val="3304355603"/>
-      </p:ext>
-    </p:extLst>
   </p:cSld>
   <p:clrMapOvr>
-    <a:masterClrMapping/>
+    <a:overrideClrMapping bg1="dk1" tx1="lt1" bg2="dk2" tx2="lt2" accent1="accent1" accent2="accent2" accent3="accent3" accent4="accent4" accent5="accent5" accent6="accent6" hlink="hlink" folHlink="folHlink"/>
   </p:clrMapOvr>
 </p:sldLayout>
 </file>
@@ -4239,16 +4532,21 @@
             <p:ph type="title"/>
           </p:nvPr>
         </p:nvSpPr>
-        <p:spPr/>
+        <p:spPr>
+          <a:xfrm>
+            <a:off x="457200" y="274638"/>
+            <a:ext cx="7467600" cy="1143000"/>
+          </a:xfrm>
+        </p:spPr>
         <p:txBody>
           <a:bodyPr/>
           <a:lstStyle/>
           <a:p>
             <a:r>
-              <a:rPr lang="pl-PL" smtClean="0"/>
+              <a:rPr kumimoji="0" lang="pl-PL" smtClean="0"/>
               <a:t>Kliknij, aby edytować styl</a:t>
             </a:r>
-            <a:endParaRPr lang="pl-PL"/>
+            <a:endParaRPr kumimoji="0" lang="en-US"/>
           </a:p>
         </p:txBody>
       </p:sp>
@@ -4265,17 +4563,17 @@
         <p:spPr>
           <a:xfrm>
             <a:off x="457200" y="1600200"/>
-            <a:ext cx="4038600" cy="4525963"/>
+            <a:ext cx="3657600" cy="4525963"/>
           </a:xfrm>
         </p:spPr>
         <p:txBody>
           <a:bodyPr/>
           <a:lstStyle>
             <a:lvl1pPr>
-              <a:defRPr sz="2800"/>
+              <a:defRPr sz="2600"/>
             </a:lvl1pPr>
             <a:lvl2pPr>
-              <a:defRPr sz="2400"/>
+              <a:defRPr sz="2200"/>
             </a:lvl2pPr>
             <a:lvl3pPr>
               <a:defRPr sz="2000"/>
@@ -4286,54 +4584,42 @@
             <a:lvl5pPr>
               <a:defRPr sz="1800"/>
             </a:lvl5pPr>
-            <a:lvl6pPr>
-              <a:defRPr sz="1800"/>
-            </a:lvl6pPr>
-            <a:lvl7pPr>
-              <a:defRPr sz="1800"/>
-            </a:lvl7pPr>
-            <a:lvl8pPr>
-              <a:defRPr sz="1800"/>
-            </a:lvl8pPr>
-            <a:lvl9pPr>
-              <a:defRPr sz="1800"/>
-            </a:lvl9pPr>
           </a:lstStyle>
           <a:p>
-            <a:pPr lvl="0"/>
+            <a:pPr lvl="0" eaLnBrk="1" latinLnBrk="0" hangingPunct="1"/>
             <a:r>
               <a:rPr lang="pl-PL" smtClean="0"/>
               <a:t>Kliknij, aby edytować style wzorca tekstu</a:t>
             </a:r>
           </a:p>
           <a:p>
-            <a:pPr lvl="1"/>
+            <a:pPr lvl="1" eaLnBrk="1" latinLnBrk="0" hangingPunct="1"/>
             <a:r>
               <a:rPr lang="pl-PL" smtClean="0"/>
               <a:t>Drugi poziom</a:t>
             </a:r>
           </a:p>
           <a:p>
-            <a:pPr lvl="2"/>
+            <a:pPr lvl="2" eaLnBrk="1" latinLnBrk="0" hangingPunct="1"/>
             <a:r>
               <a:rPr lang="pl-PL" smtClean="0"/>
               <a:t>Trzeci poziom</a:t>
             </a:r>
           </a:p>
           <a:p>
-            <a:pPr lvl="3"/>
+            <a:pPr lvl="3" eaLnBrk="1" latinLnBrk="0" hangingPunct="1"/>
             <a:r>
               <a:rPr lang="pl-PL" smtClean="0"/>
               <a:t>Czwarty poziom</a:t>
             </a:r>
           </a:p>
           <a:p>
-            <a:pPr lvl="4"/>
+            <a:pPr lvl="4" eaLnBrk="1" latinLnBrk="0" hangingPunct="1"/>
             <a:r>
               <a:rPr lang="pl-PL" smtClean="0"/>
               <a:t>Piąty poziom</a:t>
             </a:r>
-            <a:endParaRPr lang="pl-PL"/>
+            <a:endParaRPr kumimoji="0" lang="en-US"/>
           </a:p>
         </p:txBody>
       </p:sp>
@@ -4349,18 +4635,18 @@
         </p:nvSpPr>
         <p:spPr>
           <a:xfrm>
-            <a:off x="4648200" y="1600200"/>
-            <a:ext cx="4038600" cy="4525963"/>
+            <a:off x="4267200" y="1600200"/>
+            <a:ext cx="3657600" cy="4525963"/>
           </a:xfrm>
         </p:spPr>
         <p:txBody>
           <a:bodyPr/>
           <a:lstStyle>
             <a:lvl1pPr>
-              <a:defRPr sz="2800"/>
+              <a:defRPr sz="2600"/>
             </a:lvl1pPr>
             <a:lvl2pPr>
-              <a:defRPr sz="2400"/>
+              <a:defRPr sz="2200"/>
             </a:lvl2pPr>
             <a:lvl3pPr>
               <a:defRPr sz="2000"/>
@@ -4371,54 +4657,42 @@
             <a:lvl5pPr>
               <a:defRPr sz="1800"/>
             </a:lvl5pPr>
-            <a:lvl6pPr>
-              <a:defRPr sz="1800"/>
-            </a:lvl6pPr>
-            <a:lvl7pPr>
-              <a:defRPr sz="1800"/>
-            </a:lvl7pPr>
-            <a:lvl8pPr>
-              <a:defRPr sz="1800"/>
-            </a:lvl8pPr>
-            <a:lvl9pPr>
-              <a:defRPr sz="1800"/>
-            </a:lvl9pPr>
           </a:lstStyle>
           <a:p>
-            <a:pPr lvl="0"/>
+            <a:pPr lvl="0" eaLnBrk="1" latinLnBrk="0" hangingPunct="1"/>
             <a:r>
               <a:rPr lang="pl-PL" smtClean="0"/>
               <a:t>Kliknij, aby edytować style wzorca tekstu</a:t>
             </a:r>
           </a:p>
           <a:p>
-            <a:pPr lvl="1"/>
+            <a:pPr lvl="1" eaLnBrk="1" latinLnBrk="0" hangingPunct="1"/>
             <a:r>
               <a:rPr lang="pl-PL" smtClean="0"/>
               <a:t>Drugi poziom</a:t>
             </a:r>
           </a:p>
           <a:p>
-            <a:pPr lvl="2"/>
+            <a:pPr lvl="2" eaLnBrk="1" latinLnBrk="0" hangingPunct="1"/>
             <a:r>
               <a:rPr lang="pl-PL" smtClean="0"/>
               <a:t>Trzeci poziom</a:t>
             </a:r>
           </a:p>
           <a:p>
-            <a:pPr lvl="3"/>
+            <a:pPr lvl="3" eaLnBrk="1" latinLnBrk="0" hangingPunct="1"/>
             <a:r>
               <a:rPr lang="pl-PL" smtClean="0"/>
               <a:t>Czwarty poziom</a:t>
             </a:r>
           </a:p>
           <a:p>
-            <a:pPr lvl="4"/>
+            <a:pPr lvl="4" eaLnBrk="1" latinLnBrk="0" hangingPunct="1"/>
             <a:r>
               <a:rPr lang="pl-PL" smtClean="0"/>
               <a:t>Piąty poziom</a:t>
             </a:r>
-            <a:endParaRPr lang="pl-PL"/>
+            <a:endParaRPr kumimoji="0" lang="en-US"/>
           </a:p>
         </p:txBody>
       </p:sp>
@@ -4439,7 +4713,7 @@
           <a:p>
             <a:fld id="{9D09572B-077A-4BD2-9329-D2130395ECCA}" type="datetime1">
               <a:rPr lang="pl-PL" smtClean="0"/>
-              <a:t>2013-11-03</a:t>
+              <a:t>2013-11-04</a:t>
             </a:fld>
             <a:endParaRPr lang="pl-PL"/>
           </a:p>
@@ -4488,11 +4762,6 @@
         </p:txBody>
       </p:sp>
     </p:spTree>
-    <p:extLst>
-      <p:ext uri="{BB962C8B-B14F-4D97-AF65-F5344CB8AC3E}">
-        <p14:creationId xmlns:p14="http://schemas.microsoft.com/office/powerpoint/2010/main" val="1062524093"/>
-      </p:ext>
-    </p:extLst>
   </p:cSld>
   <p:clrMapOvr>
     <a:masterClrMapping/>
@@ -4501,7 +4770,7 @@
 </file>
 
 <file path=ppt/slideLayouts/slideLayout5.xml><?xml version="1.0" encoding="utf-8"?>
-<p:sldLayout xmlns:a="http://schemas.openxmlformats.org/drawingml/2006/main" xmlns:r="http://schemas.openxmlformats.org/officeDocument/2006/relationships" xmlns:p="http://schemas.openxmlformats.org/presentationml/2006/main" type="twoTxTwoObj" preserve="1">
+<p:sldLayout xmlns:a="http://schemas.openxmlformats.org/drawingml/2006/main" xmlns:r="http://schemas.openxmlformats.org/officeDocument/2006/relationships" xmlns:p="http://schemas.openxmlformats.org/presentationml/2006/main" showMasterSp="0" type="twoTxTwoObj" preserve="1">
   <p:cSld name="Porównanie">
     <p:spTree>
       <p:nvGrpSpPr>
@@ -4527,9 +4796,14 @@
             <p:ph type="title"/>
           </p:nvPr>
         </p:nvSpPr>
-        <p:spPr/>
-        <p:txBody>
-          <a:bodyPr/>
+        <p:spPr>
+          <a:xfrm>
+            <a:off x="457200" y="273050"/>
+            <a:ext cx="8229600" cy="1143000"/>
+          </a:xfrm>
+        </p:spPr>
+        <p:txBody>
+          <a:bodyPr anchor="ctr"/>
           <a:lstStyle>
             <a:lvl1pPr>
               <a:defRPr/>
@@ -4537,10 +4811,10 @@
           </a:lstStyle>
           <a:p>
             <a:r>
-              <a:rPr lang="pl-PL" smtClean="0"/>
+              <a:rPr kumimoji="0" lang="pl-PL" smtClean="0"/>
               <a:t>Kliknij, aby edytować styl</a:t>
             </a:r>
-            <a:endParaRPr lang="pl-PL"/>
+            <a:endParaRPr kumimoji="0" lang="en-US"/>
           </a:p>
         </p:txBody>
       </p:sp>
@@ -4556,54 +4830,95 @@
         </p:nvSpPr>
         <p:spPr>
           <a:xfrm>
-            <a:off x="457200" y="1535113"/>
-            <a:ext cx="4040188" cy="639762"/>
+            <a:off x="457200" y="5486400"/>
+            <a:ext cx="4040188" cy="838200"/>
           </a:xfrm>
         </p:spPr>
         <p:txBody>
-          <a:bodyPr anchor="b"/>
+          <a:bodyPr anchor="t"/>
           <a:lstStyle>
             <a:lvl1pPr marL="0" indent="0">
               <a:buNone/>
-              <a:defRPr sz="2400" b="1"/>
+              <a:defRPr sz="2400" b="1">
+                <a:solidFill>
+                  <a:schemeClr val="accent1"/>
+                </a:solidFill>
+              </a:defRPr>
             </a:lvl1pPr>
-            <a:lvl2pPr marL="457200" indent="0">
+            <a:lvl2pPr>
               <a:buNone/>
               <a:defRPr sz="2000" b="1"/>
             </a:lvl2pPr>
-            <a:lvl3pPr marL="914400" indent="0">
+            <a:lvl3pPr>
               <a:buNone/>
               <a:defRPr sz="1800" b="1"/>
             </a:lvl3pPr>
-            <a:lvl4pPr marL="1371600" indent="0">
+            <a:lvl4pPr>
               <a:buNone/>
               <a:defRPr sz="1600" b="1"/>
             </a:lvl4pPr>
-            <a:lvl5pPr marL="1828800" indent="0">
+            <a:lvl5pPr>
               <a:buNone/>
               <a:defRPr sz="1600" b="1"/>
             </a:lvl5pPr>
-            <a:lvl6pPr marL="2286000" indent="0">
+          </a:lstStyle>
+          <a:p>
+            <a:pPr lvl="0" eaLnBrk="1" latinLnBrk="0" hangingPunct="1"/>
+            <a:r>
+              <a:rPr kumimoji="0" lang="pl-PL" smtClean="0"/>
+              <a:t>Kliknij, aby edytować style wzorca tekstu</a:t>
+            </a:r>
+          </a:p>
+        </p:txBody>
+      </p:sp>
+      <p:sp>
+        <p:nvSpPr>
+          <p:cNvPr id="4" name="Symbol zastępczy tekstu 3"/>
+          <p:cNvSpPr>
+            <a:spLocks noGrp="1"/>
+          </p:cNvSpPr>
+          <p:nvPr>
+            <p:ph type="body" sz="half" idx="3"/>
+          </p:nvPr>
+        </p:nvSpPr>
+        <p:spPr>
+          <a:xfrm>
+            <a:off x="4645025" y="5486400"/>
+            <a:ext cx="4041775" cy="838200"/>
+          </a:xfrm>
+        </p:spPr>
+        <p:txBody>
+          <a:bodyPr anchor="t"/>
+          <a:lstStyle>
+            <a:lvl1pPr marL="0" indent="0">
+              <a:buNone/>
+              <a:defRPr sz="2400" b="1">
+                <a:solidFill>
+                  <a:schemeClr val="accent1"/>
+                </a:solidFill>
+              </a:defRPr>
+            </a:lvl1pPr>
+            <a:lvl2pPr>
+              <a:buNone/>
+              <a:defRPr sz="2000" b="1"/>
+            </a:lvl2pPr>
+            <a:lvl3pPr>
+              <a:buNone/>
+              <a:defRPr sz="1800" b="1"/>
+            </a:lvl3pPr>
+            <a:lvl4pPr>
               <a:buNone/>
               <a:defRPr sz="1600" b="1"/>
-            </a:lvl6pPr>
-            <a:lvl7pPr marL="2743200" indent="0">
+            </a:lvl4pPr>
+            <a:lvl5pPr>
               <a:buNone/>
               <a:defRPr sz="1600" b="1"/>
-            </a:lvl7pPr>
-            <a:lvl8pPr marL="3200400" indent="0">
-              <a:buNone/>
-              <a:defRPr sz="1600" b="1"/>
-            </a:lvl8pPr>
-            <a:lvl9pPr marL="3657600" indent="0">
-              <a:buNone/>
-              <a:defRPr sz="1600" b="1"/>
-            </a:lvl9pPr>
+            </a:lvl5pPr>
           </a:lstStyle>
           <a:p>
-            <a:pPr lvl="0"/>
-            <a:r>
-              <a:rPr lang="pl-PL" smtClean="0"/>
+            <a:pPr lvl="0" eaLnBrk="1" latinLnBrk="0" hangingPunct="1"/>
+            <a:r>
+              <a:rPr kumimoji="0" lang="pl-PL" smtClean="0"/>
               <a:t>Kliknij, aby edytować style wzorca tekstu</a:t>
             </a:r>
           </a:p>
@@ -4611,18 +4926,18 @@
       </p:sp>
       <p:sp>
         <p:nvSpPr>
-          <p:cNvPr id="4" name="Symbol zastępczy zawartości 3"/>
-          <p:cNvSpPr>
-            <a:spLocks noGrp="1"/>
-          </p:cNvSpPr>
-          <p:nvPr>
-            <p:ph sz="half" idx="2"/>
+          <p:cNvPr id="5" name="Symbol zastępczy zawartości 4"/>
+          <p:cNvSpPr>
+            <a:spLocks noGrp="1"/>
+          </p:cNvSpPr>
+          <p:nvPr>
+            <p:ph sz="quarter" idx="2"/>
           </p:nvPr>
         </p:nvSpPr>
         <p:spPr>
           <a:xfrm>
-            <a:off x="457200" y="2174875"/>
-            <a:ext cx="4040188" cy="3951288"/>
+            <a:off x="457200" y="1516912"/>
+            <a:ext cx="4040188" cy="3941763"/>
           </a:xfrm>
         </p:spPr>
         <p:txBody>
@@ -4643,136 +4958,59 @@
             <a:lvl5pPr>
               <a:defRPr sz="1600"/>
             </a:lvl5pPr>
-            <a:lvl6pPr>
-              <a:defRPr sz="1600"/>
-            </a:lvl6pPr>
-            <a:lvl7pPr>
-              <a:defRPr sz="1600"/>
-            </a:lvl7pPr>
-            <a:lvl8pPr>
-              <a:defRPr sz="1600"/>
-            </a:lvl8pPr>
-            <a:lvl9pPr>
-              <a:defRPr sz="1600"/>
-            </a:lvl9pPr>
           </a:lstStyle>
           <a:p>
-            <a:pPr lvl="0"/>
+            <a:pPr lvl="0" eaLnBrk="1" latinLnBrk="0" hangingPunct="1"/>
             <a:r>
               <a:rPr lang="pl-PL" smtClean="0"/>
               <a:t>Kliknij, aby edytować style wzorca tekstu</a:t>
             </a:r>
           </a:p>
           <a:p>
-            <a:pPr lvl="1"/>
+            <a:pPr lvl="1" eaLnBrk="1" latinLnBrk="0" hangingPunct="1"/>
             <a:r>
               <a:rPr lang="pl-PL" smtClean="0"/>
               <a:t>Drugi poziom</a:t>
             </a:r>
           </a:p>
           <a:p>
-            <a:pPr lvl="2"/>
+            <a:pPr lvl="2" eaLnBrk="1" latinLnBrk="0" hangingPunct="1"/>
             <a:r>
               <a:rPr lang="pl-PL" smtClean="0"/>
               <a:t>Trzeci poziom</a:t>
             </a:r>
           </a:p>
           <a:p>
-            <a:pPr lvl="3"/>
+            <a:pPr lvl="3" eaLnBrk="1" latinLnBrk="0" hangingPunct="1"/>
             <a:r>
               <a:rPr lang="pl-PL" smtClean="0"/>
               <a:t>Czwarty poziom</a:t>
             </a:r>
           </a:p>
           <a:p>
-            <a:pPr lvl="4"/>
+            <a:pPr lvl="4" eaLnBrk="1" latinLnBrk="0" hangingPunct="1"/>
             <a:r>
               <a:rPr lang="pl-PL" smtClean="0"/>
               <a:t>Piąty poziom</a:t>
             </a:r>
-            <a:endParaRPr lang="pl-PL"/>
-          </a:p>
-        </p:txBody>
-      </p:sp>
-      <p:sp>
-        <p:nvSpPr>
-          <p:cNvPr id="5" name="Symbol zastępczy tekstu 4"/>
-          <p:cNvSpPr>
-            <a:spLocks noGrp="1"/>
-          </p:cNvSpPr>
-          <p:nvPr>
-            <p:ph type="body" sz="quarter" idx="3"/>
+            <a:endParaRPr kumimoji="0" lang="en-US"/>
+          </a:p>
+        </p:txBody>
+      </p:sp>
+      <p:sp>
+        <p:nvSpPr>
+          <p:cNvPr id="6" name="Symbol zastępczy zawartości 5"/>
+          <p:cNvSpPr>
+            <a:spLocks noGrp="1"/>
+          </p:cNvSpPr>
+          <p:nvPr>
+            <p:ph sz="quarter" idx="4"/>
           </p:nvPr>
         </p:nvSpPr>
         <p:spPr>
           <a:xfrm>
-            <a:off x="4645025" y="1535113"/>
-            <a:ext cx="4041775" cy="639762"/>
-          </a:xfrm>
-        </p:spPr>
-        <p:txBody>
-          <a:bodyPr anchor="b"/>
-          <a:lstStyle>
-            <a:lvl1pPr marL="0" indent="0">
-              <a:buNone/>
-              <a:defRPr sz="2400" b="1"/>
-            </a:lvl1pPr>
-            <a:lvl2pPr marL="457200" indent="0">
-              <a:buNone/>
-              <a:defRPr sz="2000" b="1"/>
-            </a:lvl2pPr>
-            <a:lvl3pPr marL="914400" indent="0">
-              <a:buNone/>
-              <a:defRPr sz="1800" b="1"/>
-            </a:lvl3pPr>
-            <a:lvl4pPr marL="1371600" indent="0">
-              <a:buNone/>
-              <a:defRPr sz="1600" b="1"/>
-            </a:lvl4pPr>
-            <a:lvl5pPr marL="1828800" indent="0">
-              <a:buNone/>
-              <a:defRPr sz="1600" b="1"/>
-            </a:lvl5pPr>
-            <a:lvl6pPr marL="2286000" indent="0">
-              <a:buNone/>
-              <a:defRPr sz="1600" b="1"/>
-            </a:lvl6pPr>
-            <a:lvl7pPr marL="2743200" indent="0">
-              <a:buNone/>
-              <a:defRPr sz="1600" b="1"/>
-            </a:lvl7pPr>
-            <a:lvl8pPr marL="3200400" indent="0">
-              <a:buNone/>
-              <a:defRPr sz="1600" b="1"/>
-            </a:lvl8pPr>
-            <a:lvl9pPr marL="3657600" indent="0">
-              <a:buNone/>
-              <a:defRPr sz="1600" b="1"/>
-            </a:lvl9pPr>
-          </a:lstStyle>
-          <a:p>
-            <a:pPr lvl="0"/>
-            <a:r>
-              <a:rPr lang="pl-PL" smtClean="0"/>
-              <a:t>Kliknij, aby edytować style wzorca tekstu</a:t>
-            </a:r>
-          </a:p>
-        </p:txBody>
-      </p:sp>
-      <p:sp>
-        <p:nvSpPr>
-          <p:cNvPr id="6" name="Symbol zastępczy zawartości 5"/>
-          <p:cNvSpPr>
-            <a:spLocks noGrp="1"/>
-          </p:cNvSpPr>
-          <p:nvPr>
-            <p:ph sz="quarter" idx="4"/>
-          </p:nvPr>
-        </p:nvSpPr>
-        <p:spPr>
-          <a:xfrm>
-            <a:off x="4645025" y="2174875"/>
-            <a:ext cx="4041775" cy="3951288"/>
+            <a:off x="4645025" y="1516912"/>
+            <a:ext cx="4041775" cy="3941763"/>
           </a:xfrm>
         </p:spPr>
         <p:txBody>
@@ -4793,54 +5031,42 @@
             <a:lvl5pPr>
               <a:defRPr sz="1600"/>
             </a:lvl5pPr>
-            <a:lvl6pPr>
-              <a:defRPr sz="1600"/>
-            </a:lvl6pPr>
-            <a:lvl7pPr>
-              <a:defRPr sz="1600"/>
-            </a:lvl7pPr>
-            <a:lvl8pPr>
-              <a:defRPr sz="1600"/>
-            </a:lvl8pPr>
-            <a:lvl9pPr>
-              <a:defRPr sz="1600"/>
-            </a:lvl9pPr>
           </a:lstStyle>
           <a:p>
-            <a:pPr lvl="0"/>
+            <a:pPr lvl="0" eaLnBrk="1" latinLnBrk="0" hangingPunct="1"/>
             <a:r>
               <a:rPr lang="pl-PL" smtClean="0"/>
               <a:t>Kliknij, aby edytować style wzorca tekstu</a:t>
             </a:r>
           </a:p>
           <a:p>
-            <a:pPr lvl="1"/>
+            <a:pPr lvl="1" eaLnBrk="1" latinLnBrk="0" hangingPunct="1"/>
             <a:r>
               <a:rPr lang="pl-PL" smtClean="0"/>
               <a:t>Drugi poziom</a:t>
             </a:r>
           </a:p>
           <a:p>
-            <a:pPr lvl="2"/>
+            <a:pPr lvl="2" eaLnBrk="1" latinLnBrk="0" hangingPunct="1"/>
             <a:r>
               <a:rPr lang="pl-PL" smtClean="0"/>
               <a:t>Trzeci poziom</a:t>
             </a:r>
           </a:p>
           <a:p>
-            <a:pPr lvl="3"/>
+            <a:pPr lvl="3" eaLnBrk="1" latinLnBrk="0" hangingPunct="1"/>
             <a:r>
               <a:rPr lang="pl-PL" smtClean="0"/>
               <a:t>Czwarty poziom</a:t>
             </a:r>
           </a:p>
           <a:p>
-            <a:pPr lvl="4"/>
+            <a:pPr lvl="4" eaLnBrk="1" latinLnBrk="0" hangingPunct="1"/>
             <a:r>
               <a:rPr lang="pl-PL" smtClean="0"/>
               <a:t>Piąty poziom</a:t>
             </a:r>
-            <a:endParaRPr lang="pl-PL"/>
+            <a:endParaRPr kumimoji="0" lang="en-US"/>
           </a:p>
         </p:txBody>
       </p:sp>
@@ -4861,7 +5087,7 @@
           <a:p>
             <a:fld id="{DEC44E0D-317C-47FF-811D-ABFC76CA8076}" type="datetime1">
               <a:rPr lang="pl-PL" smtClean="0"/>
-              <a:t>2013-11-03</a:t>
+              <a:t>2013-11-04</a:t>
             </a:fld>
             <a:endParaRPr lang="pl-PL"/>
           </a:p>
@@ -4910,11 +5136,6 @@
         </p:txBody>
       </p:sp>
     </p:spTree>
-    <p:extLst>
-      <p:ext uri="{BB962C8B-B14F-4D97-AF65-F5344CB8AC3E}">
-        <p14:creationId xmlns:p14="http://schemas.microsoft.com/office/powerpoint/2010/main" val="3321115159"/>
-      </p:ext>
-    </p:extLst>
   </p:cSld>
   <p:clrMapOvr>
     <a:masterClrMapping/>
@@ -4949,22 +5170,31 @@
             <p:ph type="title"/>
           </p:nvPr>
         </p:nvSpPr>
-        <p:spPr/>
-        <p:txBody>
-          <a:bodyPr/>
-          <a:lstStyle/>
-          <a:p>
-            <a:r>
-              <a:rPr lang="pl-PL" smtClean="0"/>
+        <p:spPr>
+          <a:xfrm>
+            <a:off x="457200" y="274320"/>
+            <a:ext cx="7470648" cy="1143000"/>
+          </a:xfrm>
+        </p:spPr>
+        <p:txBody>
+          <a:bodyPr anchor="ctr"/>
+          <a:lstStyle>
+            <a:lvl1pPr algn="l">
+              <a:defRPr sz="4600"/>
+            </a:lvl1pPr>
+          </a:lstStyle>
+          <a:p>
+            <a:r>
+              <a:rPr kumimoji="0" lang="pl-PL" smtClean="0"/>
               <a:t>Kliknij, aby edytować styl</a:t>
             </a:r>
-            <a:endParaRPr lang="pl-PL"/>
-          </a:p>
-        </p:txBody>
-      </p:sp>
-      <p:sp>
-        <p:nvSpPr>
-          <p:cNvPr id="3" name="Symbol zastępczy daty 2"/>
+            <a:endParaRPr kumimoji="0" lang="en-US"/>
+          </a:p>
+        </p:txBody>
+      </p:sp>
+      <p:sp>
+        <p:nvSpPr>
+          <p:cNvPr id="7" name="Symbol zastępczy daty 6"/>
           <p:cNvSpPr>
             <a:spLocks noGrp="1"/>
           </p:cNvSpPr>
@@ -4979,7 +5209,7 @@
           <a:p>
             <a:fld id="{B0C771A5-017A-43D3-B893-775F57D95F47}" type="datetime1">
               <a:rPr lang="pl-PL" smtClean="0"/>
-              <a:t>2013-11-03</a:t>
+              <a:t>2013-11-04</a:t>
             </a:fld>
             <a:endParaRPr lang="pl-PL"/>
           </a:p>
@@ -4987,31 +5217,12 @@
       </p:sp>
       <p:sp>
         <p:nvSpPr>
-          <p:cNvPr id="4" name="Symbol zastępczy stopki 3"/>
-          <p:cNvSpPr>
-            <a:spLocks noGrp="1"/>
-          </p:cNvSpPr>
-          <p:nvPr>
-            <p:ph type="ftr" sz="quarter" idx="11"/>
-          </p:nvPr>
-        </p:nvSpPr>
-        <p:spPr/>
-        <p:txBody>
-          <a:bodyPr/>
-          <a:lstStyle/>
-          <a:p>
-            <a:endParaRPr lang="pl-PL"/>
-          </a:p>
-        </p:txBody>
-      </p:sp>
-      <p:sp>
-        <p:nvSpPr>
-          <p:cNvPr id="5" name="Symbol zastępczy numeru slajdu 4"/>
-          <p:cNvSpPr>
-            <a:spLocks noGrp="1"/>
-          </p:cNvSpPr>
-          <p:nvPr>
-            <p:ph type="sldNum" sz="quarter" idx="12"/>
+          <p:cNvPr id="8" name="Symbol zastępczy numeru slajdu 7"/>
+          <p:cNvSpPr>
+            <a:spLocks noGrp="1"/>
+          </p:cNvSpPr>
+          <p:nvPr>
+            <p:ph type="sldNum" sz="quarter" idx="11"/>
           </p:nvPr>
         </p:nvSpPr>
         <p:spPr/>
@@ -5027,12 +5238,26 @@
           </a:p>
         </p:txBody>
       </p:sp>
+      <p:sp>
+        <p:nvSpPr>
+          <p:cNvPr id="9" name="Symbol zastępczy stopki 8"/>
+          <p:cNvSpPr>
+            <a:spLocks noGrp="1"/>
+          </p:cNvSpPr>
+          <p:nvPr>
+            <p:ph type="ftr" sz="quarter" idx="12"/>
+          </p:nvPr>
+        </p:nvSpPr>
+        <p:spPr/>
+        <p:txBody>
+          <a:bodyPr/>
+          <a:lstStyle/>
+          <a:p>
+            <a:endParaRPr lang="pl-PL"/>
+          </a:p>
+        </p:txBody>
+      </p:sp>
     </p:spTree>
-    <p:extLst>
-      <p:ext uri="{BB962C8B-B14F-4D97-AF65-F5344CB8AC3E}">
-        <p14:creationId xmlns:p14="http://schemas.microsoft.com/office/powerpoint/2010/main" val="1690208256"/>
-      </p:ext>
-    </p:extLst>
   </p:cSld>
   <p:clrMapOvr>
     <a:masterClrMapping/>
@@ -5074,7 +5299,7 @@
           <a:p>
             <a:fld id="{6BD0963F-9A63-403D-A804-3A0ED5F348B0}" type="datetime1">
               <a:rPr lang="pl-PL" smtClean="0"/>
-              <a:t>2013-11-03</a:t>
+              <a:t>2013-11-04</a:t>
             </a:fld>
             <a:endParaRPr lang="pl-PL"/>
           </a:p>
@@ -5123,11 +5348,6 @@
         </p:txBody>
       </p:sp>
     </p:spTree>
-    <p:extLst>
-      <p:ext uri="{BB962C8B-B14F-4D97-AF65-F5344CB8AC3E}">
-        <p14:creationId xmlns:p14="http://schemas.microsoft.com/office/powerpoint/2010/main" val="4039355028"/>
-      </p:ext>
-    </p:extLst>
   </p:cSld>
   <p:clrMapOvr>
     <a:masterClrMapping/>
@@ -5164,53 +5384,107 @@
         </p:nvSpPr>
         <p:spPr>
           <a:xfrm>
-            <a:off x="457200" y="273050"/>
-            <a:ext cx="3008313" cy="1162050"/>
+            <a:off x="457200" y="1185528"/>
+            <a:ext cx="3200400" cy="730250"/>
           </a:xfrm>
         </p:spPr>
         <p:txBody>
-          <a:bodyPr anchor="b"/>
+          <a:bodyPr tIns="0" bIns="0" anchor="t"/>
           <a:lstStyle>
             <a:lvl1pPr algn="l">
-              <a:defRPr sz="2000" b="1"/>
+              <a:buNone/>
+              <a:defRPr sz="1800" b="1">
+                <a:solidFill>
+                  <a:schemeClr val="accent1"/>
+                </a:solidFill>
+              </a:defRPr>
             </a:lvl1pPr>
           </a:lstStyle>
           <a:p>
             <a:r>
-              <a:rPr lang="pl-PL" smtClean="0"/>
+              <a:rPr kumimoji="0" lang="pl-PL" smtClean="0"/>
               <a:t>Kliknij, aby edytować styl</a:t>
             </a:r>
-            <a:endParaRPr lang="pl-PL"/>
-          </a:p>
-        </p:txBody>
-      </p:sp>
-      <p:sp>
-        <p:nvSpPr>
-          <p:cNvPr id="3" name="Symbol zastępczy zawartości 2"/>
-          <p:cNvSpPr>
-            <a:spLocks noGrp="1"/>
-          </p:cNvSpPr>
-          <p:nvPr>
-            <p:ph idx="1"/>
+            <a:endParaRPr kumimoji="0" lang="en-US"/>
+          </a:p>
+        </p:txBody>
+      </p:sp>
+      <p:sp>
+        <p:nvSpPr>
+          <p:cNvPr id="3" name="Symbol zastępczy tekstu 2"/>
+          <p:cNvSpPr>
+            <a:spLocks noGrp="1"/>
+          </p:cNvSpPr>
+          <p:nvPr>
+            <p:ph type="body" idx="2"/>
           </p:nvPr>
         </p:nvSpPr>
         <p:spPr>
           <a:xfrm>
-            <a:off x="3575050" y="273050"/>
-            <a:ext cx="5111750" cy="5853113"/>
+            <a:off x="457200" y="214424"/>
+            <a:ext cx="2743200" cy="914400"/>
+          </a:xfrm>
+        </p:spPr>
+        <p:txBody>
+          <a:bodyPr lIns="45720" tIns="0" rIns="45720" bIns="0" anchor="b"/>
+          <a:lstStyle>
+            <a:lvl1pPr marL="0" indent="0" algn="l">
+              <a:buNone/>
+              <a:defRPr sz="1400"/>
+            </a:lvl1pPr>
+            <a:lvl2pPr>
+              <a:buNone/>
+              <a:defRPr sz="1200"/>
+            </a:lvl2pPr>
+            <a:lvl3pPr>
+              <a:buNone/>
+              <a:defRPr sz="1000"/>
+            </a:lvl3pPr>
+            <a:lvl4pPr>
+              <a:buNone/>
+              <a:defRPr sz="900"/>
+            </a:lvl4pPr>
+            <a:lvl5pPr>
+              <a:buNone/>
+              <a:defRPr sz="900"/>
+            </a:lvl5pPr>
+          </a:lstStyle>
+          <a:p>
+            <a:pPr lvl="0" eaLnBrk="1" latinLnBrk="0" hangingPunct="1"/>
+            <a:r>
+              <a:rPr kumimoji="0" lang="pl-PL" smtClean="0"/>
+              <a:t>Kliknij, aby edytować style wzorca tekstu</a:t>
+            </a:r>
+          </a:p>
+        </p:txBody>
+      </p:sp>
+      <p:sp>
+        <p:nvSpPr>
+          <p:cNvPr id="4" name="Symbol zastępczy zawartości 3"/>
+          <p:cNvSpPr>
+            <a:spLocks noGrp="1"/>
+          </p:cNvSpPr>
+          <p:nvPr>
+            <p:ph sz="half" idx="1"/>
+          </p:nvPr>
+        </p:nvSpPr>
+        <p:spPr>
+          <a:xfrm>
+            <a:off x="457200" y="1981200"/>
+            <a:ext cx="7086600" cy="3810000"/>
           </a:xfrm>
         </p:spPr>
         <p:txBody>
           <a:bodyPr/>
           <a:lstStyle>
             <a:lvl1pPr>
-              <a:defRPr sz="3200"/>
+              <a:defRPr sz="2800"/>
             </a:lvl1pPr>
             <a:lvl2pPr>
-              <a:defRPr sz="2800"/>
+              <a:defRPr sz="2400"/>
             </a:lvl2pPr>
             <a:lvl3pPr>
-              <a:defRPr sz="2400"/>
+              <a:defRPr sz="2200"/>
             </a:lvl3pPr>
             <a:lvl4pPr>
               <a:defRPr sz="2000"/>
@@ -5218,175 +5492,103 @@
             <a:lvl5pPr>
               <a:defRPr sz="2000"/>
             </a:lvl5pPr>
-            <a:lvl6pPr>
-              <a:defRPr sz="2000"/>
-            </a:lvl6pPr>
-            <a:lvl7pPr>
-              <a:defRPr sz="2000"/>
-            </a:lvl7pPr>
-            <a:lvl8pPr>
-              <a:defRPr sz="2000"/>
-            </a:lvl8pPr>
-            <a:lvl9pPr>
-              <a:defRPr sz="2000"/>
-            </a:lvl9pPr>
           </a:lstStyle>
           <a:p>
-            <a:pPr lvl="0"/>
+            <a:pPr lvl="0" eaLnBrk="1" latinLnBrk="0" hangingPunct="1"/>
             <a:r>
               <a:rPr lang="pl-PL" smtClean="0"/>
               <a:t>Kliknij, aby edytować style wzorca tekstu</a:t>
             </a:r>
           </a:p>
           <a:p>
-            <a:pPr lvl="1"/>
+            <a:pPr lvl="1" eaLnBrk="1" latinLnBrk="0" hangingPunct="1"/>
             <a:r>
               <a:rPr lang="pl-PL" smtClean="0"/>
               <a:t>Drugi poziom</a:t>
             </a:r>
           </a:p>
           <a:p>
-            <a:pPr lvl="2"/>
+            <a:pPr lvl="2" eaLnBrk="1" latinLnBrk="0" hangingPunct="1"/>
             <a:r>
               <a:rPr lang="pl-PL" smtClean="0"/>
               <a:t>Trzeci poziom</a:t>
             </a:r>
           </a:p>
           <a:p>
-            <a:pPr lvl="3"/>
+            <a:pPr lvl="3" eaLnBrk="1" latinLnBrk="0" hangingPunct="1"/>
             <a:r>
               <a:rPr lang="pl-PL" smtClean="0"/>
               <a:t>Czwarty poziom</a:t>
             </a:r>
           </a:p>
           <a:p>
-            <a:pPr lvl="4"/>
+            <a:pPr lvl="4" eaLnBrk="1" latinLnBrk="0" hangingPunct="1"/>
             <a:r>
               <a:rPr lang="pl-PL" smtClean="0"/>
               <a:t>Piąty poziom</a:t>
             </a:r>
+            <a:endParaRPr kumimoji="0" lang="en-US"/>
+          </a:p>
+        </p:txBody>
+      </p:sp>
+      <p:sp>
+        <p:nvSpPr>
+          <p:cNvPr id="5" name="Symbol zastępczy daty 4"/>
+          <p:cNvSpPr>
+            <a:spLocks noGrp="1"/>
+          </p:cNvSpPr>
+          <p:nvPr>
+            <p:ph type="dt" sz="half" idx="10"/>
+          </p:nvPr>
+        </p:nvSpPr>
+        <p:spPr/>
+        <p:txBody>
+          <a:bodyPr/>
+          <a:lstStyle/>
+          <a:p>
+            <a:fld id="{975ED237-9FC1-4E5C-946C-95A4C3DC1734}" type="datetime1">
+              <a:rPr lang="pl-PL" smtClean="0"/>
+              <a:t>2013-11-04</a:t>
+            </a:fld>
             <a:endParaRPr lang="pl-PL"/>
           </a:p>
         </p:txBody>
       </p:sp>
       <p:sp>
         <p:nvSpPr>
-          <p:cNvPr id="4" name="Symbol zastępczy tekstu 3"/>
-          <p:cNvSpPr>
-            <a:spLocks noGrp="1"/>
-          </p:cNvSpPr>
-          <p:nvPr>
-            <p:ph type="body" sz="half" idx="2"/>
+          <p:cNvPr id="6" name="Symbol zastępczy stopki 5"/>
+          <p:cNvSpPr>
+            <a:spLocks noGrp="1"/>
+          </p:cNvSpPr>
+          <p:nvPr>
+            <p:ph type="ftr" sz="quarter" idx="11"/>
+          </p:nvPr>
+        </p:nvSpPr>
+        <p:spPr/>
+        <p:txBody>
+          <a:bodyPr/>
+          <a:lstStyle/>
+          <a:p>
+            <a:endParaRPr lang="pl-PL"/>
+          </a:p>
+        </p:txBody>
+      </p:sp>
+      <p:sp>
+        <p:nvSpPr>
+          <p:cNvPr id="7" name="Symbol zastępczy numeru slajdu 6"/>
+          <p:cNvSpPr>
+            <a:spLocks noGrp="1"/>
+          </p:cNvSpPr>
+          <p:nvPr>
+            <p:ph type="sldNum" sz="quarter" idx="12"/>
           </p:nvPr>
         </p:nvSpPr>
         <p:spPr>
           <a:xfrm>
-            <a:off x="457200" y="1435100"/>
-            <a:ext cx="3008313" cy="4691063"/>
+            <a:off x="8156448" y="6422064"/>
+            <a:ext cx="762000" cy="365125"/>
           </a:xfrm>
         </p:spPr>
-        <p:txBody>
-          <a:bodyPr/>
-          <a:lstStyle>
-            <a:lvl1pPr marL="0" indent="0">
-              <a:buNone/>
-              <a:defRPr sz="1400"/>
-            </a:lvl1pPr>
-            <a:lvl2pPr marL="457200" indent="0">
-              <a:buNone/>
-              <a:defRPr sz="1200"/>
-            </a:lvl2pPr>
-            <a:lvl3pPr marL="914400" indent="0">
-              <a:buNone/>
-              <a:defRPr sz="1000"/>
-            </a:lvl3pPr>
-            <a:lvl4pPr marL="1371600" indent="0">
-              <a:buNone/>
-              <a:defRPr sz="900"/>
-            </a:lvl4pPr>
-            <a:lvl5pPr marL="1828800" indent="0">
-              <a:buNone/>
-              <a:defRPr sz="900"/>
-            </a:lvl5pPr>
-            <a:lvl6pPr marL="2286000" indent="0">
-              <a:buNone/>
-              <a:defRPr sz="900"/>
-            </a:lvl6pPr>
-            <a:lvl7pPr marL="2743200" indent="0">
-              <a:buNone/>
-              <a:defRPr sz="900"/>
-            </a:lvl7pPr>
-            <a:lvl8pPr marL="3200400" indent="0">
-              <a:buNone/>
-              <a:defRPr sz="900"/>
-            </a:lvl8pPr>
-            <a:lvl9pPr marL="3657600" indent="0">
-              <a:buNone/>
-              <a:defRPr sz="900"/>
-            </a:lvl9pPr>
-          </a:lstStyle>
-          <a:p>
-            <a:pPr lvl="0"/>
-            <a:r>
-              <a:rPr lang="pl-PL" smtClean="0"/>
-              <a:t>Kliknij, aby edytować style wzorca tekstu</a:t>
-            </a:r>
-          </a:p>
-        </p:txBody>
-      </p:sp>
-      <p:sp>
-        <p:nvSpPr>
-          <p:cNvPr id="5" name="Symbol zastępczy daty 4"/>
-          <p:cNvSpPr>
-            <a:spLocks noGrp="1"/>
-          </p:cNvSpPr>
-          <p:nvPr>
-            <p:ph type="dt" sz="half" idx="10"/>
-          </p:nvPr>
-        </p:nvSpPr>
-        <p:spPr/>
-        <p:txBody>
-          <a:bodyPr/>
-          <a:lstStyle/>
-          <a:p>
-            <a:fld id="{975ED237-9FC1-4E5C-946C-95A4C3DC1734}" type="datetime1">
-              <a:rPr lang="pl-PL" smtClean="0"/>
-              <a:t>2013-11-03</a:t>
-            </a:fld>
-            <a:endParaRPr lang="pl-PL"/>
-          </a:p>
-        </p:txBody>
-      </p:sp>
-      <p:sp>
-        <p:nvSpPr>
-          <p:cNvPr id="6" name="Symbol zastępczy stopki 5"/>
-          <p:cNvSpPr>
-            <a:spLocks noGrp="1"/>
-          </p:cNvSpPr>
-          <p:nvPr>
-            <p:ph type="ftr" sz="quarter" idx="11"/>
-          </p:nvPr>
-        </p:nvSpPr>
-        <p:spPr/>
-        <p:txBody>
-          <a:bodyPr/>
-          <a:lstStyle/>
-          <a:p>
-            <a:endParaRPr lang="pl-PL"/>
-          </a:p>
-        </p:txBody>
-      </p:sp>
-      <p:sp>
-        <p:nvSpPr>
-          <p:cNvPr id="7" name="Symbol zastępczy numeru slajdu 6"/>
-          <p:cNvSpPr>
-            <a:spLocks noGrp="1"/>
-          </p:cNvSpPr>
-          <p:nvPr>
-            <p:ph type="sldNum" sz="quarter" idx="12"/>
-          </p:nvPr>
-        </p:nvSpPr>
-        <p:spPr/>
         <p:txBody>
           <a:bodyPr/>
           <a:lstStyle/>
@@ -5400,11 +5602,6 @@
         </p:txBody>
       </p:sp>
     </p:spTree>
-    <p:extLst>
-      <p:ext uri="{BB962C8B-B14F-4D97-AF65-F5344CB8AC3E}">
-        <p14:creationId xmlns:p14="http://schemas.microsoft.com/office/powerpoint/2010/main" val="1485512038"/>
-      </p:ext>
-    </p:extLst>
   </p:cSld>
   <p:clrMapOvr>
     <a:masterClrMapping/>
@@ -5413,7 +5610,7 @@
 </file>
 
 <file path=ppt/slideLayouts/slideLayout9.xml><?xml version="1.0" encoding="utf-8"?>
-<p:sldLayout xmlns:a="http://schemas.openxmlformats.org/drawingml/2006/main" xmlns:r="http://schemas.openxmlformats.org/officeDocument/2006/relationships" xmlns:p="http://schemas.openxmlformats.org/presentationml/2006/main" type="picTx" preserve="1">
+<p:sldLayout xmlns:a="http://schemas.openxmlformats.org/drawingml/2006/main" xmlns:r="http://schemas.openxmlformats.org/officeDocument/2006/relationships" xmlns:p="http://schemas.openxmlformats.org/presentationml/2006/main" showMasterSp="0" type="picTx" preserve="1">
   <p:cSld name="Obraz z podpisem">
     <p:spTree>
       <p:nvGrpSpPr>
@@ -5441,23 +5638,28 @@
         </p:nvSpPr>
         <p:spPr>
           <a:xfrm>
-            <a:off x="1792288" y="4800600"/>
-            <a:ext cx="5486400" cy="566738"/>
+            <a:off x="5556732" y="1705709"/>
+            <a:ext cx="3053868" cy="1253808"/>
           </a:xfrm>
         </p:spPr>
         <p:txBody>
           <a:bodyPr anchor="b"/>
           <a:lstStyle>
             <a:lvl1pPr algn="l">
-              <a:defRPr sz="2000" b="1"/>
+              <a:buNone/>
+              <a:defRPr sz="2200" b="1">
+                <a:solidFill>
+                  <a:schemeClr val="accent1"/>
+                </a:solidFill>
+              </a:defRPr>
             </a:lvl1pPr>
           </a:lstStyle>
           <a:p>
             <a:r>
-              <a:rPr lang="pl-PL" smtClean="0"/>
+              <a:rPr kumimoji="0" lang="pl-PL" smtClean="0"/>
               <a:t>Kliknij, aby edytować styl</a:t>
             </a:r>
-            <a:endParaRPr lang="pl-PL"/>
+            <a:endParaRPr kumimoji="0" lang="en-US"/>
           </a:p>
         </p:txBody>
       </p:sp>
@@ -5473,9 +5675,44 @@
         </p:nvSpPr>
         <p:spPr>
           <a:xfrm>
-            <a:off x="1792288" y="612775"/>
-            <a:ext cx="5486400" cy="4114800"/>
+            <a:off x="1065628" y="1019907"/>
+            <a:ext cx="4114800" cy="4114800"/>
           </a:xfrm>
+          <a:prstGeom prst="ellipse">
+            <a:avLst/>
+          </a:prstGeom>
+          <a:solidFill>
+            <a:schemeClr val="bg2">
+              <a:shade val="50000"/>
+            </a:schemeClr>
+          </a:solidFill>
+          <a:ln w="50800" cap="flat">
+            <a:solidFill>
+              <a:schemeClr val="bg2"/>
+            </a:solidFill>
+            <a:miter lim="800000"/>
+          </a:ln>
+          <a:effectLst>
+            <a:outerShdw blurRad="152000" dist="345000" dir="5400000" sx="-80000" sy="-18000" rotWithShape="0">
+              <a:srgbClr val="000000">
+                <a:alpha val="25000"/>
+              </a:srgbClr>
+            </a:outerShdw>
+          </a:effectLst>
+          <a:scene3d>
+            <a:camera prst="orthographicFront"/>
+            <a:lightRig rig="contrasting" dir="t">
+              <a:rot lat="0" lon="0" rev="2400000"/>
+            </a:lightRig>
+          </a:scene3d>
+          <a:sp3d contourW="7620">
+            <a:bevelT w="63500" h="63500"/>
+            <a:contourClr>
+              <a:schemeClr val="bg2">
+                <a:shade val="50000"/>
+              </a:schemeClr>
+            </a:contourClr>
+          </a:sp3d>
         </p:spPr>
         <p:txBody>
           <a:bodyPr/>
@@ -5484,41 +5721,13 @@
               <a:buNone/>
               <a:defRPr sz="3200"/>
             </a:lvl1pPr>
-            <a:lvl2pPr marL="457200" indent="0">
-              <a:buNone/>
-              <a:defRPr sz="2800"/>
-            </a:lvl2pPr>
-            <a:lvl3pPr marL="914400" indent="0">
-              <a:buNone/>
-              <a:defRPr sz="2400"/>
-            </a:lvl3pPr>
-            <a:lvl4pPr marL="1371600" indent="0">
-              <a:buNone/>
-              <a:defRPr sz="2000"/>
-            </a:lvl4pPr>
-            <a:lvl5pPr marL="1828800" indent="0">
-              <a:buNone/>
-              <a:defRPr sz="2000"/>
-            </a:lvl5pPr>
-            <a:lvl6pPr marL="2286000" indent="0">
-              <a:buNone/>
-              <a:defRPr sz="2000"/>
-            </a:lvl6pPr>
-            <a:lvl7pPr marL="2743200" indent="0">
-              <a:buNone/>
-              <a:defRPr sz="2000"/>
-            </a:lvl7pPr>
-            <a:lvl8pPr marL="3200400" indent="0">
-              <a:buNone/>
-              <a:defRPr sz="2000"/>
-            </a:lvl8pPr>
-            <a:lvl9pPr marL="3657600" indent="0">
-              <a:buNone/>
-              <a:defRPr sz="2000"/>
-            </a:lvl9pPr>
           </a:lstStyle>
           <a:p>
-            <a:endParaRPr lang="pl-PL"/>
+            <a:r>
+              <a:rPr kumimoji="0" lang="pl-PL" smtClean="0"/>
+              <a:t>Kliknij ikonę, aby dodać obraz</a:t>
+            </a:r>
+            <a:endParaRPr kumimoji="0" lang="en-US" dirty="0"/>
           </a:p>
         </p:txBody>
       </p:sp>
@@ -5534,54 +5743,43 @@
         </p:nvSpPr>
         <p:spPr>
           <a:xfrm>
-            <a:off x="1792288" y="5367338"/>
-            <a:ext cx="5486400" cy="804862"/>
+            <a:off x="5556734" y="2998765"/>
+            <a:ext cx="3053866" cy="2663482"/>
           </a:xfrm>
         </p:spPr>
         <p:txBody>
-          <a:bodyPr/>
+          <a:bodyPr lIns="45720" rIns="45720"/>
           <a:lstStyle>
             <a:lvl1pPr marL="0" indent="0">
+              <a:buFontTx/>
               <a:buNone/>
-              <a:defRPr sz="1400"/>
+              <a:defRPr sz="1200"/>
             </a:lvl1pPr>
-            <a:lvl2pPr marL="457200" indent="0">
+            <a:lvl2pPr>
+              <a:buFontTx/>
               <a:buNone/>
               <a:defRPr sz="1200"/>
             </a:lvl2pPr>
-            <a:lvl3pPr marL="914400" indent="0">
+            <a:lvl3pPr>
+              <a:buFontTx/>
               <a:buNone/>
               <a:defRPr sz="1000"/>
             </a:lvl3pPr>
-            <a:lvl4pPr marL="1371600" indent="0">
+            <a:lvl4pPr>
+              <a:buFontTx/>
               <a:buNone/>
               <a:defRPr sz="900"/>
             </a:lvl4pPr>
-            <a:lvl5pPr marL="1828800" indent="0">
+            <a:lvl5pPr>
+              <a:buFontTx/>
               <a:buNone/>
               <a:defRPr sz="900"/>
             </a:lvl5pPr>
-            <a:lvl6pPr marL="2286000" indent="0">
-              <a:buNone/>
-              <a:defRPr sz="900"/>
-            </a:lvl6pPr>
-            <a:lvl7pPr marL="2743200" indent="0">
-              <a:buNone/>
-              <a:defRPr sz="900"/>
-            </a:lvl7pPr>
-            <a:lvl8pPr marL="3200400" indent="0">
-              <a:buNone/>
-              <a:defRPr sz="900"/>
-            </a:lvl8pPr>
-            <a:lvl9pPr marL="3657600" indent="0">
-              <a:buNone/>
-              <a:defRPr sz="900"/>
-            </a:lvl9pPr>
           </a:lstStyle>
           <a:p>
-            <a:pPr lvl="0"/>
-            <a:r>
-              <a:rPr lang="pl-PL" smtClean="0"/>
+            <a:pPr lvl="0" eaLnBrk="1" latinLnBrk="0" hangingPunct="1"/>
+            <a:r>
+              <a:rPr kumimoji="0" lang="pl-PL" smtClean="0"/>
               <a:t>Kliknij, aby edytować style wzorca tekstu</a:t>
             </a:r>
           </a:p>
@@ -5597,14 +5795,19 @@
             <p:ph type="dt" sz="half" idx="10"/>
           </p:nvPr>
         </p:nvSpPr>
-        <p:spPr/>
+        <p:spPr>
+          <a:xfrm>
+            <a:off x="457200" y="6422064"/>
+            <a:ext cx="2133600" cy="365125"/>
+          </a:xfrm>
+        </p:spPr>
         <p:txBody>
           <a:bodyPr/>
           <a:lstStyle/>
           <a:p>
             <a:fld id="{E40D8EE7-3B39-4567-8143-7507C31C3279}" type="datetime1">
               <a:rPr lang="pl-PL" smtClean="0"/>
-              <a:t>2013-11-03</a:t>
+              <a:t>2013-11-04</a:t>
             </a:fld>
             <a:endParaRPr lang="pl-PL"/>
           </a:p>
@@ -5653,11 +5856,6 @@
         </p:txBody>
       </p:sp>
     </p:spTree>
-    <p:extLst>
-      <p:ext uri="{BB962C8B-B14F-4D97-AF65-F5344CB8AC3E}">
-        <p14:creationId xmlns:p14="http://schemas.microsoft.com/office/powerpoint/2010/main" val="2358297333"/>
-      </p:ext>
-    </p:extLst>
   </p:cSld>
   <p:clrMapOvr>
     <a:masterClrMapping/>
@@ -5670,7 +5868,7 @@
   <p:cSld>
     <p:bg>
       <p:bgRef idx="1001">
-        <a:schemeClr val="bg1"/>
+        <a:schemeClr val="bg2"/>
       </p:bgRef>
     </p:bg>
     <p:spTree>
@@ -5689,7 +5887,203 @@
       </p:grpSpPr>
       <p:sp>
         <p:nvSpPr>
-          <p:cNvPr id="2" name="Symbol zastępczy tytułu 1"/>
+          <p:cNvPr id="12" name="Dowolny kształt 11"/>
+          <p:cNvSpPr>
+            <a:spLocks/>
+          </p:cNvSpPr>
+          <p:nvPr/>
+        </p:nvSpPr>
+        <p:spPr bwMode="auto">
+          <a:xfrm>
+            <a:off x="0" y="4752126"/>
+            <a:ext cx="9144000" cy="2112962"/>
+          </a:xfrm>
+          <a:custGeom>
+            <a:avLst>
+              <a:gd name="A1" fmla="val 0"/>
+              <a:gd name="A2" fmla="val 0"/>
+              <a:gd name="A3" fmla="val 0"/>
+              <a:gd name="A4" fmla="val 0"/>
+              <a:gd name="A5" fmla="val 0"/>
+              <a:gd name="A6" fmla="val 0"/>
+              <a:gd name="A7" fmla="val 0"/>
+              <a:gd name="A8" fmla="val 0"/>
+            </a:avLst>
+            <a:gdLst/>
+            <a:ahLst/>
+            <a:cxnLst>
+              <a:cxn ang="0">
+                <a:pos x="0" y="1066"/>
+              </a:cxn>
+              <a:cxn ang="0">
+                <a:pos x="0" y="1331"/>
+              </a:cxn>
+              <a:cxn ang="0">
+                <a:pos x="5760" y="1331"/>
+              </a:cxn>
+              <a:cxn ang="0">
+                <a:pos x="5760" y="0"/>
+              </a:cxn>
+              <a:cxn ang="0">
+                <a:pos x="0" y="1066"/>
+              </a:cxn>
+            </a:cxnLst>
+            <a:rect l="0" t="0" r="0" b="0"/>
+            <a:pathLst>
+              <a:path w="5760" h="1331">
+                <a:moveTo>
+                  <a:pt x="0" y="1066"/>
+                </a:moveTo>
+                <a:lnTo>
+                  <a:pt x="0" y="1331"/>
+                </a:lnTo>
+                <a:lnTo>
+                  <a:pt x="5760" y="1331"/>
+                </a:lnTo>
+                <a:lnTo>
+                  <a:pt x="5760" y="0"/>
+                </a:lnTo>
+                <a:cubicBezTo>
+                  <a:pt x="3220" y="1206"/>
+                  <a:pt x="2250" y="1146"/>
+                  <a:pt x="0" y="1066"/>
+                </a:cubicBezTo>
+                <a:close/>
+              </a:path>
+            </a:pathLst>
+          </a:custGeom>
+          <a:solidFill>
+            <a:schemeClr val="bg1">
+              <a:tint val="80000"/>
+              <a:satMod val="200000"/>
+              <a:alpha val="45000"/>
+            </a:schemeClr>
+          </a:solidFill>
+          <a:ln w="9525" cap="flat" cmpd="sng" algn="ctr">
+            <a:noFill/>
+            <a:prstDash val="solid"/>
+            <a:round/>
+            <a:headEnd type="none" w="med" len="med"/>
+            <a:tailEnd type="none" w="med" len="med"/>
+          </a:ln>
+          <a:effectLst>
+            <a:outerShdw blurRad="50800" dist="44450" dir="16200000" algn="ctr" rotWithShape="0">
+              <a:prstClr val="black">
+                <a:alpha val="35000"/>
+              </a:prstClr>
+            </a:outerShdw>
+          </a:effectLst>
+        </p:spPr>
+        <p:txBody>
+          <a:bodyPr vert="horz" wrap="square" lIns="91440" tIns="45720" rIns="91440" bIns="45720" anchor="t" compatLnSpc="1"/>
+          <a:lstStyle/>
+          <a:p>
+            <a:endParaRPr kumimoji="0" lang="en-US"/>
+          </a:p>
+        </p:txBody>
+      </p:sp>
+      <p:sp>
+        <p:nvSpPr>
+          <p:cNvPr id="16" name="Dowolny kształt 15"/>
+          <p:cNvSpPr>
+            <a:spLocks/>
+          </p:cNvSpPr>
+          <p:nvPr/>
+        </p:nvSpPr>
+        <p:spPr bwMode="auto">
+          <a:xfrm>
+            <a:off x="7315200" y="0"/>
+            <a:ext cx="1828800" cy="6858000"/>
+          </a:xfrm>
+          <a:custGeom>
+            <a:avLst/>
+            <a:gdLst>
+              <a:gd name="connsiteX0" fmla="*/ 1914 w 1914"/>
+              <a:gd name="connsiteY0" fmla="*/ 9 h 4329"/>
+              <a:gd name="connsiteX1" fmla="*/ 1914 w 1914"/>
+              <a:gd name="connsiteY1" fmla="*/ 4329 h 4329"/>
+              <a:gd name="connsiteX2" fmla="*/ 204 w 1914"/>
+              <a:gd name="connsiteY2" fmla="*/ 4327 h 4329"/>
+              <a:gd name="connsiteX3" fmla="*/ 0 w 1914"/>
+              <a:gd name="connsiteY3" fmla="*/ 0 h 4329"/>
+              <a:gd name="connsiteX4" fmla="*/ 1914 w 1914"/>
+              <a:gd name="connsiteY4" fmla="*/ 9 h 4329"/>
+            </a:gdLst>
+            <a:ahLst/>
+            <a:cxnLst>
+              <a:cxn ang="0">
+                <a:pos x="connsiteX0" y="connsiteY0"/>
+              </a:cxn>
+              <a:cxn ang="0">
+                <a:pos x="connsiteX1" y="connsiteY1"/>
+              </a:cxn>
+              <a:cxn ang="0">
+                <a:pos x="connsiteX2" y="connsiteY2"/>
+              </a:cxn>
+              <a:cxn ang="0">
+                <a:pos x="connsiteX3" y="connsiteY3"/>
+              </a:cxn>
+              <a:cxn ang="0">
+                <a:pos x="connsiteX4" y="connsiteY4"/>
+              </a:cxn>
+            </a:cxnLst>
+            <a:rect l="l" t="t" r="r" b="b"/>
+            <a:pathLst>
+              <a:path w="1914" h="4329">
+                <a:moveTo>
+                  <a:pt x="1914" y="9"/>
+                </a:moveTo>
+                <a:lnTo>
+                  <a:pt x="1914" y="4329"/>
+                </a:lnTo>
+                <a:lnTo>
+                  <a:pt x="204" y="4327"/>
+                </a:lnTo>
+                <a:cubicBezTo>
+                  <a:pt x="1288" y="3574"/>
+                  <a:pt x="2082" y="1734"/>
+                  <a:pt x="0" y="0"/>
+                </a:cubicBezTo>
+                <a:lnTo>
+                  <a:pt x="1914" y="9"/>
+                </a:lnTo>
+                <a:close/>
+              </a:path>
+            </a:pathLst>
+          </a:custGeom>
+          <a:solidFill>
+            <a:schemeClr val="bg1">
+              <a:tint val="90000"/>
+              <a:satMod val="350000"/>
+              <a:alpha val="40000"/>
+            </a:schemeClr>
+          </a:solidFill>
+          <a:ln w="9525" cap="flat" cmpd="sng" algn="ctr">
+            <a:noFill/>
+            <a:prstDash val="solid"/>
+            <a:round/>
+            <a:headEnd type="none" w="med" len="med"/>
+            <a:tailEnd type="none" w="med" len="med"/>
+          </a:ln>
+          <a:effectLst>
+            <a:outerShdw blurRad="50800" dist="50800" dir="10800000" algn="ctr" rotWithShape="0">
+              <a:prstClr val="black">
+                <a:alpha val="45000"/>
+              </a:prstClr>
+            </a:outerShdw>
+          </a:effectLst>
+        </p:spPr>
+        <p:txBody>
+          <a:bodyPr vert="horz" wrap="square" lIns="91440" tIns="45720" rIns="91440" bIns="45720" anchor="t" compatLnSpc="1"/>
+          <a:lstStyle/>
+          <a:p>
+            <a:endParaRPr kumimoji="0" lang="en-US"/>
+          </a:p>
+        </p:txBody>
+      </p:sp>
+      <p:sp>
+        <p:nvSpPr>
+          <p:cNvPr id="9" name="Symbol zastępczy tytułu 8"/>
           <p:cNvSpPr>
             <a:spLocks noGrp="1"/>
           </p:cNvSpPr>
@@ -5700,29 +6094,29 @@
         <p:spPr>
           <a:xfrm>
             <a:off x="457200" y="274638"/>
-            <a:ext cx="8229600" cy="1143000"/>
+            <a:ext cx="7467600" cy="1143000"/>
           </a:xfrm>
           <a:prstGeom prst="rect">
             <a:avLst/>
           </a:prstGeom>
         </p:spPr>
         <p:txBody>
-          <a:bodyPr vert="horz" lIns="91440" tIns="45720" rIns="91440" bIns="45720" rtlCol="0" anchor="ctr">
+          <a:bodyPr vert="horz" lIns="45720" rIns="45720" anchor="ctr">
             <a:normAutofit/>
           </a:bodyPr>
           <a:lstStyle/>
           <a:p>
             <a:r>
-              <a:rPr lang="pl-PL" smtClean="0"/>
+              <a:rPr kumimoji="0" lang="pl-PL" smtClean="0"/>
               <a:t>Kliknij, aby edytować styl</a:t>
             </a:r>
-            <a:endParaRPr lang="pl-PL"/>
-          </a:p>
-        </p:txBody>
-      </p:sp>
-      <p:sp>
-        <p:nvSpPr>
-          <p:cNvPr id="3" name="Symbol zastępczy tekstu 2"/>
+            <a:endParaRPr kumimoji="0" lang="en-US"/>
+          </a:p>
+        </p:txBody>
+      </p:sp>
+      <p:sp>
+        <p:nvSpPr>
+          <p:cNvPr id="30" name="Symbol zastępczy tekstu 29"/>
           <p:cNvSpPr>
             <a:spLocks noGrp="1"/>
           </p:cNvSpPr>
@@ -5733,58 +6127,58 @@
         <p:spPr>
           <a:xfrm>
             <a:off x="457200" y="1600200"/>
-            <a:ext cx="8229600" cy="4525963"/>
+            <a:ext cx="7467600" cy="4525963"/>
           </a:xfrm>
           <a:prstGeom prst="rect">
             <a:avLst/>
           </a:prstGeom>
         </p:spPr>
         <p:txBody>
-          <a:bodyPr vert="horz" lIns="91440" tIns="45720" rIns="91440" bIns="45720" rtlCol="0">
+          <a:bodyPr vert="horz">
             <a:normAutofit/>
           </a:bodyPr>
           <a:lstStyle/>
           <a:p>
-            <a:pPr lvl="0"/>
-            <a:r>
-              <a:rPr lang="pl-PL" smtClean="0"/>
+            <a:pPr lvl="0" eaLnBrk="1" latinLnBrk="0" hangingPunct="1"/>
+            <a:r>
+              <a:rPr kumimoji="0" lang="pl-PL" smtClean="0"/>
               <a:t>Kliknij, aby edytować style wzorca tekstu</a:t>
             </a:r>
           </a:p>
           <a:p>
-            <a:pPr lvl="1"/>
-            <a:r>
-              <a:rPr lang="pl-PL" smtClean="0"/>
+            <a:pPr lvl="1" eaLnBrk="1" latinLnBrk="0" hangingPunct="1"/>
+            <a:r>
+              <a:rPr kumimoji="0" lang="pl-PL" smtClean="0"/>
               <a:t>Drugi poziom</a:t>
             </a:r>
           </a:p>
           <a:p>
-            <a:pPr lvl="2"/>
-            <a:r>
-              <a:rPr lang="pl-PL" smtClean="0"/>
+            <a:pPr lvl="2" eaLnBrk="1" latinLnBrk="0" hangingPunct="1"/>
+            <a:r>
+              <a:rPr kumimoji="0" lang="pl-PL" smtClean="0"/>
               <a:t>Trzeci poziom</a:t>
             </a:r>
           </a:p>
           <a:p>
-            <a:pPr lvl="3"/>
-            <a:r>
-              <a:rPr lang="pl-PL" smtClean="0"/>
+            <a:pPr lvl="3" eaLnBrk="1" latinLnBrk="0" hangingPunct="1"/>
+            <a:r>
+              <a:rPr kumimoji="0" lang="pl-PL" smtClean="0"/>
               <a:t>Czwarty poziom</a:t>
             </a:r>
           </a:p>
           <a:p>
-            <a:pPr lvl="4"/>
-            <a:r>
-              <a:rPr lang="pl-PL" smtClean="0"/>
+            <a:pPr lvl="4" eaLnBrk="1" latinLnBrk="0" hangingPunct="1"/>
+            <a:r>
+              <a:rPr kumimoji="0" lang="pl-PL" smtClean="0"/>
               <a:t>Piąty poziom</a:t>
             </a:r>
-            <a:endParaRPr lang="pl-PL"/>
-          </a:p>
-        </p:txBody>
-      </p:sp>
-      <p:sp>
-        <p:nvSpPr>
-          <p:cNvPr id="4" name="Symbol zastępczy daty 3"/>
+            <a:endParaRPr kumimoji="0" lang="en-US"/>
+          </a:p>
+        </p:txBody>
+      </p:sp>
+      <p:sp>
+        <p:nvSpPr>
+          <p:cNvPr id="10" name="Symbol zastępczy daty 9"/>
           <p:cNvSpPr>
             <a:spLocks noGrp="1"/>
           </p:cNvSpPr>
@@ -5794,7 +6188,7 @@
         </p:nvSpPr>
         <p:spPr>
           <a:xfrm>
-            <a:off x="457200" y="6356350"/>
+            <a:off x="457200" y="6422064"/>
             <a:ext cx="2133600" cy="365125"/>
           </a:xfrm>
           <a:prstGeom prst="rect">
@@ -5802,13 +6196,13 @@
           </a:prstGeom>
         </p:spPr>
         <p:txBody>
-          <a:bodyPr vert="horz" lIns="91440" tIns="45720" rIns="91440" bIns="45720" rtlCol="0" anchor="ctr"/>
+          <a:bodyPr vert="horz" bIns="0" anchor="b"/>
           <a:lstStyle>
-            <a:lvl1pPr algn="l">
-              <a:defRPr sz="1200">
+            <a:lvl1pPr algn="l" eaLnBrk="1" latinLnBrk="0" hangingPunct="1">
+              <a:defRPr kumimoji="0" sz="1000">
                 <a:solidFill>
-                  <a:schemeClr val="tx1">
-                    <a:tint val="75000"/>
+                  <a:schemeClr val="tx2">
+                    <a:shade val="50000"/>
                   </a:schemeClr>
                 </a:solidFill>
               </a:defRPr>
@@ -5817,7 +6211,7 @@
           <a:p>
             <a:fld id="{7608829D-31E7-4419-8C46-5689D5226F4A}" type="datetime1">
               <a:rPr lang="pl-PL" smtClean="0"/>
-              <a:t>2013-11-03</a:t>
+              <a:t>2013-11-04</a:t>
             </a:fld>
             <a:endParaRPr lang="pl-PL"/>
           </a:p>
@@ -5825,7 +6219,7 @@
       </p:sp>
       <p:sp>
         <p:nvSpPr>
-          <p:cNvPr id="5" name="Symbol zastępczy stopki 4"/>
+          <p:cNvPr id="22" name="Symbol zastępczy stopki 21"/>
           <p:cNvSpPr>
             <a:spLocks noGrp="1"/>
           </p:cNvSpPr>
@@ -5835,7 +6229,7 @@
         </p:nvSpPr>
         <p:spPr>
           <a:xfrm>
-            <a:off x="3124200" y="6356350"/>
+            <a:off x="3124200" y="6422064"/>
             <a:ext cx="2895600" cy="365125"/>
           </a:xfrm>
           <a:prstGeom prst="rect">
@@ -5843,13 +6237,13 @@
           </a:prstGeom>
         </p:spPr>
         <p:txBody>
-          <a:bodyPr vert="horz" lIns="91440" tIns="45720" rIns="91440" bIns="45720" rtlCol="0" anchor="ctr"/>
+          <a:bodyPr vert="horz" lIns="0" rIns="0" bIns="0" anchor="b"/>
           <a:lstStyle>
-            <a:lvl1pPr algn="ctr">
-              <a:defRPr sz="1200">
+            <a:lvl1pPr algn="ctr" eaLnBrk="1" latinLnBrk="0" hangingPunct="1">
+              <a:defRPr kumimoji="0" sz="1000">
                 <a:solidFill>
-                  <a:schemeClr val="tx1">
-                    <a:tint val="75000"/>
+                  <a:schemeClr val="tx2">
+                    <a:shade val="50000"/>
                   </a:schemeClr>
                 </a:solidFill>
               </a:defRPr>
@@ -5862,7 +6256,7 @@
       </p:sp>
       <p:sp>
         <p:nvSpPr>
-          <p:cNvPr id="6" name="Symbol zastępczy numeru slajdu 5"/>
+          <p:cNvPr id="18" name="Symbol zastępczy numeru slajdu 17"/>
           <p:cNvSpPr>
             <a:spLocks noGrp="1"/>
           </p:cNvSpPr>
@@ -5872,21 +6266,21 @@
         </p:nvSpPr>
         <p:spPr>
           <a:xfrm>
-            <a:off x="6553200" y="6356350"/>
-            <a:ext cx="2133600" cy="365125"/>
+            <a:off x="8153400" y="6422064"/>
+            <a:ext cx="762000" cy="365125"/>
           </a:xfrm>
           <a:prstGeom prst="rect">
             <a:avLst/>
           </a:prstGeom>
         </p:spPr>
         <p:txBody>
-          <a:bodyPr vert="horz" lIns="91440" tIns="45720" rIns="91440" bIns="45720" rtlCol="0" anchor="ctr"/>
+          <a:bodyPr vert="horz" lIns="0" tIns="0" rIns="0" bIns="0" anchor="b"/>
           <a:lstStyle>
-            <a:lvl1pPr algn="r">
-              <a:defRPr sz="1200">
+            <a:lvl1pPr algn="r" eaLnBrk="1" latinLnBrk="0" hangingPunct="1">
+              <a:defRPr kumimoji="0" sz="1000">
                 <a:solidFill>
-                  <a:schemeClr val="tx1">
-                    <a:tint val="75000"/>
+                  <a:schemeClr val="tx2">
+                    <a:shade val="50000"/>
                   </a:schemeClr>
                 </a:solidFill>
               </a:defRPr>
@@ -5902,35 +6296,30 @@
         </p:txBody>
       </p:sp>
     </p:spTree>
-    <p:extLst>
-      <p:ext uri="{BB962C8B-B14F-4D97-AF65-F5344CB8AC3E}">
-        <p14:creationId xmlns:p14="http://schemas.microsoft.com/office/powerpoint/2010/main" val="1369011786"/>
-      </p:ext>
-    </p:extLst>
   </p:cSld>
-  <p:clrMap bg1="lt1" tx1="dk1" bg2="lt2" tx2="dk2" accent1="accent1" accent2="accent2" accent3="accent3" accent4="accent4" accent5="accent5" accent6="accent6" hlink="hlink" folHlink="folHlink"/>
+  <p:clrMap bg1="dk1" tx1="lt1" bg2="dk2" tx2="lt2" accent1="accent1" accent2="accent2" accent3="accent3" accent4="accent4" accent5="accent5" accent6="accent6" hlink="hlink" folHlink="folHlink"/>
   <p:sldLayoutIdLst>
-    <p:sldLayoutId id="2147483673" r:id="rId1"/>
-    <p:sldLayoutId id="2147483674" r:id="rId2"/>
-    <p:sldLayoutId id="2147483675" r:id="rId3"/>
-    <p:sldLayoutId id="2147483676" r:id="rId4"/>
-    <p:sldLayoutId id="2147483677" r:id="rId5"/>
-    <p:sldLayoutId id="2147483678" r:id="rId6"/>
-    <p:sldLayoutId id="2147483679" r:id="rId7"/>
-    <p:sldLayoutId id="2147483680" r:id="rId8"/>
-    <p:sldLayoutId id="2147483681" r:id="rId9"/>
-    <p:sldLayoutId id="2147483682" r:id="rId10"/>
-    <p:sldLayoutId id="2147483683" r:id="rId11"/>
+    <p:sldLayoutId id="2147483709" r:id="rId1"/>
+    <p:sldLayoutId id="2147483710" r:id="rId2"/>
+    <p:sldLayoutId id="2147483711" r:id="rId3"/>
+    <p:sldLayoutId id="2147483712" r:id="rId4"/>
+    <p:sldLayoutId id="2147483713" r:id="rId5"/>
+    <p:sldLayoutId id="2147483714" r:id="rId6"/>
+    <p:sldLayoutId id="2147483715" r:id="rId7"/>
+    <p:sldLayoutId id="2147483716" r:id="rId8"/>
+    <p:sldLayoutId id="2147483717" r:id="rId9"/>
+    <p:sldLayoutId id="2147483718" r:id="rId10"/>
+    <p:sldLayoutId id="2147483719" r:id="rId11"/>
   </p:sldLayoutIdLst>
   <p:hf hdr="0" ftr="0" dt="0"/>
   <p:txStyles>
     <p:titleStyle>
-      <a:lvl1pPr algn="ctr" defTabSz="914400" rtl="0" eaLnBrk="1" latinLnBrk="0" hangingPunct="1">
+      <a:lvl1pPr algn="l" rtl="0" eaLnBrk="1" latinLnBrk="0" hangingPunct="1">
         <a:spcBef>
           <a:spcPct val="0"/>
         </a:spcBef>
         <a:buNone/>
-        <a:defRPr sz="4400" kern="1200">
+        <a:defRPr kumimoji="0" sz="4600" kern="1200">
           <a:solidFill>
             <a:schemeClr val="tx1"/>
           </a:solidFill>
@@ -5941,13 +6330,17 @@
       </a:lvl1pPr>
     </p:titleStyle>
     <p:bodyStyle>
-      <a:lvl1pPr marL="342900" indent="-342900" algn="l" defTabSz="914400" rtl="0" eaLnBrk="1" latinLnBrk="0" hangingPunct="1">
+      <a:lvl1pPr marL="420624" indent="-384048" algn="l" rtl="0" eaLnBrk="1" latinLnBrk="0" hangingPunct="1">
         <a:spcBef>
           <a:spcPct val="20000"/>
         </a:spcBef>
-        <a:buFont typeface="Arial" panose="020B0604020202020204" pitchFamily="34" charset="0"/>
-        <a:buChar char="•"/>
-        <a:defRPr sz="3200" kern="1200">
+        <a:buClr>
+          <a:schemeClr val="accent1"/>
+        </a:buClr>
+        <a:buSzPct val="80000"/>
+        <a:buFont typeface="Wingdings 2"/>
+        <a:buChar char=""/>
+        <a:defRPr kumimoji="0" sz="3000" kern="1200">
           <a:solidFill>
             <a:schemeClr val="tx1"/>
           </a:solidFill>
@@ -5956,13 +6349,17 @@
           <a:cs typeface="+mn-cs"/>
         </a:defRPr>
       </a:lvl1pPr>
-      <a:lvl2pPr marL="742950" indent="-285750" algn="l" defTabSz="914400" rtl="0" eaLnBrk="1" latinLnBrk="0" hangingPunct="1">
+      <a:lvl2pPr marL="722376" indent="-274320" algn="l" rtl="0" eaLnBrk="1" latinLnBrk="0" hangingPunct="1">
         <a:spcBef>
           <a:spcPct val="20000"/>
         </a:spcBef>
-        <a:buFont typeface="Arial" panose="020B0604020202020204" pitchFamily="34" charset="0"/>
-        <a:buChar char="–"/>
-        <a:defRPr sz="2800" kern="1200">
+        <a:buClr>
+          <a:schemeClr val="accent1"/>
+        </a:buClr>
+        <a:buSzPct val="90000"/>
+        <a:buFont typeface="Wingdings 2"/>
+        <a:buChar char=""/>
+        <a:defRPr kumimoji="0" sz="2600" kern="1200">
           <a:solidFill>
             <a:schemeClr val="tx1"/>
           </a:solidFill>
@@ -5971,13 +6368,17 @@
           <a:cs typeface="+mn-cs"/>
         </a:defRPr>
       </a:lvl2pPr>
-      <a:lvl3pPr marL="1143000" indent="-228600" algn="l" defTabSz="914400" rtl="0" eaLnBrk="1" latinLnBrk="0" hangingPunct="1">
+      <a:lvl3pPr marL="1005840" indent="-256032" algn="l" rtl="0" eaLnBrk="1" latinLnBrk="0" hangingPunct="1">
         <a:spcBef>
           <a:spcPct val="20000"/>
         </a:spcBef>
-        <a:buFont typeface="Arial" panose="020B0604020202020204" pitchFamily="34" charset="0"/>
-        <a:buChar char="•"/>
-        <a:defRPr sz="2400" kern="1200">
+        <a:buClr>
+          <a:schemeClr val="accent2"/>
+        </a:buClr>
+        <a:buSzPct val="85000"/>
+        <a:buFont typeface="Arial"/>
+        <a:buChar char="○"/>
+        <a:defRPr kumimoji="0" sz="2400" kern="1200">
           <a:solidFill>
             <a:schemeClr val="tx1"/>
           </a:solidFill>
@@ -5986,13 +6387,17 @@
           <a:cs typeface="+mn-cs"/>
         </a:defRPr>
       </a:lvl3pPr>
-      <a:lvl4pPr marL="1600200" indent="-228600" algn="l" defTabSz="914400" rtl="0" eaLnBrk="1" latinLnBrk="0" hangingPunct="1">
+      <a:lvl4pPr marL="1280160" indent="-237744" algn="l" rtl="0" eaLnBrk="1" latinLnBrk="0" hangingPunct="1">
         <a:spcBef>
           <a:spcPct val="20000"/>
         </a:spcBef>
-        <a:buFont typeface="Arial" panose="020B0604020202020204" pitchFamily="34" charset="0"/>
-        <a:buChar char="–"/>
-        <a:defRPr sz="2000" kern="1200">
+        <a:buClr>
+          <a:schemeClr val="accent3"/>
+        </a:buClr>
+        <a:buSzPct val="90000"/>
+        <a:buFont typeface="Wingdings 2"/>
+        <a:buChar char=""/>
+        <a:defRPr kumimoji="0" sz="2000" kern="1200">
           <a:solidFill>
             <a:schemeClr val="tx1"/>
           </a:solidFill>
@@ -6001,13 +6406,17 @@
           <a:cs typeface="+mn-cs"/>
         </a:defRPr>
       </a:lvl4pPr>
-      <a:lvl5pPr marL="2057400" indent="-228600" algn="l" defTabSz="914400" rtl="0" eaLnBrk="1" latinLnBrk="0" hangingPunct="1">
+      <a:lvl5pPr marL="1490472" indent="-182880" algn="l" rtl="0" eaLnBrk="1" latinLnBrk="0" hangingPunct="1">
         <a:spcBef>
           <a:spcPct val="20000"/>
         </a:spcBef>
-        <a:buFont typeface="Arial" panose="020B0604020202020204" pitchFamily="34" charset="0"/>
-        <a:buChar char="»"/>
-        <a:defRPr sz="2000" kern="1200">
+        <a:buClr>
+          <a:schemeClr val="accent4"/>
+        </a:buClr>
+        <a:buSzPct val="100000"/>
+        <a:buFont typeface="Arial"/>
+        <a:buChar char="-"/>
+        <a:defRPr kumimoji="0" sz="2000" kern="1200">
           <a:solidFill>
             <a:schemeClr val="tx1"/>
           </a:solidFill>
@@ -6016,13 +6425,16 @@
           <a:cs typeface="+mn-cs"/>
         </a:defRPr>
       </a:lvl5pPr>
-      <a:lvl6pPr marL="2514600" indent="-228600" algn="l" defTabSz="914400" rtl="0" eaLnBrk="1" latinLnBrk="0" hangingPunct="1">
+      <a:lvl6pPr marL="1700784" indent="-182880" algn="l" rtl="0" eaLnBrk="1" latinLnBrk="0" hangingPunct="1">
         <a:spcBef>
           <a:spcPct val="20000"/>
         </a:spcBef>
-        <a:buFont typeface="Arial" panose="020B0604020202020204" pitchFamily="34" charset="0"/>
-        <a:buChar char="•"/>
-        <a:defRPr sz="2000" kern="1200">
+        <a:buClr>
+          <a:schemeClr val="accent5"/>
+        </a:buClr>
+        <a:buFont typeface="Arial"/>
+        <a:buChar char="-"/>
+        <a:defRPr kumimoji="0" sz="2000" kern="1200" baseline="0">
           <a:solidFill>
             <a:schemeClr val="tx1"/>
           </a:solidFill>
@@ -6031,13 +6443,17 @@
           <a:cs typeface="+mn-cs"/>
         </a:defRPr>
       </a:lvl6pPr>
-      <a:lvl7pPr marL="2971800" indent="-228600" algn="l" defTabSz="914400" rtl="0" eaLnBrk="1" latinLnBrk="0" hangingPunct="1">
+      <a:lvl7pPr marL="1920240" indent="-182880" algn="l" rtl="0" eaLnBrk="1" latinLnBrk="0" hangingPunct="1">
         <a:spcBef>
           <a:spcPct val="20000"/>
         </a:spcBef>
-        <a:buFont typeface="Arial" panose="020B0604020202020204" pitchFamily="34" charset="0"/>
+        <a:buClr>
+          <a:schemeClr val="accent6"/>
+        </a:buClr>
+        <a:buSzPct val="100000"/>
+        <a:buFont typeface="Arial"/>
         <a:buChar char="•"/>
-        <a:defRPr sz="2000" kern="1200">
+        <a:defRPr kumimoji="0" sz="1800" kern="1200" baseline="0">
           <a:solidFill>
             <a:schemeClr val="tx1"/>
           </a:solidFill>
@@ -6046,13 +6462,16 @@
           <a:cs typeface="+mn-cs"/>
         </a:defRPr>
       </a:lvl7pPr>
-      <a:lvl8pPr marL="3429000" indent="-228600" algn="l" defTabSz="914400" rtl="0" eaLnBrk="1" latinLnBrk="0" hangingPunct="1">
+      <a:lvl8pPr marL="2139696" indent="-182880" algn="l" rtl="0" eaLnBrk="1" latinLnBrk="0" hangingPunct="1">
         <a:spcBef>
           <a:spcPct val="20000"/>
         </a:spcBef>
-        <a:buFont typeface="Arial" panose="020B0604020202020204" pitchFamily="34" charset="0"/>
-        <a:buChar char="•"/>
-        <a:defRPr sz="2000" kern="1200">
+        <a:buClr>
+          <a:schemeClr val="accent6"/>
+        </a:buClr>
+        <a:buFont typeface="Arial"/>
+        <a:buChar char="▪"/>
+        <a:defRPr kumimoji="0" sz="1600" kern="1200">
           <a:solidFill>
             <a:schemeClr val="tx1"/>
           </a:solidFill>
@@ -6061,13 +6480,16 @@
           <a:cs typeface="+mn-cs"/>
         </a:defRPr>
       </a:lvl8pPr>
-      <a:lvl9pPr marL="3886200" indent="-228600" algn="l" defTabSz="914400" rtl="0" eaLnBrk="1" latinLnBrk="0" hangingPunct="1">
+      <a:lvl9pPr marL="2331720" indent="-182880" algn="l" rtl="0" eaLnBrk="1" latinLnBrk="0" hangingPunct="1">
         <a:spcBef>
           <a:spcPct val="20000"/>
         </a:spcBef>
-        <a:buFont typeface="Arial" panose="020B0604020202020204" pitchFamily="34" charset="0"/>
+        <a:buClr>
+          <a:schemeClr val="accent6"/>
+        </a:buClr>
+        <a:buFont typeface="Arial"/>
         <a:buChar char="•"/>
-        <a:defRPr sz="2000" kern="1200">
+        <a:defRPr kumimoji="0" sz="1600" kern="1200">
           <a:solidFill>
             <a:schemeClr val="tx1"/>
           </a:solidFill>
@@ -6078,11 +6500,8 @@
       </a:lvl9pPr>
     </p:bodyStyle>
     <p:otherStyle>
-      <a:defPPr>
-        <a:defRPr lang="pl-PL"/>
-      </a:defPPr>
-      <a:lvl1pPr marL="0" algn="l" defTabSz="914400" rtl="0" eaLnBrk="1" latinLnBrk="0" hangingPunct="1">
-        <a:defRPr sz="1800" kern="1200">
+      <a:lvl1pPr marL="0" algn="l" rtl="0" eaLnBrk="1" latinLnBrk="0" hangingPunct="1">
+        <a:defRPr kumimoji="0" kern="1200">
           <a:solidFill>
             <a:schemeClr val="tx1"/>
           </a:solidFill>
@@ -6091,8 +6510,8 @@
           <a:cs typeface="+mn-cs"/>
         </a:defRPr>
       </a:lvl1pPr>
-      <a:lvl2pPr marL="457200" algn="l" defTabSz="914400" rtl="0" eaLnBrk="1" latinLnBrk="0" hangingPunct="1">
-        <a:defRPr sz="1800" kern="1200">
+      <a:lvl2pPr marL="457200" algn="l" rtl="0" eaLnBrk="1" latinLnBrk="0" hangingPunct="1">
+        <a:defRPr kumimoji="0" kern="1200">
           <a:solidFill>
             <a:schemeClr val="tx1"/>
           </a:solidFill>
@@ -6101,8 +6520,8 @@
           <a:cs typeface="+mn-cs"/>
         </a:defRPr>
       </a:lvl2pPr>
-      <a:lvl3pPr marL="914400" algn="l" defTabSz="914400" rtl="0" eaLnBrk="1" latinLnBrk="0" hangingPunct="1">
-        <a:defRPr sz="1800" kern="1200">
+      <a:lvl3pPr marL="914400" algn="l" rtl="0" eaLnBrk="1" latinLnBrk="0" hangingPunct="1">
+        <a:defRPr kumimoji="0" kern="1200">
           <a:solidFill>
             <a:schemeClr val="tx1"/>
           </a:solidFill>
@@ -6111,8 +6530,8 @@
           <a:cs typeface="+mn-cs"/>
         </a:defRPr>
       </a:lvl3pPr>
-      <a:lvl4pPr marL="1371600" algn="l" defTabSz="914400" rtl="0" eaLnBrk="1" latinLnBrk="0" hangingPunct="1">
-        <a:defRPr sz="1800" kern="1200">
+      <a:lvl4pPr marL="1371600" algn="l" rtl="0" eaLnBrk="1" latinLnBrk="0" hangingPunct="1">
+        <a:defRPr kumimoji="0" kern="1200">
           <a:solidFill>
             <a:schemeClr val="tx1"/>
           </a:solidFill>
@@ -6121,8 +6540,8 @@
           <a:cs typeface="+mn-cs"/>
         </a:defRPr>
       </a:lvl4pPr>
-      <a:lvl5pPr marL="1828800" algn="l" defTabSz="914400" rtl="0" eaLnBrk="1" latinLnBrk="0" hangingPunct="1">
-        <a:defRPr sz="1800" kern="1200">
+      <a:lvl5pPr marL="1828800" algn="l" rtl="0" eaLnBrk="1" latinLnBrk="0" hangingPunct="1">
+        <a:defRPr kumimoji="0" kern="1200">
           <a:solidFill>
             <a:schemeClr val="tx1"/>
           </a:solidFill>
@@ -6131,8 +6550,8 @@
           <a:cs typeface="+mn-cs"/>
         </a:defRPr>
       </a:lvl5pPr>
-      <a:lvl6pPr marL="2286000" algn="l" defTabSz="914400" rtl="0" eaLnBrk="1" latinLnBrk="0" hangingPunct="1">
-        <a:defRPr sz="1800" kern="1200">
+      <a:lvl6pPr marL="2286000" algn="l" rtl="0" eaLnBrk="1" latinLnBrk="0" hangingPunct="1">
+        <a:defRPr kumimoji="0" kern="1200">
           <a:solidFill>
             <a:schemeClr val="tx1"/>
           </a:solidFill>
@@ -6141,8 +6560,8 @@
           <a:cs typeface="+mn-cs"/>
         </a:defRPr>
       </a:lvl6pPr>
-      <a:lvl7pPr marL="2743200" algn="l" defTabSz="914400" rtl="0" eaLnBrk="1" latinLnBrk="0" hangingPunct="1">
-        <a:defRPr sz="1800" kern="1200">
+      <a:lvl7pPr marL="2743200" algn="l" rtl="0" eaLnBrk="1" latinLnBrk="0" hangingPunct="1">
+        <a:defRPr kumimoji="0" kern="1200">
           <a:solidFill>
             <a:schemeClr val="tx1"/>
           </a:solidFill>
@@ -6151,8 +6570,8 @@
           <a:cs typeface="+mn-cs"/>
         </a:defRPr>
       </a:lvl7pPr>
-      <a:lvl8pPr marL="3200400" algn="l" defTabSz="914400" rtl="0" eaLnBrk="1" latinLnBrk="0" hangingPunct="1">
-        <a:defRPr sz="1800" kern="1200">
+      <a:lvl8pPr marL="3200400" algn="l" rtl="0" eaLnBrk="1" latinLnBrk="0" hangingPunct="1">
+        <a:defRPr kumimoji="0" kern="1200">
           <a:solidFill>
             <a:schemeClr val="tx1"/>
           </a:solidFill>
@@ -6161,8 +6580,8 @@
           <a:cs typeface="+mn-cs"/>
         </a:defRPr>
       </a:lvl8pPr>
-      <a:lvl9pPr marL="3657600" algn="l" defTabSz="914400" rtl="0" eaLnBrk="1" latinLnBrk="0" hangingPunct="1">
-        <a:defRPr sz="1800" kern="1200">
+      <a:lvl9pPr marL="3657600" algn="l" rtl="0" eaLnBrk="1" latinLnBrk="0" hangingPunct="1">
+        <a:defRPr kumimoji="0" kern="1200">
           <a:solidFill>
             <a:schemeClr val="tx1"/>
           </a:solidFill>
@@ -6322,7 +6741,7 @@
           <a:p>
             <a:r>
               <a:rPr lang="pl-PL" dirty="0" smtClean="0"/>
-              <a:t>Wyniki badań heurystyk A*</a:t>
+              <a:t>Wyniki badań – JPS i A*</a:t>
             </a:r>
             <a:endParaRPr lang="pl-PL" dirty="0"/>
           </a:p>
@@ -6330,21 +6749,22 @@
       </p:sp>
       <p:graphicFrame>
         <p:nvGraphicFramePr>
-          <p:cNvPr id="9" name="Wykres 8"/>
+          <p:cNvPr id="4" name="Symbol zastępczy zawartości 3" title="Środowisko 1"/>
           <p:cNvGraphicFramePr>
-            <a:graphicFrameLocks/>
+            <a:graphicFrameLocks noGrp="1"/>
           </p:cNvGraphicFramePr>
           <p:nvPr>
+            <p:ph idx="1"/>
             <p:extLst>
               <p:ext uri="{D42A27DB-BD31-4B8C-83A1-F6EECF244321}">
-                <p14:modId xmlns:p14="http://schemas.microsoft.com/office/powerpoint/2010/main" val="4244968863"/>
+                <p14:modId xmlns:p14="http://schemas.microsoft.com/office/powerpoint/2010/main" val="3551610229"/>
               </p:ext>
             </p:extLst>
           </p:nvPr>
         </p:nvGraphicFramePr>
         <p:xfrm>
-          <a:off x="0" y="4104572"/>
-          <a:ext cx="4572000" cy="2743200"/>
+          <a:off x="107504" y="1052736"/>
+          <a:ext cx="4032448" cy="2808312"/>
         </p:xfrm>
         <a:graphic>
           <a:graphicData uri="http://schemas.openxmlformats.org/drawingml/2006/chart">
@@ -6352,23 +6772,46 @@
           </a:graphicData>
         </a:graphic>
       </p:graphicFrame>
+      <p:sp>
+        <p:nvSpPr>
+          <p:cNvPr id="8" name="Symbol zastępczy numeru slajdu 7"/>
+          <p:cNvSpPr>
+            <a:spLocks noGrp="1"/>
+          </p:cNvSpPr>
+          <p:nvPr>
+            <p:ph type="sldNum" sz="quarter" idx="12"/>
+          </p:nvPr>
+        </p:nvSpPr>
+        <p:spPr/>
+        <p:txBody>
+          <a:bodyPr/>
+          <a:lstStyle/>
+          <a:p>
+            <a:fld id="{B517628F-ACB5-4BC7-8D24-28F138F96C11}" type="slidenum">
+              <a:rPr lang="pl-PL" smtClean="0"/>
+              <a:t>10</a:t>
+            </a:fld>
+            <a:endParaRPr lang="pl-PL"/>
+          </a:p>
+        </p:txBody>
+      </p:sp>
       <p:graphicFrame>
         <p:nvGraphicFramePr>
-          <p:cNvPr id="11" name="Wykres 10"/>
+          <p:cNvPr id="5" name="Wykres 4"/>
           <p:cNvGraphicFramePr>
             <a:graphicFrameLocks/>
           </p:cNvGraphicFramePr>
           <p:nvPr>
             <p:extLst>
               <p:ext uri="{D42A27DB-BD31-4B8C-83A1-F6EECF244321}">
-                <p14:modId xmlns:p14="http://schemas.microsoft.com/office/powerpoint/2010/main" val="3592384089"/>
+                <p14:modId xmlns:p14="http://schemas.microsoft.com/office/powerpoint/2010/main" val="2223762198"/>
               </p:ext>
             </p:extLst>
           </p:nvPr>
         </p:nvGraphicFramePr>
         <p:xfrm>
-          <a:off x="4572000" y="4114800"/>
-          <a:ext cx="4572000" cy="2743200"/>
+          <a:off x="4932040" y="1052736"/>
+          <a:ext cx="3888432" cy="2880320"/>
         </p:xfrm>
         <a:graphic>
           <a:graphicData uri="http://schemas.openxmlformats.org/drawingml/2006/chart">
@@ -6378,21 +6821,21 @@
       </p:graphicFrame>
       <p:graphicFrame>
         <p:nvGraphicFramePr>
-          <p:cNvPr id="13" name="Wykres 12"/>
+          <p:cNvPr id="6" name="Wykres 5"/>
           <p:cNvGraphicFramePr>
             <a:graphicFrameLocks/>
           </p:cNvGraphicFramePr>
           <p:nvPr>
             <p:extLst>
               <p:ext uri="{D42A27DB-BD31-4B8C-83A1-F6EECF244321}">
-                <p14:modId xmlns:p14="http://schemas.microsoft.com/office/powerpoint/2010/main" val="4069650942"/>
+                <p14:modId xmlns:p14="http://schemas.microsoft.com/office/powerpoint/2010/main" val="3447311951"/>
               </p:ext>
             </p:extLst>
           </p:nvPr>
         </p:nvGraphicFramePr>
         <p:xfrm>
-          <a:off x="4572000" y="1124744"/>
-          <a:ext cx="4572000" cy="2743200"/>
+          <a:off x="251520" y="3789040"/>
+          <a:ext cx="3960440" cy="2736304"/>
         </p:xfrm>
         <a:graphic>
           <a:graphicData uri="http://schemas.openxmlformats.org/drawingml/2006/chart">
@@ -6402,21 +6845,21 @@
       </p:graphicFrame>
       <p:graphicFrame>
         <p:nvGraphicFramePr>
-          <p:cNvPr id="14" name="Wykres 13"/>
+          <p:cNvPr id="7" name="Wykres 6"/>
           <p:cNvGraphicFramePr>
             <a:graphicFrameLocks/>
           </p:cNvGraphicFramePr>
           <p:nvPr>
             <p:extLst>
               <p:ext uri="{D42A27DB-BD31-4B8C-83A1-F6EECF244321}">
-                <p14:modId xmlns:p14="http://schemas.microsoft.com/office/powerpoint/2010/main" val="3647985537"/>
+                <p14:modId xmlns:p14="http://schemas.microsoft.com/office/powerpoint/2010/main" val="876348627"/>
               </p:ext>
             </p:extLst>
           </p:nvPr>
         </p:nvGraphicFramePr>
         <p:xfrm>
-          <a:off x="0" y="1124744"/>
-          <a:ext cx="4572000" cy="2743200"/>
+          <a:off x="4860032" y="3789040"/>
+          <a:ext cx="4032448" cy="2880320"/>
         </p:xfrm>
         <a:graphic>
           <a:graphicData uri="http://schemas.openxmlformats.org/drawingml/2006/chart">
@@ -6424,33 +6867,10 @@
           </a:graphicData>
         </a:graphic>
       </p:graphicFrame>
-      <p:sp>
-        <p:nvSpPr>
-          <p:cNvPr id="4" name="Symbol zastępczy numeru slajdu 3"/>
-          <p:cNvSpPr>
-            <a:spLocks noGrp="1"/>
-          </p:cNvSpPr>
-          <p:nvPr>
-            <p:ph type="sldNum" sz="quarter" idx="12"/>
-          </p:nvPr>
-        </p:nvSpPr>
-        <p:spPr/>
-        <p:txBody>
-          <a:bodyPr/>
-          <a:lstStyle/>
-          <a:p>
-            <a:fld id="{B517628F-ACB5-4BC7-8D24-28F138F96C11}" type="slidenum">
-              <a:rPr lang="pl-PL" smtClean="0"/>
-              <a:t>10</a:t>
-            </a:fld>
-            <a:endParaRPr lang="pl-PL"/>
-          </a:p>
-        </p:txBody>
-      </p:sp>
     </p:spTree>
     <p:extLst>
       <p:ext uri="{BB962C8B-B14F-4D97-AF65-F5344CB8AC3E}">
-        <p14:creationId xmlns:p14="http://schemas.microsoft.com/office/powerpoint/2010/main" val="1253170884"/>
+        <p14:creationId xmlns:p14="http://schemas.microsoft.com/office/powerpoint/2010/main" val="322823227"/>
       </p:ext>
     </p:extLst>
   </p:cSld>
@@ -6501,112 +6921,68 @@
           <a:p>
             <a:r>
               <a:rPr lang="pl-PL" dirty="0" smtClean="0"/>
-              <a:t>Wyniki badań – JPS i A*</a:t>
+              <a:t>Podsumowanie</a:t>
             </a:r>
             <a:endParaRPr lang="pl-PL" dirty="0"/>
           </a:p>
         </p:txBody>
       </p:sp>
-      <p:graphicFrame>
-        <p:nvGraphicFramePr>
-          <p:cNvPr id="4" name="Symbol zastępczy zawartości 3" title="Środowisko 1"/>
-          <p:cNvGraphicFramePr>
-            <a:graphicFrameLocks noGrp="1"/>
-          </p:cNvGraphicFramePr>
+      <p:sp>
+        <p:nvSpPr>
+          <p:cNvPr id="3" name="Symbol zastępczy zawartości 2"/>
+          <p:cNvSpPr>
+            <a:spLocks noGrp="1"/>
+          </p:cNvSpPr>
           <p:nvPr>
             <p:ph idx="1"/>
-            <p:extLst>
-              <p:ext uri="{D42A27DB-BD31-4B8C-83A1-F6EECF244321}">
-                <p14:modId xmlns:p14="http://schemas.microsoft.com/office/powerpoint/2010/main" val="3551610229"/>
-              </p:ext>
-            </p:extLst>
-          </p:nvPr>
-        </p:nvGraphicFramePr>
-        <p:xfrm>
-          <a:off x="107504" y="1052736"/>
-          <a:ext cx="4032448" cy="2808312"/>
-        </p:xfrm>
-        <a:graphic>
-          <a:graphicData uri="http://schemas.openxmlformats.org/drawingml/2006/chart">
-            <c:chart xmlns:c="http://schemas.openxmlformats.org/drawingml/2006/chart" xmlns:r="http://schemas.openxmlformats.org/officeDocument/2006/relationships" r:id="rId3"/>
-          </a:graphicData>
-        </a:graphic>
-      </p:graphicFrame>
-      <p:graphicFrame>
-        <p:nvGraphicFramePr>
-          <p:cNvPr id="5" name="Wykres 4"/>
-          <p:cNvGraphicFramePr>
-            <a:graphicFrameLocks/>
-          </p:cNvGraphicFramePr>
-          <p:nvPr>
-            <p:extLst>
-              <p:ext uri="{D42A27DB-BD31-4B8C-83A1-F6EECF244321}">
-                <p14:modId xmlns:p14="http://schemas.microsoft.com/office/powerpoint/2010/main" val="2223762198"/>
-              </p:ext>
-            </p:extLst>
-          </p:nvPr>
-        </p:nvGraphicFramePr>
-        <p:xfrm>
-          <a:off x="4932040" y="1052736"/>
-          <a:ext cx="3888432" cy="2880320"/>
-        </p:xfrm>
-        <a:graphic>
-          <a:graphicData uri="http://schemas.openxmlformats.org/drawingml/2006/chart">
-            <c:chart xmlns:c="http://schemas.openxmlformats.org/drawingml/2006/chart" xmlns:r="http://schemas.openxmlformats.org/officeDocument/2006/relationships" r:id="rId4"/>
-          </a:graphicData>
-        </a:graphic>
-      </p:graphicFrame>
-      <p:graphicFrame>
-        <p:nvGraphicFramePr>
-          <p:cNvPr id="6" name="Wykres 5"/>
-          <p:cNvGraphicFramePr>
-            <a:graphicFrameLocks/>
-          </p:cNvGraphicFramePr>
-          <p:nvPr>
-            <p:extLst>
-              <p:ext uri="{D42A27DB-BD31-4B8C-83A1-F6EECF244321}">
-                <p14:modId xmlns:p14="http://schemas.microsoft.com/office/powerpoint/2010/main" val="3447311951"/>
-              </p:ext>
-            </p:extLst>
-          </p:nvPr>
-        </p:nvGraphicFramePr>
-        <p:xfrm>
-          <a:off x="251520" y="3789040"/>
-          <a:ext cx="3960440" cy="2736304"/>
-        </p:xfrm>
-        <a:graphic>
-          <a:graphicData uri="http://schemas.openxmlformats.org/drawingml/2006/chart">
-            <c:chart xmlns:c="http://schemas.openxmlformats.org/drawingml/2006/chart" xmlns:r="http://schemas.openxmlformats.org/officeDocument/2006/relationships" r:id="rId5"/>
-          </a:graphicData>
-        </a:graphic>
-      </p:graphicFrame>
-      <p:graphicFrame>
-        <p:nvGraphicFramePr>
-          <p:cNvPr id="7" name="Wykres 6"/>
-          <p:cNvGraphicFramePr>
-            <a:graphicFrameLocks/>
-          </p:cNvGraphicFramePr>
-          <p:nvPr>
-            <p:extLst>
-              <p:ext uri="{D42A27DB-BD31-4B8C-83A1-F6EECF244321}">
-                <p14:modId xmlns:p14="http://schemas.microsoft.com/office/powerpoint/2010/main" val="876348627"/>
-              </p:ext>
-            </p:extLst>
-          </p:nvPr>
-        </p:nvGraphicFramePr>
-        <p:xfrm>
-          <a:off x="4860032" y="3789040"/>
-          <a:ext cx="4032448" cy="2880320"/>
-        </p:xfrm>
-        <a:graphic>
-          <a:graphicData uri="http://schemas.openxmlformats.org/drawingml/2006/chart">
-            <c:chart xmlns:c="http://schemas.openxmlformats.org/drawingml/2006/chart" xmlns:r="http://schemas.openxmlformats.org/officeDocument/2006/relationships" r:id="rId6"/>
-          </a:graphicData>
-        </a:graphic>
-      </p:graphicFrame>
-      <p:sp>
-        <p:nvSpPr>
-          <p:cNvPr id="8" name="Symbol zastępczy numeru slajdu 7"/>
+          </p:nvPr>
+        </p:nvSpPr>
+        <p:spPr/>
+        <p:txBody>
+          <a:bodyPr/>
+          <a:lstStyle/>
+          <a:p>
+            <a:r>
+              <a:rPr lang="pl-PL" dirty="0" smtClean="0"/>
+              <a:t>Analiza technik nawigacji</a:t>
+            </a:r>
+          </a:p>
+          <a:p>
+            <a:r>
+              <a:rPr lang="pl-PL" dirty="0" smtClean="0"/>
+              <a:t>Środowisko testowe</a:t>
+            </a:r>
+          </a:p>
+          <a:p>
+            <a:r>
+              <a:rPr lang="pl-PL" dirty="0" smtClean="0"/>
+              <a:t>Wpływ funkcji heurystycznej oraz struktury środowiska gry</a:t>
+            </a:r>
+          </a:p>
+          <a:p>
+            <a:r>
+              <a:rPr lang="pl-PL" dirty="0" smtClean="0"/>
+              <a:t>Algorytm </a:t>
+            </a:r>
+            <a:r>
+              <a:rPr lang="pl-PL" dirty="0" err="1" smtClean="0"/>
+              <a:t>Jump</a:t>
+            </a:r>
+            <a:r>
+              <a:rPr lang="pl-PL" dirty="0" smtClean="0"/>
+              <a:t> Point </a:t>
+            </a:r>
+            <a:r>
+              <a:rPr lang="pl-PL" dirty="0" err="1" smtClean="0"/>
+              <a:t>Search</a:t>
+            </a:r>
+            <a:endParaRPr lang="pl-PL" dirty="0"/>
+          </a:p>
+        </p:txBody>
+      </p:sp>
+      <p:sp>
+        <p:nvSpPr>
+          <p:cNvPr id="5" name="Symbol zastępczy numeru slajdu 4"/>
           <p:cNvSpPr>
             <a:spLocks noGrp="1"/>
           </p:cNvSpPr>
@@ -6630,7 +7006,7 @@
     </p:spTree>
     <p:extLst>
       <p:ext uri="{BB962C8B-B14F-4D97-AF65-F5344CB8AC3E}">
-        <p14:creationId xmlns:p14="http://schemas.microsoft.com/office/powerpoint/2010/main" val="322823227"/>
+        <p14:creationId xmlns:p14="http://schemas.microsoft.com/office/powerpoint/2010/main" val="822264901"/>
       </p:ext>
     </p:extLst>
   </p:cSld>
@@ -6681,7 +7057,7 @@
           <a:p>
             <a:r>
               <a:rPr lang="pl-PL" dirty="0" smtClean="0"/>
-              <a:t>Podsumowanie</a:t>
+              <a:t>Dziękuje za uwagę</a:t>
             </a:r>
             <a:endParaRPr lang="pl-PL" dirty="0"/>
           </a:p>
@@ -6702,41 +7078,7 @@
           <a:bodyPr/>
           <a:lstStyle/>
           <a:p>
-            <a:r>
-              <a:rPr lang="pl-PL" dirty="0" smtClean="0"/>
-              <a:t>Analiza technik nawigacji</a:t>
-            </a:r>
-          </a:p>
-          <a:p>
-            <a:r>
-              <a:rPr lang="pl-PL" dirty="0" smtClean="0"/>
-              <a:t>Środowisko testowe</a:t>
-            </a:r>
-          </a:p>
-          <a:p>
-            <a:r>
-              <a:rPr lang="pl-PL" dirty="0" smtClean="0"/>
-              <a:t>Wpływ funkcji heurystycznej oraz struktury środowiska gry</a:t>
-            </a:r>
-          </a:p>
-          <a:p>
-            <a:r>
-              <a:rPr lang="pl-PL" dirty="0" smtClean="0"/>
-              <a:t>Algorytm </a:t>
-            </a:r>
-            <a:r>
-              <a:rPr lang="pl-PL" dirty="0" err="1" smtClean="0"/>
-              <a:t>Jump</a:t>
-            </a:r>
-            <a:r>
-              <a:rPr lang="pl-PL" dirty="0" smtClean="0"/>
-              <a:t> Point </a:t>
-            </a:r>
-            <a:r>
-              <a:rPr lang="pl-PL" dirty="0" err="1" smtClean="0"/>
-              <a:t>Search</a:t>
-            </a:r>
-            <a:endParaRPr lang="pl-PL" dirty="0"/>
+            <a:endParaRPr lang="pl-PL"/>
           </a:p>
         </p:txBody>
       </p:sp>
@@ -6758,108 +7100,6 @@
             <a:fld id="{B517628F-ACB5-4BC7-8D24-28F138F96C11}" type="slidenum">
               <a:rPr lang="pl-PL" smtClean="0"/>
               <a:t>12</a:t>
-            </a:fld>
-            <a:endParaRPr lang="pl-PL"/>
-          </a:p>
-        </p:txBody>
-      </p:sp>
-    </p:spTree>
-    <p:extLst>
-      <p:ext uri="{BB962C8B-B14F-4D97-AF65-F5344CB8AC3E}">
-        <p14:creationId xmlns:p14="http://schemas.microsoft.com/office/powerpoint/2010/main" val="822264901"/>
-      </p:ext>
-    </p:extLst>
-  </p:cSld>
-  <p:clrMapOvr>
-    <a:masterClrMapping/>
-  </p:clrMapOvr>
-  <p:timing>
-    <p:tnLst>
-      <p:par>
-        <p:cTn id="1" dur="indefinite" restart="never" nodeType="tmRoot"/>
-      </p:par>
-    </p:tnLst>
-  </p:timing>
-</p:sld>
-</file>
-
-<file path=ppt/slides/slide13.xml><?xml version="1.0" encoding="utf-8"?>
-<p:sld xmlns:a="http://schemas.openxmlformats.org/drawingml/2006/main" xmlns:r="http://schemas.openxmlformats.org/officeDocument/2006/relationships" xmlns:p="http://schemas.openxmlformats.org/presentationml/2006/main">
-  <p:cSld>
-    <p:spTree>
-      <p:nvGrpSpPr>
-        <p:cNvPr id="1" name=""/>
-        <p:cNvGrpSpPr/>
-        <p:nvPr/>
-      </p:nvGrpSpPr>
-      <p:grpSpPr>
-        <a:xfrm>
-          <a:off x="0" y="0"/>
-          <a:ext cx="0" cy="0"/>
-          <a:chOff x="0" y="0"/>
-          <a:chExt cx="0" cy="0"/>
-        </a:xfrm>
-      </p:grpSpPr>
-      <p:sp>
-        <p:nvSpPr>
-          <p:cNvPr id="2" name="Tytuł 1"/>
-          <p:cNvSpPr>
-            <a:spLocks noGrp="1"/>
-          </p:cNvSpPr>
-          <p:nvPr>
-            <p:ph type="title"/>
-          </p:nvPr>
-        </p:nvSpPr>
-        <p:spPr/>
-        <p:txBody>
-          <a:bodyPr/>
-          <a:lstStyle/>
-          <a:p>
-            <a:r>
-              <a:rPr lang="pl-PL" dirty="0" smtClean="0"/>
-              <a:t>Dziękuje za uwagę</a:t>
-            </a:r>
-            <a:endParaRPr lang="pl-PL" dirty="0"/>
-          </a:p>
-        </p:txBody>
-      </p:sp>
-      <p:sp>
-        <p:nvSpPr>
-          <p:cNvPr id="3" name="Symbol zastępczy zawartości 2"/>
-          <p:cNvSpPr>
-            <a:spLocks noGrp="1"/>
-          </p:cNvSpPr>
-          <p:nvPr>
-            <p:ph idx="1"/>
-          </p:nvPr>
-        </p:nvSpPr>
-        <p:spPr/>
-        <p:txBody>
-          <a:bodyPr/>
-          <a:lstStyle/>
-          <a:p>
-            <a:endParaRPr lang="pl-PL"/>
-          </a:p>
-        </p:txBody>
-      </p:sp>
-      <p:sp>
-        <p:nvSpPr>
-          <p:cNvPr id="5" name="Symbol zastępczy numeru slajdu 4"/>
-          <p:cNvSpPr>
-            <a:spLocks noGrp="1"/>
-          </p:cNvSpPr>
-          <p:nvPr>
-            <p:ph type="sldNum" sz="quarter" idx="12"/>
-          </p:nvPr>
-        </p:nvSpPr>
-        <p:spPr/>
-        <p:txBody>
-          <a:bodyPr/>
-          <a:lstStyle/>
-          <a:p>
-            <a:fld id="{B517628F-ACB5-4BC7-8D24-28F138F96C11}" type="slidenum">
-              <a:rPr lang="pl-PL" smtClean="0"/>
-              <a:t>13</a:t>
             </a:fld>
             <a:endParaRPr lang="pl-PL"/>
           </a:p>
@@ -6948,13 +7188,11 @@
           <a:p>
             <a:r>
               <a:rPr lang="pl-PL" dirty="0" smtClean="0"/>
-              <a:t>Wprowadzenie do dziedziny problemowej</a:t>
-            </a:r>
-          </a:p>
-          <a:p>
+              <a:t>Algorytmy </a:t>
+            </a:r>
             <a:r>
               <a:rPr lang="pl-PL" dirty="0" smtClean="0"/>
-              <a:t>Algorytmy nawigacji</a:t>
+              <a:t>nawigacji</a:t>
             </a:r>
           </a:p>
           <a:p>
@@ -7189,79 +7427,114 @@
         </p:nvSpPr>
         <p:spPr/>
         <p:txBody>
+          <a:bodyPr/>
+          <a:lstStyle/>
+          <a:p>
+            <a:r>
+              <a:rPr lang="pl-PL" dirty="0" smtClean="0"/>
+              <a:t>Algorytmy nawigacji</a:t>
+            </a:r>
+            <a:endParaRPr lang="pl-PL" dirty="0"/>
+          </a:p>
+        </p:txBody>
+      </p:sp>
+      <p:sp>
+        <p:nvSpPr>
+          <p:cNvPr id="3" name="Symbol zastępczy zawartości 2"/>
+          <p:cNvSpPr>
+            <a:spLocks noGrp="1"/>
+          </p:cNvSpPr>
+          <p:nvPr>
+            <p:ph idx="1"/>
+          </p:nvPr>
+        </p:nvSpPr>
+        <p:spPr/>
+        <p:txBody>
           <a:bodyPr>
-            <a:normAutofit fontScale="90000"/>
+            <a:normAutofit fontScale="92500" lnSpcReduction="10000"/>
           </a:bodyPr>
           <a:lstStyle/>
           <a:p>
             <a:r>
               <a:rPr lang="pl-PL" dirty="0" smtClean="0"/>
-              <a:t>Wprowadzenie do dziedziny problemowej</a:t>
-            </a:r>
+              <a:t>A*</a:t>
+            </a:r>
+          </a:p>
+          <a:p>
+            <a:pPr lvl="1"/>
+            <a:r>
+              <a:rPr lang="pl-PL" dirty="0" smtClean="0"/>
+              <a:t>Zastosowanie</a:t>
+            </a:r>
+          </a:p>
+          <a:p>
+            <a:pPr lvl="1"/>
+            <a:r>
+              <a:rPr lang="pl-PL" dirty="0" smtClean="0"/>
+              <a:t>Parametry</a:t>
+            </a:r>
+          </a:p>
+          <a:p>
+            <a:pPr lvl="1"/>
+            <a:r>
+              <a:rPr lang="pl-PL" dirty="0" smtClean="0"/>
+              <a:t>Opis</a:t>
+            </a:r>
+          </a:p>
+          <a:p>
+            <a:r>
+              <a:rPr lang="pl-PL" dirty="0" err="1" smtClean="0"/>
+              <a:t>Jump</a:t>
+            </a:r>
+            <a:r>
+              <a:rPr lang="pl-PL" dirty="0" smtClean="0"/>
+              <a:t> Point </a:t>
+            </a:r>
+            <a:r>
+              <a:rPr lang="pl-PL" dirty="0" err="1" smtClean="0"/>
+              <a:t>Search</a:t>
+            </a:r>
+            <a:endParaRPr lang="pl-PL" dirty="0" smtClean="0"/>
+          </a:p>
+          <a:p>
             <a:endParaRPr lang="pl-PL" dirty="0"/>
           </a:p>
-        </p:txBody>
-      </p:sp>
-      <p:sp>
-        <p:nvSpPr>
-          <p:cNvPr id="3" name="Symbol zastępczy zawartości 2"/>
-          <p:cNvSpPr>
-            <a:spLocks noGrp="1"/>
-          </p:cNvSpPr>
-          <p:nvPr>
-            <p:ph idx="1"/>
-          </p:nvPr>
-        </p:nvSpPr>
-        <p:spPr/>
-        <p:txBody>
-          <a:bodyPr/>
-          <a:lstStyle/>
-          <a:p>
+          <a:p>
+            <a:pPr marL="0" indent="0">
+              <a:buNone/>
+            </a:pPr>
             <a:r>
               <a:rPr lang="pl-PL" dirty="0" smtClean="0"/>
-              <a:t>Sztuczna inteligencja w grach </a:t>
-            </a:r>
+              <a:t>Stosowane heurystyki:</a:t>
+            </a:r>
+          </a:p>
+          <a:p>
+            <a:pPr lvl="1"/>
             <a:r>
               <a:rPr lang="pl-PL" dirty="0" smtClean="0"/>
-              <a:t>komputerowych</a:t>
+              <a:t>Manhattan</a:t>
             </a:r>
           </a:p>
           <a:p>
             <a:pPr lvl="1"/>
             <a:r>
               <a:rPr lang="pl-PL" dirty="0" smtClean="0"/>
-              <a:t>Środowisko gry</a:t>
+              <a:t>Diagonalna Manhattan</a:t>
             </a:r>
           </a:p>
           <a:p>
             <a:pPr lvl="1"/>
             <a:r>
               <a:rPr lang="pl-PL" dirty="0" smtClean="0"/>
-              <a:t>Agent </a:t>
-            </a:r>
-            <a:endParaRPr lang="pl-PL" dirty="0" smtClean="0"/>
-          </a:p>
-          <a:p>
-            <a:r>
-              <a:rPr lang="pl-PL" dirty="0" smtClean="0"/>
-              <a:t>Reprezentacja geometrii </a:t>
-            </a:r>
-          </a:p>
-          <a:p>
-            <a:pPr lvl="1"/>
-            <a:r>
-              <a:rPr lang="pl-PL" dirty="0" smtClean="0"/>
-              <a:t>Skierowany graf ważony</a:t>
-            </a:r>
-          </a:p>
-          <a:p>
+              <a:t>Euklidesowa</a:t>
+            </a:r>
             <a:endParaRPr lang="pl-PL" dirty="0"/>
           </a:p>
         </p:txBody>
       </p:sp>
       <p:sp>
         <p:nvSpPr>
-          <p:cNvPr id="4" name="Symbol zastępczy numeru slajdu 3"/>
+          <p:cNvPr id="5" name="Symbol zastępczy numeru slajdu 4"/>
           <p:cNvSpPr>
             <a:spLocks noGrp="1"/>
           </p:cNvSpPr>
@@ -7277,183 +7550,6 @@
             <a:fld id="{B517628F-ACB5-4BC7-8D24-28F138F96C11}" type="slidenum">
               <a:rPr lang="pl-PL" smtClean="0"/>
               <a:t>4</a:t>
-            </a:fld>
-            <a:endParaRPr lang="pl-PL"/>
-          </a:p>
-        </p:txBody>
-      </p:sp>
-    </p:spTree>
-    <p:extLst>
-      <p:ext uri="{BB962C8B-B14F-4D97-AF65-F5344CB8AC3E}">
-        <p14:creationId xmlns:p14="http://schemas.microsoft.com/office/powerpoint/2010/main" val="2616401703"/>
-      </p:ext>
-    </p:extLst>
-  </p:cSld>
-  <p:clrMapOvr>
-    <a:masterClrMapping/>
-  </p:clrMapOvr>
-  <p:timing>
-    <p:tnLst>
-      <p:par>
-        <p:cTn id="1" dur="indefinite" restart="never" nodeType="tmRoot"/>
-      </p:par>
-    </p:tnLst>
-  </p:timing>
-</p:sld>
-</file>
-
-<file path=ppt/slides/slide5.xml><?xml version="1.0" encoding="utf-8"?>
-<p:sld xmlns:a="http://schemas.openxmlformats.org/drawingml/2006/main" xmlns:r="http://schemas.openxmlformats.org/officeDocument/2006/relationships" xmlns:p="http://schemas.openxmlformats.org/presentationml/2006/main">
-  <p:cSld>
-    <p:spTree>
-      <p:nvGrpSpPr>
-        <p:cNvPr id="1" name=""/>
-        <p:cNvGrpSpPr/>
-        <p:nvPr/>
-      </p:nvGrpSpPr>
-      <p:grpSpPr>
-        <a:xfrm>
-          <a:off x="0" y="0"/>
-          <a:ext cx="0" cy="0"/>
-          <a:chOff x="0" y="0"/>
-          <a:chExt cx="0" cy="0"/>
-        </a:xfrm>
-      </p:grpSpPr>
-      <p:sp>
-        <p:nvSpPr>
-          <p:cNvPr id="2" name="Tytuł 1"/>
-          <p:cNvSpPr>
-            <a:spLocks noGrp="1"/>
-          </p:cNvSpPr>
-          <p:nvPr>
-            <p:ph type="title"/>
-          </p:nvPr>
-        </p:nvSpPr>
-        <p:spPr/>
-        <p:txBody>
-          <a:bodyPr/>
-          <a:lstStyle/>
-          <a:p>
-            <a:r>
-              <a:rPr lang="pl-PL" dirty="0" smtClean="0"/>
-              <a:t>Algorytmy nawigacji</a:t>
-            </a:r>
-            <a:endParaRPr lang="pl-PL" dirty="0"/>
-          </a:p>
-        </p:txBody>
-      </p:sp>
-      <p:sp>
-        <p:nvSpPr>
-          <p:cNvPr id="3" name="Symbol zastępczy zawartości 2"/>
-          <p:cNvSpPr>
-            <a:spLocks noGrp="1"/>
-          </p:cNvSpPr>
-          <p:nvPr>
-            <p:ph idx="1"/>
-          </p:nvPr>
-        </p:nvSpPr>
-        <p:spPr/>
-        <p:txBody>
-          <a:bodyPr>
-            <a:normAutofit fontScale="92500" lnSpcReduction="20000"/>
-          </a:bodyPr>
-          <a:lstStyle/>
-          <a:p>
-            <a:r>
-              <a:rPr lang="pl-PL" dirty="0" smtClean="0"/>
-              <a:t>A*</a:t>
-            </a:r>
-          </a:p>
-          <a:p>
-            <a:pPr lvl="1"/>
-            <a:r>
-              <a:rPr lang="pl-PL" dirty="0" smtClean="0"/>
-              <a:t>Zastosowanie</a:t>
-            </a:r>
-          </a:p>
-          <a:p>
-            <a:pPr lvl="1"/>
-            <a:r>
-              <a:rPr lang="pl-PL" dirty="0" smtClean="0"/>
-              <a:t>Parametry</a:t>
-            </a:r>
-          </a:p>
-          <a:p>
-            <a:pPr lvl="1"/>
-            <a:r>
-              <a:rPr lang="pl-PL" dirty="0" smtClean="0"/>
-              <a:t>Opis</a:t>
-            </a:r>
-          </a:p>
-          <a:p>
-            <a:r>
-              <a:rPr lang="pl-PL" dirty="0" err="1" smtClean="0"/>
-              <a:t>Jump</a:t>
-            </a:r>
-            <a:r>
-              <a:rPr lang="pl-PL" dirty="0" smtClean="0"/>
-              <a:t> Point </a:t>
-            </a:r>
-            <a:r>
-              <a:rPr lang="pl-PL" dirty="0" err="1" smtClean="0"/>
-              <a:t>Search</a:t>
-            </a:r>
-            <a:endParaRPr lang="pl-PL" dirty="0" smtClean="0"/>
-          </a:p>
-          <a:p>
-            <a:endParaRPr lang="pl-PL" dirty="0"/>
-          </a:p>
-          <a:p>
-            <a:pPr marL="0" indent="0">
-              <a:buNone/>
-            </a:pPr>
-            <a:r>
-              <a:rPr lang="pl-PL" dirty="0" smtClean="0"/>
-              <a:t>Stosowane heurystyki:</a:t>
-            </a:r>
-          </a:p>
-          <a:p>
-            <a:pPr lvl="1"/>
-            <a:r>
-              <a:rPr lang="pl-PL" dirty="0" smtClean="0"/>
-              <a:t>Manhattan</a:t>
-            </a:r>
-          </a:p>
-          <a:p>
-            <a:pPr lvl="1"/>
-            <a:r>
-              <a:rPr lang="pl-PL" dirty="0" smtClean="0"/>
-              <a:t>Diagonalna Manhattan</a:t>
-            </a:r>
-          </a:p>
-          <a:p>
-            <a:pPr lvl="1"/>
-            <a:r>
-              <a:rPr lang="pl-PL" dirty="0" smtClean="0"/>
-              <a:t>Euklidesowa</a:t>
-            </a:r>
-            <a:endParaRPr lang="pl-PL" dirty="0"/>
-          </a:p>
-        </p:txBody>
-      </p:sp>
-      <p:sp>
-        <p:nvSpPr>
-          <p:cNvPr id="5" name="Symbol zastępczy numeru slajdu 4"/>
-          <p:cNvSpPr>
-            <a:spLocks noGrp="1"/>
-          </p:cNvSpPr>
-          <p:nvPr>
-            <p:ph type="sldNum" sz="quarter" idx="12"/>
-          </p:nvPr>
-        </p:nvSpPr>
-        <p:spPr/>
-        <p:txBody>
-          <a:bodyPr/>
-          <a:lstStyle/>
-          <a:p>
-            <a:fld id="{B517628F-ACB5-4BC7-8D24-28F138F96C11}" type="slidenum">
-              <a:rPr lang="pl-PL" smtClean="0"/>
-              <a:t>5</a:t>
             </a:fld>
             <a:endParaRPr lang="pl-PL"/>
           </a:p>
@@ -7533,6 +7629,175 @@
 </p:sld>
 </file>
 
+<file path=ppt/slides/slide5.xml><?xml version="1.0" encoding="utf-8"?>
+<p:sld xmlns:a="http://schemas.openxmlformats.org/drawingml/2006/main" xmlns:r="http://schemas.openxmlformats.org/officeDocument/2006/relationships" xmlns:p="http://schemas.openxmlformats.org/presentationml/2006/main">
+  <p:cSld>
+    <p:spTree>
+      <p:nvGrpSpPr>
+        <p:cNvPr id="1" name=""/>
+        <p:cNvGrpSpPr/>
+        <p:nvPr/>
+      </p:nvGrpSpPr>
+      <p:grpSpPr>
+        <a:xfrm>
+          <a:off x="0" y="0"/>
+          <a:ext cx="0" cy="0"/>
+          <a:chOff x="0" y="0"/>
+          <a:chExt cx="0" cy="0"/>
+        </a:xfrm>
+      </p:grpSpPr>
+      <p:sp>
+        <p:nvSpPr>
+          <p:cNvPr id="2" name="Tytuł 1"/>
+          <p:cNvSpPr>
+            <a:spLocks noGrp="1"/>
+          </p:cNvSpPr>
+          <p:nvPr>
+            <p:ph type="title"/>
+          </p:nvPr>
+        </p:nvSpPr>
+        <p:spPr/>
+        <p:txBody>
+          <a:bodyPr/>
+          <a:lstStyle/>
+          <a:p>
+            <a:r>
+              <a:rPr lang="pl-PL" dirty="0" smtClean="0"/>
+              <a:t>System nawigacji</a:t>
+            </a:r>
+            <a:endParaRPr lang="pl-PL" dirty="0"/>
+          </a:p>
+        </p:txBody>
+      </p:sp>
+      <p:sp>
+        <p:nvSpPr>
+          <p:cNvPr id="3" name="Symbol zastępczy zawartości 2"/>
+          <p:cNvSpPr>
+            <a:spLocks noGrp="1"/>
+          </p:cNvSpPr>
+          <p:nvPr>
+            <p:ph idx="1"/>
+          </p:nvPr>
+        </p:nvSpPr>
+        <p:spPr/>
+        <p:txBody>
+          <a:bodyPr>
+            <a:normAutofit/>
+          </a:bodyPr>
+          <a:lstStyle/>
+          <a:p>
+            <a:r>
+              <a:rPr lang="pl-PL" dirty="0" smtClean="0"/>
+              <a:t>Założenia</a:t>
+            </a:r>
+          </a:p>
+          <a:p>
+            <a:pPr lvl="1"/>
+            <a:r>
+              <a:rPr lang="pl-PL" dirty="0" smtClean="0"/>
+              <a:t>Środowisko badawcze</a:t>
+            </a:r>
+          </a:p>
+          <a:p>
+            <a:pPr lvl="2"/>
+            <a:r>
+              <a:rPr lang="pl-PL" dirty="0" smtClean="0"/>
+              <a:t>Modele środowiska gry</a:t>
+            </a:r>
+          </a:p>
+          <a:p>
+            <a:pPr lvl="2"/>
+            <a:r>
+              <a:rPr lang="pl-PL" dirty="0" smtClean="0"/>
+              <a:t>Modele agenta komputerowego</a:t>
+            </a:r>
+          </a:p>
+          <a:p>
+            <a:pPr lvl="1"/>
+            <a:r>
+              <a:rPr lang="pl-PL" dirty="0" smtClean="0"/>
+              <a:t>Plan eksperymentów</a:t>
+            </a:r>
+          </a:p>
+          <a:p>
+            <a:pPr lvl="2"/>
+            <a:r>
+              <a:rPr lang="pl-PL" dirty="0" smtClean="0"/>
+              <a:t>Heurystyki (A*)</a:t>
+            </a:r>
+          </a:p>
+          <a:p>
+            <a:pPr lvl="2"/>
+            <a:r>
+              <a:rPr lang="pl-PL" dirty="0" smtClean="0"/>
+              <a:t>A* i JPS</a:t>
+            </a:r>
+          </a:p>
+          <a:p>
+            <a:pPr lvl="2"/>
+            <a:endParaRPr lang="pl-PL" dirty="0" smtClean="0"/>
+          </a:p>
+          <a:p>
+            <a:pPr lvl="2"/>
+            <a:endParaRPr lang="pl-PL" dirty="0" smtClean="0"/>
+          </a:p>
+          <a:p>
+            <a:pPr marL="457200" lvl="1" indent="0">
+              <a:buNone/>
+            </a:pPr>
+            <a:endParaRPr lang="pl-PL" dirty="0" smtClean="0"/>
+          </a:p>
+          <a:p>
+            <a:pPr marL="0" indent="0">
+              <a:buNone/>
+            </a:pPr>
+            <a:endParaRPr lang="pl-PL" dirty="0"/>
+          </a:p>
+        </p:txBody>
+      </p:sp>
+      <p:sp>
+        <p:nvSpPr>
+          <p:cNvPr id="5" name="Symbol zastępczy numeru slajdu 4"/>
+          <p:cNvSpPr>
+            <a:spLocks noGrp="1"/>
+          </p:cNvSpPr>
+          <p:nvPr>
+            <p:ph type="sldNum" sz="quarter" idx="12"/>
+          </p:nvPr>
+        </p:nvSpPr>
+        <p:spPr/>
+        <p:txBody>
+          <a:bodyPr/>
+          <a:lstStyle/>
+          <a:p>
+            <a:fld id="{B517628F-ACB5-4BC7-8D24-28F138F96C11}" type="slidenum">
+              <a:rPr lang="pl-PL" smtClean="0"/>
+              <a:t>5</a:t>
+            </a:fld>
+            <a:endParaRPr lang="pl-PL"/>
+          </a:p>
+        </p:txBody>
+      </p:sp>
+    </p:spTree>
+    <p:extLst>
+      <p:ext uri="{BB962C8B-B14F-4D97-AF65-F5344CB8AC3E}">
+        <p14:creationId xmlns:p14="http://schemas.microsoft.com/office/powerpoint/2010/main" val="3545342813"/>
+      </p:ext>
+    </p:extLst>
+  </p:cSld>
+  <p:clrMapOvr>
+    <a:masterClrMapping/>
+  </p:clrMapOvr>
+  <p:timing>
+    <p:tnLst>
+      <p:par>
+        <p:cTn id="1" dur="indefinite" restart="never" nodeType="tmRoot"/>
+      </p:par>
+    </p:tnLst>
+  </p:timing>
+</p:sld>
+</file>
+
 <file path=ppt/slides/slide6.xml><?xml version="1.0" encoding="utf-8"?>
 <p:sld xmlns:a="http://schemas.openxmlformats.org/drawingml/2006/main" xmlns:r="http://schemas.openxmlformats.org/officeDocument/2006/relationships" xmlns:p="http://schemas.openxmlformats.org/presentationml/2006/main">
   <p:cSld>
@@ -7566,8 +7831,12 @@
           <a:lstStyle/>
           <a:p>
             <a:r>
+              <a:rPr lang="pl-PL" dirty="0"/>
+              <a:t>System </a:t>
+            </a:r>
+            <a:r>
               <a:rPr lang="pl-PL" dirty="0" smtClean="0"/>
-              <a:t>System nawigacji</a:t>
+              <a:t>nawigacji - narzędzia</a:t>
             </a:r>
             <a:endParaRPr lang="pl-PL" dirty="0"/>
           </a:p>
@@ -7585,87 +7854,52 @@
         </p:nvSpPr>
         <p:spPr/>
         <p:txBody>
-          <a:bodyPr>
-            <a:normAutofit/>
-          </a:bodyPr>
-          <a:lstStyle/>
-          <a:p>
-            <a:r>
-              <a:rPr lang="pl-PL" dirty="0" smtClean="0"/>
-              <a:t>Założenia</a:t>
+          <a:bodyPr/>
+          <a:lstStyle/>
+          <a:p>
+            <a:r>
+              <a:rPr lang="pl-PL" dirty="0"/>
+              <a:t>Narzędzia</a:t>
             </a:r>
           </a:p>
           <a:p>
             <a:pPr lvl="1"/>
             <a:r>
-              <a:rPr lang="pl-PL" dirty="0" smtClean="0"/>
-              <a:t>Środowisko badawcze</a:t>
-            </a:r>
-          </a:p>
-          <a:p>
-            <a:pPr lvl="2"/>
-            <a:r>
-              <a:rPr lang="pl-PL" dirty="0" smtClean="0"/>
-              <a:t>Modele środowiska gry</a:t>
-            </a:r>
-          </a:p>
-          <a:p>
-            <a:pPr lvl="2"/>
-            <a:r>
-              <a:rPr lang="pl-PL" dirty="0" smtClean="0"/>
-              <a:t>Modele agenta </a:t>
-            </a:r>
-            <a:r>
-              <a:rPr lang="pl-PL" dirty="0" smtClean="0"/>
-              <a:t>komputerowego</a:t>
-            </a:r>
+              <a:rPr lang="pl-PL" dirty="0" err="1"/>
+              <a:t>Blender</a:t>
+            </a:r>
+            <a:endParaRPr lang="pl-PL" dirty="0"/>
           </a:p>
           <a:p>
             <a:pPr lvl="1"/>
             <a:r>
-              <a:rPr lang="pl-PL" dirty="0" smtClean="0"/>
-              <a:t>Plan eksperymentów</a:t>
-            </a:r>
-          </a:p>
-          <a:p>
-            <a:pPr lvl="2"/>
-            <a:r>
-              <a:rPr lang="pl-PL" dirty="0" smtClean="0"/>
-              <a:t>Heurystyki (A*)</a:t>
-            </a:r>
-          </a:p>
-          <a:p>
-            <a:pPr lvl="2"/>
-            <a:r>
-              <a:rPr lang="pl-PL" dirty="0" smtClean="0"/>
-              <a:t>A* i JPS</a:t>
-            </a:r>
-          </a:p>
-          <a:p>
-            <a:pPr lvl="2"/>
-            <a:endParaRPr lang="pl-PL" dirty="0" smtClean="0"/>
-          </a:p>
-          <a:p>
-            <a:pPr lvl="2"/>
-            <a:endParaRPr lang="pl-PL" dirty="0" smtClean="0"/>
-          </a:p>
-          <a:p>
-            <a:pPr marL="457200" lvl="1" indent="0">
-              <a:buNone/>
-            </a:pPr>
-            <a:endParaRPr lang="pl-PL" dirty="0" smtClean="0"/>
-          </a:p>
-          <a:p>
-            <a:pPr marL="0" indent="0">
-              <a:buNone/>
-            </a:pPr>
+              <a:rPr lang="pl-PL" dirty="0"/>
+              <a:t>Unity3D</a:t>
+            </a:r>
+          </a:p>
+          <a:p>
+            <a:pPr lvl="1"/>
+            <a:r>
+              <a:rPr lang="pl-PL" dirty="0"/>
+              <a:t>Biblioteka A* </a:t>
+            </a:r>
+            <a:r>
+              <a:rPr lang="pl-PL" dirty="0" err="1"/>
+              <a:t>Pathfinding</a:t>
+            </a:r>
+            <a:r>
+              <a:rPr lang="pl-PL" dirty="0"/>
+              <a:t> Project</a:t>
+            </a:r>
+          </a:p>
+          <a:p>
             <a:endParaRPr lang="pl-PL" dirty="0"/>
           </a:p>
         </p:txBody>
       </p:sp>
       <p:sp>
         <p:nvSpPr>
-          <p:cNvPr id="5" name="Symbol zastępczy numeru slajdu 4"/>
+          <p:cNvPr id="4" name="Symbol zastępczy numeru slajdu 3"/>
           <p:cNvSpPr>
             <a:spLocks noGrp="1"/>
           </p:cNvSpPr>
@@ -7689,7 +7923,7 @@
     </p:spTree>
     <p:extLst>
       <p:ext uri="{BB962C8B-B14F-4D97-AF65-F5344CB8AC3E}">
-        <p14:creationId xmlns:p14="http://schemas.microsoft.com/office/powerpoint/2010/main" val="3545342813"/>
+        <p14:creationId xmlns:p14="http://schemas.microsoft.com/office/powerpoint/2010/main" val="2564436348"/>
       </p:ext>
     </p:extLst>
   </p:cSld>
@@ -7735,72 +7969,19 @@
         </p:nvSpPr>
         <p:spPr/>
         <p:txBody>
-          <a:bodyPr/>
+          <a:bodyPr>
+            <a:normAutofit fontScale="90000"/>
+          </a:bodyPr>
           <a:lstStyle/>
           <a:p>
             <a:r>
               <a:rPr lang="pl-PL" dirty="0"/>
-              <a:t>System </a:t>
+              <a:t>System nawigacji </a:t>
             </a:r>
             <a:r>
               <a:rPr lang="pl-PL" dirty="0" smtClean="0"/>
-              <a:t>nawigacji - narzędzia</a:t>
-            </a:r>
-            <a:endParaRPr lang="pl-PL" dirty="0"/>
-          </a:p>
-        </p:txBody>
-      </p:sp>
-      <p:sp>
-        <p:nvSpPr>
-          <p:cNvPr id="3" name="Symbol zastępczy zawartości 2"/>
-          <p:cNvSpPr>
-            <a:spLocks noGrp="1"/>
-          </p:cNvSpPr>
-          <p:nvPr>
-            <p:ph idx="1"/>
-          </p:nvPr>
-        </p:nvSpPr>
-        <p:spPr/>
-        <p:txBody>
-          <a:bodyPr/>
-          <a:lstStyle/>
-          <a:p>
-            <a:r>
-              <a:rPr lang="pl-PL" dirty="0"/>
-              <a:t>Narzędzia</a:t>
-            </a:r>
-          </a:p>
-          <a:p>
-            <a:pPr lvl="1"/>
-            <a:r>
-              <a:rPr lang="pl-PL" dirty="0" err="1"/>
-              <a:t>Blender</a:t>
-            </a:r>
-            <a:endParaRPr lang="pl-PL" dirty="0"/>
-          </a:p>
-          <a:p>
-            <a:pPr lvl="1"/>
-            <a:r>
-              <a:rPr lang="pl-PL" dirty="0"/>
-              <a:t>Unity3D</a:t>
-            </a:r>
-          </a:p>
-          <a:p>
-            <a:pPr lvl="1"/>
-            <a:r>
-              <a:rPr lang="pl-PL" dirty="0"/>
-              <a:t>Biblioteka A* </a:t>
-            </a:r>
-            <a:r>
-              <a:rPr lang="pl-PL" dirty="0" err="1"/>
-              <a:t>Pathfinding</a:t>
-            </a:r>
-            <a:r>
-              <a:rPr lang="pl-PL" dirty="0"/>
-              <a:t> Project</a:t>
-            </a:r>
-          </a:p>
-          <a:p>
+              <a:t>– zrzut ekranu</a:t>
+            </a:r>
             <a:endParaRPr lang="pl-PL" dirty="0"/>
           </a:p>
         </p:txBody>
@@ -7823,93 +8004,6 @@
             <a:fld id="{B517628F-ACB5-4BC7-8D24-28F138F96C11}" type="slidenum">
               <a:rPr lang="pl-PL" smtClean="0"/>
               <a:t>7</a:t>
-            </a:fld>
-            <a:endParaRPr lang="pl-PL"/>
-          </a:p>
-        </p:txBody>
-      </p:sp>
-    </p:spTree>
-    <p:extLst>
-      <p:ext uri="{BB962C8B-B14F-4D97-AF65-F5344CB8AC3E}">
-        <p14:creationId xmlns:p14="http://schemas.microsoft.com/office/powerpoint/2010/main" val="2564436348"/>
-      </p:ext>
-    </p:extLst>
-  </p:cSld>
-  <p:clrMapOvr>
-    <a:masterClrMapping/>
-  </p:clrMapOvr>
-  <p:timing>
-    <p:tnLst>
-      <p:par>
-        <p:cTn id="1" dur="indefinite" restart="never" nodeType="tmRoot"/>
-      </p:par>
-    </p:tnLst>
-  </p:timing>
-</p:sld>
-</file>
-
-<file path=ppt/slides/slide8.xml><?xml version="1.0" encoding="utf-8"?>
-<p:sld xmlns:a="http://schemas.openxmlformats.org/drawingml/2006/main" xmlns:r="http://schemas.openxmlformats.org/officeDocument/2006/relationships" xmlns:p="http://schemas.openxmlformats.org/presentationml/2006/main">
-  <p:cSld>
-    <p:spTree>
-      <p:nvGrpSpPr>
-        <p:cNvPr id="1" name=""/>
-        <p:cNvGrpSpPr/>
-        <p:nvPr/>
-      </p:nvGrpSpPr>
-      <p:grpSpPr>
-        <a:xfrm>
-          <a:off x="0" y="0"/>
-          <a:ext cx="0" cy="0"/>
-          <a:chOff x="0" y="0"/>
-          <a:chExt cx="0" cy="0"/>
-        </a:xfrm>
-      </p:grpSpPr>
-      <p:sp>
-        <p:nvSpPr>
-          <p:cNvPr id="2" name="Tytuł 1"/>
-          <p:cNvSpPr>
-            <a:spLocks noGrp="1"/>
-          </p:cNvSpPr>
-          <p:nvPr>
-            <p:ph type="title"/>
-          </p:nvPr>
-        </p:nvSpPr>
-        <p:spPr/>
-        <p:txBody>
-          <a:bodyPr/>
-          <a:lstStyle/>
-          <a:p>
-            <a:r>
-              <a:rPr lang="pl-PL" dirty="0"/>
-              <a:t>System nawigacji </a:t>
-            </a:r>
-            <a:r>
-              <a:rPr lang="pl-PL" dirty="0" smtClean="0"/>
-              <a:t>– zrzut ekranu</a:t>
-            </a:r>
-            <a:endParaRPr lang="pl-PL" dirty="0"/>
-          </a:p>
-        </p:txBody>
-      </p:sp>
-      <p:sp>
-        <p:nvSpPr>
-          <p:cNvPr id="4" name="Symbol zastępczy numeru slajdu 3"/>
-          <p:cNvSpPr>
-            <a:spLocks noGrp="1"/>
-          </p:cNvSpPr>
-          <p:nvPr>
-            <p:ph type="sldNum" sz="quarter" idx="12"/>
-          </p:nvPr>
-        </p:nvSpPr>
-        <p:spPr/>
-        <p:txBody>
-          <a:bodyPr/>
-          <a:lstStyle/>
-          <a:p>
-            <a:fld id="{B517628F-ACB5-4BC7-8D24-28F138F96C11}" type="slidenum">
-              <a:rPr lang="pl-PL" smtClean="0"/>
-              <a:t>8</a:t>
             </a:fld>
             <a:endParaRPr lang="pl-PL"/>
           </a:p>
@@ -7989,7 +8083,7 @@
 </p:sld>
 </file>
 
-<file path=ppt/slides/slide9.xml><?xml version="1.0" encoding="utf-8"?>
+<file path=ppt/slides/slide8.xml><?xml version="1.0" encoding="utf-8"?>
 <p:sld xmlns:a="http://schemas.openxmlformats.org/drawingml/2006/main" xmlns:r="http://schemas.openxmlformats.org/officeDocument/2006/relationships" xmlns:p="http://schemas.openxmlformats.org/presentationml/2006/main">
   <p:cSld>
     <p:spTree>
@@ -8028,6 +8122,29 @@
               <a:t>System nawigacji – modele środowisk</a:t>
             </a:r>
             <a:endParaRPr lang="pl-PL" dirty="0"/>
+          </a:p>
+        </p:txBody>
+      </p:sp>
+      <p:sp>
+        <p:nvSpPr>
+          <p:cNvPr id="12" name="Symbol zastępczy numeru slajdu 11"/>
+          <p:cNvSpPr>
+            <a:spLocks noGrp="1"/>
+          </p:cNvSpPr>
+          <p:nvPr>
+            <p:ph type="sldNum" sz="quarter" idx="12"/>
+          </p:nvPr>
+        </p:nvSpPr>
+        <p:spPr/>
+        <p:txBody>
+          <a:bodyPr/>
+          <a:lstStyle/>
+          <a:p>
+            <a:fld id="{B517628F-ACB5-4BC7-8D24-28F138F96C11}" type="slidenum">
+              <a:rPr lang="pl-PL" smtClean="0"/>
+              <a:t>8</a:t>
+            </a:fld>
+            <a:endParaRPr lang="pl-PL"/>
           </a:p>
         </p:txBody>
       </p:sp>
@@ -8559,29 +8676,6 @@
           </a:p>
         </p:txBody>
       </p:sp>
-      <p:sp>
-        <p:nvSpPr>
-          <p:cNvPr id="12" name="Symbol zastępczy numeru slajdu 11"/>
-          <p:cNvSpPr>
-            <a:spLocks noGrp="1"/>
-          </p:cNvSpPr>
-          <p:nvPr>
-            <p:ph type="sldNum" sz="quarter" idx="12"/>
-          </p:nvPr>
-        </p:nvSpPr>
-        <p:spPr/>
-        <p:txBody>
-          <a:bodyPr/>
-          <a:lstStyle/>
-          <a:p>
-            <a:fld id="{B517628F-ACB5-4BC7-8D24-28F138F96C11}" type="slidenum">
-              <a:rPr lang="pl-PL" smtClean="0"/>
-              <a:t>9</a:t>
-            </a:fld>
-            <a:endParaRPr lang="pl-PL"/>
-          </a:p>
-        </p:txBody>
-      </p:sp>
     </p:spTree>
     <p:extLst>
       <p:ext uri="{BB962C8B-B14F-4D97-AF65-F5344CB8AC3E}">
@@ -8602,10 +8696,189 @@
 </p:sld>
 </file>
 
+<file path=ppt/slides/slide9.xml><?xml version="1.0" encoding="utf-8"?>
+<p:sld xmlns:a="http://schemas.openxmlformats.org/drawingml/2006/main" xmlns:r="http://schemas.openxmlformats.org/officeDocument/2006/relationships" xmlns:p="http://schemas.openxmlformats.org/presentationml/2006/main">
+  <p:cSld>
+    <p:spTree>
+      <p:nvGrpSpPr>
+        <p:cNvPr id="1" name=""/>
+        <p:cNvGrpSpPr/>
+        <p:nvPr/>
+      </p:nvGrpSpPr>
+      <p:grpSpPr>
+        <a:xfrm>
+          <a:off x="0" y="0"/>
+          <a:ext cx="0" cy="0"/>
+          <a:chOff x="0" y="0"/>
+          <a:chExt cx="0" cy="0"/>
+        </a:xfrm>
+      </p:grpSpPr>
+      <p:sp>
+        <p:nvSpPr>
+          <p:cNvPr id="2" name="Tytuł 1"/>
+          <p:cNvSpPr>
+            <a:spLocks noGrp="1"/>
+          </p:cNvSpPr>
+          <p:nvPr>
+            <p:ph type="title"/>
+          </p:nvPr>
+        </p:nvSpPr>
+        <p:spPr/>
+        <p:txBody>
+          <a:bodyPr/>
+          <a:lstStyle/>
+          <a:p>
+            <a:r>
+              <a:rPr lang="pl-PL" dirty="0" smtClean="0"/>
+              <a:t>Wyniki badań heurystyk A*</a:t>
+            </a:r>
+            <a:endParaRPr lang="pl-PL" dirty="0"/>
+          </a:p>
+        </p:txBody>
+      </p:sp>
+      <p:sp>
+        <p:nvSpPr>
+          <p:cNvPr id="4" name="Symbol zastępczy numeru slajdu 3"/>
+          <p:cNvSpPr>
+            <a:spLocks noGrp="1"/>
+          </p:cNvSpPr>
+          <p:nvPr>
+            <p:ph type="sldNum" sz="quarter" idx="12"/>
+          </p:nvPr>
+        </p:nvSpPr>
+        <p:spPr/>
+        <p:txBody>
+          <a:bodyPr/>
+          <a:lstStyle/>
+          <a:p>
+            <a:fld id="{B517628F-ACB5-4BC7-8D24-28F138F96C11}" type="slidenum">
+              <a:rPr lang="pl-PL" smtClean="0"/>
+              <a:t>9</a:t>
+            </a:fld>
+            <a:endParaRPr lang="pl-PL"/>
+          </a:p>
+        </p:txBody>
+      </p:sp>
+      <p:graphicFrame>
+        <p:nvGraphicFramePr>
+          <p:cNvPr id="9" name="Wykres 8"/>
+          <p:cNvGraphicFramePr>
+            <a:graphicFrameLocks/>
+          </p:cNvGraphicFramePr>
+          <p:nvPr>
+            <p:extLst>
+              <p:ext uri="{D42A27DB-BD31-4B8C-83A1-F6EECF244321}">
+                <p14:modId xmlns:p14="http://schemas.microsoft.com/office/powerpoint/2010/main" val="4244968863"/>
+              </p:ext>
+            </p:extLst>
+          </p:nvPr>
+        </p:nvGraphicFramePr>
+        <p:xfrm>
+          <a:off x="0" y="4104572"/>
+          <a:ext cx="4572000" cy="2743200"/>
+        </p:xfrm>
+        <a:graphic>
+          <a:graphicData uri="http://schemas.openxmlformats.org/drawingml/2006/chart">
+            <c:chart xmlns:c="http://schemas.openxmlformats.org/drawingml/2006/chart" xmlns:r="http://schemas.openxmlformats.org/officeDocument/2006/relationships" r:id="rId3"/>
+          </a:graphicData>
+        </a:graphic>
+      </p:graphicFrame>
+      <p:graphicFrame>
+        <p:nvGraphicFramePr>
+          <p:cNvPr id="11" name="Wykres 10"/>
+          <p:cNvGraphicFramePr>
+            <a:graphicFrameLocks/>
+          </p:cNvGraphicFramePr>
+          <p:nvPr>
+            <p:extLst>
+              <p:ext uri="{D42A27DB-BD31-4B8C-83A1-F6EECF244321}">
+                <p14:modId xmlns:p14="http://schemas.microsoft.com/office/powerpoint/2010/main" val="3592384089"/>
+              </p:ext>
+            </p:extLst>
+          </p:nvPr>
+        </p:nvGraphicFramePr>
+        <p:xfrm>
+          <a:off x="4572000" y="4114800"/>
+          <a:ext cx="4572000" cy="2743200"/>
+        </p:xfrm>
+        <a:graphic>
+          <a:graphicData uri="http://schemas.openxmlformats.org/drawingml/2006/chart">
+            <c:chart xmlns:c="http://schemas.openxmlformats.org/drawingml/2006/chart" xmlns:r="http://schemas.openxmlformats.org/officeDocument/2006/relationships" r:id="rId4"/>
+          </a:graphicData>
+        </a:graphic>
+      </p:graphicFrame>
+      <p:graphicFrame>
+        <p:nvGraphicFramePr>
+          <p:cNvPr id="13" name="Wykres 12"/>
+          <p:cNvGraphicFramePr>
+            <a:graphicFrameLocks/>
+          </p:cNvGraphicFramePr>
+          <p:nvPr>
+            <p:extLst>
+              <p:ext uri="{D42A27DB-BD31-4B8C-83A1-F6EECF244321}">
+                <p14:modId xmlns:p14="http://schemas.microsoft.com/office/powerpoint/2010/main" val="4069650942"/>
+              </p:ext>
+            </p:extLst>
+          </p:nvPr>
+        </p:nvGraphicFramePr>
+        <p:xfrm>
+          <a:off x="4572000" y="1124744"/>
+          <a:ext cx="4572000" cy="2743200"/>
+        </p:xfrm>
+        <a:graphic>
+          <a:graphicData uri="http://schemas.openxmlformats.org/drawingml/2006/chart">
+            <c:chart xmlns:c="http://schemas.openxmlformats.org/drawingml/2006/chart" xmlns:r="http://schemas.openxmlformats.org/officeDocument/2006/relationships" r:id="rId5"/>
+          </a:graphicData>
+        </a:graphic>
+      </p:graphicFrame>
+      <p:graphicFrame>
+        <p:nvGraphicFramePr>
+          <p:cNvPr id="14" name="Wykres 13"/>
+          <p:cNvGraphicFramePr>
+            <a:graphicFrameLocks/>
+          </p:cNvGraphicFramePr>
+          <p:nvPr>
+            <p:extLst>
+              <p:ext uri="{D42A27DB-BD31-4B8C-83A1-F6EECF244321}">
+                <p14:modId xmlns:p14="http://schemas.microsoft.com/office/powerpoint/2010/main" val="3647985537"/>
+              </p:ext>
+            </p:extLst>
+          </p:nvPr>
+        </p:nvGraphicFramePr>
+        <p:xfrm>
+          <a:off x="0" y="1124744"/>
+          <a:ext cx="4572000" cy="2743200"/>
+        </p:xfrm>
+        <a:graphic>
+          <a:graphicData uri="http://schemas.openxmlformats.org/drawingml/2006/chart">
+            <c:chart xmlns:c="http://schemas.openxmlformats.org/drawingml/2006/chart" xmlns:r="http://schemas.openxmlformats.org/officeDocument/2006/relationships" r:id="rId6"/>
+          </a:graphicData>
+        </a:graphic>
+      </p:graphicFrame>
+    </p:spTree>
+    <p:extLst>
+      <p:ext uri="{BB962C8B-B14F-4D97-AF65-F5344CB8AC3E}">
+        <p14:creationId xmlns:p14="http://schemas.microsoft.com/office/powerpoint/2010/main" val="1253170884"/>
+      </p:ext>
+    </p:extLst>
+  </p:cSld>
+  <p:clrMapOvr>
+    <a:masterClrMapping/>
+  </p:clrMapOvr>
+  <p:timing>
+    <p:tnLst>
+      <p:par>
+        <p:cTn id="1" dur="indefinite" restart="never" nodeType="tmRoot"/>
+      </p:par>
+    </p:tnLst>
+  </p:timing>
+</p:sld>
+</file>
+
 <file path=ppt/theme/theme1.xml><?xml version="1.0" encoding="utf-8"?>
-<a:theme xmlns:a="http://schemas.openxmlformats.org/drawingml/2006/main" name="Motyw pakietu Office">
+<a:theme xmlns:a="http://schemas.openxmlformats.org/drawingml/2006/main" name="Techniczny">
   <a:themeElements>
-    <a:clrScheme name="Pakiet Office">
+    <a:clrScheme name="Techniczny">
       <a:dk1>
         <a:sysClr val="windowText" lastClr="000000"/>
       </a:dk1>
@@ -8613,81 +8886,46 @@
         <a:sysClr val="window" lastClr="FFFFFF"/>
       </a:lt1>
       <a:dk2>
-        <a:srgbClr val="1F497D"/>
+        <a:srgbClr val="3B3B3B"/>
       </a:dk2>
       <a:lt2>
-        <a:srgbClr val="EEECE1"/>
+        <a:srgbClr val="D4D2D0"/>
       </a:lt2>
       <a:accent1>
-        <a:srgbClr val="4F81BD"/>
+        <a:srgbClr val="6EA0B0"/>
       </a:accent1>
       <a:accent2>
-        <a:srgbClr val="C0504D"/>
+        <a:srgbClr val="CCAF0A"/>
       </a:accent2>
       <a:accent3>
-        <a:srgbClr val="9BBB59"/>
+        <a:srgbClr val="8D89A4"/>
       </a:accent3>
       <a:accent4>
-        <a:srgbClr val="8064A2"/>
+        <a:srgbClr val="748560"/>
       </a:accent4>
       <a:accent5>
-        <a:srgbClr val="4BACC6"/>
+        <a:srgbClr val="9E9273"/>
       </a:accent5>
       <a:accent6>
-        <a:srgbClr val="F79646"/>
+        <a:srgbClr val="7E848D"/>
       </a:accent6>
       <a:hlink>
-        <a:srgbClr val="0000FF"/>
+        <a:srgbClr val="00C8C3"/>
       </a:hlink>
       <a:folHlink>
-        <a:srgbClr val="800080"/>
+        <a:srgbClr val="A116E0"/>
       </a:folHlink>
     </a:clrScheme>
-    <a:fontScheme name="Pakiet Office">
+    <a:fontScheme name="Techniczny">
       <a:majorFont>
-        <a:latin typeface="Calibri"/>
+        <a:latin typeface="Franklin Gothic Book"/>
         <a:ea typeface=""/>
         <a:cs typeface=""/>
         <a:font script="Jpan" typeface="ＭＳ Ｐゴシック"/>
-        <a:font script="Hang" typeface="맑은 고딕"/>
+        <a:font script="Hang" typeface="HY견고딕"/>
         <a:font script="Hans" typeface="宋体"/>
-        <a:font script="Hant" typeface="新細明體"/>
-        <a:font script="Arab" typeface="Times New Roman"/>
-        <a:font script="Hebr" typeface="Times New Roman"/>
-        <a:font script="Thai" typeface="Angsana New"/>
-        <a:font script="Ethi" typeface="Nyala"/>
-        <a:font script="Beng" typeface="Vrinda"/>
-        <a:font script="Gujr" typeface="Shruti"/>
-        <a:font script="Khmr" typeface="MoolBoran"/>
-        <a:font script="Knda" typeface="Tunga"/>
-        <a:font script="Guru" typeface="Raavi"/>
-        <a:font script="Cans" typeface="Euphemia"/>
-        <a:font script="Cher" typeface="Plantagenet Cherokee"/>
-        <a:font script="Yiii" typeface="Microsoft Yi Baiti"/>
-        <a:font script="Tibt" typeface="Microsoft Himalaya"/>
-        <a:font script="Thaa" typeface="MV Boli"/>
-        <a:font script="Deva" typeface="Mangal"/>
-        <a:font script="Telu" typeface="Gautami"/>
-        <a:font script="Taml" typeface="Latha"/>
-        <a:font script="Syrc" typeface="Estrangelo Edessa"/>
-        <a:font script="Orya" typeface="Kalinga"/>
-        <a:font script="Mlym" typeface="Kartika"/>
-        <a:font script="Laoo" typeface="DokChampa"/>
-        <a:font script="Sinh" typeface="Iskoola Pota"/>
-        <a:font script="Mong" typeface="Mongolian Baiti"/>
-        <a:font script="Viet" typeface="Times New Roman"/>
-        <a:font script="Uigh" typeface="Microsoft Uighur"/>
-        <a:font script="Geor" typeface="Sylfaen"/>
-      </a:majorFont>
-      <a:minorFont>
-        <a:latin typeface="Calibri"/>
-        <a:ea typeface=""/>
-        <a:cs typeface=""/>
-        <a:font script="Jpan" typeface="ＭＳ Ｐゴシック"/>
-        <a:font script="Hang" typeface="맑은 고딕"/>
-        <a:font script="Hans" typeface="宋体"/>
-        <a:font script="Hant" typeface="新細明體"/>
-        <a:font script="Arab" typeface="Arial"/>
+        <a:font script="Hant" typeface="微軟正黑體"/>
+        <a:font script="Arab" typeface="Tahoma"/>
         <a:font script="Hebr" typeface="Arial"/>
         <a:font script="Thai" typeface="Cordia New"/>
         <a:font script="Ethi" typeface="Nyala"/>
@@ -8713,9 +8951,44 @@
         <a:font script="Viet" typeface="Arial"/>
         <a:font script="Uigh" typeface="Microsoft Uighur"/>
         <a:font script="Geor" typeface="Sylfaen"/>
+      </a:majorFont>
+      <a:minorFont>
+        <a:latin typeface="Arial"/>
+        <a:ea typeface=""/>
+        <a:cs typeface=""/>
+        <a:font script="Jpan" typeface="HGｺﾞｼｯｸM"/>
+        <a:font script="Hang" typeface="HY중고딕"/>
+        <a:font script="Hans" typeface="黑体"/>
+        <a:font script="Hant" typeface="微軟正黑體"/>
+        <a:font script="Arab" typeface="Tahoma"/>
+        <a:font script="Hebr" typeface="Levenim MT"/>
+        <a:font script="Thai" typeface="LilyUPC"/>
+        <a:font script="Ethi" typeface="Nyala"/>
+        <a:font script="Beng" typeface="Vrinda"/>
+        <a:font script="Gujr" typeface="Shruti"/>
+        <a:font script="Khmr" typeface="DaunPenh"/>
+        <a:font script="Knda" typeface="Tunga"/>
+        <a:font script="Guru" typeface="Raavi"/>
+        <a:font script="Cans" typeface="Euphemia"/>
+        <a:font script="Cher" typeface="Plantagenet Cherokee"/>
+        <a:font script="Yiii" typeface="Microsoft Yi Baiti"/>
+        <a:font script="Tibt" typeface="Microsoft Himalaya"/>
+        <a:font script="Thaa" typeface="MV Boli"/>
+        <a:font script="Deva" typeface="Mangal"/>
+        <a:font script="Telu" typeface="Gautami"/>
+        <a:font script="Taml" typeface="Latha"/>
+        <a:font script="Syrc" typeface="Estrangelo Edessa"/>
+        <a:font script="Orya" typeface="Kalinga"/>
+        <a:font script="Mlym" typeface="Kartika"/>
+        <a:font script="Laoo" typeface="DokChampa"/>
+        <a:font script="Sinh" typeface="Iskoola Pota"/>
+        <a:font script="Mong" typeface="Mongolian Baiti"/>
+        <a:font script="Viet" typeface="Arial"/>
+        <a:font script="Uigh" typeface="Microsoft Uighur"/>
+        <a:font script="Geor" typeface="Sylfaen"/>
       </a:minorFont>
     </a:fontScheme>
-    <a:fmtScheme name="Pakiet Office">
+    <a:fmtScheme name="Techniczny">
       <a:fillStyleLst>
         <a:solidFill>
           <a:schemeClr val="phClr"/>
@@ -8724,66 +8997,99 @@
           <a:gsLst>
             <a:gs pos="0">
               <a:schemeClr val="phClr">
-                <a:tint val="50000"/>
-                <a:satMod val="300000"/>
+                <a:tint val="1000"/>
               </a:schemeClr>
             </a:gs>
-            <a:gs pos="35000">
+            <a:gs pos="68000">
               <a:schemeClr val="phClr">
-                <a:tint val="37000"/>
-                <a:satMod val="300000"/>
+                <a:tint val="77000"/>
+              </a:schemeClr>
+            </a:gs>
+            <a:gs pos="81000">
+              <a:schemeClr val="phClr">
+                <a:tint val="79000"/>
+              </a:schemeClr>
+            </a:gs>
+            <a:gs pos="86000">
+              <a:schemeClr val="phClr">
+                <a:tint val="73000"/>
               </a:schemeClr>
             </a:gs>
             <a:gs pos="100000">
               <a:schemeClr val="phClr">
-                <a:tint val="15000"/>
-                <a:satMod val="350000"/>
+                <a:tint val="35000"/>
               </a:schemeClr>
             </a:gs>
           </a:gsLst>
-          <a:lin ang="16200000" scaled="1"/>
+          <a:lin ang="5400000" scaled="1"/>
         </a:gradFill>
         <a:gradFill rotWithShape="1">
           <a:gsLst>
             <a:gs pos="0">
               <a:schemeClr val="phClr">
-                <a:shade val="51000"/>
-                <a:satMod val="130000"/>
+                <a:tint val="73000"/>
+                <a:satMod val="150000"/>
+              </a:schemeClr>
+            </a:gs>
+            <a:gs pos="25000">
+              <a:schemeClr val="phClr">
+                <a:tint val="96000"/>
+                <a:shade val="80000"/>
+                <a:satMod val="105000"/>
+              </a:schemeClr>
+            </a:gs>
+            <a:gs pos="38000">
+              <a:schemeClr val="phClr">
+                <a:tint val="96000"/>
+                <a:shade val="59000"/>
+                <a:satMod val="120000"/>
+              </a:schemeClr>
+            </a:gs>
+            <a:gs pos="55000">
+              <a:schemeClr val="phClr">
+                <a:shade val="57000"/>
+                <a:satMod val="120000"/>
               </a:schemeClr>
             </a:gs>
             <a:gs pos="80000">
               <a:schemeClr val="phClr">
-                <a:shade val="93000"/>
-                <a:satMod val="130000"/>
+                <a:shade val="56000"/>
+                <a:satMod val="145000"/>
+              </a:schemeClr>
+            </a:gs>
+            <a:gs pos="88000">
+              <a:schemeClr val="phClr">
+                <a:shade val="63000"/>
+                <a:satMod val="160000"/>
               </a:schemeClr>
             </a:gs>
             <a:gs pos="100000">
               <a:schemeClr val="phClr">
-                <a:shade val="94000"/>
-                <a:satMod val="135000"/>
+                <a:tint val="99555"/>
+                <a:satMod val="155000"/>
               </a:schemeClr>
             </a:gs>
           </a:gsLst>
-          <a:lin ang="16200000" scaled="0"/>
+          <a:lin ang="5400000" scaled="1"/>
         </a:gradFill>
       </a:fillStyleLst>
       <a:lnStyleLst>
         <a:ln w="9525" cap="flat" cmpd="sng" algn="ctr">
           <a:solidFill>
             <a:schemeClr val="phClr">
-              <a:shade val="95000"/>
-              <a:satMod val="105000"/>
+              <a:shade val="60000"/>
+              <a:satMod val="300000"/>
             </a:schemeClr>
           </a:solidFill>
           <a:prstDash val="solid"/>
         </a:ln>
-        <a:ln w="25400" cap="flat" cmpd="sng" algn="ctr">
+        <a:ln w="19050" cap="flat" cmpd="sng" algn="ctr">
           <a:solidFill>
             <a:schemeClr val="phClr"/>
           </a:solidFill>
           <a:prstDash val="solid"/>
         </a:ln>
-        <a:ln w="38100" cap="flat" cmpd="sng" algn="ctr">
+        <a:ln w="19050" cap="flat" cmpd="sng" algn="ctr">
           <a:solidFill>
             <a:schemeClr val="phClr"/>
           </a:solidFill>
@@ -8793,40 +9099,55 @@
       <a:effectStyleLst>
         <a:effectStyle>
           <a:effectLst>
-            <a:outerShdw blurRad="40000" dist="20000" dir="5400000" rotWithShape="0">
-              <a:srgbClr val="000000">
-                <a:alpha val="38000"/>
-              </a:srgbClr>
-            </a:outerShdw>
+            <a:glow rad="63500">
+              <a:schemeClr val="phClr">
+                <a:tint val="30000"/>
+                <a:shade val="95000"/>
+                <a:satMod val="300000"/>
+                <a:alpha val="50000"/>
+              </a:schemeClr>
+            </a:glow>
           </a:effectLst>
         </a:effectStyle>
         <a:effectStyle>
           <a:effectLst>
-            <a:outerShdw blurRad="40000" dist="23000" dir="5400000" rotWithShape="0">
-              <a:srgbClr val="000000">
-                <a:alpha val="35000"/>
-              </a:srgbClr>
-            </a:outerShdw>
+            <a:glow rad="70000">
+              <a:schemeClr val="phClr">
+                <a:tint val="30000"/>
+                <a:shade val="95000"/>
+                <a:satMod val="300000"/>
+                <a:alpha val="50000"/>
+              </a:schemeClr>
+            </a:glow>
           </a:effectLst>
         </a:effectStyle>
         <a:effectStyle>
           <a:effectLst>
-            <a:outerShdw blurRad="40000" dist="23000" dir="5400000" rotWithShape="0">
-              <a:srgbClr val="000000">
-                <a:alpha val="35000"/>
-              </a:srgbClr>
-            </a:outerShdw>
+            <a:glow rad="76200">
+              <a:schemeClr val="phClr">
+                <a:tint val="30000"/>
+                <a:shade val="95000"/>
+                <a:satMod val="300000"/>
+                <a:alpha val="50000"/>
+              </a:schemeClr>
+            </a:glow>
           </a:effectLst>
           <a:scene3d>
-            <a:camera prst="orthographicFront">
+            <a:camera prst="orthographicFront" fov="0">
               <a:rot lat="0" lon="0" rev="0"/>
             </a:camera>
-            <a:lightRig rig="threePt" dir="t">
-              <a:rot lat="0" lon="0" rev="1200000"/>
+            <a:lightRig rig="harsh" dir="t">
+              <a:rot lat="6000000" lon="6000000" rev="0"/>
             </a:lightRig>
           </a:scene3d>
-          <a:sp3d>
-            <a:bevelT w="63500" h="25400"/>
+          <a:sp3d contourW="10000" prstMaterial="metal">
+            <a:bevelT w="20000" h="9000" prst="softRound"/>
+            <a:contourClr>
+              <a:schemeClr val="phClr">
+                <a:shade val="30000"/>
+                <a:satMod val="200000"/>
+              </a:schemeClr>
+            </a:contourClr>
           </a:sp3d>
         </a:effectStyle>
       </a:effectStyleLst>
@@ -8838,45 +9159,42 @@
           <a:gsLst>
             <a:gs pos="0">
               <a:schemeClr val="phClr">
-                <a:tint val="40000"/>
-                <a:satMod val="350000"/>
+                <a:shade val="40000"/>
+                <a:satMod val="150000"/>
               </a:schemeClr>
             </a:gs>
-            <a:gs pos="40000">
+            <a:gs pos="30000">
               <a:schemeClr val="phClr">
-                <a:tint val="45000"/>
-                <a:shade val="99000"/>
-                <a:satMod val="350000"/>
+                <a:shade val="60000"/>
+                <a:satMod val="150000"/>
               </a:schemeClr>
             </a:gs>
             <a:gs pos="100000">
               <a:schemeClr val="phClr">
-                <a:shade val="20000"/>
-                <a:satMod val="255000"/>
+                <a:tint val="83000"/>
+                <a:satMod val="200000"/>
               </a:schemeClr>
             </a:gs>
           </a:gsLst>
-          <a:path path="circle">
-            <a:fillToRect l="50000" t="-80000" r="50000" b="180000"/>
-          </a:path>
+          <a:lin ang="13000000" scaled="0"/>
         </a:gradFill>
         <a:gradFill rotWithShape="1">
           <a:gsLst>
             <a:gs pos="0">
               <a:schemeClr val="phClr">
-                <a:tint val="80000"/>
-                <a:satMod val="300000"/>
+                <a:tint val="78000"/>
+                <a:satMod val="220000"/>
               </a:schemeClr>
             </a:gs>
             <a:gs pos="100000">
               <a:schemeClr val="phClr">
-                <a:shade val="30000"/>
-                <a:satMod val="200000"/>
+                <a:shade val="35000"/>
+                <a:satMod val="155000"/>
               </a:schemeClr>
             </a:gs>
           </a:gsLst>
           <a:path path="circle">
-            <a:fillToRect l="50000" t="50000" r="50000" b="50000"/>
+            <a:fillToRect l="60000" t="50000" r="40000" b="50000"/>
           </a:path>
         </a:gradFill>
       </a:bgFillStyleLst>

--- a/Nawigacja w grach komputerowych.pptx
+++ b/Nawigacja w grach komputerowych.pptx
@@ -271,11 +271,11 @@
         </c:dLbls>
         <c:gapWidth val="75"/>
         <c:overlap val="-25"/>
-        <c:axId val="108240256"/>
-        <c:axId val="108254336"/>
+        <c:axId val="110930560"/>
+        <c:axId val="110940544"/>
       </c:barChart>
       <c:catAx>
-        <c:axId val="108240256"/>
+        <c:axId val="110930560"/>
         <c:scaling>
           <c:orientation val="minMax"/>
         </c:scaling>
@@ -284,7 +284,7 @@
         <c:majorTickMark val="none"/>
         <c:minorTickMark val="none"/>
         <c:tickLblPos val="nextTo"/>
-        <c:crossAx val="108254336"/>
+        <c:crossAx val="110940544"/>
         <c:crosses val="autoZero"/>
         <c:auto val="1"/>
         <c:lblAlgn val="ctr"/>
@@ -292,7 +292,7 @@
         <c:noMultiLvlLbl val="0"/>
       </c:catAx>
       <c:valAx>
-        <c:axId val="108254336"/>
+        <c:axId val="110940544"/>
         <c:scaling>
           <c:orientation val="minMax"/>
         </c:scaling>
@@ -332,7 +332,7 @@
             <a:noFill/>
           </a:ln>
         </c:spPr>
-        <c:crossAx val="108240256"/>
+        <c:crossAx val="110930560"/>
         <c:crosses val="autoZero"/>
         <c:crossBetween val="between"/>
       </c:valAx>
@@ -502,11 +502,11 @@
         </c:dLbls>
         <c:gapWidth val="75"/>
         <c:overlap val="-25"/>
-        <c:axId val="108264448"/>
-        <c:axId val="108606208"/>
+        <c:axId val="111487232"/>
+        <c:axId val="111497216"/>
       </c:barChart>
       <c:catAx>
-        <c:axId val="108264448"/>
+        <c:axId val="111487232"/>
         <c:scaling>
           <c:orientation val="minMax"/>
         </c:scaling>
@@ -515,7 +515,7 @@
         <c:majorTickMark val="none"/>
         <c:minorTickMark val="none"/>
         <c:tickLblPos val="nextTo"/>
-        <c:crossAx val="108606208"/>
+        <c:crossAx val="111497216"/>
         <c:crosses val="autoZero"/>
         <c:auto val="1"/>
         <c:lblAlgn val="ctr"/>
@@ -523,7 +523,7 @@
         <c:noMultiLvlLbl val="0"/>
       </c:catAx>
       <c:valAx>
-        <c:axId val="108606208"/>
+        <c:axId val="111497216"/>
         <c:scaling>
           <c:orientation val="minMax"/>
         </c:scaling>
@@ -558,7 +558,7 @@
             <a:noFill/>
           </a:ln>
         </c:spPr>
-        <c:crossAx val="108264448"/>
+        <c:crossAx val="111487232"/>
         <c:crosses val="autoZero"/>
         <c:crossBetween val="between"/>
       </c:valAx>
@@ -728,11 +728,11 @@
         </c:dLbls>
         <c:gapWidth val="75"/>
         <c:overlap val="-25"/>
-        <c:axId val="108649088"/>
-        <c:axId val="108650880"/>
+        <c:axId val="111536000"/>
+        <c:axId val="111537536"/>
       </c:barChart>
       <c:catAx>
-        <c:axId val="108649088"/>
+        <c:axId val="111536000"/>
         <c:scaling>
           <c:orientation val="minMax"/>
         </c:scaling>
@@ -741,7 +741,7 @@
         <c:majorTickMark val="none"/>
         <c:minorTickMark val="none"/>
         <c:tickLblPos val="nextTo"/>
-        <c:crossAx val="108650880"/>
+        <c:crossAx val="111537536"/>
         <c:crosses val="autoZero"/>
         <c:auto val="1"/>
         <c:lblAlgn val="ctr"/>
@@ -749,7 +749,7 @@
         <c:noMultiLvlLbl val="0"/>
       </c:catAx>
       <c:valAx>
-        <c:axId val="108650880"/>
+        <c:axId val="111537536"/>
         <c:scaling>
           <c:orientation val="minMax"/>
         </c:scaling>
@@ -784,7 +784,7 @@
             <a:noFill/>
           </a:ln>
         </c:spPr>
-        <c:crossAx val="108649088"/>
+        <c:crossAx val="111536000"/>
         <c:crosses val="autoZero"/>
         <c:crossBetween val="between"/>
       </c:valAx>
@@ -949,11 +949,11 @@
         </c:dLbls>
         <c:gapWidth val="75"/>
         <c:overlap val="-25"/>
-        <c:axId val="108681472"/>
-        <c:axId val="108683264"/>
+        <c:axId val="111240704"/>
+        <c:axId val="111242240"/>
       </c:barChart>
       <c:catAx>
-        <c:axId val="108681472"/>
+        <c:axId val="111240704"/>
         <c:scaling>
           <c:orientation val="minMax"/>
         </c:scaling>
@@ -962,7 +962,7 @@
         <c:majorTickMark val="none"/>
         <c:minorTickMark val="none"/>
         <c:tickLblPos val="nextTo"/>
-        <c:crossAx val="108683264"/>
+        <c:crossAx val="111242240"/>
         <c:crosses val="autoZero"/>
         <c:auto val="1"/>
         <c:lblAlgn val="ctr"/>
@@ -970,7 +970,7 @@
         <c:noMultiLvlLbl val="0"/>
       </c:catAx>
       <c:valAx>
-        <c:axId val="108683264"/>
+        <c:axId val="111242240"/>
         <c:scaling>
           <c:orientation val="minMax"/>
         </c:scaling>
@@ -1005,7 +1005,7 @@
             <a:noFill/>
           </a:ln>
         </c:spPr>
-        <c:crossAx val="108681472"/>
+        <c:crossAx val="111240704"/>
         <c:crosses val="autoZero"/>
         <c:crossBetween val="between"/>
       </c:valAx>
@@ -1144,11 +1144,11 @@
         </c:dLbls>
         <c:gapWidth val="75"/>
         <c:overlap val="-25"/>
-        <c:axId val="108727680"/>
-        <c:axId val="108737664"/>
+        <c:axId val="111282816"/>
+        <c:axId val="111284608"/>
       </c:barChart>
       <c:catAx>
-        <c:axId val="108727680"/>
+        <c:axId val="111282816"/>
         <c:scaling>
           <c:orientation val="minMax"/>
         </c:scaling>
@@ -1157,7 +1157,7 @@
         <c:majorTickMark val="none"/>
         <c:minorTickMark val="none"/>
         <c:tickLblPos val="nextTo"/>
-        <c:crossAx val="108737664"/>
+        <c:crossAx val="111284608"/>
         <c:crosses val="autoZero"/>
         <c:auto val="1"/>
         <c:lblAlgn val="ctr"/>
@@ -1165,7 +1165,7 @@
         <c:noMultiLvlLbl val="0"/>
       </c:catAx>
       <c:valAx>
-        <c:axId val="108737664"/>
+        <c:axId val="111284608"/>
         <c:scaling>
           <c:orientation val="minMax"/>
         </c:scaling>
@@ -1201,7 +1201,7 @@
             <a:noFill/>
           </a:ln>
         </c:spPr>
-        <c:crossAx val="108727680"/>
+        <c:crossAx val="111282816"/>
         <c:crosses val="autoZero"/>
         <c:crossBetween val="between"/>
       </c:valAx>
@@ -1340,11 +1340,11 @@
         </c:dLbls>
         <c:gapWidth val="75"/>
         <c:overlap val="-25"/>
-        <c:axId val="108751104"/>
-        <c:axId val="108773376"/>
+        <c:axId val="111318528"/>
+        <c:axId val="111320064"/>
       </c:barChart>
       <c:catAx>
-        <c:axId val="108751104"/>
+        <c:axId val="111318528"/>
         <c:scaling>
           <c:orientation val="minMax"/>
         </c:scaling>
@@ -1353,7 +1353,7 @@
         <c:majorTickMark val="none"/>
         <c:minorTickMark val="none"/>
         <c:tickLblPos val="nextTo"/>
-        <c:crossAx val="108773376"/>
+        <c:crossAx val="111320064"/>
         <c:crosses val="autoZero"/>
         <c:auto val="1"/>
         <c:lblAlgn val="ctr"/>
@@ -1361,7 +1361,7 @@
         <c:noMultiLvlLbl val="0"/>
       </c:catAx>
       <c:valAx>
-        <c:axId val="108773376"/>
+        <c:axId val="111320064"/>
         <c:scaling>
           <c:orientation val="minMax"/>
         </c:scaling>
@@ -1401,7 +1401,7 @@
             <a:noFill/>
           </a:ln>
         </c:spPr>
-        <c:crossAx val="108751104"/>
+        <c:crossAx val="111318528"/>
         <c:crosses val="autoZero"/>
         <c:crossBetween val="between"/>
       </c:valAx>
@@ -1540,11 +1540,11 @@
         </c:dLbls>
         <c:gapWidth val="75"/>
         <c:overlap val="-25"/>
-        <c:axId val="109663360"/>
-        <c:axId val="109664896"/>
+        <c:axId val="111366528"/>
+        <c:axId val="111368064"/>
       </c:barChart>
       <c:catAx>
-        <c:axId val="109663360"/>
+        <c:axId val="111366528"/>
         <c:scaling>
           <c:orientation val="minMax"/>
         </c:scaling>
@@ -1553,7 +1553,7 @@
         <c:majorTickMark val="none"/>
         <c:minorTickMark val="none"/>
         <c:tickLblPos val="nextTo"/>
-        <c:crossAx val="109664896"/>
+        <c:crossAx val="111368064"/>
         <c:crosses val="autoZero"/>
         <c:auto val="1"/>
         <c:lblAlgn val="ctr"/>
@@ -1561,7 +1561,7 @@
         <c:noMultiLvlLbl val="0"/>
       </c:catAx>
       <c:valAx>
-        <c:axId val="109664896"/>
+        <c:axId val="111368064"/>
         <c:scaling>
           <c:orientation val="minMax"/>
         </c:scaling>
@@ -1601,7 +1601,7 @@
             <a:noFill/>
           </a:ln>
         </c:spPr>
-        <c:crossAx val="109663360"/>
+        <c:crossAx val="111366528"/>
         <c:crosses val="autoZero"/>
         <c:crossBetween val="between"/>
       </c:valAx>
@@ -1740,11 +1740,11 @@
         </c:dLbls>
         <c:gapWidth val="75"/>
         <c:overlap val="-25"/>
-        <c:axId val="109694976"/>
-        <c:axId val="109696512"/>
+        <c:axId val="111401984"/>
+        <c:axId val="111403776"/>
       </c:barChart>
       <c:catAx>
-        <c:axId val="109694976"/>
+        <c:axId val="111401984"/>
         <c:scaling>
           <c:orientation val="minMax"/>
         </c:scaling>
@@ -1753,7 +1753,7 @@
         <c:majorTickMark val="none"/>
         <c:minorTickMark val="none"/>
         <c:tickLblPos val="nextTo"/>
-        <c:crossAx val="109696512"/>
+        <c:crossAx val="111403776"/>
         <c:crosses val="autoZero"/>
         <c:auto val="1"/>
         <c:lblAlgn val="ctr"/>
@@ -1761,7 +1761,7 @@
         <c:noMultiLvlLbl val="0"/>
       </c:catAx>
       <c:valAx>
-        <c:axId val="109696512"/>
+        <c:axId val="111403776"/>
         <c:scaling>
           <c:orientation val="minMax"/>
         </c:scaling>
@@ -1801,7 +1801,7 @@
             <a:noFill/>
           </a:ln>
         </c:spPr>
-        <c:crossAx val="109694976"/>
+        <c:crossAx val="111401984"/>
         <c:crosses val="autoZero"/>
         <c:crossBetween val="between"/>
       </c:valAx>
@@ -1903,7 +1903,7 @@
           <a:p>
             <a:fld id="{70A2B3A7-E86D-4280-A4D7-511B8E83CF6B}" type="datetimeFigureOut">
               <a:rPr lang="pl-PL" smtClean="0"/>
-              <a:t>2013-11-04</a:t>
+              <a:t>2013-11-05</a:t>
             </a:fld>
             <a:endParaRPr lang="pl-PL"/>
           </a:p>
@@ -3485,7 +3485,7 @@
           <a:p>
             <a:fld id="{4321F2FE-F26E-4291-A147-8C4041B12D9E}" type="datetime1">
               <a:rPr lang="pl-PL" smtClean="0"/>
-              <a:t>2013-11-04</a:t>
+              <a:t>2013-11-05</a:t>
             </a:fld>
             <a:endParaRPr lang="pl-PL"/>
           </a:p>
@@ -3650,7 +3650,7 @@
           <a:p>
             <a:fld id="{83BF026A-E201-47E1-9A92-B814A9A3F327}" type="datetime1">
               <a:rPr lang="pl-PL" smtClean="0"/>
-              <a:t>2013-11-04</a:t>
+              <a:t>2013-11-05</a:t>
             </a:fld>
             <a:endParaRPr lang="pl-PL"/>
           </a:p>
@@ -3825,7 +3825,7 @@
           <a:p>
             <a:fld id="{2096C3FB-B571-473D-A281-D6B9468FAD42}" type="datetime1">
               <a:rPr lang="pl-PL" smtClean="0"/>
-              <a:t>2013-11-04</a:t>
+              <a:t>2013-11-05</a:t>
             </a:fld>
             <a:endParaRPr lang="pl-PL"/>
           </a:p>
@@ -3994,7 +3994,7 @@
           <a:p>
             <a:fld id="{44F5E471-05F4-4497-8EE2-CA2193B14556}" type="datetime1">
               <a:rPr lang="pl-PL" smtClean="0"/>
-              <a:t>2013-11-04</a:t>
+              <a:t>2013-11-05</a:t>
             </a:fld>
             <a:endParaRPr lang="pl-PL"/>
           </a:p>
@@ -4449,7 +4449,7 @@
           <a:p>
             <a:fld id="{2F0A57DC-CC62-46B3-AA63-1B42298A7AF5}" type="datetime1">
               <a:rPr lang="pl-PL" smtClean="0"/>
-              <a:t>2013-11-04</a:t>
+              <a:t>2013-11-05</a:t>
             </a:fld>
             <a:endParaRPr lang="pl-PL"/>
           </a:p>
@@ -4713,7 +4713,7 @@
           <a:p>
             <a:fld id="{9D09572B-077A-4BD2-9329-D2130395ECCA}" type="datetime1">
               <a:rPr lang="pl-PL" smtClean="0"/>
-              <a:t>2013-11-04</a:t>
+              <a:t>2013-11-05</a:t>
             </a:fld>
             <a:endParaRPr lang="pl-PL"/>
           </a:p>
@@ -5087,7 +5087,7 @@
           <a:p>
             <a:fld id="{DEC44E0D-317C-47FF-811D-ABFC76CA8076}" type="datetime1">
               <a:rPr lang="pl-PL" smtClean="0"/>
-              <a:t>2013-11-04</a:t>
+              <a:t>2013-11-05</a:t>
             </a:fld>
             <a:endParaRPr lang="pl-PL"/>
           </a:p>
@@ -5209,7 +5209,7 @@
           <a:p>
             <a:fld id="{B0C771A5-017A-43D3-B893-775F57D95F47}" type="datetime1">
               <a:rPr lang="pl-PL" smtClean="0"/>
-              <a:t>2013-11-04</a:t>
+              <a:t>2013-11-05</a:t>
             </a:fld>
             <a:endParaRPr lang="pl-PL"/>
           </a:p>
@@ -5299,7 +5299,7 @@
           <a:p>
             <a:fld id="{6BD0963F-9A63-403D-A804-3A0ED5F348B0}" type="datetime1">
               <a:rPr lang="pl-PL" smtClean="0"/>
-              <a:t>2013-11-04</a:t>
+              <a:t>2013-11-05</a:t>
             </a:fld>
             <a:endParaRPr lang="pl-PL"/>
           </a:p>
@@ -5548,7 +5548,7 @@
           <a:p>
             <a:fld id="{975ED237-9FC1-4E5C-946C-95A4C3DC1734}" type="datetime1">
               <a:rPr lang="pl-PL" smtClean="0"/>
-              <a:t>2013-11-04</a:t>
+              <a:t>2013-11-05</a:t>
             </a:fld>
             <a:endParaRPr lang="pl-PL"/>
           </a:p>
@@ -5807,7 +5807,7 @@
           <a:p>
             <a:fld id="{E40D8EE7-3B39-4567-8143-7507C31C3279}" type="datetime1">
               <a:rPr lang="pl-PL" smtClean="0"/>
-              <a:t>2013-11-04</a:t>
+              <a:t>2013-11-05</a:t>
             </a:fld>
             <a:endParaRPr lang="pl-PL"/>
           </a:p>
@@ -6211,7 +6211,7 @@
           <a:p>
             <a:fld id="{7608829D-31E7-4419-8C46-5689D5226F4A}" type="datetime1">
               <a:rPr lang="pl-PL" smtClean="0"/>
-              <a:t>2013-11-04</a:t>
+              <a:t>2013-11-05</a:t>
             </a:fld>
             <a:endParaRPr lang="pl-PL"/>
           </a:p>
@@ -7188,11 +7188,7 @@
           <a:p>
             <a:r>
               <a:rPr lang="pl-PL" dirty="0" smtClean="0"/>
-              <a:t>Algorytmy </a:t>
-            </a:r>
-            <a:r>
-              <a:rPr lang="pl-PL" dirty="0" smtClean="0"/>
-              <a:t>nawigacji</a:t>
+              <a:t>Algorytmy nawigacji</a:t>
             </a:r>
           </a:p>
           <a:p>
@@ -7477,9 +7473,10 @@
           <a:p>
             <a:pPr lvl="1"/>
             <a:r>
-              <a:rPr lang="pl-PL" dirty="0" smtClean="0"/>
-              <a:t>Opis</a:t>
-            </a:r>
+              <a:rPr lang="pl-PL" smtClean="0"/>
+              <a:t>Działanie</a:t>
+            </a:r>
+            <a:endParaRPr lang="pl-PL" dirty="0" smtClean="0"/>
           </a:p>
           <a:p>
             <a:r>

--- a/Nawigacja w grach komputerowych.pptx
+++ b/Nawigacja w grach komputerowych.pptx
@@ -271,11 +271,11 @@
         </c:dLbls>
         <c:gapWidth val="75"/>
         <c:overlap val="-25"/>
-        <c:axId val="110930560"/>
-        <c:axId val="110940544"/>
+        <c:axId val="98540160"/>
+        <c:axId val="98554240"/>
       </c:barChart>
       <c:catAx>
-        <c:axId val="110930560"/>
+        <c:axId val="98540160"/>
         <c:scaling>
           <c:orientation val="minMax"/>
         </c:scaling>
@@ -284,7 +284,7 @@
         <c:majorTickMark val="none"/>
         <c:minorTickMark val="none"/>
         <c:tickLblPos val="nextTo"/>
-        <c:crossAx val="110940544"/>
+        <c:crossAx val="98554240"/>
         <c:crosses val="autoZero"/>
         <c:auto val="1"/>
         <c:lblAlgn val="ctr"/>
@@ -292,7 +292,7 @@
         <c:noMultiLvlLbl val="0"/>
       </c:catAx>
       <c:valAx>
-        <c:axId val="110940544"/>
+        <c:axId val="98554240"/>
         <c:scaling>
           <c:orientation val="minMax"/>
         </c:scaling>
@@ -332,7 +332,7 @@
             <a:noFill/>
           </a:ln>
         </c:spPr>
-        <c:crossAx val="110930560"/>
+        <c:crossAx val="98540160"/>
         <c:crosses val="autoZero"/>
         <c:crossBetween val="between"/>
       </c:valAx>
@@ -502,11 +502,11 @@
         </c:dLbls>
         <c:gapWidth val="75"/>
         <c:overlap val="-25"/>
-        <c:axId val="111487232"/>
-        <c:axId val="111497216"/>
+        <c:axId val="97396992"/>
+        <c:axId val="97402880"/>
       </c:barChart>
       <c:catAx>
-        <c:axId val="111487232"/>
+        <c:axId val="97396992"/>
         <c:scaling>
           <c:orientation val="minMax"/>
         </c:scaling>
@@ -515,7 +515,7 @@
         <c:majorTickMark val="none"/>
         <c:minorTickMark val="none"/>
         <c:tickLblPos val="nextTo"/>
-        <c:crossAx val="111497216"/>
+        <c:crossAx val="97402880"/>
         <c:crosses val="autoZero"/>
         <c:auto val="1"/>
         <c:lblAlgn val="ctr"/>
@@ -523,7 +523,7 @@
         <c:noMultiLvlLbl val="0"/>
       </c:catAx>
       <c:valAx>
-        <c:axId val="111497216"/>
+        <c:axId val="97402880"/>
         <c:scaling>
           <c:orientation val="minMax"/>
         </c:scaling>
@@ -558,7 +558,7 @@
             <a:noFill/>
           </a:ln>
         </c:spPr>
-        <c:crossAx val="111487232"/>
+        <c:crossAx val="97396992"/>
         <c:crosses val="autoZero"/>
         <c:crossBetween val="between"/>
       </c:valAx>
@@ -728,11 +728,11 @@
         </c:dLbls>
         <c:gapWidth val="75"/>
         <c:overlap val="-25"/>
-        <c:axId val="111536000"/>
-        <c:axId val="111537536"/>
+        <c:axId val="97445760"/>
+        <c:axId val="97447296"/>
       </c:barChart>
       <c:catAx>
-        <c:axId val="111536000"/>
+        <c:axId val="97445760"/>
         <c:scaling>
           <c:orientation val="minMax"/>
         </c:scaling>
@@ -741,7 +741,7 @@
         <c:majorTickMark val="none"/>
         <c:minorTickMark val="none"/>
         <c:tickLblPos val="nextTo"/>
-        <c:crossAx val="111537536"/>
+        <c:crossAx val="97447296"/>
         <c:crosses val="autoZero"/>
         <c:auto val="1"/>
         <c:lblAlgn val="ctr"/>
@@ -749,7 +749,7 @@
         <c:noMultiLvlLbl val="0"/>
       </c:catAx>
       <c:valAx>
-        <c:axId val="111537536"/>
+        <c:axId val="97447296"/>
         <c:scaling>
           <c:orientation val="minMax"/>
         </c:scaling>
@@ -784,7 +784,7 @@
             <a:noFill/>
           </a:ln>
         </c:spPr>
-        <c:crossAx val="111536000"/>
+        <c:crossAx val="97445760"/>
         <c:crosses val="autoZero"/>
         <c:crossBetween val="between"/>
       </c:valAx>
@@ -949,11 +949,11 @@
         </c:dLbls>
         <c:gapWidth val="75"/>
         <c:overlap val="-25"/>
-        <c:axId val="111240704"/>
-        <c:axId val="111242240"/>
+        <c:axId val="98592256"/>
+        <c:axId val="98593792"/>
       </c:barChart>
       <c:catAx>
-        <c:axId val="111240704"/>
+        <c:axId val="98592256"/>
         <c:scaling>
           <c:orientation val="minMax"/>
         </c:scaling>
@@ -962,7 +962,7 @@
         <c:majorTickMark val="none"/>
         <c:minorTickMark val="none"/>
         <c:tickLblPos val="nextTo"/>
-        <c:crossAx val="111242240"/>
+        <c:crossAx val="98593792"/>
         <c:crosses val="autoZero"/>
         <c:auto val="1"/>
         <c:lblAlgn val="ctr"/>
@@ -970,7 +970,7 @@
         <c:noMultiLvlLbl val="0"/>
       </c:catAx>
       <c:valAx>
-        <c:axId val="111242240"/>
+        <c:axId val="98593792"/>
         <c:scaling>
           <c:orientation val="minMax"/>
         </c:scaling>
@@ -1005,7 +1005,7 @@
             <a:noFill/>
           </a:ln>
         </c:spPr>
-        <c:crossAx val="111240704"/>
+        <c:crossAx val="98592256"/>
         <c:crosses val="autoZero"/>
         <c:crossBetween val="between"/>
       </c:valAx>
@@ -1144,11 +1144,11 @@
         </c:dLbls>
         <c:gapWidth val="75"/>
         <c:overlap val="-25"/>
-        <c:axId val="111282816"/>
-        <c:axId val="111284608"/>
+        <c:axId val="98630272"/>
+        <c:axId val="98963840"/>
       </c:barChart>
       <c:catAx>
-        <c:axId val="111282816"/>
+        <c:axId val="98630272"/>
         <c:scaling>
           <c:orientation val="minMax"/>
         </c:scaling>
@@ -1157,7 +1157,7 @@
         <c:majorTickMark val="none"/>
         <c:minorTickMark val="none"/>
         <c:tickLblPos val="nextTo"/>
-        <c:crossAx val="111284608"/>
+        <c:crossAx val="98963840"/>
         <c:crosses val="autoZero"/>
         <c:auto val="1"/>
         <c:lblAlgn val="ctr"/>
@@ -1165,7 +1165,7 @@
         <c:noMultiLvlLbl val="0"/>
       </c:catAx>
       <c:valAx>
-        <c:axId val="111284608"/>
+        <c:axId val="98963840"/>
         <c:scaling>
           <c:orientation val="minMax"/>
         </c:scaling>
@@ -1201,7 +1201,7 @@
             <a:noFill/>
           </a:ln>
         </c:spPr>
-        <c:crossAx val="111282816"/>
+        <c:crossAx val="98630272"/>
         <c:crosses val="autoZero"/>
         <c:crossBetween val="between"/>
       </c:valAx>
@@ -1340,11 +1340,11 @@
         </c:dLbls>
         <c:gapWidth val="75"/>
         <c:overlap val="-25"/>
-        <c:axId val="111318528"/>
-        <c:axId val="111320064"/>
+        <c:axId val="98997760"/>
+        <c:axId val="98999296"/>
       </c:barChart>
       <c:catAx>
-        <c:axId val="111318528"/>
+        <c:axId val="98997760"/>
         <c:scaling>
           <c:orientation val="minMax"/>
         </c:scaling>
@@ -1353,7 +1353,7 @@
         <c:majorTickMark val="none"/>
         <c:minorTickMark val="none"/>
         <c:tickLblPos val="nextTo"/>
-        <c:crossAx val="111320064"/>
+        <c:crossAx val="98999296"/>
         <c:crosses val="autoZero"/>
         <c:auto val="1"/>
         <c:lblAlgn val="ctr"/>
@@ -1361,7 +1361,7 @@
         <c:noMultiLvlLbl val="0"/>
       </c:catAx>
       <c:valAx>
-        <c:axId val="111320064"/>
+        <c:axId val="98999296"/>
         <c:scaling>
           <c:orientation val="minMax"/>
         </c:scaling>
@@ -1401,7 +1401,7 @@
             <a:noFill/>
           </a:ln>
         </c:spPr>
-        <c:crossAx val="111318528"/>
+        <c:crossAx val="98997760"/>
         <c:crosses val="autoZero"/>
         <c:crossBetween val="between"/>
       </c:valAx>
@@ -1540,11 +1540,11 @@
         </c:dLbls>
         <c:gapWidth val="75"/>
         <c:overlap val="-25"/>
-        <c:axId val="111366528"/>
-        <c:axId val="111368064"/>
+        <c:axId val="99299712"/>
+        <c:axId val="99301248"/>
       </c:barChart>
       <c:catAx>
-        <c:axId val="111366528"/>
+        <c:axId val="99299712"/>
         <c:scaling>
           <c:orientation val="minMax"/>
         </c:scaling>
@@ -1553,7 +1553,7 @@
         <c:majorTickMark val="none"/>
         <c:minorTickMark val="none"/>
         <c:tickLblPos val="nextTo"/>
-        <c:crossAx val="111368064"/>
+        <c:crossAx val="99301248"/>
         <c:crosses val="autoZero"/>
         <c:auto val="1"/>
         <c:lblAlgn val="ctr"/>
@@ -1561,7 +1561,7 @@
         <c:noMultiLvlLbl val="0"/>
       </c:catAx>
       <c:valAx>
-        <c:axId val="111368064"/>
+        <c:axId val="99301248"/>
         <c:scaling>
           <c:orientation val="minMax"/>
         </c:scaling>
@@ -1601,7 +1601,7 @@
             <a:noFill/>
           </a:ln>
         </c:spPr>
-        <c:crossAx val="111366528"/>
+        <c:crossAx val="99299712"/>
         <c:crosses val="autoZero"/>
         <c:crossBetween val="between"/>
       </c:valAx>
@@ -1740,11 +1740,11 @@
         </c:dLbls>
         <c:gapWidth val="75"/>
         <c:overlap val="-25"/>
-        <c:axId val="111401984"/>
-        <c:axId val="111403776"/>
+        <c:axId val="99335168"/>
+        <c:axId val="99341056"/>
       </c:barChart>
       <c:catAx>
-        <c:axId val="111401984"/>
+        <c:axId val="99335168"/>
         <c:scaling>
           <c:orientation val="minMax"/>
         </c:scaling>
@@ -1753,7 +1753,7 @@
         <c:majorTickMark val="none"/>
         <c:minorTickMark val="none"/>
         <c:tickLblPos val="nextTo"/>
-        <c:crossAx val="111403776"/>
+        <c:crossAx val="99341056"/>
         <c:crosses val="autoZero"/>
         <c:auto val="1"/>
         <c:lblAlgn val="ctr"/>
@@ -1761,7 +1761,7 @@
         <c:noMultiLvlLbl val="0"/>
       </c:catAx>
       <c:valAx>
-        <c:axId val="111403776"/>
+        <c:axId val="99341056"/>
         <c:scaling>
           <c:orientation val="minMax"/>
         </c:scaling>
@@ -1801,7 +1801,7 @@
             <a:noFill/>
           </a:ln>
         </c:spPr>
-        <c:crossAx val="111401984"/>
+        <c:crossAx val="99335168"/>
         <c:crosses val="autoZero"/>
         <c:crossBetween val="between"/>
       </c:valAx>
@@ -8727,7 +8727,15 @@
           <a:p>
             <a:r>
               <a:rPr lang="pl-PL" dirty="0" smtClean="0"/>
-              <a:t>Wyniki badań heurystyk A*</a:t>
+              <a:t>Wyniki badań </a:t>
+            </a:r>
+            <a:r>
+              <a:rPr lang="pl-PL" dirty="0" smtClean="0"/>
+              <a:t>- heurystyki </a:t>
+            </a:r>
+            <a:r>
+              <a:rPr lang="pl-PL" dirty="0" smtClean="0"/>
+              <a:t>A*</a:t>
             </a:r>
             <a:endParaRPr lang="pl-PL" dirty="0"/>
           </a:p>
